--- a/Doc/[OOP] Brick Breaker_최종.pptx
+++ b/Doc/[OOP] Brick Breaker_최종.pptx
@@ -5,30 +5,34 @@
     <p:sldMasterId id="2147483655" r:id="rId1"/>
   </p:sldMasterIdLst>
   <p:notesMasterIdLst>
-    <p:notesMasterId r:id="rId20"/>
+    <p:notesMasterId r:id="rId24"/>
   </p:notesMasterIdLst>
   <p:handoutMasterIdLst>
-    <p:handoutMasterId r:id="rId21"/>
+    <p:handoutMasterId r:id="rId25"/>
   </p:handoutMasterIdLst>
   <p:sldIdLst>
     <p:sldId id="256" r:id="rId2"/>
-    <p:sldId id="373" r:id="rId3"/>
-    <p:sldId id="374" r:id="rId4"/>
-    <p:sldId id="378" r:id="rId5"/>
-    <p:sldId id="364" r:id="rId6"/>
-    <p:sldId id="379" r:id="rId7"/>
-    <p:sldId id="376" r:id="rId8"/>
-    <p:sldId id="380" r:id="rId9"/>
-    <p:sldId id="375" r:id="rId10"/>
-    <p:sldId id="381" r:id="rId11"/>
-    <p:sldId id="377" r:id="rId12"/>
-    <p:sldId id="386" r:id="rId13"/>
-    <p:sldId id="387" r:id="rId14"/>
-    <p:sldId id="384" r:id="rId15"/>
-    <p:sldId id="389" r:id="rId16"/>
-    <p:sldId id="388" r:id="rId17"/>
-    <p:sldId id="382" r:id="rId18"/>
-    <p:sldId id="383" r:id="rId19"/>
+    <p:sldId id="390" r:id="rId3"/>
+    <p:sldId id="373" r:id="rId4"/>
+    <p:sldId id="391" r:id="rId5"/>
+    <p:sldId id="374" r:id="rId6"/>
+    <p:sldId id="378" r:id="rId7"/>
+    <p:sldId id="364" r:id="rId8"/>
+    <p:sldId id="379" r:id="rId9"/>
+    <p:sldId id="376" r:id="rId10"/>
+    <p:sldId id="380" r:id="rId11"/>
+    <p:sldId id="375" r:id="rId12"/>
+    <p:sldId id="381" r:id="rId13"/>
+    <p:sldId id="377" r:id="rId14"/>
+    <p:sldId id="395" r:id="rId15"/>
+    <p:sldId id="384" r:id="rId16"/>
+    <p:sldId id="386" r:id="rId17"/>
+    <p:sldId id="387" r:id="rId18"/>
+    <p:sldId id="394" r:id="rId19"/>
+    <p:sldId id="382" r:id="rId20"/>
+    <p:sldId id="383" r:id="rId21"/>
+    <p:sldId id="392" r:id="rId22"/>
+    <p:sldId id="393" r:id="rId23"/>
   </p:sldIdLst>
   <p:sldSz cx="9144000" cy="6858000" type="screen4x3"/>
   <p:notesSz cx="6780213" cy="9910763"/>
@@ -961,6 +965,180 @@
     <p:extLst>
       <p:ext uri="{BB962C8B-B14F-4D97-AF65-F5344CB8AC3E}">
         <p14:creationId xmlns:p14="http://schemas.microsoft.com/office/powerpoint/2010/main" val="3533213311"/>
+      </p:ext>
+    </p:extLst>
+  </p:cSld>
+  <p:clrMapOvr>
+    <a:masterClrMapping/>
+  </p:clrMapOvr>
+</p:notes>
+</file>
+
+<file path=ppt/notesSlides/notesSlide2.xml><?xml version="1.0" encoding="utf-8"?>
+<p:notes xmlns:a="http://schemas.openxmlformats.org/drawingml/2006/main" xmlns:r="http://schemas.openxmlformats.org/officeDocument/2006/relationships" xmlns:p="http://schemas.openxmlformats.org/presentationml/2006/main">
+  <p:cSld>
+    <p:spTree>
+      <p:nvGrpSpPr>
+        <p:cNvPr id="1" name=""/>
+        <p:cNvGrpSpPr/>
+        <p:nvPr/>
+      </p:nvGrpSpPr>
+      <p:grpSpPr>
+        <a:xfrm>
+          <a:off x="0" y="0"/>
+          <a:ext cx="0" cy="0"/>
+          <a:chOff x="0" y="0"/>
+          <a:chExt cx="0" cy="0"/>
+        </a:xfrm>
+      </p:grpSpPr>
+      <p:sp>
+        <p:nvSpPr>
+          <p:cNvPr id="2" name="슬라이드 이미지 개체 틀 1"/>
+          <p:cNvSpPr>
+            <a:spLocks noGrp="1" noRot="1" noChangeAspect="1"/>
+          </p:cNvSpPr>
+          <p:nvPr>
+            <p:ph type="sldImg"/>
+          </p:nvPr>
+        </p:nvSpPr>
+        <p:spPr/>
+      </p:sp>
+      <p:sp>
+        <p:nvSpPr>
+          <p:cNvPr id="3" name="슬라이드 노트 개체 틀 2"/>
+          <p:cNvSpPr>
+            <a:spLocks noGrp="1"/>
+          </p:cNvSpPr>
+          <p:nvPr>
+            <p:ph type="body" idx="1"/>
+          </p:nvPr>
+        </p:nvSpPr>
+        <p:spPr/>
+        <p:txBody>
+          <a:bodyPr>
+            <a:normAutofit/>
+          </a:bodyPr>
+          <a:lstStyle/>
+          <a:p>
+            <a:endParaRPr lang="ko-KR" altLang="en-US"/>
+          </a:p>
+        </p:txBody>
+      </p:sp>
+      <p:sp>
+        <p:nvSpPr>
+          <p:cNvPr id="4" name="슬라이드 번호 개체 틀 3"/>
+          <p:cNvSpPr>
+            <a:spLocks noGrp="1"/>
+          </p:cNvSpPr>
+          <p:nvPr>
+            <p:ph type="sldNum" sz="quarter" idx="10"/>
+          </p:nvPr>
+        </p:nvSpPr>
+        <p:spPr/>
+        <p:txBody>
+          <a:bodyPr/>
+          <a:lstStyle/>
+          <a:p>
+            <a:fld id="{379E618C-E705-4CD1-A19E-88052652622A}" type="slidenum">
+              <a:rPr lang="en-US" smtClean="0"/>
+              <a:pPr/>
+              <a:t>14</a:t>
+            </a:fld>
+            <a:endParaRPr lang="en-US"/>
+          </a:p>
+        </p:txBody>
+      </p:sp>
+    </p:spTree>
+    <p:extLst>
+      <p:ext uri="{BB962C8B-B14F-4D97-AF65-F5344CB8AC3E}">
+        <p14:creationId xmlns:p14="http://schemas.microsoft.com/office/powerpoint/2010/main" val="2138555491"/>
+      </p:ext>
+    </p:extLst>
+  </p:cSld>
+  <p:clrMapOvr>
+    <a:masterClrMapping/>
+  </p:clrMapOvr>
+</p:notes>
+</file>
+
+<file path=ppt/notesSlides/notesSlide3.xml><?xml version="1.0" encoding="utf-8"?>
+<p:notes xmlns:a="http://schemas.openxmlformats.org/drawingml/2006/main" xmlns:r="http://schemas.openxmlformats.org/officeDocument/2006/relationships" xmlns:p="http://schemas.openxmlformats.org/presentationml/2006/main">
+  <p:cSld>
+    <p:spTree>
+      <p:nvGrpSpPr>
+        <p:cNvPr id="1" name=""/>
+        <p:cNvGrpSpPr/>
+        <p:nvPr/>
+      </p:nvGrpSpPr>
+      <p:grpSpPr>
+        <a:xfrm>
+          <a:off x="0" y="0"/>
+          <a:ext cx="0" cy="0"/>
+          <a:chOff x="0" y="0"/>
+          <a:chExt cx="0" cy="0"/>
+        </a:xfrm>
+      </p:grpSpPr>
+      <p:sp>
+        <p:nvSpPr>
+          <p:cNvPr id="2" name="슬라이드 이미지 개체 틀 1"/>
+          <p:cNvSpPr>
+            <a:spLocks noGrp="1" noRot="1" noChangeAspect="1"/>
+          </p:cNvSpPr>
+          <p:nvPr>
+            <p:ph type="sldImg"/>
+          </p:nvPr>
+        </p:nvSpPr>
+        <p:spPr/>
+      </p:sp>
+      <p:sp>
+        <p:nvSpPr>
+          <p:cNvPr id="3" name="슬라이드 노트 개체 틀 2"/>
+          <p:cNvSpPr>
+            <a:spLocks noGrp="1"/>
+          </p:cNvSpPr>
+          <p:nvPr>
+            <p:ph type="body" idx="1"/>
+          </p:nvPr>
+        </p:nvSpPr>
+        <p:spPr/>
+        <p:txBody>
+          <a:bodyPr>
+            <a:normAutofit/>
+          </a:bodyPr>
+          <a:lstStyle/>
+          <a:p>
+            <a:endParaRPr lang="ko-KR" altLang="en-US"/>
+          </a:p>
+        </p:txBody>
+      </p:sp>
+      <p:sp>
+        <p:nvSpPr>
+          <p:cNvPr id="4" name="슬라이드 번호 개체 틀 3"/>
+          <p:cNvSpPr>
+            <a:spLocks noGrp="1"/>
+          </p:cNvSpPr>
+          <p:nvPr>
+            <p:ph type="sldNum" sz="quarter" idx="10"/>
+          </p:nvPr>
+        </p:nvSpPr>
+        <p:spPr/>
+        <p:txBody>
+          <a:bodyPr/>
+          <a:lstStyle/>
+          <a:p>
+            <a:fld id="{379E618C-E705-4CD1-A19E-88052652622A}" type="slidenum">
+              <a:rPr lang="en-US" smtClean="0"/>
+              <a:pPr/>
+              <a:t>18</a:t>
+            </a:fld>
+            <a:endParaRPr lang="en-US"/>
+          </a:p>
+        </p:txBody>
+      </p:sp>
+    </p:spTree>
+    <p:extLst>
+      <p:ext uri="{BB962C8B-B14F-4D97-AF65-F5344CB8AC3E}">
+        <p14:creationId xmlns:p14="http://schemas.microsoft.com/office/powerpoint/2010/main" val="4208005842"/>
       </p:ext>
     </p:extLst>
   </p:cSld>
@@ -2572,6 +2750,437 @@
           <p:cNvPr id="2" name="제목 1">
             <a:extLst>
               <a:ext uri="{FF2B5EF4-FFF2-40B4-BE49-F238E27FC236}">
+                <a16:creationId xmlns:a16="http://schemas.microsoft.com/office/drawing/2014/main" id="{A6207C56-2000-4FE6-9A91-73E1B6E52B3D}"/>
+              </a:ext>
+            </a:extLst>
+          </p:cNvPr>
+          <p:cNvSpPr>
+            <a:spLocks noGrp="1"/>
+          </p:cNvSpPr>
+          <p:nvPr>
+            <p:ph type="title"/>
+          </p:nvPr>
+        </p:nvSpPr>
+        <p:spPr/>
+        <p:txBody>
+          <a:bodyPr/>
+          <a:lstStyle/>
+          <a:p>
+            <a:r>
+              <a:rPr lang="en-US" altLang="ko-KR" dirty="0"/>
+              <a:t>Bar</a:t>
+            </a:r>
+            <a:endParaRPr lang="ko-KR" altLang="en-US" dirty="0"/>
+          </a:p>
+        </p:txBody>
+      </p:sp>
+      <p:sp>
+        <p:nvSpPr>
+          <p:cNvPr id="3" name="내용 개체 틀 2">
+            <a:extLst>
+              <a:ext uri="{FF2B5EF4-FFF2-40B4-BE49-F238E27FC236}">
+                <a16:creationId xmlns:a16="http://schemas.microsoft.com/office/drawing/2014/main" id="{E6AF9160-C2E7-41EA-A1EB-5B015F5D08B3}"/>
+              </a:ext>
+            </a:extLst>
+          </p:cNvPr>
+          <p:cNvSpPr>
+            <a:spLocks noGrp="1"/>
+          </p:cNvSpPr>
+          <p:nvPr>
+            <p:ph idx="1"/>
+          </p:nvPr>
+        </p:nvSpPr>
+        <p:spPr/>
+        <p:txBody>
+          <a:bodyPr/>
+          <a:lstStyle/>
+          <a:p>
+            <a:r>
+              <a:rPr lang="ko-KR" altLang="en-US" dirty="0"/>
+              <a:t>막대가 가지는 속성</a:t>
+            </a:r>
+            <a:endParaRPr lang="en-US" altLang="ko-KR" dirty="0"/>
+          </a:p>
+          <a:p>
+            <a:pPr lvl="1"/>
+            <a:r>
+              <a:rPr lang="ko-KR" altLang="en-US" dirty="0"/>
+              <a:t>자신이 그려질 도화지 </a:t>
+            </a:r>
+            <a:r>
+              <a:rPr lang="en-US" altLang="ko-KR" dirty="0"/>
+              <a:t>: canvas</a:t>
+            </a:r>
+          </a:p>
+          <a:p>
+            <a:pPr lvl="1"/>
+            <a:r>
+              <a:rPr lang="ko-KR" altLang="en-US" dirty="0"/>
+              <a:t>도화지에서 자신의 시작 할 위치 </a:t>
+            </a:r>
+            <a:r>
+              <a:rPr lang="en-US" altLang="ko-KR" dirty="0"/>
+              <a:t>: </a:t>
+            </a:r>
+            <a:r>
+              <a:rPr lang="en-US" altLang="ko-KR" dirty="0" err="1"/>
+              <a:t>starting_posX</a:t>
+            </a:r>
+            <a:r>
+              <a:rPr lang="en-US" altLang="ko-KR" dirty="0"/>
+              <a:t>, </a:t>
+            </a:r>
+            <a:r>
+              <a:rPr lang="en-US" altLang="ko-KR" dirty="0" err="1"/>
+              <a:t>starting_posY</a:t>
+            </a:r>
+            <a:endParaRPr lang="en-US" altLang="ko-KR" dirty="0"/>
+          </a:p>
+          <a:p>
+            <a:pPr lvl="1"/>
+            <a:r>
+              <a:rPr lang="ko-KR" altLang="en-US" dirty="0"/>
+              <a:t>자신의 크기 </a:t>
+            </a:r>
+            <a:r>
+              <a:rPr lang="en-US" altLang="ko-KR" dirty="0"/>
+              <a:t>:</a:t>
+            </a:r>
+            <a:r>
+              <a:rPr lang="ko-KR" altLang="en-US" dirty="0"/>
+              <a:t> </a:t>
+            </a:r>
+            <a:r>
+              <a:rPr lang="en-US" altLang="ko-KR" dirty="0"/>
+              <a:t>sizeX1, sizeY1, sizeX2, sizeY2</a:t>
+            </a:r>
+          </a:p>
+          <a:p>
+            <a:pPr lvl="1"/>
+            <a:r>
+              <a:rPr lang="ko-KR" altLang="en-US" dirty="0"/>
+              <a:t>자신의 </a:t>
+            </a:r>
+            <a:r>
+              <a:rPr lang="en-US" altLang="ko-KR" dirty="0"/>
+              <a:t>ID : id</a:t>
+            </a:r>
+          </a:p>
+          <a:p>
+            <a:pPr lvl="1"/>
+            <a:r>
+              <a:rPr lang="ko-KR" altLang="en-US" dirty="0"/>
+              <a:t>자신의</a:t>
+            </a:r>
+            <a:r>
+              <a:rPr lang="en-US" altLang="ko-KR" dirty="0"/>
+              <a:t> </a:t>
+            </a:r>
+            <a:r>
+              <a:rPr lang="ko-KR" altLang="en-US" dirty="0"/>
+              <a:t>다음 위치 </a:t>
+            </a:r>
+            <a:r>
+              <a:rPr lang="en-US" altLang="ko-KR" dirty="0"/>
+              <a:t>: </a:t>
+            </a:r>
+            <a:r>
+              <a:rPr lang="en-US" altLang="ko-KR" dirty="0" err="1"/>
+              <a:t>posX</a:t>
+            </a:r>
+            <a:endParaRPr lang="en-US" altLang="ko-KR" dirty="0"/>
+          </a:p>
+          <a:p>
+            <a:r>
+              <a:rPr lang="ko-KR" altLang="en-US" dirty="0"/>
+              <a:t>막대가 가지는 메소드</a:t>
+            </a:r>
+            <a:endParaRPr lang="en-US" altLang="ko-KR" dirty="0"/>
+          </a:p>
+          <a:p>
+            <a:pPr lvl="1"/>
+            <a:r>
+              <a:rPr lang="ko-KR" altLang="en-US" dirty="0"/>
+              <a:t>자신의 </a:t>
+            </a:r>
+            <a:r>
+              <a:rPr lang="en-US" altLang="ko-KR" dirty="0"/>
+              <a:t>ID</a:t>
+            </a:r>
+            <a:r>
+              <a:rPr lang="ko-KR" altLang="en-US" dirty="0"/>
+              <a:t>를 반환 </a:t>
+            </a:r>
+            <a:r>
+              <a:rPr lang="en-US" altLang="ko-KR" dirty="0"/>
+              <a:t>: </a:t>
+            </a:r>
+            <a:r>
+              <a:rPr lang="en-US" altLang="ko-KR" dirty="0" err="1"/>
+              <a:t>get_id</a:t>
+            </a:r>
+            <a:r>
+              <a:rPr lang="en-US" altLang="ko-KR" dirty="0"/>
+              <a:t>()</a:t>
+            </a:r>
+          </a:p>
+          <a:p>
+            <a:pPr lvl="1"/>
+            <a:r>
+              <a:rPr lang="ko-KR" altLang="en-US" dirty="0"/>
+              <a:t>막대가</a:t>
+            </a:r>
+            <a:r>
+              <a:rPr lang="en-US" altLang="ko-KR" dirty="0"/>
+              <a:t> </a:t>
+            </a:r>
+            <a:r>
+              <a:rPr lang="ko-KR" altLang="en-US" dirty="0"/>
+              <a:t>벽에 닿았을 때</a:t>
+            </a:r>
+            <a:r>
+              <a:rPr lang="en-US" altLang="ko-KR" dirty="0"/>
+              <a:t>,</a:t>
+            </a:r>
+            <a:r>
+              <a:rPr lang="ko-KR" altLang="en-US" dirty="0"/>
+              <a:t>다음 위치를 지정 </a:t>
+            </a:r>
+            <a:r>
+              <a:rPr lang="en-US" altLang="ko-KR" dirty="0"/>
+              <a:t>: </a:t>
+            </a:r>
+            <a:r>
+              <a:rPr lang="en-US" altLang="ko-KR" dirty="0" err="1"/>
+              <a:t>set_posX</a:t>
+            </a:r>
+            <a:r>
+              <a:rPr lang="en-US" altLang="ko-KR" dirty="0"/>
+              <a:t>()</a:t>
+            </a:r>
+          </a:p>
+          <a:p>
+            <a:pPr lvl="1"/>
+            <a:r>
+              <a:rPr lang="ko-KR" altLang="en-US" dirty="0"/>
+              <a:t>좌</a:t>
+            </a:r>
+            <a:r>
+              <a:rPr lang="en-US" altLang="ko-KR" dirty="0"/>
+              <a:t>, </a:t>
+            </a:r>
+            <a:r>
+              <a:rPr lang="ko-KR" altLang="en-US" dirty="0"/>
+              <a:t>우 방향키를 눌렀을 때</a:t>
+            </a:r>
+            <a:r>
+              <a:rPr lang="en-US" altLang="ko-KR" dirty="0"/>
+              <a:t>,</a:t>
+            </a:r>
+            <a:r>
+              <a:rPr lang="ko-KR" altLang="en-US" dirty="0"/>
+              <a:t> 다음 위치 지정 </a:t>
+            </a:r>
+            <a:r>
+              <a:rPr lang="en-US" altLang="ko-KR" dirty="0"/>
+              <a:t>: </a:t>
+            </a:r>
+            <a:r>
+              <a:rPr lang="en-US" altLang="ko-KR" dirty="0" err="1"/>
+              <a:t>set_posX_left</a:t>
+            </a:r>
+            <a:r>
+              <a:rPr lang="en-US" altLang="ko-KR" dirty="0"/>
+              <a:t>(), </a:t>
+            </a:r>
+            <a:r>
+              <a:rPr lang="en-US" altLang="ko-KR" dirty="0" err="1"/>
+              <a:t>set_posX_right</a:t>
+            </a:r>
+            <a:r>
+              <a:rPr lang="en-US" altLang="ko-KR" dirty="0"/>
+              <a:t>()</a:t>
+            </a:r>
+            <a:endParaRPr lang="ko-KR" altLang="en-US" dirty="0"/>
+          </a:p>
+          <a:p>
+            <a:endParaRPr lang="ko-KR" altLang="en-US" dirty="0"/>
+          </a:p>
+        </p:txBody>
+      </p:sp>
+      <p:sp>
+        <p:nvSpPr>
+          <p:cNvPr id="4" name="바닥글 개체 틀 3">
+            <a:extLst>
+              <a:ext uri="{FF2B5EF4-FFF2-40B4-BE49-F238E27FC236}">
+                <a16:creationId xmlns:a16="http://schemas.microsoft.com/office/drawing/2014/main" id="{CE126469-D734-4539-9CFD-5C573D8A0EA1}"/>
+              </a:ext>
+            </a:extLst>
+          </p:cNvPr>
+          <p:cNvSpPr>
+            <a:spLocks noGrp="1"/>
+          </p:cNvSpPr>
+          <p:nvPr>
+            <p:ph type="ftr" sz="quarter" idx="3"/>
+          </p:nvPr>
+        </p:nvSpPr>
+        <p:spPr/>
+        <p:txBody>
+          <a:bodyPr/>
+          <a:lstStyle/>
+          <a:p>
+            <a:pPr algn="r"/>
+            <a:r>
+              <a:rPr lang="en-US" altLang="ko-KR"/>
+              <a:t>Copyright 2018 SMU SELab., All rights reserved.</a:t>
+            </a:r>
+            <a:endParaRPr lang="en-US" altLang="ko-KR" dirty="0"/>
+          </a:p>
+        </p:txBody>
+      </p:sp>
+    </p:spTree>
+    <p:extLst>
+      <p:ext uri="{BB962C8B-B14F-4D97-AF65-F5344CB8AC3E}">
+        <p14:creationId xmlns:p14="http://schemas.microsoft.com/office/powerpoint/2010/main" val="1884206014"/>
+      </p:ext>
+    </p:extLst>
+  </p:cSld>
+  <p:clrMapOvr>
+    <a:masterClrMapping/>
+  </p:clrMapOvr>
+</p:sld>
+</file>
+
+<file path=ppt/slides/slide11.xml><?xml version="1.0" encoding="utf-8"?>
+<p:sld xmlns:a="http://schemas.openxmlformats.org/drawingml/2006/main" xmlns:r="http://schemas.openxmlformats.org/officeDocument/2006/relationships" xmlns:p="http://schemas.openxmlformats.org/presentationml/2006/main">
+  <p:cSld>
+    <p:spTree>
+      <p:nvGrpSpPr>
+        <p:cNvPr id="1" name=""/>
+        <p:cNvGrpSpPr/>
+        <p:nvPr/>
+      </p:nvGrpSpPr>
+      <p:grpSpPr>
+        <a:xfrm>
+          <a:off x="0" y="0"/>
+          <a:ext cx="0" cy="0"/>
+          <a:chOff x="0" y="0"/>
+          <a:chExt cx="0" cy="0"/>
+        </a:xfrm>
+      </p:grpSpPr>
+      <p:sp>
+        <p:nvSpPr>
+          <p:cNvPr id="2" name="제목 1"/>
+          <p:cNvSpPr>
+            <a:spLocks noGrp="1"/>
+          </p:cNvSpPr>
+          <p:nvPr>
+            <p:ph type="title"/>
+          </p:nvPr>
+        </p:nvSpPr>
+        <p:spPr/>
+        <p:txBody>
+          <a:bodyPr/>
+          <a:lstStyle/>
+          <a:p>
+            <a:r>
+              <a:rPr lang="en-US" altLang="ko-KR" dirty="0"/>
+              <a:t>Bar</a:t>
+            </a:r>
+            <a:endParaRPr lang="ko-KR" altLang="en-US" dirty="0"/>
+          </a:p>
+        </p:txBody>
+      </p:sp>
+      <p:sp>
+        <p:nvSpPr>
+          <p:cNvPr id="4" name="바닥글 개체 틀 3"/>
+          <p:cNvSpPr>
+            <a:spLocks noGrp="1"/>
+          </p:cNvSpPr>
+          <p:nvPr>
+            <p:ph type="ftr" sz="quarter" idx="3"/>
+          </p:nvPr>
+        </p:nvSpPr>
+        <p:spPr/>
+        <p:txBody>
+          <a:bodyPr/>
+          <a:lstStyle/>
+          <a:p>
+            <a:pPr algn="r"/>
+            <a:r>
+              <a:rPr lang="en-US" altLang="ko-KR" dirty="0"/>
+              <a:t>Copyright 2018 SMU </a:t>
+            </a:r>
+            <a:r>
+              <a:rPr lang="en-US" altLang="ko-KR" dirty="0" err="1"/>
+              <a:t>SELab</a:t>
+            </a:r>
+            <a:r>
+              <a:rPr lang="en-US" altLang="ko-KR" dirty="0"/>
+              <a:t>., All rights reserved.</a:t>
+            </a:r>
+          </a:p>
+        </p:txBody>
+      </p:sp>
+      <p:pic>
+        <p:nvPicPr>
+          <p:cNvPr id="5" name="그림 4"/>
+          <p:cNvPicPr>
+            <a:picLocks noChangeAspect="1"/>
+          </p:cNvPicPr>
+          <p:nvPr/>
+        </p:nvPicPr>
+        <p:blipFill>
+          <a:blip r:embed="rId2"/>
+          <a:stretch>
+            <a:fillRect/>
+          </a:stretch>
+        </p:blipFill>
+        <p:spPr>
+          <a:xfrm>
+            <a:off x="3684368" y="1591699"/>
+            <a:ext cx="1815616" cy="3694150"/>
+          </a:xfrm>
+          <a:prstGeom prst="rect">
+            <a:avLst/>
+          </a:prstGeom>
+        </p:spPr>
+      </p:pic>
+    </p:spTree>
+    <p:extLst>
+      <p:ext uri="{BB962C8B-B14F-4D97-AF65-F5344CB8AC3E}">
+        <p14:creationId xmlns:p14="http://schemas.microsoft.com/office/powerpoint/2010/main" val="1479573517"/>
+      </p:ext>
+    </p:extLst>
+  </p:cSld>
+  <p:clrMapOvr>
+    <a:masterClrMapping/>
+  </p:clrMapOvr>
+</p:sld>
+</file>
+
+<file path=ppt/slides/slide12.xml><?xml version="1.0" encoding="utf-8"?>
+<p:sld xmlns:a="http://schemas.openxmlformats.org/drawingml/2006/main" xmlns:r="http://schemas.openxmlformats.org/officeDocument/2006/relationships" xmlns:p="http://schemas.openxmlformats.org/presentationml/2006/main">
+  <p:cSld>
+    <p:spTree>
+      <p:nvGrpSpPr>
+        <p:cNvPr id="1" name=""/>
+        <p:cNvGrpSpPr/>
+        <p:nvPr/>
+      </p:nvGrpSpPr>
+      <p:grpSpPr>
+        <a:xfrm>
+          <a:off x="0" y="0"/>
+          <a:ext cx="0" cy="0"/>
+          <a:chOff x="0" y="0"/>
+          <a:chExt cx="0" cy="0"/>
+        </a:xfrm>
+      </p:grpSpPr>
+      <p:sp>
+        <p:nvSpPr>
+          <p:cNvPr id="2" name="제목 1">
+            <a:extLst>
+              <a:ext uri="{FF2B5EF4-FFF2-40B4-BE49-F238E27FC236}">
                 <a16:creationId xmlns:a16="http://schemas.microsoft.com/office/drawing/2014/main" id="{81654C45-86EA-401D-BA2F-E5C8A19145A5}"/>
               </a:ext>
             </a:extLst>
@@ -2698,7 +3307,7 @@
             </a:r>
             <a:r>
               <a:rPr lang="en-US" altLang="ko-KR" dirty="0" err="1"/>
-              <a:t>conflict_ball_wall</a:t>
+              <a:t>collision_ball_wall</a:t>
             </a:r>
             <a:r>
               <a:rPr lang="en-US" altLang="ko-KR" dirty="0"/>
@@ -2717,7 +3326,7 @@
             </a:r>
             <a:r>
               <a:rPr lang="en-US" altLang="ko-KR" dirty="0" err="1"/>
-              <a:t>conflict_ball_brick</a:t>
+              <a:t>collision_ball_brick</a:t>
             </a:r>
             <a:r>
               <a:rPr lang="en-US" altLang="ko-KR" dirty="0"/>
@@ -2736,7 +3345,7 @@
             </a:r>
             <a:r>
               <a:rPr lang="en-US" altLang="ko-KR" dirty="0" err="1"/>
-              <a:t>conflict_ball_bar</a:t>
+              <a:t>collision_ball_bar</a:t>
             </a:r>
             <a:r>
               <a:rPr lang="en-US" altLang="ko-KR" dirty="0"/>
@@ -2755,7 +3364,7 @@
             </a:r>
             <a:r>
               <a:rPr lang="en-US" altLang="ko-KR" dirty="0" err="1"/>
-              <a:t>conflict_bar_wall</a:t>
+              <a:t>collision_bar_wall</a:t>
             </a:r>
             <a:r>
               <a:rPr lang="en-US" altLang="ko-KR" dirty="0"/>
@@ -2774,14 +3383,6 @@
             </a:r>
             <a:r>
               <a:rPr lang="ko-KR" altLang="en-US" dirty="0"/>
-              <a:t>벽돌</a:t>
-            </a:r>
-            <a:r>
-              <a:rPr lang="en-US" altLang="ko-KR" dirty="0"/>
-              <a:t>, </a:t>
-            </a:r>
-            <a:r>
-              <a:rPr lang="ko-KR" altLang="en-US" dirty="0"/>
               <a:t>막대를 그림 </a:t>
             </a:r>
             <a:r>
@@ -2791,6 +3392,25 @@
             <a:r>
               <a:rPr lang="en-US" altLang="ko-KR" dirty="0" err="1"/>
               <a:t>draw_all</a:t>
+            </a:r>
+            <a:r>
+              <a:rPr lang="en-US" altLang="ko-KR" dirty="0"/>
+              <a:t>()</a:t>
+            </a:r>
+          </a:p>
+          <a:p>
+            <a:pPr lvl="1"/>
+            <a:r>
+              <a:rPr lang="ko-KR" altLang="en-US" dirty="0"/>
+              <a:t>벽돌을 그림 </a:t>
+            </a:r>
+            <a:r>
+              <a:rPr lang="en-US" altLang="ko-KR" dirty="0"/>
+              <a:t>: </a:t>
+            </a:r>
+            <a:r>
+              <a:rPr lang="en-US" altLang="ko-KR" dirty="0" err="1"/>
+              <a:t>draw_brick</a:t>
             </a:r>
             <a:r>
               <a:rPr lang="en-US" altLang="ko-KR" dirty="0"/>
@@ -2840,7 +3460,7 @@
     </p:spTree>
     <p:extLst>
       <p:ext uri="{BB962C8B-B14F-4D97-AF65-F5344CB8AC3E}">
-        <p14:creationId xmlns:p14="http://schemas.microsoft.com/office/powerpoint/2010/main" val="3923687371"/>
+        <p14:creationId xmlns:p14="http://schemas.microsoft.com/office/powerpoint/2010/main" val="618884587"/>
       </p:ext>
     </p:extLst>
   </p:cSld>
@@ -2850,7 +3470,7 @@
 </p:sld>
 </file>
 
-<file path=ppt/slides/slide11.xml><?xml version="1.0" encoding="utf-8"?>
+<file path=ppt/slides/slide13.xml><?xml version="1.0" encoding="utf-8"?>
 <p:sld xmlns:a="http://schemas.openxmlformats.org/drawingml/2006/main" xmlns:r="http://schemas.openxmlformats.org/officeDocument/2006/relationships" xmlns:p="http://schemas.openxmlformats.org/presentationml/2006/main">
   <p:cSld>
     <p:spTree>
@@ -2928,13 +3548,7 @@
       </p:sp>
       <p:pic>
         <p:nvPicPr>
-          <p:cNvPr id="6" name="그림 5">
-            <a:extLst>
-              <a:ext uri="{FF2B5EF4-FFF2-40B4-BE49-F238E27FC236}">
-                <a16:creationId xmlns:a16="http://schemas.microsoft.com/office/drawing/2014/main" id="{C207E05C-92EE-4425-85B6-D0266E2F834F}"/>
-              </a:ext>
-            </a:extLst>
-          </p:cNvPr>
+          <p:cNvPr id="3" name="그림 2"/>
           <p:cNvPicPr>
             <a:picLocks noChangeAspect="1"/>
           </p:cNvPicPr>
@@ -2948,8 +3562,8 @@
         </p:blipFill>
         <p:spPr>
           <a:xfrm>
-            <a:off x="1409700" y="1633537"/>
-            <a:ext cx="6324600" cy="3590925"/>
+            <a:off x="3654233" y="1679353"/>
+            <a:ext cx="1772848" cy="3570433"/>
           </a:xfrm>
           <a:prstGeom prst="rect">
             <a:avLst/>
@@ -2959,7 +3573,7 @@
     </p:spTree>
     <p:extLst>
       <p:ext uri="{BB962C8B-B14F-4D97-AF65-F5344CB8AC3E}">
-        <p14:creationId xmlns:p14="http://schemas.microsoft.com/office/powerpoint/2010/main" val="633379920"/>
+        <p14:creationId xmlns:p14="http://schemas.microsoft.com/office/powerpoint/2010/main" val="1865118088"/>
       </p:ext>
     </p:extLst>
   </p:cSld>
@@ -2969,7 +3583,241 @@
 </p:sld>
 </file>
 
-<file path=ppt/slides/slide12.xml><?xml version="1.0" encoding="utf-8"?>
+<file path=ppt/slides/slide14.xml><?xml version="1.0" encoding="utf-8"?>
+<p:sld xmlns:a="http://schemas.openxmlformats.org/drawingml/2006/main" xmlns:r="http://schemas.openxmlformats.org/officeDocument/2006/relationships" xmlns:p="http://schemas.openxmlformats.org/presentationml/2006/main">
+  <p:cSld>
+    <p:spTree>
+      <p:nvGrpSpPr>
+        <p:cNvPr id="1" name=""/>
+        <p:cNvGrpSpPr/>
+        <p:nvPr/>
+      </p:nvGrpSpPr>
+      <p:grpSpPr>
+        <a:xfrm>
+          <a:off x="0" y="0"/>
+          <a:ext cx="0" cy="0"/>
+          <a:chOff x="0" y="0"/>
+          <a:chExt cx="0" cy="0"/>
+        </a:xfrm>
+      </p:grpSpPr>
+      <p:sp>
+        <p:nvSpPr>
+          <p:cNvPr id="2" name="제목 1"/>
+          <p:cNvSpPr>
+            <a:spLocks noGrp="1"/>
+          </p:cNvSpPr>
+          <p:nvPr>
+            <p:ph type="ctrTitle"/>
+          </p:nvPr>
+        </p:nvSpPr>
+        <p:spPr/>
+        <p:txBody>
+          <a:bodyPr/>
+          <a:lstStyle/>
+          <a:p>
+            <a:br>
+              <a:rPr lang="en-US" altLang="ko-KR" dirty="0"/>
+            </a:br>
+            <a:r>
+              <a:rPr lang="ko-KR" altLang="en-US" dirty="0"/>
+              <a:t>구현</a:t>
+            </a:r>
+          </a:p>
+        </p:txBody>
+      </p:sp>
+    </p:spTree>
+    <p:extLst>
+      <p:ext uri="{BB962C8B-B14F-4D97-AF65-F5344CB8AC3E}">
+        <p14:creationId xmlns:p14="http://schemas.microsoft.com/office/powerpoint/2010/main" val="3353067640"/>
+      </p:ext>
+    </p:extLst>
+  </p:cSld>
+  <p:clrMapOvr>
+    <a:masterClrMapping/>
+  </p:clrMapOvr>
+</p:sld>
+</file>
+
+<file path=ppt/slides/slide15.xml><?xml version="1.0" encoding="utf-8"?>
+<p:sld xmlns:a="http://schemas.openxmlformats.org/drawingml/2006/main" xmlns:r="http://schemas.openxmlformats.org/officeDocument/2006/relationships" xmlns:p="http://schemas.openxmlformats.org/presentationml/2006/main">
+  <p:cSld>
+    <p:spTree>
+      <p:nvGrpSpPr>
+        <p:cNvPr id="1" name=""/>
+        <p:cNvGrpSpPr/>
+        <p:nvPr/>
+      </p:nvGrpSpPr>
+      <p:grpSpPr>
+        <a:xfrm>
+          <a:off x="0" y="0"/>
+          <a:ext cx="0" cy="0"/>
+          <a:chOff x="0" y="0"/>
+          <a:chExt cx="0" cy="0"/>
+        </a:xfrm>
+      </p:grpSpPr>
+      <p:sp>
+        <p:nvSpPr>
+          <p:cNvPr id="2" name="제목 1">
+            <a:extLst>
+              <a:ext uri="{FF2B5EF4-FFF2-40B4-BE49-F238E27FC236}">
+                <a16:creationId xmlns:a16="http://schemas.microsoft.com/office/drawing/2014/main" id="{E4CA1FB6-A571-4C94-804F-1A5FE5B65A17}"/>
+              </a:ext>
+            </a:extLst>
+          </p:cNvPr>
+          <p:cNvSpPr>
+            <a:spLocks noGrp="1"/>
+          </p:cNvSpPr>
+          <p:nvPr>
+            <p:ph type="title"/>
+          </p:nvPr>
+        </p:nvSpPr>
+        <p:spPr/>
+        <p:txBody>
+          <a:bodyPr/>
+          <a:lstStyle/>
+          <a:p>
+            <a:r>
+              <a:rPr lang="ko-KR" altLang="en-US" dirty="0"/>
+              <a:t>구현</a:t>
+            </a:r>
+          </a:p>
+        </p:txBody>
+      </p:sp>
+      <p:sp>
+        <p:nvSpPr>
+          <p:cNvPr id="3" name="내용 개체 틀 2">
+            <a:extLst>
+              <a:ext uri="{FF2B5EF4-FFF2-40B4-BE49-F238E27FC236}">
+                <a16:creationId xmlns:a16="http://schemas.microsoft.com/office/drawing/2014/main" id="{3DD59151-9C66-4993-B3F1-9F3454E126F3}"/>
+              </a:ext>
+            </a:extLst>
+          </p:cNvPr>
+          <p:cNvSpPr>
+            <a:spLocks noGrp="1"/>
+          </p:cNvSpPr>
+          <p:nvPr>
+            <p:ph idx="1"/>
+          </p:nvPr>
+        </p:nvSpPr>
+        <p:spPr/>
+        <p:txBody>
+          <a:bodyPr/>
+          <a:lstStyle/>
+          <a:p>
+            <a:r>
+              <a:rPr lang="en-US" altLang="ko-KR" dirty="0" err="1"/>
+              <a:t>Github</a:t>
+            </a:r>
+            <a:r>
+              <a:rPr lang="en-US" altLang="ko-KR" dirty="0"/>
+              <a:t> </a:t>
+            </a:r>
+            <a:r>
+              <a:rPr lang="ko-KR" altLang="en-US" dirty="0"/>
+              <a:t>저장소 생성</a:t>
+            </a:r>
+            <a:endParaRPr lang="en-US" altLang="ko-KR" dirty="0"/>
+          </a:p>
+          <a:p>
+            <a:pPr lvl="1"/>
+            <a:r>
+              <a:rPr lang="ko-KR" altLang="en-US" dirty="0"/>
+              <a:t> 코드 </a:t>
+            </a:r>
+            <a:r>
+              <a:rPr lang="ko-KR" altLang="en-US" dirty="0" err="1"/>
+              <a:t>버전관리</a:t>
+            </a:r>
+            <a:r>
+              <a:rPr lang="ko-KR" altLang="en-US" dirty="0"/>
+              <a:t> 및 협업을 위함</a:t>
+            </a:r>
+            <a:endParaRPr lang="en-US" altLang="ko-KR" dirty="0"/>
+          </a:p>
+          <a:p>
+            <a:pPr lvl="1"/>
+            <a:r>
+              <a:rPr lang="en-US" altLang="ko-KR" dirty="0">
+                <a:hlinkClick r:id="rId2"/>
+              </a:rPr>
+              <a:t>GitHub </a:t>
+            </a:r>
+            <a:r>
+              <a:rPr lang="ko-KR" altLang="en-US" dirty="0">
+                <a:hlinkClick r:id="rId2"/>
+              </a:rPr>
+              <a:t>저장소 </a:t>
+            </a:r>
+            <a:endParaRPr lang="ko-KR" altLang="en-US" dirty="0"/>
+          </a:p>
+          <a:p>
+            <a:r>
+              <a:rPr lang="ko-KR" altLang="en-US" dirty="0"/>
+              <a:t>클래스다이어그램을 기반으로 각 클래스 구현 작업을 할당</a:t>
+            </a:r>
+            <a:endParaRPr lang="en-US" altLang="ko-KR" dirty="0"/>
+          </a:p>
+          <a:p>
+            <a:r>
+              <a:rPr lang="ko-KR" altLang="en-US" dirty="0"/>
+              <a:t>개별 </a:t>
+            </a:r>
+            <a:r>
+              <a:rPr lang="ko-KR" altLang="en-US"/>
+              <a:t>구현 후 </a:t>
+            </a:r>
+            <a:r>
+              <a:rPr lang="ko-KR" altLang="en-US" dirty="0"/>
+              <a:t>통합</a:t>
+            </a:r>
+            <a:endParaRPr lang="en-US" altLang="ko-KR" dirty="0"/>
+          </a:p>
+        </p:txBody>
+      </p:sp>
+      <p:sp>
+        <p:nvSpPr>
+          <p:cNvPr id="4" name="바닥글 개체 틀 3">
+            <a:extLst>
+              <a:ext uri="{FF2B5EF4-FFF2-40B4-BE49-F238E27FC236}">
+                <a16:creationId xmlns:a16="http://schemas.microsoft.com/office/drawing/2014/main" id="{7ACAEDCE-7262-44A6-84E7-D83A233CC20F}"/>
+              </a:ext>
+            </a:extLst>
+          </p:cNvPr>
+          <p:cNvSpPr>
+            <a:spLocks noGrp="1"/>
+          </p:cNvSpPr>
+          <p:nvPr>
+            <p:ph type="ftr" sz="quarter" idx="3"/>
+          </p:nvPr>
+        </p:nvSpPr>
+        <p:spPr/>
+        <p:txBody>
+          <a:bodyPr/>
+          <a:lstStyle/>
+          <a:p>
+            <a:pPr algn="r"/>
+            <a:r>
+              <a:rPr lang="en-US" altLang="ko-KR"/>
+              <a:t>Copyright 2018 SMU SELab., All rights reserved.</a:t>
+            </a:r>
+            <a:endParaRPr lang="en-US" altLang="ko-KR" dirty="0"/>
+          </a:p>
+        </p:txBody>
+      </p:sp>
+    </p:spTree>
+    <p:extLst>
+      <p:ext uri="{BB962C8B-B14F-4D97-AF65-F5344CB8AC3E}">
+        <p14:creationId xmlns:p14="http://schemas.microsoft.com/office/powerpoint/2010/main" val="2361216382"/>
+      </p:ext>
+    </p:extLst>
+  </p:cSld>
+  <p:clrMapOvr>
+    <a:masterClrMapping/>
+  </p:clrMapOvr>
+</p:sld>
+</file>
+
+<file path=ppt/slides/slide16.xml><?xml version="1.0" encoding="utf-8"?>
 <p:sld xmlns:a="http://schemas.openxmlformats.org/drawingml/2006/main" xmlns:r="http://schemas.openxmlformats.org/officeDocument/2006/relationships" xmlns:p="http://schemas.openxmlformats.org/presentationml/2006/main">
   <p:cSld>
     <p:spTree>
@@ -3776,7 +4624,7 @@
 </p:sld>
 </file>
 
-<file path=ppt/slides/slide13.xml><?xml version="1.0" encoding="utf-8"?>
+<file path=ppt/slides/slide17.xml><?xml version="1.0" encoding="utf-8"?>
 <p:sld xmlns:a="http://schemas.openxmlformats.org/drawingml/2006/main" xmlns:r="http://schemas.openxmlformats.org/officeDocument/2006/relationships" xmlns:p="http://schemas.openxmlformats.org/presentationml/2006/main">
   <p:cSld>
     <p:spTree>
@@ -4860,7 +5708,7 @@
 </p:sld>
 </file>
 
-<file path=ppt/slides/slide14.xml><?xml version="1.0" encoding="utf-8"?>
+<file path=ppt/slides/slide18.xml><?xml version="1.0" encoding="utf-8"?>
 <p:sld xmlns:a="http://schemas.openxmlformats.org/drawingml/2006/main" xmlns:r="http://schemas.openxmlformats.org/officeDocument/2006/relationships" xmlns:p="http://schemas.openxmlformats.org/presentationml/2006/main">
   <p:cSld>
     <p:spTree>
@@ -4879,18 +5727,12 @@
       </p:grpSpPr>
       <p:sp>
         <p:nvSpPr>
-          <p:cNvPr id="2" name="제목 1">
-            <a:extLst>
-              <a:ext uri="{FF2B5EF4-FFF2-40B4-BE49-F238E27FC236}">
-                <a16:creationId xmlns:a16="http://schemas.microsoft.com/office/drawing/2014/main" id="{E4CA1FB6-A571-4C94-804F-1A5FE5B65A17}"/>
-              </a:ext>
-            </a:extLst>
-          </p:cNvPr>
+          <p:cNvPr id="2" name="제목 1"/>
           <p:cNvSpPr>
             <a:spLocks noGrp="1"/>
           </p:cNvSpPr>
           <p:nvPr>
-            <p:ph type="title"/>
+            <p:ph type="ctrTitle"/>
           </p:nvPr>
         </p:nvSpPr>
         <p:spPr/>
@@ -4898,861 +5740,21 @@
           <a:bodyPr/>
           <a:lstStyle/>
           <a:p>
+            <a:br>
+              <a:rPr lang="en-US" altLang="ko-KR" dirty="0"/>
+            </a:br>
+            <a:r>
+              <a:rPr lang="ko-KR" altLang="en-US" dirty="0" err="1"/>
+              <a:t>테스팅</a:t>
+            </a:r>
             <a:endParaRPr lang="ko-KR" altLang="en-US" dirty="0"/>
-          </a:p>
-        </p:txBody>
-      </p:sp>
-      <p:sp>
-        <p:nvSpPr>
-          <p:cNvPr id="3" name="내용 개체 틀 2">
-            <a:extLst>
-              <a:ext uri="{FF2B5EF4-FFF2-40B4-BE49-F238E27FC236}">
-                <a16:creationId xmlns:a16="http://schemas.microsoft.com/office/drawing/2014/main" id="{3DD59151-9C66-4993-B3F1-9F3454E126F3}"/>
-              </a:ext>
-            </a:extLst>
-          </p:cNvPr>
-          <p:cNvSpPr>
-            <a:spLocks noGrp="1"/>
-          </p:cNvSpPr>
-          <p:nvPr>
-            <p:ph idx="1"/>
-          </p:nvPr>
-        </p:nvSpPr>
-        <p:spPr/>
-        <p:txBody>
-          <a:bodyPr/>
-          <a:lstStyle/>
-          <a:p>
-            <a:r>
-              <a:rPr lang="en-US" altLang="ko-KR" dirty="0" err="1"/>
-              <a:t>Github</a:t>
-            </a:r>
-            <a:r>
-              <a:rPr lang="en-US" altLang="ko-KR" dirty="0"/>
-              <a:t> </a:t>
-            </a:r>
-            <a:r>
-              <a:rPr lang="ko-KR" altLang="en-US" dirty="0"/>
-              <a:t>저장소 생성</a:t>
-            </a:r>
-            <a:endParaRPr lang="en-US" altLang="ko-KR" dirty="0"/>
-          </a:p>
-          <a:p>
-            <a:pPr lvl="1"/>
-            <a:r>
-              <a:rPr lang="ko-KR" altLang="en-US" dirty="0"/>
-              <a:t> 코드 </a:t>
-            </a:r>
-            <a:r>
-              <a:rPr lang="ko-KR" altLang="en-US" dirty="0" err="1"/>
-              <a:t>버전관리</a:t>
-            </a:r>
-            <a:r>
-              <a:rPr lang="ko-KR" altLang="en-US" dirty="0"/>
-              <a:t> 및 협업을 위함</a:t>
-            </a:r>
-            <a:endParaRPr lang="en-US" altLang="ko-KR" dirty="0"/>
-          </a:p>
-          <a:p>
-            <a:r>
-              <a:rPr lang="ko-KR" altLang="en-US" dirty="0"/>
-              <a:t>클래스다이어그램을 기반으로 각 클래스 모듈 템플릿 파일 업로드</a:t>
-            </a:r>
-            <a:endParaRPr lang="en-US" altLang="ko-KR" dirty="0"/>
-          </a:p>
-        </p:txBody>
-      </p:sp>
-      <p:sp>
-        <p:nvSpPr>
-          <p:cNvPr id="4" name="바닥글 개체 틀 3">
-            <a:extLst>
-              <a:ext uri="{FF2B5EF4-FFF2-40B4-BE49-F238E27FC236}">
-                <a16:creationId xmlns:a16="http://schemas.microsoft.com/office/drawing/2014/main" id="{7ACAEDCE-7262-44A6-84E7-D83A233CC20F}"/>
-              </a:ext>
-            </a:extLst>
-          </p:cNvPr>
-          <p:cNvSpPr>
-            <a:spLocks noGrp="1"/>
-          </p:cNvSpPr>
-          <p:nvPr>
-            <p:ph type="ftr" sz="quarter" idx="3"/>
-          </p:nvPr>
-        </p:nvSpPr>
-        <p:spPr/>
-        <p:txBody>
-          <a:bodyPr/>
-          <a:lstStyle/>
-          <a:p>
-            <a:pPr algn="r"/>
-            <a:r>
-              <a:rPr lang="en-US" altLang="ko-KR"/>
-              <a:t>Copyright 2018 SMU SELab., All rights reserved.</a:t>
-            </a:r>
-            <a:endParaRPr lang="en-US" altLang="ko-KR" dirty="0"/>
-          </a:p>
-        </p:txBody>
-      </p:sp>
-      <p:sp>
-        <p:nvSpPr>
-          <p:cNvPr id="5" name="Rectangle 4">
-            <a:extLst>
-              <a:ext uri="{FF2B5EF4-FFF2-40B4-BE49-F238E27FC236}">
-                <a16:creationId xmlns:a16="http://schemas.microsoft.com/office/drawing/2014/main" id="{56CE78BE-50C7-A241-A71B-EAFB570AB681}"/>
-              </a:ext>
-            </a:extLst>
-          </p:cNvPr>
-          <p:cNvSpPr/>
-          <p:nvPr/>
-        </p:nvSpPr>
-        <p:spPr bwMode="auto">
-          <a:xfrm>
-            <a:off x="746727" y="2866180"/>
-            <a:ext cx="7436573" cy="2979035"/>
-          </a:xfrm>
-          <a:prstGeom prst="rect">
-            <a:avLst/>
-          </a:prstGeom>
-          <a:noFill/>
-          <a:ln w="22225" cap="flat" cmpd="sng" algn="ctr">
-            <a:solidFill>
-              <a:schemeClr val="accent3">
-                <a:lumMod val="85000"/>
-              </a:schemeClr>
-            </a:solidFill>
-            <a:prstDash val="solid"/>
-            <a:round/>
-            <a:headEnd type="none" w="med" len="med"/>
-            <a:tailEnd type="none" w="med" len="med"/>
-          </a:ln>
-          <a:effectLst/>
-        </p:spPr>
-        <p:txBody>
-          <a:bodyPr vert="horz" wrap="none" lIns="90000" tIns="46800" rIns="90000" bIns="46800" numCol="1" rtlCol="0" anchor="ctr" anchorCtr="0" compatLnSpc="1">
-            <a:prstTxWarp prst="textNoShape">
-              <a:avLst/>
-            </a:prstTxWarp>
-          </a:bodyPr>
-          <a:lstStyle/>
-          <a:p>
-            <a:pPr marL="0" marR="0" indent="0" algn="l" defTabSz="914400" rtl="0" eaLnBrk="0" fontAlgn="base" latinLnBrk="0" hangingPunct="0">
-              <a:lnSpc>
-                <a:spcPct val="100000"/>
-              </a:lnSpc>
-              <a:spcBef>
-                <a:spcPct val="0"/>
-              </a:spcBef>
-              <a:spcAft>
-                <a:spcPct val="0"/>
-              </a:spcAft>
-              <a:buClrTx/>
-              <a:buSzTx/>
-              <a:buFontTx/>
-              <a:buNone/>
-              <a:tabLst/>
-            </a:pPr>
-            <a:endParaRPr kumimoji="0" lang="en-US" sz="1400" b="0" i="0" u="none" strike="noStrike" cap="none" normalizeH="0" baseline="0">
-              <a:ln>
-                <a:noFill/>
-              </a:ln>
-              <a:solidFill>
-                <a:schemeClr val="tx1"/>
-              </a:solidFill>
-              <a:effectLst/>
-              <a:latin typeface="Arial" charset="0"/>
-              <a:ea typeface="HY울릉도M" pitchFamily="18" charset="-127"/>
-            </a:endParaRPr>
-          </a:p>
-        </p:txBody>
-      </p:sp>
-      <p:sp>
-        <p:nvSpPr>
-          <p:cNvPr id="6" name="Rectangle 5">
-            <a:extLst>
-              <a:ext uri="{FF2B5EF4-FFF2-40B4-BE49-F238E27FC236}">
-                <a16:creationId xmlns:a16="http://schemas.microsoft.com/office/drawing/2014/main" id="{73E1BB15-6F8C-DA43-A91A-85923EC0D46B}"/>
-              </a:ext>
-            </a:extLst>
-          </p:cNvPr>
-          <p:cNvSpPr/>
-          <p:nvPr/>
-        </p:nvSpPr>
-        <p:spPr bwMode="auto">
-          <a:xfrm>
-            <a:off x="742906" y="2485181"/>
-            <a:ext cx="1433136" cy="393700"/>
-          </a:xfrm>
-          <a:prstGeom prst="rect">
-            <a:avLst/>
-          </a:prstGeom>
-          <a:solidFill>
-            <a:schemeClr val="accent3">
-              <a:lumMod val="85000"/>
-            </a:schemeClr>
-          </a:solidFill>
-          <a:ln w="12700" cap="flat" cmpd="sng" algn="ctr">
-            <a:noFill/>
-            <a:prstDash val="solid"/>
-            <a:round/>
-            <a:headEnd type="none" w="med" len="med"/>
-            <a:tailEnd type="none" w="med" len="med"/>
-          </a:ln>
-          <a:effectLst/>
-        </p:spPr>
-        <p:txBody>
-          <a:bodyPr vert="horz" wrap="none" lIns="90000" tIns="46800" rIns="90000" bIns="46800" numCol="1" rtlCol="0" anchor="ctr" anchorCtr="0" compatLnSpc="1">
-            <a:prstTxWarp prst="textNoShape">
-              <a:avLst/>
-            </a:prstTxWarp>
-          </a:bodyPr>
-          <a:lstStyle/>
-          <a:p>
-            <a:pPr marL="0" marR="0" indent="0" algn="l" defTabSz="914400" rtl="0" eaLnBrk="0" fontAlgn="base" latinLnBrk="0" hangingPunct="0">
-              <a:lnSpc>
-                <a:spcPct val="100000"/>
-              </a:lnSpc>
-              <a:spcBef>
-                <a:spcPct val="0"/>
-              </a:spcBef>
-              <a:spcAft>
-                <a:spcPct val="0"/>
-              </a:spcAft>
-              <a:buClrTx/>
-              <a:buSzTx/>
-              <a:buFontTx/>
-              <a:buNone/>
-              <a:tabLst/>
-            </a:pPr>
-            <a:endParaRPr kumimoji="0" lang="en-US" sz="1400" b="0" i="0" u="none" strike="noStrike" cap="none" normalizeH="0" baseline="0">
-              <a:ln>
-                <a:noFill/>
-              </a:ln>
-              <a:solidFill>
-                <a:schemeClr val="tx1"/>
-              </a:solidFill>
-              <a:effectLst/>
-              <a:latin typeface="Arial" charset="0"/>
-              <a:ea typeface="HY울릉도M" pitchFamily="18" charset="-127"/>
-            </a:endParaRPr>
-          </a:p>
-        </p:txBody>
-      </p:sp>
-      <p:sp>
-        <p:nvSpPr>
-          <p:cNvPr id="7" name="TextBox 6">
-            <a:extLst>
-              <a:ext uri="{FF2B5EF4-FFF2-40B4-BE49-F238E27FC236}">
-                <a16:creationId xmlns:a16="http://schemas.microsoft.com/office/drawing/2014/main" id="{D57C860F-10EA-B742-AF35-0A5D275CF39B}"/>
-              </a:ext>
-            </a:extLst>
-          </p:cNvPr>
-          <p:cNvSpPr txBox="1"/>
-          <p:nvPr/>
-        </p:nvSpPr>
-        <p:spPr>
-          <a:xfrm>
-            <a:off x="824499" y="2523281"/>
-            <a:ext cx="869469" cy="307777"/>
-          </a:xfrm>
-          <a:prstGeom prst="rect">
-            <a:avLst/>
-          </a:prstGeom>
-          <a:noFill/>
-        </p:spPr>
-        <p:txBody>
-          <a:bodyPr wrap="none" rtlCol="0">
-            <a:spAutoFit/>
-          </a:bodyPr>
-          <a:lstStyle/>
-          <a:p>
-            <a:r>
-              <a:rPr lang="en-US" b="1" dirty="0" err="1">
-                <a:latin typeface="Malgun Gothic" panose="020B0503020000020004" pitchFamily="34" charset="-127"/>
-                <a:ea typeface="Malgun Gothic" panose="020B0503020000020004" pitchFamily="34" charset="-127"/>
-              </a:rPr>
-              <a:t>Brick.py</a:t>
-            </a:r>
-            <a:endParaRPr lang="en-US" b="1" dirty="0">
-              <a:latin typeface="Malgun Gothic" panose="020B0503020000020004" pitchFamily="34" charset="-127"/>
-              <a:ea typeface="Malgun Gothic" panose="020B0503020000020004" pitchFamily="34" charset="-127"/>
-            </a:endParaRPr>
-          </a:p>
-        </p:txBody>
-      </p:sp>
-      <p:sp>
-        <p:nvSpPr>
-          <p:cNvPr id="8" name="TextBox 7">
-            <a:extLst>
-              <a:ext uri="{FF2B5EF4-FFF2-40B4-BE49-F238E27FC236}">
-                <a16:creationId xmlns:a16="http://schemas.microsoft.com/office/drawing/2014/main" id="{FE8E89EA-2950-024C-93CD-2AF73CD934B8}"/>
-              </a:ext>
-            </a:extLst>
-          </p:cNvPr>
-          <p:cNvSpPr txBox="1"/>
-          <p:nvPr/>
-        </p:nvSpPr>
-        <p:spPr>
-          <a:xfrm>
-            <a:off x="891251" y="2986268"/>
-            <a:ext cx="7048982" cy="2677656"/>
-          </a:xfrm>
-          <a:prstGeom prst="rect">
-            <a:avLst/>
-          </a:prstGeom>
-          <a:noFill/>
-        </p:spPr>
-        <p:txBody>
-          <a:bodyPr wrap="square" rtlCol="0">
-            <a:spAutoFit/>
-          </a:bodyPr>
-          <a:lstStyle/>
-          <a:p>
-            <a:r>
-              <a:rPr lang="en-US" sz="1200" b="1" dirty="0">
-                <a:solidFill>
-                  <a:srgbClr val="000080"/>
-                </a:solidFill>
-              </a:rPr>
-              <a:t>class </a:t>
-            </a:r>
-            <a:r>
-              <a:rPr lang="en-US" sz="1200" dirty="0"/>
-              <a:t>Brick:</a:t>
-            </a:r>
-            <a:br>
-              <a:rPr lang="en-US" sz="1200" dirty="0"/>
-            </a:br>
-            <a:r>
-              <a:rPr lang="en-US" sz="1200" dirty="0"/>
-              <a:t>    </a:t>
-            </a:r>
-            <a:r>
-              <a:rPr lang="en-US" sz="1200" b="1" dirty="0" err="1">
-                <a:solidFill>
-                  <a:srgbClr val="000080"/>
-                </a:solidFill>
-              </a:rPr>
-              <a:t>def</a:t>
-            </a:r>
-            <a:r>
-              <a:rPr lang="en-US" sz="1200" b="1" dirty="0">
-                <a:solidFill>
-                  <a:srgbClr val="000080"/>
-                </a:solidFill>
-              </a:rPr>
-              <a:t> </a:t>
-            </a:r>
-            <a:r>
-              <a:rPr lang="en-US" sz="1200" dirty="0">
-                <a:solidFill>
-                  <a:srgbClr val="B200B2"/>
-                </a:solidFill>
-              </a:rPr>
-              <a:t>__</a:t>
-            </a:r>
-            <a:r>
-              <a:rPr lang="en-US" sz="1200" dirty="0" err="1">
-                <a:solidFill>
-                  <a:srgbClr val="B200B2"/>
-                </a:solidFill>
-              </a:rPr>
-              <a:t>init</a:t>
-            </a:r>
-            <a:r>
-              <a:rPr lang="en-US" sz="1200" dirty="0">
-                <a:solidFill>
-                  <a:srgbClr val="B200B2"/>
-                </a:solidFill>
-              </a:rPr>
-              <a:t>__</a:t>
-            </a:r>
-            <a:r>
-              <a:rPr lang="en-US" sz="1200" dirty="0"/>
-              <a:t>(</a:t>
-            </a:r>
-            <a:r>
-              <a:rPr lang="en-US" sz="1200" dirty="0">
-                <a:solidFill>
-                  <a:srgbClr val="94558D"/>
-                </a:solidFill>
-              </a:rPr>
-              <a:t>self</a:t>
-            </a:r>
-            <a:r>
-              <a:rPr lang="en-US" sz="1200" dirty="0"/>
-              <a:t>, canvas , X , Y ):</a:t>
-            </a:r>
-            <a:br>
-              <a:rPr lang="en-US" sz="1200" dirty="0"/>
-            </a:br>
-            <a:r>
-              <a:rPr lang="en-US" sz="1200" dirty="0"/>
-              <a:t>        </a:t>
-            </a:r>
-            <a:r>
-              <a:rPr lang="en-US" sz="1200" dirty="0" err="1">
-                <a:solidFill>
-                  <a:srgbClr val="94558D"/>
-                </a:solidFill>
-              </a:rPr>
-              <a:t>self</a:t>
-            </a:r>
-            <a:r>
-              <a:rPr lang="en-US" sz="1200" dirty="0" err="1"/>
-              <a:t>.canvas</a:t>
-            </a:r>
-            <a:r>
-              <a:rPr lang="en-US" sz="1200" dirty="0"/>
-              <a:t> = canvas</a:t>
-            </a:r>
-            <a:br>
-              <a:rPr lang="en-US" sz="1200" dirty="0"/>
-            </a:br>
-            <a:r>
-              <a:rPr lang="en-US" sz="1200" dirty="0"/>
-              <a:t>        </a:t>
-            </a:r>
-            <a:r>
-              <a:rPr lang="en-US" sz="1200" dirty="0" err="1">
-                <a:solidFill>
-                  <a:srgbClr val="94558D"/>
-                </a:solidFill>
-              </a:rPr>
-              <a:t>self</a:t>
-            </a:r>
-            <a:r>
-              <a:rPr lang="en-US" sz="1200" dirty="0" err="1"/>
-              <a:t>.posX</a:t>
-            </a:r>
-            <a:r>
-              <a:rPr lang="en-US" sz="1200" dirty="0"/>
-              <a:t> = X</a:t>
-            </a:r>
-            <a:br>
-              <a:rPr lang="en-US" sz="1200" dirty="0"/>
-            </a:br>
-            <a:r>
-              <a:rPr lang="en-US" sz="1200" dirty="0"/>
-              <a:t>        </a:t>
-            </a:r>
-            <a:r>
-              <a:rPr lang="en-US" sz="1200" dirty="0" err="1">
-                <a:solidFill>
-                  <a:srgbClr val="94558D"/>
-                </a:solidFill>
-              </a:rPr>
-              <a:t>self</a:t>
-            </a:r>
-            <a:r>
-              <a:rPr lang="en-US" sz="1200" dirty="0" err="1"/>
-              <a:t>.posY</a:t>
-            </a:r>
-            <a:r>
-              <a:rPr lang="en-US" sz="1200" dirty="0"/>
-              <a:t> = Y</a:t>
-            </a:r>
-            <a:br>
-              <a:rPr lang="en-US" sz="1200" dirty="0"/>
-            </a:br>
-            <a:r>
-              <a:rPr lang="en-US" sz="1200" dirty="0"/>
-              <a:t>        </a:t>
-            </a:r>
-            <a:r>
-              <a:rPr lang="en-US" sz="1200" dirty="0">
-                <a:solidFill>
-                  <a:srgbClr val="94558D"/>
-                </a:solidFill>
-              </a:rPr>
-              <a:t>self</a:t>
-            </a:r>
-            <a:r>
-              <a:rPr lang="en-US" sz="1200" dirty="0"/>
-              <a:t>.sizeX1 = </a:t>
-            </a:r>
-            <a:r>
-              <a:rPr lang="en-US" sz="1200" dirty="0">
-                <a:solidFill>
-                  <a:srgbClr val="0000FF"/>
-                </a:solidFill>
-              </a:rPr>
-              <a:t>0</a:t>
-            </a:r>
-            <a:br>
-              <a:rPr lang="en-US" sz="1200" dirty="0">
-                <a:solidFill>
-                  <a:srgbClr val="0000FF"/>
-                </a:solidFill>
-              </a:rPr>
-            </a:br>
-            <a:r>
-              <a:rPr lang="en-US" sz="1200" dirty="0">
-                <a:solidFill>
-                  <a:srgbClr val="0000FF"/>
-                </a:solidFill>
-              </a:rPr>
-              <a:t>        </a:t>
-            </a:r>
-            <a:r>
-              <a:rPr lang="en-US" sz="1200" dirty="0">
-                <a:solidFill>
-                  <a:srgbClr val="94558D"/>
-                </a:solidFill>
-              </a:rPr>
-              <a:t>self</a:t>
-            </a:r>
-            <a:r>
-              <a:rPr lang="en-US" sz="1200" dirty="0"/>
-              <a:t>.sizeY1 = </a:t>
-            </a:r>
-            <a:r>
-              <a:rPr lang="en-US" sz="1200" dirty="0">
-                <a:solidFill>
-                  <a:srgbClr val="0000FF"/>
-                </a:solidFill>
-              </a:rPr>
-              <a:t>0</a:t>
-            </a:r>
-            <a:br>
-              <a:rPr lang="en-US" sz="1200" dirty="0">
-                <a:solidFill>
-                  <a:srgbClr val="0000FF"/>
-                </a:solidFill>
-              </a:rPr>
-            </a:br>
-            <a:r>
-              <a:rPr lang="en-US" sz="1200" dirty="0">
-                <a:solidFill>
-                  <a:srgbClr val="0000FF"/>
-                </a:solidFill>
-              </a:rPr>
-              <a:t>        </a:t>
-            </a:r>
-            <a:r>
-              <a:rPr lang="en-US" sz="1200" dirty="0">
-                <a:solidFill>
-                  <a:srgbClr val="94558D"/>
-                </a:solidFill>
-              </a:rPr>
-              <a:t>self</a:t>
-            </a:r>
-            <a:r>
-              <a:rPr lang="en-US" sz="1200" dirty="0"/>
-              <a:t>.sizeX2 = </a:t>
-            </a:r>
-            <a:r>
-              <a:rPr lang="en-US" sz="1200" dirty="0">
-                <a:solidFill>
-                  <a:srgbClr val="0000FF"/>
-                </a:solidFill>
-              </a:rPr>
-              <a:t>50</a:t>
-            </a:r>
-            <a:br>
-              <a:rPr lang="en-US" sz="1200" dirty="0">
-                <a:solidFill>
-                  <a:srgbClr val="0000FF"/>
-                </a:solidFill>
-              </a:rPr>
-            </a:br>
-            <a:r>
-              <a:rPr lang="en-US" sz="1200" dirty="0">
-                <a:solidFill>
-                  <a:srgbClr val="0000FF"/>
-                </a:solidFill>
-              </a:rPr>
-              <a:t>        </a:t>
-            </a:r>
-            <a:r>
-              <a:rPr lang="en-US" sz="1200" dirty="0">
-                <a:solidFill>
-                  <a:srgbClr val="94558D"/>
-                </a:solidFill>
-              </a:rPr>
-              <a:t>self</a:t>
-            </a:r>
-            <a:r>
-              <a:rPr lang="en-US" sz="1200" dirty="0"/>
-              <a:t>.sizeY2 = </a:t>
-            </a:r>
-            <a:r>
-              <a:rPr lang="en-US" sz="1200" dirty="0">
-                <a:solidFill>
-                  <a:srgbClr val="0000FF"/>
-                </a:solidFill>
-              </a:rPr>
-              <a:t>25</a:t>
-            </a:r>
-            <a:br>
-              <a:rPr lang="en-US" sz="1200" dirty="0">
-                <a:solidFill>
-                  <a:srgbClr val="0000FF"/>
-                </a:solidFill>
-              </a:rPr>
-            </a:br>
-            <a:r>
-              <a:rPr lang="en-US" sz="1200" dirty="0">
-                <a:solidFill>
-                  <a:srgbClr val="0000FF"/>
-                </a:solidFill>
-              </a:rPr>
-              <a:t>        </a:t>
-            </a:r>
-            <a:r>
-              <a:rPr lang="en-US" sz="1200" dirty="0" err="1">
-                <a:solidFill>
-                  <a:srgbClr val="94558D"/>
-                </a:solidFill>
-              </a:rPr>
-              <a:t>self</a:t>
-            </a:r>
-            <a:r>
-              <a:rPr lang="en-US" sz="1200" dirty="0" err="1"/>
-              <a:t>.id</a:t>
-            </a:r>
-            <a:r>
-              <a:rPr lang="en-US" sz="1200" dirty="0"/>
-              <a:t> = </a:t>
-            </a:r>
-            <a:r>
-              <a:rPr lang="en-US" sz="1200" dirty="0" err="1">
-                <a:solidFill>
-                  <a:srgbClr val="94558D"/>
-                </a:solidFill>
-              </a:rPr>
-              <a:t>self</a:t>
-            </a:r>
-            <a:r>
-              <a:rPr lang="en-US" sz="1200" dirty="0" err="1"/>
-              <a:t>.canvas.create_rectangle</a:t>
-            </a:r>
-            <a:r>
-              <a:rPr lang="en-US" sz="1200" dirty="0"/>
-              <a:t>(</a:t>
-            </a:r>
-            <a:r>
-              <a:rPr lang="en-US" sz="1200" dirty="0">
-                <a:solidFill>
-                  <a:srgbClr val="94558D"/>
-                </a:solidFill>
-              </a:rPr>
-              <a:t>self</a:t>
-            </a:r>
-            <a:r>
-              <a:rPr lang="en-US" sz="1200" dirty="0"/>
-              <a:t>.sizeX1,</a:t>
-            </a:r>
-            <a:r>
-              <a:rPr lang="en-US" sz="1200" dirty="0">
-                <a:solidFill>
-                  <a:srgbClr val="94558D"/>
-                </a:solidFill>
-              </a:rPr>
-              <a:t>self</a:t>
-            </a:r>
-            <a:r>
-              <a:rPr lang="en-US" sz="1200" dirty="0"/>
-              <a:t>.sizeY1,</a:t>
-            </a:r>
-            <a:r>
-              <a:rPr lang="en-US" sz="1200" dirty="0">
-                <a:solidFill>
-                  <a:srgbClr val="94558D"/>
-                </a:solidFill>
-              </a:rPr>
-              <a:t>self</a:t>
-            </a:r>
-            <a:r>
-              <a:rPr lang="en-US" sz="1200" dirty="0"/>
-              <a:t>.sizeX2,</a:t>
-            </a:r>
-            <a:r>
-              <a:rPr lang="en-US" sz="1200" dirty="0">
-                <a:solidFill>
-                  <a:srgbClr val="94558D"/>
-                </a:solidFill>
-              </a:rPr>
-              <a:t>self</a:t>
-            </a:r>
-            <a:r>
-              <a:rPr lang="en-US" sz="1200" dirty="0"/>
-              <a:t>.sizeY2,</a:t>
-            </a:r>
-            <a:r>
-              <a:rPr lang="en-US" sz="1200" dirty="0">
-                <a:solidFill>
-                  <a:srgbClr val="660099"/>
-                </a:solidFill>
-              </a:rPr>
-              <a:t>fill </a:t>
-            </a:r>
-            <a:r>
-              <a:rPr lang="en-US" sz="1200" dirty="0"/>
-              <a:t>= </a:t>
-            </a:r>
-            <a:r>
-              <a:rPr lang="en-US" sz="1200" b="1" dirty="0">
-                <a:solidFill>
-                  <a:srgbClr val="008000"/>
-                </a:solidFill>
-              </a:rPr>
-              <a:t>'red'</a:t>
-            </a:r>
-            <a:r>
-              <a:rPr lang="en-US" sz="1200" dirty="0"/>
-              <a:t>)</a:t>
-            </a:r>
-            <a:br>
-              <a:rPr lang="en-US" sz="1200" dirty="0"/>
-            </a:br>
-            <a:r>
-              <a:rPr lang="en-US" sz="1200" dirty="0"/>
-              <a:t>        </a:t>
-            </a:r>
-            <a:r>
-              <a:rPr lang="en-US" sz="1200" dirty="0" err="1">
-                <a:solidFill>
-                  <a:srgbClr val="94558D"/>
-                </a:solidFill>
-              </a:rPr>
-              <a:t>self</a:t>
-            </a:r>
-            <a:r>
-              <a:rPr lang="en-US" sz="1200" dirty="0" err="1"/>
-              <a:t>.canvas.move</a:t>
-            </a:r>
-            <a:r>
-              <a:rPr lang="en-US" sz="1200" dirty="0"/>
-              <a:t>(</a:t>
-            </a:r>
-            <a:r>
-              <a:rPr lang="en-US" sz="1200" dirty="0" err="1">
-                <a:solidFill>
-                  <a:srgbClr val="94558D"/>
-                </a:solidFill>
-              </a:rPr>
-              <a:t>self</a:t>
-            </a:r>
-            <a:r>
-              <a:rPr lang="en-US" sz="1200" dirty="0" err="1"/>
-              <a:t>.id</a:t>
-            </a:r>
-            <a:r>
-              <a:rPr lang="en-US" sz="1200" dirty="0"/>
-              <a:t>, </a:t>
-            </a:r>
-            <a:r>
-              <a:rPr lang="en-US" sz="1200" dirty="0" err="1">
-                <a:solidFill>
-                  <a:srgbClr val="94558D"/>
-                </a:solidFill>
-              </a:rPr>
-              <a:t>self</a:t>
-            </a:r>
-            <a:r>
-              <a:rPr lang="en-US" sz="1200" dirty="0" err="1"/>
-              <a:t>.posX</a:t>
-            </a:r>
-            <a:r>
-              <a:rPr lang="en-US" sz="1200" dirty="0"/>
-              <a:t>, </a:t>
-            </a:r>
-            <a:r>
-              <a:rPr lang="en-US" sz="1200" dirty="0" err="1">
-                <a:solidFill>
-                  <a:srgbClr val="94558D"/>
-                </a:solidFill>
-              </a:rPr>
-              <a:t>self</a:t>
-            </a:r>
-            <a:r>
-              <a:rPr lang="en-US" sz="1200" dirty="0" err="1"/>
-              <a:t>.posY</a:t>
-            </a:r>
-            <a:r>
-              <a:rPr lang="en-US" sz="1200" dirty="0"/>
-              <a:t>)</a:t>
-            </a:r>
-            <a:br>
-              <a:rPr lang="en-US" sz="1200" dirty="0"/>
-            </a:br>
-            <a:br>
-              <a:rPr lang="en-US" sz="1200" dirty="0"/>
-            </a:br>
-            <a:r>
-              <a:rPr lang="en-US" sz="1200" dirty="0"/>
-              <a:t>    </a:t>
-            </a:r>
-            <a:r>
-              <a:rPr lang="en-US" sz="1200" b="1" dirty="0" err="1">
-                <a:solidFill>
-                  <a:srgbClr val="000080"/>
-                </a:solidFill>
-              </a:rPr>
-              <a:t>def</a:t>
-            </a:r>
-            <a:r>
-              <a:rPr lang="en-US" sz="1200" b="1" dirty="0">
-                <a:solidFill>
-                  <a:srgbClr val="000080"/>
-                </a:solidFill>
-              </a:rPr>
-              <a:t> </a:t>
-            </a:r>
-            <a:r>
-              <a:rPr lang="en-US" sz="1200" dirty="0" err="1"/>
-              <a:t>get_id</a:t>
-            </a:r>
-            <a:r>
-              <a:rPr lang="en-US" sz="1200" dirty="0"/>
-              <a:t>(</a:t>
-            </a:r>
-            <a:r>
-              <a:rPr lang="en-US" sz="1200" dirty="0">
-                <a:solidFill>
-                  <a:srgbClr val="94558D"/>
-                </a:solidFill>
-              </a:rPr>
-              <a:t>self</a:t>
-            </a:r>
-            <a:r>
-              <a:rPr lang="en-US" sz="1200" dirty="0"/>
-              <a:t>):</a:t>
-            </a:r>
-            <a:br>
-              <a:rPr lang="en-US" sz="1200" dirty="0"/>
-            </a:br>
-            <a:r>
-              <a:rPr lang="en-US" sz="1200" dirty="0"/>
-              <a:t>        </a:t>
-            </a:r>
-            <a:r>
-              <a:rPr lang="en-US" sz="1200" b="1" dirty="0">
-                <a:solidFill>
-                  <a:srgbClr val="000080"/>
-                </a:solidFill>
-              </a:rPr>
-              <a:t>return </a:t>
-            </a:r>
-            <a:r>
-              <a:rPr lang="en-US" sz="1200" dirty="0" err="1">
-                <a:solidFill>
-                  <a:srgbClr val="94558D"/>
-                </a:solidFill>
-              </a:rPr>
-              <a:t>self</a:t>
-            </a:r>
-            <a:r>
-              <a:rPr lang="en-US" sz="1200" dirty="0" err="1"/>
-              <a:t>.id</a:t>
-            </a:r>
-            <a:endParaRPr lang="en-US" sz="1200" dirty="0"/>
           </a:p>
         </p:txBody>
       </p:sp>
     </p:spTree>
     <p:extLst>
       <p:ext uri="{BB962C8B-B14F-4D97-AF65-F5344CB8AC3E}">
-        <p14:creationId xmlns:p14="http://schemas.microsoft.com/office/powerpoint/2010/main" val="2361216382"/>
+        <p14:creationId xmlns:p14="http://schemas.microsoft.com/office/powerpoint/2010/main" val="1257434538"/>
       </p:ext>
     </p:extLst>
   </p:cSld>
@@ -5762,2070 +5764,7 @@
 </p:sld>
 </file>
 
-<file path=ppt/slides/slide15.xml><?xml version="1.0" encoding="utf-8"?>
-<p:sld xmlns:a="http://schemas.openxmlformats.org/drawingml/2006/main" xmlns:r="http://schemas.openxmlformats.org/officeDocument/2006/relationships" xmlns:p="http://schemas.openxmlformats.org/presentationml/2006/main">
-  <p:cSld>
-    <p:spTree>
-      <p:nvGrpSpPr>
-        <p:cNvPr id="1" name=""/>
-        <p:cNvGrpSpPr/>
-        <p:nvPr/>
-      </p:nvGrpSpPr>
-      <p:grpSpPr>
-        <a:xfrm>
-          <a:off x="0" y="0"/>
-          <a:ext cx="0" cy="0"/>
-          <a:chOff x="0" y="0"/>
-          <a:chExt cx="0" cy="0"/>
-        </a:xfrm>
-      </p:grpSpPr>
-      <p:sp>
-        <p:nvSpPr>
-          <p:cNvPr id="2" name="제목 1">
-            <a:extLst>
-              <a:ext uri="{FF2B5EF4-FFF2-40B4-BE49-F238E27FC236}">
-                <a16:creationId xmlns:a16="http://schemas.microsoft.com/office/drawing/2014/main" id="{E4CA1FB6-A571-4C94-804F-1A5FE5B65A17}"/>
-              </a:ext>
-            </a:extLst>
-          </p:cNvPr>
-          <p:cNvSpPr>
-            <a:spLocks noGrp="1"/>
-          </p:cNvSpPr>
-          <p:nvPr>
-            <p:ph type="title"/>
-          </p:nvPr>
-        </p:nvSpPr>
-        <p:spPr/>
-        <p:txBody>
-          <a:bodyPr/>
-          <a:lstStyle/>
-          <a:p>
-            <a:endParaRPr lang="ko-KR" altLang="en-US" dirty="0"/>
-          </a:p>
-        </p:txBody>
-      </p:sp>
-      <p:sp>
-        <p:nvSpPr>
-          <p:cNvPr id="3" name="내용 개체 틀 2">
-            <a:extLst>
-              <a:ext uri="{FF2B5EF4-FFF2-40B4-BE49-F238E27FC236}">
-                <a16:creationId xmlns:a16="http://schemas.microsoft.com/office/drawing/2014/main" id="{3DD59151-9C66-4993-B3F1-9F3454E126F3}"/>
-              </a:ext>
-            </a:extLst>
-          </p:cNvPr>
-          <p:cNvSpPr>
-            <a:spLocks noGrp="1"/>
-          </p:cNvSpPr>
-          <p:nvPr>
-            <p:ph idx="1"/>
-          </p:nvPr>
-        </p:nvSpPr>
-        <p:spPr/>
-        <p:txBody>
-          <a:bodyPr/>
-          <a:lstStyle/>
-          <a:p>
-            <a:pPr marL="0" indent="0">
-              <a:buNone/>
-            </a:pPr>
-            <a:endParaRPr lang="en-US" altLang="ko-KR" dirty="0"/>
-          </a:p>
-        </p:txBody>
-      </p:sp>
-      <p:sp>
-        <p:nvSpPr>
-          <p:cNvPr id="4" name="바닥글 개체 틀 3">
-            <a:extLst>
-              <a:ext uri="{FF2B5EF4-FFF2-40B4-BE49-F238E27FC236}">
-                <a16:creationId xmlns:a16="http://schemas.microsoft.com/office/drawing/2014/main" id="{7ACAEDCE-7262-44A6-84E7-D83A233CC20F}"/>
-              </a:ext>
-            </a:extLst>
-          </p:cNvPr>
-          <p:cNvSpPr>
-            <a:spLocks noGrp="1"/>
-          </p:cNvSpPr>
-          <p:nvPr>
-            <p:ph type="ftr" sz="quarter" idx="3"/>
-          </p:nvPr>
-        </p:nvSpPr>
-        <p:spPr/>
-        <p:txBody>
-          <a:bodyPr/>
-          <a:lstStyle/>
-          <a:p>
-            <a:pPr algn="r"/>
-            <a:r>
-              <a:rPr lang="en-US" altLang="ko-KR"/>
-              <a:t>Copyright 2018 SMU SELab., All rights reserved.</a:t>
-            </a:r>
-            <a:endParaRPr lang="en-US" altLang="ko-KR" dirty="0"/>
-          </a:p>
-        </p:txBody>
-      </p:sp>
-      <p:sp>
-        <p:nvSpPr>
-          <p:cNvPr id="5" name="Rectangle 4">
-            <a:extLst>
-              <a:ext uri="{FF2B5EF4-FFF2-40B4-BE49-F238E27FC236}">
-                <a16:creationId xmlns:a16="http://schemas.microsoft.com/office/drawing/2014/main" id="{56CE78BE-50C7-A241-A71B-EAFB570AB681}"/>
-              </a:ext>
-            </a:extLst>
-          </p:cNvPr>
-          <p:cNvSpPr/>
-          <p:nvPr/>
-        </p:nvSpPr>
-        <p:spPr bwMode="auto">
-          <a:xfrm>
-            <a:off x="746728" y="1523517"/>
-            <a:ext cx="7302500" cy="4124929"/>
-          </a:xfrm>
-          <a:prstGeom prst="rect">
-            <a:avLst/>
-          </a:prstGeom>
-          <a:noFill/>
-          <a:ln w="22225" cap="flat" cmpd="sng" algn="ctr">
-            <a:solidFill>
-              <a:schemeClr val="accent3">
-                <a:lumMod val="85000"/>
-              </a:schemeClr>
-            </a:solidFill>
-            <a:prstDash val="solid"/>
-            <a:round/>
-            <a:headEnd type="none" w="med" len="med"/>
-            <a:tailEnd type="none" w="med" len="med"/>
-          </a:ln>
-          <a:effectLst/>
-        </p:spPr>
-        <p:txBody>
-          <a:bodyPr vert="horz" wrap="none" lIns="90000" tIns="46800" rIns="90000" bIns="46800" numCol="1" rtlCol="0" anchor="ctr" anchorCtr="0" compatLnSpc="1">
-            <a:prstTxWarp prst="textNoShape">
-              <a:avLst/>
-            </a:prstTxWarp>
-          </a:bodyPr>
-          <a:lstStyle/>
-          <a:p>
-            <a:pPr marL="0" marR="0" indent="0" algn="l" defTabSz="914400" rtl="0" eaLnBrk="0" fontAlgn="base" latinLnBrk="0" hangingPunct="0">
-              <a:lnSpc>
-                <a:spcPct val="100000"/>
-              </a:lnSpc>
-              <a:spcBef>
-                <a:spcPct val="0"/>
-              </a:spcBef>
-              <a:spcAft>
-                <a:spcPct val="0"/>
-              </a:spcAft>
-              <a:buClrTx/>
-              <a:buSzTx/>
-              <a:buFontTx/>
-              <a:buNone/>
-              <a:tabLst/>
-            </a:pPr>
-            <a:endParaRPr kumimoji="0" lang="en-US" sz="1400" b="0" i="0" u="none" strike="noStrike" cap="none" normalizeH="0" baseline="0">
-              <a:ln>
-                <a:noFill/>
-              </a:ln>
-              <a:solidFill>
-                <a:schemeClr val="tx1"/>
-              </a:solidFill>
-              <a:effectLst/>
-              <a:latin typeface="Arial" charset="0"/>
-              <a:ea typeface="HY울릉도M" pitchFamily="18" charset="-127"/>
-            </a:endParaRPr>
-          </a:p>
-        </p:txBody>
-      </p:sp>
-      <p:sp>
-        <p:nvSpPr>
-          <p:cNvPr id="6" name="Rectangle 5">
-            <a:extLst>
-              <a:ext uri="{FF2B5EF4-FFF2-40B4-BE49-F238E27FC236}">
-                <a16:creationId xmlns:a16="http://schemas.microsoft.com/office/drawing/2014/main" id="{73E1BB15-6F8C-DA43-A91A-85923EC0D46B}"/>
-              </a:ext>
-            </a:extLst>
-          </p:cNvPr>
-          <p:cNvSpPr/>
-          <p:nvPr/>
-        </p:nvSpPr>
-        <p:spPr bwMode="auto">
-          <a:xfrm>
-            <a:off x="742906" y="1142518"/>
-            <a:ext cx="1433136" cy="393700"/>
-          </a:xfrm>
-          <a:prstGeom prst="rect">
-            <a:avLst/>
-          </a:prstGeom>
-          <a:solidFill>
-            <a:schemeClr val="accent3">
-              <a:lumMod val="85000"/>
-            </a:schemeClr>
-          </a:solidFill>
-          <a:ln w="12700" cap="flat" cmpd="sng" algn="ctr">
-            <a:noFill/>
-            <a:prstDash val="solid"/>
-            <a:round/>
-            <a:headEnd type="none" w="med" len="med"/>
-            <a:tailEnd type="none" w="med" len="med"/>
-          </a:ln>
-          <a:effectLst/>
-        </p:spPr>
-        <p:txBody>
-          <a:bodyPr vert="horz" wrap="none" lIns="90000" tIns="46800" rIns="90000" bIns="46800" numCol="1" rtlCol="0" anchor="ctr" anchorCtr="0" compatLnSpc="1">
-            <a:prstTxWarp prst="textNoShape">
-              <a:avLst/>
-            </a:prstTxWarp>
-          </a:bodyPr>
-          <a:lstStyle/>
-          <a:p>
-            <a:pPr marL="0" marR="0" indent="0" algn="l" defTabSz="914400" rtl="0" eaLnBrk="0" fontAlgn="base" latinLnBrk="0" hangingPunct="0">
-              <a:lnSpc>
-                <a:spcPct val="100000"/>
-              </a:lnSpc>
-              <a:spcBef>
-                <a:spcPct val="0"/>
-              </a:spcBef>
-              <a:spcAft>
-                <a:spcPct val="0"/>
-              </a:spcAft>
-              <a:buClrTx/>
-              <a:buSzTx/>
-              <a:buFontTx/>
-              <a:buNone/>
-              <a:tabLst/>
-            </a:pPr>
-            <a:endParaRPr kumimoji="0" lang="en-US" sz="1400" b="0" i="0" u="none" strike="noStrike" cap="none" normalizeH="0" baseline="0">
-              <a:ln>
-                <a:noFill/>
-              </a:ln>
-              <a:solidFill>
-                <a:schemeClr val="tx1"/>
-              </a:solidFill>
-              <a:effectLst/>
-              <a:latin typeface="Arial" charset="0"/>
-              <a:ea typeface="HY울릉도M" pitchFamily="18" charset="-127"/>
-            </a:endParaRPr>
-          </a:p>
-        </p:txBody>
-      </p:sp>
-      <p:sp>
-        <p:nvSpPr>
-          <p:cNvPr id="7" name="TextBox 6">
-            <a:extLst>
-              <a:ext uri="{FF2B5EF4-FFF2-40B4-BE49-F238E27FC236}">
-                <a16:creationId xmlns:a16="http://schemas.microsoft.com/office/drawing/2014/main" id="{D57C860F-10EA-B742-AF35-0A5D275CF39B}"/>
-              </a:ext>
-            </a:extLst>
-          </p:cNvPr>
-          <p:cNvSpPr txBox="1"/>
-          <p:nvPr/>
-        </p:nvSpPr>
-        <p:spPr>
-          <a:xfrm>
-            <a:off x="824499" y="1180618"/>
-            <a:ext cx="750526" cy="307777"/>
-          </a:xfrm>
-          <a:prstGeom prst="rect">
-            <a:avLst/>
-          </a:prstGeom>
-          <a:noFill/>
-        </p:spPr>
-        <p:txBody>
-          <a:bodyPr wrap="none" rtlCol="0">
-            <a:spAutoFit/>
-          </a:bodyPr>
-          <a:lstStyle/>
-          <a:p>
-            <a:r>
-              <a:rPr lang="en-US" b="1" dirty="0" err="1">
-                <a:latin typeface="Malgun Gothic" panose="020B0503020000020004" pitchFamily="34" charset="-127"/>
-                <a:ea typeface="Malgun Gothic" panose="020B0503020000020004" pitchFamily="34" charset="-127"/>
-              </a:rPr>
-              <a:t>Ball.py</a:t>
-            </a:r>
-            <a:endParaRPr lang="en-US" b="1" dirty="0">
-              <a:latin typeface="Malgun Gothic" panose="020B0503020000020004" pitchFamily="34" charset="-127"/>
-              <a:ea typeface="Malgun Gothic" panose="020B0503020000020004" pitchFamily="34" charset="-127"/>
-            </a:endParaRPr>
-          </a:p>
-        </p:txBody>
-      </p:sp>
-      <p:sp>
-        <p:nvSpPr>
-          <p:cNvPr id="8" name="TextBox 7">
-            <a:extLst>
-              <a:ext uri="{FF2B5EF4-FFF2-40B4-BE49-F238E27FC236}">
-                <a16:creationId xmlns:a16="http://schemas.microsoft.com/office/drawing/2014/main" id="{FE8E89EA-2950-024C-93CD-2AF73CD934B8}"/>
-              </a:ext>
-            </a:extLst>
-          </p:cNvPr>
-          <p:cNvSpPr txBox="1"/>
-          <p:nvPr/>
-        </p:nvSpPr>
-        <p:spPr>
-          <a:xfrm>
-            <a:off x="891251" y="1643605"/>
-            <a:ext cx="7048982" cy="3600986"/>
-          </a:xfrm>
-          <a:prstGeom prst="rect">
-            <a:avLst/>
-          </a:prstGeom>
-          <a:noFill/>
-        </p:spPr>
-        <p:txBody>
-          <a:bodyPr wrap="square" rtlCol="0">
-            <a:spAutoFit/>
-          </a:bodyPr>
-          <a:lstStyle/>
-          <a:p>
-            <a:r>
-              <a:rPr lang="en-US" sz="1200" b="1" dirty="0">
-                <a:solidFill>
-                  <a:srgbClr val="000080"/>
-                </a:solidFill>
-              </a:rPr>
-              <a:t>class </a:t>
-            </a:r>
-            <a:r>
-              <a:rPr lang="en-US" sz="1200" dirty="0"/>
-              <a:t>Ball:</a:t>
-            </a:r>
-            <a:br>
-              <a:rPr lang="en-US" sz="1200" dirty="0"/>
-            </a:br>
-            <a:r>
-              <a:rPr lang="en-US" sz="1200" dirty="0"/>
-              <a:t>    </a:t>
-            </a:r>
-            <a:r>
-              <a:rPr lang="en-US" sz="1200" b="1" dirty="0" err="1">
-                <a:solidFill>
-                  <a:srgbClr val="000080"/>
-                </a:solidFill>
-              </a:rPr>
-              <a:t>def</a:t>
-            </a:r>
-            <a:r>
-              <a:rPr lang="en-US" sz="1200" b="1" dirty="0">
-                <a:solidFill>
-                  <a:srgbClr val="000080"/>
-                </a:solidFill>
-              </a:rPr>
-              <a:t> </a:t>
-            </a:r>
-            <a:r>
-              <a:rPr lang="en-US" sz="1200" dirty="0">
-                <a:solidFill>
-                  <a:srgbClr val="B200B2"/>
-                </a:solidFill>
-              </a:rPr>
-              <a:t>__</a:t>
-            </a:r>
-            <a:r>
-              <a:rPr lang="en-US" sz="1200" dirty="0" err="1">
-                <a:solidFill>
-                  <a:srgbClr val="B200B2"/>
-                </a:solidFill>
-              </a:rPr>
-              <a:t>init</a:t>
-            </a:r>
-            <a:r>
-              <a:rPr lang="en-US" sz="1200" dirty="0">
-                <a:solidFill>
-                  <a:srgbClr val="B200B2"/>
-                </a:solidFill>
-              </a:rPr>
-              <a:t>__</a:t>
-            </a:r>
-            <a:r>
-              <a:rPr lang="en-US" sz="1200" dirty="0"/>
-              <a:t>(</a:t>
-            </a:r>
-            <a:r>
-              <a:rPr lang="en-US" sz="1200" dirty="0">
-                <a:solidFill>
-                  <a:srgbClr val="94558D"/>
-                </a:solidFill>
-              </a:rPr>
-              <a:t>self</a:t>
-            </a:r>
-            <a:r>
-              <a:rPr lang="en-US" sz="1200" dirty="0"/>
-              <a:t>, canvas, </a:t>
-            </a:r>
-            <a:r>
-              <a:rPr lang="en-US" sz="1200" dirty="0" err="1"/>
-              <a:t>sp_x</a:t>
-            </a:r>
-            <a:r>
-              <a:rPr lang="en-US" sz="1200" dirty="0"/>
-              <a:t>, </a:t>
-            </a:r>
-            <a:r>
-              <a:rPr lang="en-US" sz="1200" dirty="0" err="1"/>
-              <a:t>sp_y</a:t>
-            </a:r>
-            <a:r>
-              <a:rPr lang="en-US" sz="1200" dirty="0"/>
-              <a:t>, x1, y1, x2, y2):</a:t>
-            </a:r>
-            <a:br>
-              <a:rPr lang="en-US" sz="1200" dirty="0"/>
-            </a:br>
-            <a:r>
-              <a:rPr lang="en-US" sz="1200" dirty="0"/>
-              <a:t>        </a:t>
-            </a:r>
-            <a:r>
-              <a:rPr lang="en-US" sz="1200" dirty="0" err="1">
-                <a:solidFill>
-                  <a:srgbClr val="94558D"/>
-                </a:solidFill>
-              </a:rPr>
-              <a:t>self</a:t>
-            </a:r>
-            <a:r>
-              <a:rPr lang="en-US" sz="1200" dirty="0" err="1"/>
-              <a:t>.canvas</a:t>
-            </a:r>
-            <a:r>
-              <a:rPr lang="en-US" sz="1200" dirty="0"/>
-              <a:t> = canvas</a:t>
-            </a:r>
-            <a:br>
-              <a:rPr lang="en-US" sz="1200" dirty="0"/>
-            </a:br>
-            <a:r>
-              <a:rPr lang="en-US" sz="1200" dirty="0"/>
-              <a:t>        </a:t>
-            </a:r>
-            <a:r>
-              <a:rPr lang="en-US" sz="1200" dirty="0" err="1">
-                <a:solidFill>
-                  <a:srgbClr val="94558D"/>
-                </a:solidFill>
-              </a:rPr>
-              <a:t>self</a:t>
-            </a:r>
-            <a:r>
-              <a:rPr lang="en-US" sz="1200" dirty="0" err="1"/>
-              <a:t>.starting_posX</a:t>
-            </a:r>
-            <a:r>
-              <a:rPr lang="en-US" sz="1200" dirty="0"/>
-              <a:t> = </a:t>
-            </a:r>
-            <a:r>
-              <a:rPr lang="en-US" sz="1200" dirty="0" err="1"/>
-              <a:t>sp_x</a:t>
-            </a:r>
-            <a:br>
-              <a:rPr lang="en-US" sz="1200" dirty="0"/>
-            </a:br>
-            <a:r>
-              <a:rPr lang="en-US" sz="1200" dirty="0"/>
-              <a:t>        </a:t>
-            </a:r>
-            <a:r>
-              <a:rPr lang="en-US" sz="1200" dirty="0" err="1">
-                <a:solidFill>
-                  <a:srgbClr val="94558D"/>
-                </a:solidFill>
-              </a:rPr>
-              <a:t>self</a:t>
-            </a:r>
-            <a:r>
-              <a:rPr lang="en-US" sz="1200" dirty="0" err="1"/>
-              <a:t>.starting_posY</a:t>
-            </a:r>
-            <a:r>
-              <a:rPr lang="en-US" sz="1200" dirty="0"/>
-              <a:t> = </a:t>
-            </a:r>
-            <a:r>
-              <a:rPr lang="en-US" sz="1200" dirty="0" err="1"/>
-              <a:t>sp_y</a:t>
-            </a:r>
-            <a:br>
-              <a:rPr lang="en-US" sz="1200" dirty="0"/>
-            </a:br>
-            <a:r>
-              <a:rPr lang="en-US" sz="1200" dirty="0"/>
-              <a:t>        </a:t>
-            </a:r>
-            <a:r>
-              <a:rPr lang="en-US" sz="1200" dirty="0" err="1">
-                <a:solidFill>
-                  <a:srgbClr val="94558D"/>
-                </a:solidFill>
-              </a:rPr>
-              <a:t>self</a:t>
-            </a:r>
-            <a:r>
-              <a:rPr lang="en-US" sz="1200" dirty="0" err="1"/>
-              <a:t>.starting_direction</a:t>
-            </a:r>
-            <a:r>
-              <a:rPr lang="en-US" sz="1200" dirty="0"/>
-              <a:t> = [-</a:t>
-            </a:r>
-            <a:r>
-              <a:rPr lang="en-US" sz="1200" dirty="0">
-                <a:solidFill>
-                  <a:srgbClr val="0000FF"/>
-                </a:solidFill>
-              </a:rPr>
-              <a:t>3</a:t>
-            </a:r>
-            <a:r>
-              <a:rPr lang="en-US" sz="1200" dirty="0"/>
-              <a:t>, -</a:t>
-            </a:r>
-            <a:r>
-              <a:rPr lang="en-US" sz="1200" dirty="0">
-                <a:solidFill>
-                  <a:srgbClr val="0000FF"/>
-                </a:solidFill>
-              </a:rPr>
-              <a:t>2</a:t>
-            </a:r>
-            <a:r>
-              <a:rPr lang="en-US" sz="1200" dirty="0"/>
-              <a:t>, -</a:t>
-            </a:r>
-            <a:r>
-              <a:rPr lang="en-US" sz="1200" dirty="0">
-                <a:solidFill>
-                  <a:srgbClr val="0000FF"/>
-                </a:solidFill>
-              </a:rPr>
-              <a:t>1</a:t>
-            </a:r>
-            <a:r>
-              <a:rPr lang="en-US" sz="1200" dirty="0"/>
-              <a:t>, </a:t>
-            </a:r>
-            <a:r>
-              <a:rPr lang="en-US" sz="1200" dirty="0">
-                <a:solidFill>
-                  <a:srgbClr val="0000FF"/>
-                </a:solidFill>
-              </a:rPr>
-              <a:t>1</a:t>
-            </a:r>
-            <a:r>
-              <a:rPr lang="en-US" sz="1200" dirty="0"/>
-              <a:t>, </a:t>
-            </a:r>
-            <a:r>
-              <a:rPr lang="en-US" sz="1200" dirty="0">
-                <a:solidFill>
-                  <a:srgbClr val="0000FF"/>
-                </a:solidFill>
-              </a:rPr>
-              <a:t>2</a:t>
-            </a:r>
-            <a:r>
-              <a:rPr lang="en-US" sz="1200" dirty="0"/>
-              <a:t>, </a:t>
-            </a:r>
-            <a:r>
-              <a:rPr lang="en-US" sz="1200" dirty="0">
-                <a:solidFill>
-                  <a:srgbClr val="0000FF"/>
-                </a:solidFill>
-              </a:rPr>
-              <a:t>3</a:t>
-            </a:r>
-            <a:r>
-              <a:rPr lang="en-US" sz="1200" dirty="0"/>
-              <a:t>]</a:t>
-            </a:r>
-            <a:br>
-              <a:rPr lang="en-US" sz="1200" dirty="0"/>
-            </a:br>
-            <a:r>
-              <a:rPr lang="en-US" sz="1200" dirty="0"/>
-              <a:t>        </a:t>
-            </a:r>
-            <a:r>
-              <a:rPr lang="en-US" sz="1200" dirty="0">
-                <a:solidFill>
-                  <a:srgbClr val="94558D"/>
-                </a:solidFill>
-              </a:rPr>
-              <a:t>self</a:t>
-            </a:r>
-            <a:r>
-              <a:rPr lang="en-US" sz="1200" dirty="0"/>
-              <a:t>.sizeX1 = x1</a:t>
-            </a:r>
-            <a:br>
-              <a:rPr lang="en-US" sz="1200" dirty="0"/>
-            </a:br>
-            <a:r>
-              <a:rPr lang="en-US" sz="1200" dirty="0"/>
-              <a:t>        </a:t>
-            </a:r>
-            <a:r>
-              <a:rPr lang="en-US" sz="1200" dirty="0">
-                <a:solidFill>
-                  <a:srgbClr val="94558D"/>
-                </a:solidFill>
-              </a:rPr>
-              <a:t>self</a:t>
-            </a:r>
-            <a:r>
-              <a:rPr lang="en-US" sz="1200" dirty="0"/>
-              <a:t>.sizeY1 = y1</a:t>
-            </a:r>
-            <a:br>
-              <a:rPr lang="en-US" sz="1200" dirty="0"/>
-            </a:br>
-            <a:r>
-              <a:rPr lang="en-US" sz="1200" dirty="0"/>
-              <a:t>        </a:t>
-            </a:r>
-            <a:r>
-              <a:rPr lang="en-US" sz="1200" dirty="0">
-                <a:solidFill>
-                  <a:srgbClr val="94558D"/>
-                </a:solidFill>
-              </a:rPr>
-              <a:t>self</a:t>
-            </a:r>
-            <a:r>
-              <a:rPr lang="en-US" sz="1200" dirty="0"/>
-              <a:t>.sizeX2 = x2</a:t>
-            </a:r>
-            <a:br>
-              <a:rPr lang="en-US" sz="1200" dirty="0"/>
-            </a:br>
-            <a:r>
-              <a:rPr lang="en-US" sz="1200" dirty="0"/>
-              <a:t>        </a:t>
-            </a:r>
-            <a:r>
-              <a:rPr lang="en-US" sz="1200" dirty="0">
-                <a:solidFill>
-                  <a:srgbClr val="94558D"/>
-                </a:solidFill>
-              </a:rPr>
-              <a:t>self</a:t>
-            </a:r>
-            <a:r>
-              <a:rPr lang="en-US" sz="1200" dirty="0"/>
-              <a:t>.sizeY2 = y2</a:t>
-            </a:r>
-            <a:br>
-              <a:rPr lang="en-US" sz="1200" dirty="0"/>
-            </a:br>
-            <a:r>
-              <a:rPr lang="en-US" sz="1200" dirty="0"/>
-              <a:t>        </a:t>
-            </a:r>
-            <a:r>
-              <a:rPr lang="en-US" sz="1200" dirty="0" err="1">
-                <a:solidFill>
-                  <a:srgbClr val="94558D"/>
-                </a:solidFill>
-              </a:rPr>
-              <a:t>self</a:t>
-            </a:r>
-            <a:r>
-              <a:rPr lang="en-US" sz="1200" dirty="0" err="1"/>
-              <a:t>.posX</a:t>
-            </a:r>
-            <a:r>
-              <a:rPr lang="en-US" sz="1200" dirty="0"/>
-              <a:t> = </a:t>
-            </a:r>
-            <a:r>
-              <a:rPr lang="en-US" sz="1200" dirty="0" err="1"/>
-              <a:t>random.shuffle</a:t>
-            </a:r>
-            <a:r>
-              <a:rPr lang="en-US" sz="1200" dirty="0"/>
-              <a:t>(</a:t>
-            </a:r>
-            <a:r>
-              <a:rPr lang="en-US" sz="1200" dirty="0" err="1"/>
-              <a:t>starting_direction</a:t>
-            </a:r>
-            <a:r>
-              <a:rPr lang="en-US" sz="1200" dirty="0"/>
-              <a:t>)[</a:t>
-            </a:r>
-            <a:r>
-              <a:rPr lang="en-US" sz="1200" dirty="0">
-                <a:solidFill>
-                  <a:srgbClr val="0000FF"/>
-                </a:solidFill>
-              </a:rPr>
-              <a:t>0</a:t>
-            </a:r>
-            <a:r>
-              <a:rPr lang="en-US" sz="1200" dirty="0"/>
-              <a:t>]</a:t>
-            </a:r>
-            <a:br>
-              <a:rPr lang="en-US" sz="1200" dirty="0"/>
-            </a:br>
-            <a:r>
-              <a:rPr lang="en-US" sz="1200" dirty="0"/>
-              <a:t>        </a:t>
-            </a:r>
-            <a:r>
-              <a:rPr lang="en-US" sz="1200" dirty="0" err="1">
-                <a:solidFill>
-                  <a:srgbClr val="94558D"/>
-                </a:solidFill>
-              </a:rPr>
-              <a:t>self</a:t>
-            </a:r>
-            <a:r>
-              <a:rPr lang="en-US" sz="1200" dirty="0" err="1"/>
-              <a:t>.posY</a:t>
-            </a:r>
-            <a:r>
-              <a:rPr lang="en-US" sz="1200" dirty="0"/>
-              <a:t> = -</a:t>
-            </a:r>
-            <a:r>
-              <a:rPr lang="en-US" sz="1200" dirty="0">
-                <a:solidFill>
-                  <a:srgbClr val="0000FF"/>
-                </a:solidFill>
-              </a:rPr>
-              <a:t>3</a:t>
-            </a:r>
-            <a:br>
-              <a:rPr lang="en-US" sz="1200" dirty="0">
-                <a:solidFill>
-                  <a:srgbClr val="0000FF"/>
-                </a:solidFill>
-              </a:rPr>
-            </a:br>
-            <a:r>
-              <a:rPr lang="en-US" sz="1200" dirty="0">
-                <a:solidFill>
-                  <a:srgbClr val="0000FF"/>
-                </a:solidFill>
-              </a:rPr>
-              <a:t>        </a:t>
-            </a:r>
-            <a:r>
-              <a:rPr lang="en-US" sz="1200" dirty="0" err="1">
-                <a:solidFill>
-                  <a:srgbClr val="94558D"/>
-                </a:solidFill>
-              </a:rPr>
-              <a:t>self</a:t>
-            </a:r>
-            <a:r>
-              <a:rPr lang="en-US" sz="1200" dirty="0" err="1"/>
-              <a:t>.id</a:t>
-            </a:r>
-            <a:r>
-              <a:rPr lang="en-US" sz="1200" dirty="0"/>
-              <a:t> = </a:t>
-            </a:r>
-            <a:r>
-              <a:rPr lang="en-US" sz="1200" dirty="0" err="1"/>
-              <a:t>canvas.create_oval</a:t>
-            </a:r>
-            <a:r>
-              <a:rPr lang="en-US" sz="1200" dirty="0"/>
-              <a:t>(x1, y1, x2, y2, </a:t>
-            </a:r>
-            <a:r>
-              <a:rPr lang="en-US" sz="1200" dirty="0">
-                <a:solidFill>
-                  <a:srgbClr val="660099"/>
-                </a:solidFill>
-              </a:rPr>
-              <a:t>fill </a:t>
-            </a:r>
-            <a:r>
-              <a:rPr lang="en-US" sz="1200" dirty="0"/>
-              <a:t>= color)</a:t>
-            </a:r>
-            <a:br>
-              <a:rPr lang="en-US" sz="1200" dirty="0"/>
-            </a:br>
-            <a:br>
-              <a:rPr lang="en-US" sz="1200" dirty="0"/>
-            </a:br>
-            <a:r>
-              <a:rPr lang="en-US" sz="1200" dirty="0"/>
-              <a:t>    </a:t>
-            </a:r>
-            <a:r>
-              <a:rPr lang="en-US" sz="1200" b="1" dirty="0" err="1">
-                <a:solidFill>
-                  <a:srgbClr val="000080"/>
-                </a:solidFill>
-              </a:rPr>
-              <a:t>def</a:t>
-            </a:r>
-            <a:r>
-              <a:rPr lang="en-US" sz="1200" b="1" dirty="0">
-                <a:solidFill>
-                  <a:srgbClr val="000080"/>
-                </a:solidFill>
-              </a:rPr>
-              <a:t> </a:t>
-            </a:r>
-            <a:r>
-              <a:rPr lang="en-US" sz="1200" dirty="0"/>
-              <a:t>draw(</a:t>
-            </a:r>
-            <a:r>
-              <a:rPr lang="en-US" sz="1200" dirty="0">
-                <a:solidFill>
-                  <a:srgbClr val="94558D"/>
-                </a:solidFill>
-              </a:rPr>
-              <a:t>self</a:t>
-            </a:r>
-            <a:r>
-              <a:rPr lang="en-US" sz="1200" dirty="0"/>
-              <a:t>, </a:t>
-            </a:r>
-            <a:r>
-              <a:rPr lang="en-US" sz="1200" dirty="0" err="1"/>
-              <a:t>posX</a:t>
-            </a:r>
-            <a:r>
-              <a:rPr lang="en-US" sz="1200" dirty="0"/>
-              <a:t>, </a:t>
-            </a:r>
-            <a:r>
-              <a:rPr lang="en-US" sz="1200" dirty="0" err="1"/>
-              <a:t>posY</a:t>
-            </a:r>
-            <a:r>
-              <a:rPr lang="en-US" sz="1200" dirty="0"/>
-              <a:t>):</a:t>
-            </a:r>
-            <a:br>
-              <a:rPr lang="en-US" sz="1200" dirty="0"/>
-            </a:br>
-            <a:r>
-              <a:rPr lang="en-US" sz="1200" dirty="0"/>
-              <a:t>        </a:t>
-            </a:r>
-            <a:r>
-              <a:rPr lang="en-US" sz="1200" dirty="0" err="1">
-                <a:solidFill>
-                  <a:srgbClr val="94558D"/>
-                </a:solidFill>
-              </a:rPr>
-              <a:t>self</a:t>
-            </a:r>
-            <a:r>
-              <a:rPr lang="en-US" sz="1200" dirty="0" err="1"/>
-              <a:t>.canvas.move</a:t>
-            </a:r>
-            <a:r>
-              <a:rPr lang="en-US" sz="1200" dirty="0"/>
-              <a:t>(</a:t>
-            </a:r>
-            <a:r>
-              <a:rPr lang="en-US" sz="1200" dirty="0" err="1">
-                <a:solidFill>
-                  <a:srgbClr val="94558D"/>
-                </a:solidFill>
-              </a:rPr>
-              <a:t>self</a:t>
-            </a:r>
-            <a:r>
-              <a:rPr lang="en-US" sz="1200" dirty="0" err="1"/>
-              <a:t>.id</a:t>
-            </a:r>
-            <a:r>
-              <a:rPr lang="en-US" sz="1200" dirty="0"/>
-              <a:t>, </a:t>
-            </a:r>
-            <a:r>
-              <a:rPr lang="en-US" sz="1200" dirty="0" err="1"/>
-              <a:t>posX</a:t>
-            </a:r>
-            <a:r>
-              <a:rPr lang="en-US" sz="1200" dirty="0"/>
-              <a:t>, </a:t>
-            </a:r>
-            <a:r>
-              <a:rPr lang="en-US" sz="1200" dirty="0" err="1"/>
-              <a:t>posY</a:t>
-            </a:r>
-            <a:r>
-              <a:rPr lang="en-US" sz="1200" dirty="0"/>
-              <a:t>)</a:t>
-            </a:r>
-            <a:br>
-              <a:rPr lang="en-US" sz="1200" dirty="0"/>
-            </a:br>
-            <a:br>
-              <a:rPr lang="en-US" sz="1200" dirty="0"/>
-            </a:br>
-            <a:r>
-              <a:rPr lang="en-US" sz="1200" dirty="0"/>
-              <a:t>    </a:t>
-            </a:r>
-            <a:r>
-              <a:rPr lang="en-US" sz="1200" b="1" dirty="0" err="1">
-                <a:solidFill>
-                  <a:srgbClr val="000080"/>
-                </a:solidFill>
-              </a:rPr>
-              <a:t>def</a:t>
-            </a:r>
-            <a:r>
-              <a:rPr lang="en-US" sz="1200" b="1" dirty="0">
-                <a:solidFill>
-                  <a:srgbClr val="000080"/>
-                </a:solidFill>
-              </a:rPr>
-              <a:t> </a:t>
-            </a:r>
-            <a:r>
-              <a:rPr lang="en-US" sz="1200" dirty="0" err="1"/>
-              <a:t>get_id</a:t>
-            </a:r>
-            <a:r>
-              <a:rPr lang="en-US" sz="1200" dirty="0"/>
-              <a:t>(</a:t>
-            </a:r>
-            <a:r>
-              <a:rPr lang="en-US" sz="1200" dirty="0">
-                <a:solidFill>
-                  <a:srgbClr val="94558D"/>
-                </a:solidFill>
-              </a:rPr>
-              <a:t>self</a:t>
-            </a:r>
-            <a:r>
-              <a:rPr lang="en-US" sz="1200" dirty="0"/>
-              <a:t>):</a:t>
-            </a:r>
-            <a:br>
-              <a:rPr lang="en-US" sz="1200" dirty="0"/>
-            </a:br>
-            <a:r>
-              <a:rPr lang="en-US" sz="1200" dirty="0"/>
-              <a:t>        </a:t>
-            </a:r>
-            <a:r>
-              <a:rPr lang="en-US" sz="1200" b="1" dirty="0">
-                <a:solidFill>
-                  <a:srgbClr val="000080"/>
-                </a:solidFill>
-              </a:rPr>
-              <a:t>return </a:t>
-            </a:r>
-            <a:r>
-              <a:rPr lang="en-US" sz="1200" dirty="0" err="1">
-                <a:solidFill>
-                  <a:srgbClr val="94558D"/>
-                </a:solidFill>
-              </a:rPr>
-              <a:t>self</a:t>
-            </a:r>
-            <a:r>
-              <a:rPr lang="en-US" sz="1200" dirty="0" err="1"/>
-              <a:t>.id</a:t>
-            </a:r>
-            <a:endParaRPr lang="en-US" sz="1200" dirty="0"/>
-          </a:p>
-        </p:txBody>
-      </p:sp>
-    </p:spTree>
-    <p:extLst>
-      <p:ext uri="{BB962C8B-B14F-4D97-AF65-F5344CB8AC3E}">
-        <p14:creationId xmlns:p14="http://schemas.microsoft.com/office/powerpoint/2010/main" val="2224731639"/>
-      </p:ext>
-    </p:extLst>
-  </p:cSld>
-  <p:clrMapOvr>
-    <a:masterClrMapping/>
-  </p:clrMapOvr>
-</p:sld>
-</file>
-
-<file path=ppt/slides/slide16.xml><?xml version="1.0" encoding="utf-8"?>
-<p:sld xmlns:a="http://schemas.openxmlformats.org/drawingml/2006/main" xmlns:r="http://schemas.openxmlformats.org/officeDocument/2006/relationships" xmlns:p="http://schemas.openxmlformats.org/presentationml/2006/main">
-  <p:cSld>
-    <p:spTree>
-      <p:nvGrpSpPr>
-        <p:cNvPr id="1" name=""/>
-        <p:cNvGrpSpPr/>
-        <p:nvPr/>
-      </p:nvGrpSpPr>
-      <p:grpSpPr>
-        <a:xfrm>
-          <a:off x="0" y="0"/>
-          <a:ext cx="0" cy="0"/>
-          <a:chOff x="0" y="0"/>
-          <a:chExt cx="0" cy="0"/>
-        </a:xfrm>
-      </p:grpSpPr>
-      <p:sp>
-        <p:nvSpPr>
-          <p:cNvPr id="2" name="제목 1">
-            <a:extLst>
-              <a:ext uri="{FF2B5EF4-FFF2-40B4-BE49-F238E27FC236}">
-                <a16:creationId xmlns:a16="http://schemas.microsoft.com/office/drawing/2014/main" id="{E4CA1FB6-A571-4C94-804F-1A5FE5B65A17}"/>
-              </a:ext>
-            </a:extLst>
-          </p:cNvPr>
-          <p:cNvSpPr>
-            <a:spLocks noGrp="1"/>
-          </p:cNvSpPr>
-          <p:nvPr>
-            <p:ph type="title"/>
-          </p:nvPr>
-        </p:nvSpPr>
-        <p:spPr/>
-        <p:txBody>
-          <a:bodyPr/>
-          <a:lstStyle/>
-          <a:p>
-            <a:endParaRPr lang="ko-KR" altLang="en-US" dirty="0"/>
-          </a:p>
-        </p:txBody>
-      </p:sp>
-      <p:sp>
-        <p:nvSpPr>
-          <p:cNvPr id="3" name="내용 개체 틀 2">
-            <a:extLst>
-              <a:ext uri="{FF2B5EF4-FFF2-40B4-BE49-F238E27FC236}">
-                <a16:creationId xmlns:a16="http://schemas.microsoft.com/office/drawing/2014/main" id="{3DD59151-9C66-4993-B3F1-9F3454E126F3}"/>
-              </a:ext>
-            </a:extLst>
-          </p:cNvPr>
-          <p:cNvSpPr>
-            <a:spLocks noGrp="1"/>
-          </p:cNvSpPr>
-          <p:nvPr>
-            <p:ph idx="1"/>
-          </p:nvPr>
-        </p:nvSpPr>
-        <p:spPr/>
-        <p:txBody>
-          <a:bodyPr/>
-          <a:lstStyle/>
-          <a:p>
-            <a:pPr marL="0" indent="0">
-              <a:buNone/>
-            </a:pPr>
-            <a:endParaRPr lang="en-US" altLang="ko-KR" dirty="0"/>
-          </a:p>
-        </p:txBody>
-      </p:sp>
-      <p:sp>
-        <p:nvSpPr>
-          <p:cNvPr id="4" name="바닥글 개체 틀 3">
-            <a:extLst>
-              <a:ext uri="{FF2B5EF4-FFF2-40B4-BE49-F238E27FC236}">
-                <a16:creationId xmlns:a16="http://schemas.microsoft.com/office/drawing/2014/main" id="{7ACAEDCE-7262-44A6-84E7-D83A233CC20F}"/>
-              </a:ext>
-            </a:extLst>
-          </p:cNvPr>
-          <p:cNvSpPr>
-            <a:spLocks noGrp="1"/>
-          </p:cNvSpPr>
-          <p:nvPr>
-            <p:ph type="ftr" sz="quarter" idx="3"/>
-          </p:nvPr>
-        </p:nvSpPr>
-        <p:spPr/>
-        <p:txBody>
-          <a:bodyPr/>
-          <a:lstStyle/>
-          <a:p>
-            <a:pPr algn="r"/>
-            <a:r>
-              <a:rPr lang="en-US" altLang="ko-KR"/>
-              <a:t>Copyright 2018 SMU SELab., All rights reserved.</a:t>
-            </a:r>
-            <a:endParaRPr lang="en-US" altLang="ko-KR" dirty="0"/>
-          </a:p>
-        </p:txBody>
-      </p:sp>
-      <p:sp>
-        <p:nvSpPr>
-          <p:cNvPr id="5" name="Rectangle 4">
-            <a:extLst>
-              <a:ext uri="{FF2B5EF4-FFF2-40B4-BE49-F238E27FC236}">
-                <a16:creationId xmlns:a16="http://schemas.microsoft.com/office/drawing/2014/main" id="{56CE78BE-50C7-A241-A71B-EAFB570AB681}"/>
-              </a:ext>
-            </a:extLst>
-          </p:cNvPr>
-          <p:cNvSpPr/>
-          <p:nvPr/>
-        </p:nvSpPr>
-        <p:spPr bwMode="auto">
-          <a:xfrm>
-            <a:off x="746728" y="1523517"/>
-            <a:ext cx="7302500" cy="4472169"/>
-          </a:xfrm>
-          <a:prstGeom prst="rect">
-            <a:avLst/>
-          </a:prstGeom>
-          <a:noFill/>
-          <a:ln w="22225" cap="flat" cmpd="sng" algn="ctr">
-            <a:solidFill>
-              <a:schemeClr val="accent3">
-                <a:lumMod val="85000"/>
-              </a:schemeClr>
-            </a:solidFill>
-            <a:prstDash val="solid"/>
-            <a:round/>
-            <a:headEnd type="none" w="med" len="med"/>
-            <a:tailEnd type="none" w="med" len="med"/>
-          </a:ln>
-          <a:effectLst/>
-        </p:spPr>
-        <p:txBody>
-          <a:bodyPr vert="horz" wrap="none" lIns="90000" tIns="46800" rIns="90000" bIns="46800" numCol="1" rtlCol="0" anchor="ctr" anchorCtr="0" compatLnSpc="1">
-            <a:prstTxWarp prst="textNoShape">
-              <a:avLst/>
-            </a:prstTxWarp>
-          </a:bodyPr>
-          <a:lstStyle/>
-          <a:p>
-            <a:pPr marL="0" marR="0" indent="0" algn="l" defTabSz="914400" rtl="0" eaLnBrk="0" fontAlgn="base" latinLnBrk="0" hangingPunct="0">
-              <a:lnSpc>
-                <a:spcPct val="100000"/>
-              </a:lnSpc>
-              <a:spcBef>
-                <a:spcPct val="0"/>
-              </a:spcBef>
-              <a:spcAft>
-                <a:spcPct val="0"/>
-              </a:spcAft>
-              <a:buClrTx/>
-              <a:buSzTx/>
-              <a:buFontTx/>
-              <a:buNone/>
-              <a:tabLst/>
-            </a:pPr>
-            <a:endParaRPr kumimoji="0" lang="en-US" sz="1400" b="0" i="0" u="none" strike="noStrike" cap="none" normalizeH="0" baseline="0">
-              <a:ln>
-                <a:noFill/>
-              </a:ln>
-              <a:solidFill>
-                <a:schemeClr val="tx1"/>
-              </a:solidFill>
-              <a:effectLst/>
-              <a:latin typeface="Arial" charset="0"/>
-              <a:ea typeface="HY울릉도M" pitchFamily="18" charset="-127"/>
-            </a:endParaRPr>
-          </a:p>
-        </p:txBody>
-      </p:sp>
-      <p:sp>
-        <p:nvSpPr>
-          <p:cNvPr id="6" name="Rectangle 5">
-            <a:extLst>
-              <a:ext uri="{FF2B5EF4-FFF2-40B4-BE49-F238E27FC236}">
-                <a16:creationId xmlns:a16="http://schemas.microsoft.com/office/drawing/2014/main" id="{73E1BB15-6F8C-DA43-A91A-85923EC0D46B}"/>
-              </a:ext>
-            </a:extLst>
-          </p:cNvPr>
-          <p:cNvSpPr/>
-          <p:nvPr/>
-        </p:nvSpPr>
-        <p:spPr bwMode="auto">
-          <a:xfrm>
-            <a:off x="742906" y="1142518"/>
-            <a:ext cx="1433136" cy="393700"/>
-          </a:xfrm>
-          <a:prstGeom prst="rect">
-            <a:avLst/>
-          </a:prstGeom>
-          <a:solidFill>
-            <a:schemeClr val="accent3">
-              <a:lumMod val="85000"/>
-            </a:schemeClr>
-          </a:solidFill>
-          <a:ln w="12700" cap="flat" cmpd="sng" algn="ctr">
-            <a:noFill/>
-            <a:prstDash val="solid"/>
-            <a:round/>
-            <a:headEnd type="none" w="med" len="med"/>
-            <a:tailEnd type="none" w="med" len="med"/>
-          </a:ln>
-          <a:effectLst/>
-        </p:spPr>
-        <p:txBody>
-          <a:bodyPr vert="horz" wrap="none" lIns="90000" tIns="46800" rIns="90000" bIns="46800" numCol="1" rtlCol="0" anchor="ctr" anchorCtr="0" compatLnSpc="1">
-            <a:prstTxWarp prst="textNoShape">
-              <a:avLst/>
-            </a:prstTxWarp>
-          </a:bodyPr>
-          <a:lstStyle/>
-          <a:p>
-            <a:pPr marL="0" marR="0" indent="0" algn="l" defTabSz="914400" rtl="0" eaLnBrk="0" fontAlgn="base" latinLnBrk="0" hangingPunct="0">
-              <a:lnSpc>
-                <a:spcPct val="100000"/>
-              </a:lnSpc>
-              <a:spcBef>
-                <a:spcPct val="0"/>
-              </a:spcBef>
-              <a:spcAft>
-                <a:spcPct val="0"/>
-              </a:spcAft>
-              <a:buClrTx/>
-              <a:buSzTx/>
-              <a:buFontTx/>
-              <a:buNone/>
-              <a:tabLst/>
-            </a:pPr>
-            <a:endParaRPr kumimoji="0" lang="en-US" sz="1400" b="0" i="0" u="none" strike="noStrike" cap="none" normalizeH="0" baseline="0">
-              <a:ln>
-                <a:noFill/>
-              </a:ln>
-              <a:solidFill>
-                <a:schemeClr val="tx1"/>
-              </a:solidFill>
-              <a:effectLst/>
-              <a:latin typeface="Arial" charset="0"/>
-              <a:ea typeface="HY울릉도M" pitchFamily="18" charset="-127"/>
-            </a:endParaRPr>
-          </a:p>
-        </p:txBody>
-      </p:sp>
-      <p:sp>
-        <p:nvSpPr>
-          <p:cNvPr id="7" name="TextBox 6">
-            <a:extLst>
-              <a:ext uri="{FF2B5EF4-FFF2-40B4-BE49-F238E27FC236}">
-                <a16:creationId xmlns:a16="http://schemas.microsoft.com/office/drawing/2014/main" id="{D57C860F-10EA-B742-AF35-0A5D275CF39B}"/>
-              </a:ext>
-            </a:extLst>
-          </p:cNvPr>
-          <p:cNvSpPr txBox="1"/>
-          <p:nvPr/>
-        </p:nvSpPr>
-        <p:spPr>
-          <a:xfrm>
-            <a:off x="824499" y="1180618"/>
-            <a:ext cx="1277529" cy="307777"/>
-          </a:xfrm>
-          <a:prstGeom prst="rect">
-            <a:avLst/>
-          </a:prstGeom>
-          <a:noFill/>
-        </p:spPr>
-        <p:txBody>
-          <a:bodyPr wrap="none" rtlCol="0">
-            <a:spAutoFit/>
-          </a:bodyPr>
-          <a:lstStyle/>
-          <a:p>
-            <a:r>
-              <a:rPr lang="en-US" b="1" dirty="0" err="1">
-                <a:latin typeface="Malgun Gothic" panose="020B0503020000020004" pitchFamily="34" charset="-127"/>
-                <a:ea typeface="Malgun Gothic" panose="020B0503020000020004" pitchFamily="34" charset="-127"/>
-              </a:rPr>
-              <a:t>Controller.py</a:t>
-            </a:r>
-            <a:endParaRPr lang="en-US" b="1" dirty="0">
-              <a:latin typeface="Malgun Gothic" panose="020B0503020000020004" pitchFamily="34" charset="-127"/>
-              <a:ea typeface="Malgun Gothic" panose="020B0503020000020004" pitchFamily="34" charset="-127"/>
-            </a:endParaRPr>
-          </a:p>
-        </p:txBody>
-      </p:sp>
-      <p:sp>
-        <p:nvSpPr>
-          <p:cNvPr id="8" name="TextBox 7">
-            <a:extLst>
-              <a:ext uri="{FF2B5EF4-FFF2-40B4-BE49-F238E27FC236}">
-                <a16:creationId xmlns:a16="http://schemas.microsoft.com/office/drawing/2014/main" id="{FE8E89EA-2950-024C-93CD-2AF73CD934B8}"/>
-              </a:ext>
-            </a:extLst>
-          </p:cNvPr>
-          <p:cNvSpPr txBox="1"/>
-          <p:nvPr/>
-        </p:nvSpPr>
-        <p:spPr>
-          <a:xfrm>
-            <a:off x="891251" y="1643605"/>
-            <a:ext cx="7048982" cy="4154984"/>
-          </a:xfrm>
-          <a:prstGeom prst="rect">
-            <a:avLst/>
-          </a:prstGeom>
-          <a:noFill/>
-        </p:spPr>
-        <p:txBody>
-          <a:bodyPr wrap="square" rtlCol="0">
-            <a:spAutoFit/>
-          </a:bodyPr>
-          <a:lstStyle/>
-          <a:p>
-            <a:r>
-              <a:rPr lang="en-US" sz="1200" b="1" dirty="0">
-                <a:solidFill>
-                  <a:srgbClr val="000080"/>
-                </a:solidFill>
-              </a:rPr>
-              <a:t>class </a:t>
-            </a:r>
-            <a:r>
-              <a:rPr lang="en-US" sz="1200" dirty="0"/>
-              <a:t>Controller:</a:t>
-            </a:r>
-            <a:br>
-              <a:rPr lang="en-US" sz="1200" dirty="0"/>
-            </a:br>
-            <a:r>
-              <a:rPr lang="en-US" sz="1200" dirty="0"/>
-              <a:t>     </a:t>
-            </a:r>
-            <a:r>
-              <a:rPr lang="en-US" sz="1200" b="1" dirty="0" err="1">
-                <a:solidFill>
-                  <a:srgbClr val="000080"/>
-                </a:solidFill>
-              </a:rPr>
-              <a:t>def</a:t>
-            </a:r>
-            <a:r>
-              <a:rPr lang="en-US" sz="1200" b="1" dirty="0">
-                <a:solidFill>
-                  <a:srgbClr val="000080"/>
-                </a:solidFill>
-              </a:rPr>
-              <a:t> </a:t>
-            </a:r>
-            <a:r>
-              <a:rPr lang="en-US" sz="1200" dirty="0">
-                <a:solidFill>
-                  <a:srgbClr val="B200B2"/>
-                </a:solidFill>
-              </a:rPr>
-              <a:t>__</a:t>
-            </a:r>
-            <a:r>
-              <a:rPr lang="en-US" sz="1200" dirty="0" err="1">
-                <a:solidFill>
-                  <a:srgbClr val="B200B2"/>
-                </a:solidFill>
-              </a:rPr>
-              <a:t>init</a:t>
-            </a:r>
-            <a:r>
-              <a:rPr lang="en-US" sz="1200" dirty="0">
-                <a:solidFill>
-                  <a:srgbClr val="B200B2"/>
-                </a:solidFill>
-              </a:rPr>
-              <a:t>__</a:t>
-            </a:r>
-            <a:r>
-              <a:rPr lang="en-US" sz="1200" dirty="0"/>
-              <a:t>(</a:t>
-            </a:r>
-            <a:r>
-              <a:rPr lang="en-US" sz="1200" dirty="0">
-                <a:solidFill>
-                  <a:srgbClr val="94558D"/>
-                </a:solidFill>
-              </a:rPr>
-              <a:t>self</a:t>
-            </a:r>
-            <a:r>
-              <a:rPr lang="en-US" sz="1200" dirty="0"/>
-              <a:t>):</a:t>
-            </a:r>
-            <a:br>
-              <a:rPr lang="en-US" sz="1200" dirty="0"/>
-            </a:br>
-            <a:r>
-              <a:rPr lang="en-US" sz="1200" dirty="0"/>
-              <a:t>         </a:t>
-            </a:r>
-            <a:r>
-              <a:rPr lang="en-US" sz="1200" dirty="0" err="1">
-                <a:solidFill>
-                  <a:srgbClr val="94558D"/>
-                </a:solidFill>
-              </a:rPr>
-              <a:t>self</a:t>
-            </a:r>
-            <a:r>
-              <a:rPr lang="en-US" sz="1200" dirty="0" err="1"/>
-              <a:t>.ball</a:t>
-            </a:r>
-            <a:r>
-              <a:rPr lang="en-US" sz="1200" dirty="0"/>
-              <a:t> = </a:t>
-            </a:r>
-            <a:r>
-              <a:rPr lang="en-US" sz="1200" dirty="0">
-                <a:solidFill>
-                  <a:srgbClr val="000080"/>
-                </a:solidFill>
-              </a:rPr>
-              <a:t>None</a:t>
-            </a:r>
-            <a:br>
-              <a:rPr lang="en-US" sz="1200" dirty="0">
-                <a:solidFill>
-                  <a:srgbClr val="000080"/>
-                </a:solidFill>
-              </a:rPr>
-            </a:br>
-            <a:r>
-              <a:rPr lang="en-US" sz="1200" dirty="0">
-                <a:solidFill>
-                  <a:srgbClr val="000080"/>
-                </a:solidFill>
-              </a:rPr>
-              <a:t>         </a:t>
-            </a:r>
-            <a:r>
-              <a:rPr lang="en-US" sz="1200" dirty="0" err="1">
-                <a:solidFill>
-                  <a:srgbClr val="94558D"/>
-                </a:solidFill>
-              </a:rPr>
-              <a:t>self</a:t>
-            </a:r>
-            <a:r>
-              <a:rPr lang="en-US" sz="1200" dirty="0" err="1"/>
-              <a:t>.bricks</a:t>
-            </a:r>
-            <a:r>
-              <a:rPr lang="en-US" sz="1200" dirty="0"/>
-              <a:t> = </a:t>
-            </a:r>
-            <a:r>
-              <a:rPr lang="en-US" sz="1200" dirty="0">
-                <a:solidFill>
-                  <a:srgbClr val="000080"/>
-                </a:solidFill>
-              </a:rPr>
-              <a:t>None</a:t>
-            </a:r>
-            <a:br>
-              <a:rPr lang="en-US" sz="1200" dirty="0">
-                <a:solidFill>
-                  <a:srgbClr val="000080"/>
-                </a:solidFill>
-              </a:rPr>
-            </a:br>
-            <a:r>
-              <a:rPr lang="en-US" sz="1200" dirty="0">
-                <a:solidFill>
-                  <a:srgbClr val="000080"/>
-                </a:solidFill>
-              </a:rPr>
-              <a:t>         </a:t>
-            </a:r>
-            <a:r>
-              <a:rPr lang="en-US" sz="1200" dirty="0" err="1">
-                <a:solidFill>
-                  <a:srgbClr val="94558D"/>
-                </a:solidFill>
-              </a:rPr>
-              <a:t>self</a:t>
-            </a:r>
-            <a:r>
-              <a:rPr lang="en-US" sz="1200" dirty="0" err="1"/>
-              <a:t>.brick</a:t>
-            </a:r>
-            <a:r>
-              <a:rPr lang="en-US" sz="1200" dirty="0"/>
-              <a:t> = </a:t>
-            </a:r>
-            <a:r>
-              <a:rPr lang="en-US" sz="1200" dirty="0">
-                <a:solidFill>
-                  <a:srgbClr val="000080"/>
-                </a:solidFill>
-              </a:rPr>
-              <a:t>None</a:t>
-            </a:r>
-            <a:br>
-              <a:rPr lang="en-US" sz="1200" dirty="0">
-                <a:solidFill>
-                  <a:srgbClr val="000080"/>
-                </a:solidFill>
-              </a:rPr>
-            </a:br>
-            <a:r>
-              <a:rPr lang="en-US" sz="1200" dirty="0">
-                <a:solidFill>
-                  <a:srgbClr val="000080"/>
-                </a:solidFill>
-              </a:rPr>
-              <a:t>         </a:t>
-            </a:r>
-            <a:r>
-              <a:rPr lang="en-US" sz="1200" dirty="0" err="1">
-                <a:solidFill>
-                  <a:srgbClr val="94558D"/>
-                </a:solidFill>
-              </a:rPr>
-              <a:t>self</a:t>
-            </a:r>
-            <a:r>
-              <a:rPr lang="en-US" sz="1200" dirty="0" err="1"/>
-              <a:t>.bar</a:t>
-            </a:r>
-            <a:r>
-              <a:rPr lang="en-US" sz="1200" dirty="0"/>
-              <a:t> = </a:t>
-            </a:r>
-            <a:r>
-              <a:rPr lang="en-US" sz="1200" dirty="0">
-                <a:solidFill>
-                  <a:srgbClr val="000080"/>
-                </a:solidFill>
-              </a:rPr>
-              <a:t>None</a:t>
-            </a:r>
-            <a:br>
-              <a:rPr lang="en-US" sz="1200" dirty="0">
-                <a:solidFill>
-                  <a:srgbClr val="000080"/>
-                </a:solidFill>
-              </a:rPr>
-            </a:br>
-            <a:r>
-              <a:rPr lang="en-US" sz="1200" dirty="0">
-                <a:solidFill>
-                  <a:srgbClr val="000080"/>
-                </a:solidFill>
-              </a:rPr>
-              <a:t>         </a:t>
-            </a:r>
-            <a:r>
-              <a:rPr lang="en-US" sz="1200" dirty="0" err="1">
-                <a:solidFill>
-                  <a:srgbClr val="94558D"/>
-                </a:solidFill>
-              </a:rPr>
-              <a:t>self</a:t>
-            </a:r>
-            <a:r>
-              <a:rPr lang="en-US" sz="1200" dirty="0" err="1"/>
-              <a:t>.canvas</a:t>
-            </a:r>
-            <a:r>
-              <a:rPr lang="en-US" sz="1200" dirty="0"/>
-              <a:t> = </a:t>
-            </a:r>
-            <a:r>
-              <a:rPr lang="en-US" sz="1200" dirty="0">
-                <a:solidFill>
-                  <a:srgbClr val="000080"/>
-                </a:solidFill>
-              </a:rPr>
-              <a:t>None</a:t>
-            </a:r>
-            <a:br>
-              <a:rPr lang="en-US" sz="1200" dirty="0">
-                <a:solidFill>
-                  <a:srgbClr val="000080"/>
-                </a:solidFill>
-              </a:rPr>
-            </a:br>
-            <a:br>
-              <a:rPr lang="en-US" sz="1200" dirty="0">
-                <a:solidFill>
-                  <a:srgbClr val="000080"/>
-                </a:solidFill>
-              </a:rPr>
-            </a:br>
-            <a:r>
-              <a:rPr lang="en-US" sz="1200" dirty="0">
-                <a:solidFill>
-                  <a:srgbClr val="000080"/>
-                </a:solidFill>
-              </a:rPr>
-              <a:t>     </a:t>
-            </a:r>
-            <a:r>
-              <a:rPr lang="en-US" sz="1200" b="1" dirty="0" err="1">
-                <a:solidFill>
-                  <a:srgbClr val="000080"/>
-                </a:solidFill>
-              </a:rPr>
-              <a:t>def</a:t>
-            </a:r>
-            <a:r>
-              <a:rPr lang="en-US" sz="1200" b="1" dirty="0">
-                <a:solidFill>
-                  <a:srgbClr val="000080"/>
-                </a:solidFill>
-              </a:rPr>
-              <a:t> </a:t>
-            </a:r>
-            <a:r>
-              <a:rPr lang="en-US" sz="1200" dirty="0" err="1"/>
-              <a:t>conflict_ball_wall</a:t>
-            </a:r>
-            <a:r>
-              <a:rPr lang="en-US" sz="1200" dirty="0"/>
-              <a:t>(</a:t>
-            </a:r>
-            <a:r>
-              <a:rPr lang="en-US" sz="1200" dirty="0">
-                <a:solidFill>
-                  <a:srgbClr val="94558D"/>
-                </a:solidFill>
-              </a:rPr>
-              <a:t>self</a:t>
-            </a:r>
-            <a:r>
-              <a:rPr lang="en-US" sz="1200" dirty="0"/>
-              <a:t>, </a:t>
-            </a:r>
-            <a:r>
-              <a:rPr lang="en-US" sz="1200" dirty="0" err="1"/>
-              <a:t>ball_id</a:t>
-            </a:r>
-            <a:r>
-              <a:rPr lang="en-US" sz="1200" dirty="0"/>
-              <a:t>):</a:t>
-            </a:r>
-            <a:br>
-              <a:rPr lang="en-US" sz="1200" dirty="0"/>
-            </a:br>
-            <a:r>
-              <a:rPr lang="en-US" sz="1200" dirty="0"/>
-              <a:t>         </a:t>
-            </a:r>
-            <a:r>
-              <a:rPr lang="en-US" sz="1200" b="1" dirty="0">
-                <a:solidFill>
-                  <a:srgbClr val="000080"/>
-                </a:solidFill>
-              </a:rPr>
-              <a:t>pass</a:t>
-            </a:r>
-            <a:br>
-              <a:rPr lang="en-US" sz="1200" b="1" dirty="0">
-                <a:solidFill>
-                  <a:srgbClr val="000080"/>
-                </a:solidFill>
-              </a:rPr>
-            </a:br>
-            <a:br>
-              <a:rPr lang="en-US" sz="1200" b="1" dirty="0">
-                <a:solidFill>
-                  <a:srgbClr val="000080"/>
-                </a:solidFill>
-              </a:rPr>
-            </a:br>
-            <a:r>
-              <a:rPr lang="en-US" sz="1200" b="1" dirty="0">
-                <a:solidFill>
-                  <a:srgbClr val="000080"/>
-                </a:solidFill>
-              </a:rPr>
-              <a:t>    </a:t>
-            </a:r>
-            <a:r>
-              <a:rPr lang="en-US" sz="1200" b="1" dirty="0" err="1">
-                <a:solidFill>
-                  <a:srgbClr val="000080"/>
-                </a:solidFill>
-              </a:rPr>
-              <a:t>def</a:t>
-            </a:r>
-            <a:r>
-              <a:rPr lang="en-US" sz="1200" b="1" dirty="0">
-                <a:solidFill>
-                  <a:srgbClr val="000080"/>
-                </a:solidFill>
-              </a:rPr>
-              <a:t> </a:t>
-            </a:r>
-            <a:r>
-              <a:rPr lang="en-US" sz="1200" dirty="0" err="1"/>
-              <a:t>conflict_ball_bar</a:t>
-            </a:r>
-            <a:r>
-              <a:rPr lang="en-US" sz="1200" dirty="0"/>
-              <a:t>(</a:t>
-            </a:r>
-            <a:r>
-              <a:rPr lang="en-US" sz="1200" dirty="0">
-                <a:solidFill>
-                  <a:srgbClr val="808080"/>
-                </a:solidFill>
-              </a:rPr>
-              <a:t>self</a:t>
-            </a:r>
-            <a:r>
-              <a:rPr lang="en-US" sz="1200" dirty="0"/>
-              <a:t>, </a:t>
-            </a:r>
-            <a:r>
-              <a:rPr lang="en-US" sz="1200" dirty="0" err="1">
-                <a:solidFill>
-                  <a:srgbClr val="808080"/>
-                </a:solidFill>
-              </a:rPr>
-              <a:t>ball_id</a:t>
-            </a:r>
-            <a:r>
-              <a:rPr lang="en-US" sz="1200" dirty="0"/>
-              <a:t>, </a:t>
-            </a:r>
-            <a:r>
-              <a:rPr lang="en-US" sz="1200" dirty="0" err="1">
-                <a:solidFill>
-                  <a:srgbClr val="808080"/>
-                </a:solidFill>
-              </a:rPr>
-              <a:t>bar_id</a:t>
-            </a:r>
-            <a:r>
-              <a:rPr lang="en-US" sz="1200" dirty="0"/>
-              <a:t>):</a:t>
-            </a:r>
-            <a:br>
-              <a:rPr lang="en-US" sz="1200" dirty="0"/>
-            </a:br>
-            <a:r>
-              <a:rPr lang="en-US" sz="1200" dirty="0"/>
-              <a:t>         </a:t>
-            </a:r>
-            <a:r>
-              <a:rPr lang="en-US" sz="1200" b="1" dirty="0">
-                <a:solidFill>
-                  <a:srgbClr val="000080"/>
-                </a:solidFill>
-              </a:rPr>
-              <a:t>pass</a:t>
-            </a:r>
-            <a:br>
-              <a:rPr lang="en-US" sz="1200" b="1" dirty="0">
-                <a:solidFill>
-                  <a:srgbClr val="000080"/>
-                </a:solidFill>
-              </a:rPr>
-            </a:br>
-            <a:br>
-              <a:rPr lang="en-US" sz="1200" b="1" dirty="0">
-                <a:solidFill>
-                  <a:srgbClr val="000080"/>
-                </a:solidFill>
-              </a:rPr>
-            </a:br>
-            <a:r>
-              <a:rPr lang="en-US" sz="1200" b="1" dirty="0">
-                <a:solidFill>
-                  <a:srgbClr val="000080"/>
-                </a:solidFill>
-              </a:rPr>
-              <a:t>     </a:t>
-            </a:r>
-            <a:r>
-              <a:rPr lang="en-US" sz="1200" b="1" dirty="0" err="1">
-                <a:solidFill>
-                  <a:srgbClr val="000080"/>
-                </a:solidFill>
-              </a:rPr>
-              <a:t>def</a:t>
-            </a:r>
-            <a:r>
-              <a:rPr lang="en-US" sz="1200" b="1" dirty="0">
-                <a:solidFill>
-                  <a:srgbClr val="000080"/>
-                </a:solidFill>
-              </a:rPr>
-              <a:t> </a:t>
-            </a:r>
-            <a:r>
-              <a:rPr lang="en-US" sz="1200" dirty="0" err="1"/>
-              <a:t>conflict_ball_brick</a:t>
-            </a:r>
-            <a:r>
-              <a:rPr lang="en-US" sz="1200" dirty="0"/>
-              <a:t>(</a:t>
-            </a:r>
-            <a:r>
-              <a:rPr lang="en-US" sz="1200" dirty="0">
-                <a:solidFill>
-                  <a:srgbClr val="808080"/>
-                </a:solidFill>
-              </a:rPr>
-              <a:t>self</a:t>
-            </a:r>
-            <a:r>
-              <a:rPr lang="en-US" sz="1200" dirty="0"/>
-              <a:t>, </a:t>
-            </a:r>
-            <a:r>
-              <a:rPr lang="en-US" sz="1200" dirty="0" err="1">
-                <a:solidFill>
-                  <a:srgbClr val="808080"/>
-                </a:solidFill>
-              </a:rPr>
-              <a:t>ball_id</a:t>
-            </a:r>
-            <a:r>
-              <a:rPr lang="en-US" sz="1200" dirty="0"/>
-              <a:t>, </a:t>
-            </a:r>
-            <a:r>
-              <a:rPr lang="en-US" sz="1200" dirty="0">
-                <a:solidFill>
-                  <a:srgbClr val="808080"/>
-                </a:solidFill>
-              </a:rPr>
-              <a:t>bricks</a:t>
-            </a:r>
-            <a:r>
-              <a:rPr lang="en-US" sz="1200" dirty="0"/>
-              <a:t>):</a:t>
-            </a:r>
-            <a:br>
-              <a:rPr lang="en-US" sz="1200" dirty="0"/>
-            </a:br>
-            <a:r>
-              <a:rPr lang="en-US" sz="1200" dirty="0"/>
-              <a:t>         </a:t>
-            </a:r>
-            <a:r>
-              <a:rPr lang="en-US" sz="1200" b="1" dirty="0">
-                <a:solidFill>
-                  <a:srgbClr val="000080"/>
-                </a:solidFill>
-              </a:rPr>
-              <a:t>pass</a:t>
-            </a:r>
-            <a:br>
-              <a:rPr lang="en-US" sz="1200" b="1" dirty="0">
-                <a:solidFill>
-                  <a:srgbClr val="000080"/>
-                </a:solidFill>
-              </a:rPr>
-            </a:br>
-            <a:br>
-              <a:rPr lang="en-US" sz="1200" b="1" dirty="0">
-                <a:solidFill>
-                  <a:srgbClr val="000080"/>
-                </a:solidFill>
-              </a:rPr>
-            </a:br>
-            <a:r>
-              <a:rPr lang="en-US" sz="1200" b="1" dirty="0">
-                <a:solidFill>
-                  <a:srgbClr val="000080"/>
-                </a:solidFill>
-              </a:rPr>
-              <a:t>     </a:t>
-            </a:r>
-            <a:r>
-              <a:rPr lang="en-US" sz="1200" b="1" dirty="0" err="1">
-                <a:solidFill>
-                  <a:srgbClr val="000080"/>
-                </a:solidFill>
-              </a:rPr>
-              <a:t>def</a:t>
-            </a:r>
-            <a:r>
-              <a:rPr lang="en-US" sz="1200" b="1" dirty="0">
-                <a:solidFill>
-                  <a:srgbClr val="000080"/>
-                </a:solidFill>
-              </a:rPr>
-              <a:t> </a:t>
-            </a:r>
-            <a:r>
-              <a:rPr lang="en-US" sz="1200" dirty="0" err="1"/>
-              <a:t>conflict_bar_wall</a:t>
-            </a:r>
-            <a:r>
-              <a:rPr lang="en-US" sz="1200" dirty="0"/>
-              <a:t>(</a:t>
-            </a:r>
-            <a:r>
-              <a:rPr lang="en-US" sz="1200" dirty="0">
-                <a:solidFill>
-                  <a:srgbClr val="808080"/>
-                </a:solidFill>
-              </a:rPr>
-              <a:t>self</a:t>
-            </a:r>
-            <a:r>
-              <a:rPr lang="en-US" sz="1200" dirty="0"/>
-              <a:t>, </a:t>
-            </a:r>
-            <a:r>
-              <a:rPr lang="en-US" sz="1200" dirty="0" err="1">
-                <a:solidFill>
-                  <a:srgbClr val="808080"/>
-                </a:solidFill>
-              </a:rPr>
-              <a:t>bar_id</a:t>
-            </a:r>
-            <a:r>
-              <a:rPr lang="en-US" sz="1200" dirty="0"/>
-              <a:t>):</a:t>
-            </a:r>
-            <a:br>
-              <a:rPr lang="en-US" sz="1200" dirty="0"/>
-            </a:br>
-            <a:r>
-              <a:rPr lang="en-US" sz="1200" dirty="0"/>
-              <a:t>         </a:t>
-            </a:r>
-            <a:r>
-              <a:rPr lang="en-US" sz="1200" b="1" dirty="0">
-                <a:solidFill>
-                  <a:srgbClr val="000080"/>
-                </a:solidFill>
-              </a:rPr>
-              <a:t>pass</a:t>
-            </a:r>
-            <a:br>
-              <a:rPr lang="en-US" sz="1200" b="1" dirty="0">
-                <a:solidFill>
-                  <a:srgbClr val="000080"/>
-                </a:solidFill>
-              </a:rPr>
-            </a:br>
-            <a:br>
-              <a:rPr lang="en-US" sz="1200" b="1" dirty="0">
-                <a:solidFill>
-                  <a:srgbClr val="000080"/>
-                </a:solidFill>
-              </a:rPr>
-            </a:br>
-            <a:r>
-              <a:rPr lang="en-US" sz="1200" b="1" dirty="0">
-                <a:solidFill>
-                  <a:srgbClr val="000080"/>
-                </a:solidFill>
-              </a:rPr>
-              <a:t>     </a:t>
-            </a:r>
-            <a:r>
-              <a:rPr lang="en-US" sz="1200" b="1" dirty="0" err="1">
-                <a:solidFill>
-                  <a:srgbClr val="000080"/>
-                </a:solidFill>
-              </a:rPr>
-              <a:t>def</a:t>
-            </a:r>
-            <a:r>
-              <a:rPr lang="en-US" sz="1200" b="1" dirty="0">
-                <a:solidFill>
-                  <a:srgbClr val="000080"/>
-                </a:solidFill>
-              </a:rPr>
-              <a:t> </a:t>
-            </a:r>
-            <a:r>
-              <a:rPr lang="en-US" sz="1200" dirty="0" err="1"/>
-              <a:t>draw_all</a:t>
-            </a:r>
-            <a:r>
-              <a:rPr lang="en-US" sz="1200" dirty="0"/>
-              <a:t>(</a:t>
-            </a:r>
-            <a:r>
-              <a:rPr lang="en-US" sz="1200" dirty="0">
-                <a:solidFill>
-                  <a:srgbClr val="808080"/>
-                </a:solidFill>
-              </a:rPr>
-              <a:t>self</a:t>
-            </a:r>
-            <a:r>
-              <a:rPr lang="en-US" sz="1200" dirty="0"/>
-              <a:t>, </a:t>
-            </a:r>
-            <a:r>
-              <a:rPr lang="en-US" sz="1200" dirty="0">
-                <a:solidFill>
-                  <a:srgbClr val="808080"/>
-                </a:solidFill>
-              </a:rPr>
-              <a:t>ball</a:t>
-            </a:r>
-            <a:r>
-              <a:rPr lang="en-US" sz="1200" dirty="0"/>
-              <a:t>, </a:t>
-            </a:r>
-            <a:r>
-              <a:rPr lang="en-US" sz="1200" dirty="0">
-                <a:solidFill>
-                  <a:srgbClr val="808080"/>
-                </a:solidFill>
-              </a:rPr>
-              <a:t>bricks</a:t>
-            </a:r>
-            <a:r>
-              <a:rPr lang="en-US" sz="1200" dirty="0"/>
-              <a:t>, </a:t>
-            </a:r>
-            <a:r>
-              <a:rPr lang="en-US" sz="1200" dirty="0">
-                <a:solidFill>
-                  <a:srgbClr val="808080"/>
-                </a:solidFill>
-              </a:rPr>
-              <a:t>bar</a:t>
-            </a:r>
-            <a:r>
-              <a:rPr lang="en-US" sz="1200" dirty="0"/>
-              <a:t>, </a:t>
-            </a:r>
-            <a:r>
-              <a:rPr lang="en-US" sz="1200" dirty="0">
-                <a:solidFill>
-                  <a:srgbClr val="808080"/>
-                </a:solidFill>
-              </a:rPr>
-              <a:t>canvas</a:t>
-            </a:r>
-            <a:r>
-              <a:rPr lang="en-US" sz="1200" dirty="0"/>
-              <a:t>):</a:t>
-            </a:r>
-            <a:br>
-              <a:rPr lang="en-US" sz="1200" dirty="0"/>
-            </a:br>
-            <a:r>
-              <a:rPr lang="en-US" sz="1200" dirty="0"/>
-              <a:t>         </a:t>
-            </a:r>
-            <a:r>
-              <a:rPr lang="en-US" sz="1200" b="1" dirty="0">
-                <a:solidFill>
-                  <a:srgbClr val="000080"/>
-                </a:solidFill>
-              </a:rPr>
-              <a:t>pass</a:t>
-            </a:r>
-            <a:endParaRPr lang="en-US" sz="1200" dirty="0"/>
-          </a:p>
-        </p:txBody>
-      </p:sp>
-    </p:spTree>
-    <p:extLst>
-      <p:ext uri="{BB962C8B-B14F-4D97-AF65-F5344CB8AC3E}">
-        <p14:creationId xmlns:p14="http://schemas.microsoft.com/office/powerpoint/2010/main" val="735463041"/>
-      </p:ext>
-    </p:extLst>
-  </p:cSld>
-  <p:clrMapOvr>
-    <a:masterClrMapping/>
-  </p:clrMapOvr>
-</p:sld>
-</file>
-
-<file path=ppt/slides/slide17.xml><?xml version="1.0" encoding="utf-8"?>
+<file path=ppt/slides/slide19.xml><?xml version="1.0" encoding="utf-8"?>
 <p:sld xmlns:a="http://schemas.openxmlformats.org/drawingml/2006/main" xmlns:r="http://schemas.openxmlformats.org/officeDocument/2006/relationships" xmlns:p="http://schemas.openxmlformats.org/presentationml/2006/main">
   <p:cSld>
     <p:spTree>
@@ -8039,7 +5978,9 @@
             <a:endParaRPr lang="en-US" altLang="ko-KR" dirty="0"/>
           </a:p>
           <a:p>
-            <a:pPr lvl="1"/>
+            <a:pPr marL="482600" lvl="1" indent="0">
+              <a:buNone/>
+            </a:pPr>
             <a:endParaRPr lang="en-US" dirty="0"/>
           </a:p>
         </p:txBody>
@@ -8083,10 +6024,10 @@
       </p:sp>
       <p:grpSp>
         <p:nvGrpSpPr>
-          <p:cNvPr id="47" name="Group 46">
+          <p:cNvPr id="9" name="Group 8">
             <a:extLst>
               <a:ext uri="{FF2B5EF4-FFF2-40B4-BE49-F238E27FC236}">
-                <a16:creationId xmlns:a16="http://schemas.microsoft.com/office/drawing/2014/main" id="{FF719DB9-6C4C-C44D-9468-AB60B30FBAF5}"/>
+                <a16:creationId xmlns:a16="http://schemas.microsoft.com/office/drawing/2014/main" id="{B17EF1CC-3138-D14E-AADD-F5FA24794625}"/>
               </a:ext>
             </a:extLst>
           </p:cNvPr>
@@ -8095,273 +6036,252 @@
         </p:nvGrpSpPr>
         <p:grpSpPr>
           <a:xfrm>
-            <a:off x="1414845" y="4544794"/>
-            <a:ext cx="1328738" cy="1030957"/>
-            <a:chOff x="1592645" y="4684494"/>
-            <a:chExt cx="1328738" cy="1030957"/>
+            <a:off x="928709" y="4348025"/>
+            <a:ext cx="1328738" cy="471488"/>
+            <a:chOff x="1571624" y="4957763"/>
+            <a:chExt cx="1328738" cy="471488"/>
           </a:xfrm>
         </p:grpSpPr>
-        <p:grpSp>
-          <p:nvGrpSpPr>
-            <p:cNvPr id="9" name="Group 8">
+        <p:sp>
+          <p:nvSpPr>
+            <p:cNvPr id="5" name="Rounded Rectangle 4">
               <a:extLst>
                 <a:ext uri="{FF2B5EF4-FFF2-40B4-BE49-F238E27FC236}">
-                  <a16:creationId xmlns:a16="http://schemas.microsoft.com/office/drawing/2014/main" id="{B17EF1CC-3138-D14E-AADD-F5FA24794625}"/>
+                  <a16:creationId xmlns:a16="http://schemas.microsoft.com/office/drawing/2014/main" id="{C94EEA98-1811-C849-80E6-A6D68DA9FF85}"/>
                 </a:ext>
               </a:extLst>
             </p:cNvPr>
-            <p:cNvGrpSpPr/>
+            <p:cNvSpPr/>
             <p:nvPr/>
-          </p:nvGrpSpPr>
-          <p:grpSpPr>
+          </p:nvSpPr>
+          <p:spPr bwMode="auto">
             <a:xfrm>
-              <a:off x="1592645" y="4684494"/>
+              <a:off x="1571624" y="4957763"/>
               <a:ext cx="1328738" cy="471488"/>
-              <a:chOff x="1571624" y="4957763"/>
-              <a:chExt cx="1328738" cy="471488"/>
             </a:xfrm>
-          </p:grpSpPr>
-          <p:sp>
-            <p:nvSpPr>
-              <p:cNvPr id="5" name="Rounded Rectangle 4">
-                <a:extLst>
-                  <a:ext uri="{FF2B5EF4-FFF2-40B4-BE49-F238E27FC236}">
-                    <a16:creationId xmlns:a16="http://schemas.microsoft.com/office/drawing/2014/main" id="{C94EEA98-1811-C849-80E6-A6D68DA9FF85}"/>
-                  </a:ext>
-                </a:extLst>
-              </p:cNvPr>
-              <p:cNvSpPr/>
-              <p:nvPr/>
-            </p:nvSpPr>
-            <p:spPr bwMode="auto">
-              <a:xfrm>
-                <a:off x="1571624" y="4957763"/>
-                <a:ext cx="1328738" cy="471488"/>
-              </a:xfrm>
-              <a:prstGeom prst="roundRect">
+            <a:prstGeom prst="roundRect">
+              <a:avLst/>
+            </a:prstGeom>
+            <a:noFill/>
+            <a:ln w="25400" cap="flat" cmpd="sng" algn="ctr">
+              <a:solidFill>
+                <a:schemeClr val="tx1">
+                  <a:alpha val="50000"/>
+                </a:schemeClr>
+              </a:solidFill>
+              <a:prstDash val="solid"/>
+              <a:round/>
+              <a:headEnd type="none" w="med" len="med"/>
+              <a:tailEnd type="none" w="med" len="med"/>
+            </a:ln>
+            <a:effectLst/>
+          </p:spPr>
+          <p:txBody>
+            <a:bodyPr vert="horz" wrap="none" lIns="90000" tIns="46800" rIns="90000" bIns="46800" numCol="1" rtlCol="0" anchor="ctr" anchorCtr="0" compatLnSpc="1">
+              <a:prstTxWarp prst="textNoShape">
                 <a:avLst/>
-              </a:prstGeom>
-              <a:noFill/>
-              <a:ln w="25400" cap="flat" cmpd="sng" algn="ctr">
+              </a:prstTxWarp>
+            </a:bodyPr>
+            <a:lstStyle/>
+            <a:p>
+              <a:pPr marL="0" marR="0" indent="0" algn="l" defTabSz="914400" rtl="0" eaLnBrk="0" fontAlgn="base" latinLnBrk="0" hangingPunct="0">
+                <a:lnSpc>
+                  <a:spcPct val="100000"/>
+                </a:lnSpc>
+                <a:spcBef>
+                  <a:spcPct val="0"/>
+                </a:spcBef>
+                <a:spcAft>
+                  <a:spcPct val="0"/>
+                </a:spcAft>
+                <a:buClrTx/>
+                <a:buSzTx/>
+                <a:buFontTx/>
+                <a:buNone/>
+                <a:tabLst/>
+              </a:pPr>
+              <a:endParaRPr kumimoji="0" lang="en-US" sz="1400" b="0" i="0" u="none" strike="noStrike" cap="none" normalizeH="0" baseline="0">
+                <a:ln>
+                  <a:noFill/>
+                </a:ln>
                 <a:solidFill>
-                  <a:schemeClr val="tx1">
-                    <a:alpha val="50000"/>
-                  </a:schemeClr>
+                  <a:schemeClr val="tx1"/>
                 </a:solidFill>
-                <a:prstDash val="solid"/>
-                <a:round/>
-                <a:headEnd type="none" w="med" len="med"/>
-                <a:tailEnd type="none" w="med" len="med"/>
-              </a:ln>
-              <a:effectLst/>
-            </p:spPr>
-            <p:txBody>
-              <a:bodyPr vert="horz" wrap="none" lIns="90000" tIns="46800" rIns="90000" bIns="46800" numCol="1" rtlCol="0" anchor="ctr" anchorCtr="0" compatLnSpc="1">
-                <a:prstTxWarp prst="textNoShape">
-                  <a:avLst/>
-                </a:prstTxWarp>
-              </a:bodyPr>
-              <a:lstStyle/>
-              <a:p>
-                <a:pPr marL="0" marR="0" indent="0" algn="l" defTabSz="914400" rtl="0" eaLnBrk="0" fontAlgn="base" latinLnBrk="0" hangingPunct="0">
-                  <a:lnSpc>
-                    <a:spcPct val="100000"/>
-                  </a:lnSpc>
-                  <a:spcBef>
-                    <a:spcPct val="0"/>
-                  </a:spcBef>
-                  <a:spcAft>
-                    <a:spcPct val="0"/>
-                  </a:spcAft>
-                  <a:buClrTx/>
-                  <a:buSzTx/>
-                  <a:buFontTx/>
-                  <a:buNone/>
-                  <a:tabLst/>
-                </a:pPr>
-                <a:endParaRPr kumimoji="0" lang="en-US" sz="1400" b="0" i="0" u="none" strike="noStrike" cap="none" normalizeH="0" baseline="0">
-                  <a:ln>
-                    <a:noFill/>
-                  </a:ln>
-                  <a:solidFill>
-                    <a:schemeClr val="tx1"/>
-                  </a:solidFill>
-                  <a:effectLst/>
-                  <a:latin typeface="Arial" charset="0"/>
-                  <a:ea typeface="HY울릉도M" pitchFamily="18" charset="-127"/>
-                </a:endParaRPr>
-              </a:p>
-            </p:txBody>
-          </p:sp>
-          <p:sp>
-            <p:nvSpPr>
-              <p:cNvPr id="8" name="TextBox 7">
-                <a:extLst>
-                  <a:ext uri="{FF2B5EF4-FFF2-40B4-BE49-F238E27FC236}">
-                    <a16:creationId xmlns:a16="http://schemas.microsoft.com/office/drawing/2014/main" id="{CBC0D49F-8AAF-4444-BA52-20FE09F43D5A}"/>
-                  </a:ext>
-                </a:extLst>
-              </p:cNvPr>
-              <p:cNvSpPr txBox="1"/>
-              <p:nvPr/>
-            </p:nvSpPr>
-            <p:spPr>
-              <a:xfrm>
-                <a:off x="1671638" y="5014912"/>
-                <a:ext cx="1156663" cy="338554"/>
-              </a:xfrm>
-              <a:prstGeom prst="rect">
-                <a:avLst/>
-              </a:prstGeom>
-              <a:noFill/>
-            </p:spPr>
-            <p:txBody>
-              <a:bodyPr wrap="none" rtlCol="0">
-                <a:spAutoFit/>
-              </a:bodyPr>
-              <a:lstStyle/>
-              <a:p>
-                <a:r>
-                  <a:rPr lang="en-US" sz="1600" b="1" dirty="0">
-                    <a:latin typeface="Malgun Gothic" panose="020B0503020000020004" pitchFamily="34" charset="-127"/>
-                    <a:ea typeface="Malgun Gothic" panose="020B0503020000020004" pitchFamily="34" charset="-127"/>
-                  </a:rPr>
-                  <a:t>Controller</a:t>
-                </a:r>
-              </a:p>
-            </p:txBody>
-          </p:sp>
-        </p:grpSp>
-        <p:grpSp>
-          <p:nvGrpSpPr>
-            <p:cNvPr id="10" name="Group 9">
+                <a:effectLst/>
+                <a:latin typeface="Arial" charset="0"/>
+                <a:ea typeface="HY울릉도M" pitchFamily="18" charset="-127"/>
+              </a:endParaRPr>
+            </a:p>
+          </p:txBody>
+        </p:sp>
+        <p:sp>
+          <p:nvSpPr>
+            <p:cNvPr id="8" name="TextBox 7">
               <a:extLst>
                 <a:ext uri="{FF2B5EF4-FFF2-40B4-BE49-F238E27FC236}">
-                  <a16:creationId xmlns:a16="http://schemas.microsoft.com/office/drawing/2014/main" id="{81675C38-BAF1-F542-BB70-66EA624D57B2}"/>
+                  <a16:creationId xmlns:a16="http://schemas.microsoft.com/office/drawing/2014/main" id="{CBC0D49F-8AAF-4444-BA52-20FE09F43D5A}"/>
                 </a:ext>
               </a:extLst>
             </p:cNvPr>
-            <p:cNvGrpSpPr/>
+            <p:cNvSpPr txBox="1"/>
             <p:nvPr/>
-          </p:nvGrpSpPr>
-          <p:grpSpPr>
+          </p:nvSpPr>
+          <p:spPr>
             <a:xfrm>
-              <a:off x="1592645" y="5243963"/>
+              <a:off x="1671638" y="5014912"/>
+              <a:ext cx="1156663" cy="338554"/>
+            </a:xfrm>
+            <a:prstGeom prst="rect">
+              <a:avLst/>
+            </a:prstGeom>
+            <a:noFill/>
+          </p:spPr>
+          <p:txBody>
+            <a:bodyPr wrap="none" rtlCol="0">
+              <a:spAutoFit/>
+            </a:bodyPr>
+            <a:lstStyle/>
+            <a:p>
+              <a:r>
+                <a:rPr lang="en-US" sz="1600" b="1" dirty="0">
+                  <a:latin typeface="Malgun Gothic" panose="020B0503020000020004" pitchFamily="34" charset="-127"/>
+                  <a:ea typeface="Malgun Gothic" panose="020B0503020000020004" pitchFamily="34" charset="-127"/>
+                </a:rPr>
+                <a:t>Controller</a:t>
+              </a:r>
+            </a:p>
+          </p:txBody>
+        </p:sp>
+      </p:grpSp>
+      <p:grpSp>
+        <p:nvGrpSpPr>
+          <p:cNvPr id="10" name="Group 9">
+            <a:extLst>
+              <a:ext uri="{FF2B5EF4-FFF2-40B4-BE49-F238E27FC236}">
+                <a16:creationId xmlns:a16="http://schemas.microsoft.com/office/drawing/2014/main" id="{81675C38-BAF1-F542-BB70-66EA624D57B2}"/>
+              </a:ext>
+            </a:extLst>
+          </p:cNvPr>
+          <p:cNvGrpSpPr/>
+          <p:nvPr/>
+        </p:nvGrpSpPr>
+        <p:grpSpPr>
+          <a:xfrm>
+            <a:off x="3752930" y="4733873"/>
+            <a:ext cx="1328738" cy="471488"/>
+            <a:chOff x="1571624" y="4957763"/>
+            <a:chExt cx="1328738" cy="471488"/>
+          </a:xfrm>
+        </p:grpSpPr>
+        <p:sp>
+          <p:nvSpPr>
+            <p:cNvPr id="11" name="Rounded Rectangle 10">
+              <a:extLst>
+                <a:ext uri="{FF2B5EF4-FFF2-40B4-BE49-F238E27FC236}">
+                  <a16:creationId xmlns:a16="http://schemas.microsoft.com/office/drawing/2014/main" id="{BC6F99C5-37C1-B948-BF50-93956DBA1708}"/>
+                </a:ext>
+              </a:extLst>
+            </p:cNvPr>
+            <p:cNvSpPr/>
+            <p:nvPr/>
+          </p:nvSpPr>
+          <p:spPr bwMode="auto">
+            <a:xfrm>
+              <a:off x="1571624" y="4957763"/>
               <a:ext cx="1328738" cy="471488"/>
-              <a:chOff x="1571624" y="4957763"/>
-              <a:chExt cx="1328738" cy="471488"/>
             </a:xfrm>
-          </p:grpSpPr>
-          <p:sp>
-            <p:nvSpPr>
-              <p:cNvPr id="11" name="Rounded Rectangle 10">
-                <a:extLst>
-                  <a:ext uri="{FF2B5EF4-FFF2-40B4-BE49-F238E27FC236}">
-                    <a16:creationId xmlns:a16="http://schemas.microsoft.com/office/drawing/2014/main" id="{BC6F99C5-37C1-B948-BF50-93956DBA1708}"/>
-                  </a:ext>
-                </a:extLst>
-              </p:cNvPr>
-              <p:cNvSpPr/>
-              <p:nvPr/>
-            </p:nvSpPr>
-            <p:spPr bwMode="auto">
-              <a:xfrm>
-                <a:off x="1571624" y="4957763"/>
-                <a:ext cx="1328738" cy="471488"/>
-              </a:xfrm>
-              <a:prstGeom prst="roundRect">
+            <a:prstGeom prst="roundRect">
+              <a:avLst/>
+            </a:prstGeom>
+            <a:noFill/>
+            <a:ln w="25400" cap="flat" cmpd="sng" algn="ctr">
+              <a:solidFill>
+                <a:srgbClr val="BE5150"/>
+              </a:solidFill>
+              <a:prstDash val="dash"/>
+              <a:round/>
+              <a:headEnd type="none" w="med" len="med"/>
+              <a:tailEnd type="none" w="med" len="med"/>
+            </a:ln>
+            <a:effectLst/>
+          </p:spPr>
+          <p:txBody>
+            <a:bodyPr vert="horz" wrap="none" lIns="90000" tIns="46800" rIns="90000" bIns="46800" numCol="1" rtlCol="0" anchor="ctr" anchorCtr="0" compatLnSpc="1">
+              <a:prstTxWarp prst="textNoShape">
                 <a:avLst/>
-              </a:prstGeom>
-              <a:noFill/>
-              <a:ln w="25400" cap="flat" cmpd="sng" algn="ctr">
+              </a:prstTxWarp>
+            </a:bodyPr>
+            <a:lstStyle/>
+            <a:p>
+              <a:pPr marL="0" marR="0" indent="0" algn="l" defTabSz="914400" rtl="0" eaLnBrk="0" fontAlgn="base" latinLnBrk="0" hangingPunct="0">
+                <a:lnSpc>
+                  <a:spcPct val="100000"/>
+                </a:lnSpc>
+                <a:spcBef>
+                  <a:spcPct val="0"/>
+                </a:spcBef>
+                <a:spcAft>
+                  <a:spcPct val="0"/>
+                </a:spcAft>
+                <a:buClrTx/>
+                <a:buSzTx/>
+                <a:buFontTx/>
+                <a:buNone/>
+                <a:tabLst/>
+              </a:pPr>
+              <a:endParaRPr kumimoji="0" lang="en-US" sz="1400" b="0" i="0" u="none" strike="noStrike" cap="none" normalizeH="0" baseline="0">
+                <a:ln>
+                  <a:noFill/>
+                </a:ln>
                 <a:solidFill>
-                  <a:srgbClr val="BE5150"/>
+                  <a:schemeClr val="tx1"/>
                 </a:solidFill>
-                <a:prstDash val="dash"/>
-                <a:round/>
-                <a:headEnd type="none" w="med" len="med"/>
-                <a:tailEnd type="none" w="med" len="med"/>
-              </a:ln>
-              <a:effectLst/>
-            </p:spPr>
-            <p:txBody>
-              <a:bodyPr vert="horz" wrap="none" lIns="90000" tIns="46800" rIns="90000" bIns="46800" numCol="1" rtlCol="0" anchor="ctr" anchorCtr="0" compatLnSpc="1">
-                <a:prstTxWarp prst="textNoShape">
-                  <a:avLst/>
-                </a:prstTxWarp>
-              </a:bodyPr>
-              <a:lstStyle/>
-              <a:p>
-                <a:pPr marL="0" marR="0" indent="0" algn="l" defTabSz="914400" rtl="0" eaLnBrk="0" fontAlgn="base" latinLnBrk="0" hangingPunct="0">
-                  <a:lnSpc>
-                    <a:spcPct val="100000"/>
-                  </a:lnSpc>
-                  <a:spcBef>
-                    <a:spcPct val="0"/>
-                  </a:spcBef>
-                  <a:spcAft>
-                    <a:spcPct val="0"/>
-                  </a:spcAft>
-                  <a:buClrTx/>
-                  <a:buSzTx/>
-                  <a:buFontTx/>
-                  <a:buNone/>
-                  <a:tabLst/>
-                </a:pPr>
-                <a:endParaRPr kumimoji="0" lang="en-US" sz="1400" b="0" i="0" u="none" strike="noStrike" cap="none" normalizeH="0" baseline="0">
-                  <a:ln>
-                    <a:noFill/>
-                  </a:ln>
-                  <a:solidFill>
-                    <a:schemeClr val="tx1"/>
-                  </a:solidFill>
-                  <a:effectLst/>
-                  <a:latin typeface="Arial" charset="0"/>
-                  <a:ea typeface="HY울릉도M" pitchFamily="18" charset="-127"/>
-                </a:endParaRPr>
-              </a:p>
-            </p:txBody>
-          </p:sp>
-          <p:sp>
-            <p:nvSpPr>
-              <p:cNvPr id="12" name="TextBox 11">
-                <a:extLst>
-                  <a:ext uri="{FF2B5EF4-FFF2-40B4-BE49-F238E27FC236}">
-                    <a16:creationId xmlns:a16="http://schemas.microsoft.com/office/drawing/2014/main" id="{A74114D2-EE54-094D-B45C-99DE68513FD6}"/>
-                  </a:ext>
-                </a:extLst>
-              </p:cNvPr>
-              <p:cNvSpPr txBox="1"/>
-              <p:nvPr/>
-            </p:nvSpPr>
-            <p:spPr>
-              <a:xfrm>
-                <a:off x="1995733" y="5014912"/>
-                <a:ext cx="508473" cy="338554"/>
-              </a:xfrm>
-              <a:prstGeom prst="rect">
-                <a:avLst/>
-              </a:prstGeom>
-              <a:noFill/>
-            </p:spPr>
-            <p:txBody>
-              <a:bodyPr wrap="none" rtlCol="0">
-                <a:spAutoFit/>
-              </a:bodyPr>
-              <a:lstStyle/>
-              <a:p>
-                <a:pPr algn="ctr"/>
-                <a:r>
-                  <a:rPr lang="en-US" sz="1600" b="1" dirty="0">
-                    <a:latin typeface="Malgun Gothic" panose="020B0503020000020004" pitchFamily="34" charset="-127"/>
-                    <a:ea typeface="Malgun Gothic" panose="020B0503020000020004" pitchFamily="34" charset="-127"/>
-                  </a:rPr>
-                  <a:t>Bar</a:t>
-                </a:r>
-              </a:p>
-            </p:txBody>
-          </p:sp>
-        </p:grpSp>
+                <a:effectLst/>
+                <a:latin typeface="Arial" charset="0"/>
+                <a:ea typeface="HY울릉도M" pitchFamily="18" charset="-127"/>
+              </a:endParaRPr>
+            </a:p>
+          </p:txBody>
+        </p:sp>
+        <p:sp>
+          <p:nvSpPr>
+            <p:cNvPr id="12" name="TextBox 11">
+              <a:extLst>
+                <a:ext uri="{FF2B5EF4-FFF2-40B4-BE49-F238E27FC236}">
+                  <a16:creationId xmlns:a16="http://schemas.microsoft.com/office/drawing/2014/main" id="{A74114D2-EE54-094D-B45C-99DE68513FD6}"/>
+                </a:ext>
+              </a:extLst>
+            </p:cNvPr>
+            <p:cNvSpPr txBox="1"/>
+            <p:nvPr/>
+          </p:nvSpPr>
+          <p:spPr>
+            <a:xfrm>
+              <a:off x="1979703" y="5014912"/>
+              <a:ext cx="540533" cy="338554"/>
+            </a:xfrm>
+            <a:prstGeom prst="rect">
+              <a:avLst/>
+            </a:prstGeom>
+            <a:noFill/>
+          </p:spPr>
+          <p:txBody>
+            <a:bodyPr wrap="none" rtlCol="0">
+              <a:spAutoFit/>
+            </a:bodyPr>
+            <a:lstStyle/>
+            <a:p>
+              <a:pPr algn="ctr"/>
+              <a:r>
+                <a:rPr lang="en-US" sz="1600" b="1" dirty="0">
+                  <a:latin typeface="Malgun Gothic" panose="020B0503020000020004" pitchFamily="34" charset="-127"/>
+                  <a:ea typeface="Malgun Gothic" panose="020B0503020000020004" pitchFamily="34" charset="-127"/>
+                </a:rPr>
+                <a:t>Ball</a:t>
+              </a:r>
+            </a:p>
+          </p:txBody>
+        </p:sp>
       </p:grpSp>
       <p:grpSp>
         <p:nvGrpSpPr>
@@ -8377,7 +6297,7 @@
         </p:nvGrpSpPr>
         <p:grpSpPr>
           <a:xfrm>
-            <a:off x="6348576" y="4331960"/>
+            <a:off x="6279128" y="4065743"/>
             <a:ext cx="1341438" cy="1563792"/>
             <a:chOff x="6666076" y="4700260"/>
             <a:chExt cx="1341438" cy="1563792"/>
@@ -8638,8 +6558,8 @@
               </p:nvSpPr>
               <p:spPr>
                 <a:xfrm>
-                  <a:off x="1995733" y="5014912"/>
-                  <a:ext cx="508473" cy="338554"/>
+                  <a:off x="1979703" y="5014912"/>
+                  <a:ext cx="540533" cy="338554"/>
                 </a:xfrm>
                 <a:prstGeom prst="rect">
                   <a:avLst/>
@@ -8658,7 +6578,7 @@
                       <a:latin typeface="Malgun Gothic" panose="020B0503020000020004" pitchFamily="34" charset="-127"/>
                       <a:ea typeface="Malgun Gothic" panose="020B0503020000020004" pitchFamily="34" charset="-127"/>
                     </a:rPr>
-                    <a:t>Bar</a:t>
+                    <a:t>Ball</a:t>
                   </a:r>
                 </a:p>
               </p:txBody>
@@ -8769,8 +6689,8 @@
             </p:nvSpPr>
             <p:spPr>
               <a:xfrm>
-                <a:off x="1916834" y="5014912"/>
-                <a:ext cx="666273" cy="338554"/>
+                <a:off x="1995734" y="5014912"/>
+                <a:ext cx="508473" cy="338554"/>
               </a:xfrm>
               <a:prstGeom prst="rect">
                 <a:avLst/>
@@ -8789,7 +6709,7 @@
                     <a:latin typeface="Malgun Gothic" panose="020B0503020000020004" pitchFamily="34" charset="-127"/>
                     <a:ea typeface="Malgun Gothic" panose="020B0503020000020004" pitchFamily="34" charset="-127"/>
                   </a:rPr>
-                  <a:t>Brick</a:t>
+                  <a:t>Bar</a:t>
                 </a:r>
               </a:p>
             </p:txBody>
@@ -8798,10 +6718,10 @@
       </p:grpSp>
       <p:grpSp>
         <p:nvGrpSpPr>
-          <p:cNvPr id="46" name="Group 45">
+          <p:cNvPr id="35" name="Group 34">
             <a:extLst>
               <a:ext uri="{FF2B5EF4-FFF2-40B4-BE49-F238E27FC236}">
-                <a16:creationId xmlns:a16="http://schemas.microsoft.com/office/drawing/2014/main" id="{7F76ADA6-36F7-6F4B-A6BD-1039DD913A9A}"/>
+                <a16:creationId xmlns:a16="http://schemas.microsoft.com/office/drawing/2014/main" id="{26E4DC3A-58DD-1148-B271-9D7CE5720D83}"/>
               </a:ext>
             </a:extLst>
           </p:cNvPr>
@@ -8810,273 +6730,252 @@
         </p:nvGrpSpPr>
         <p:grpSpPr>
           <a:xfrm>
-            <a:off x="3839344" y="4560560"/>
-            <a:ext cx="1341438" cy="1017692"/>
-            <a:chOff x="4055244" y="4700260"/>
-            <a:chExt cx="1341438" cy="1017692"/>
+            <a:off x="3759447" y="4190170"/>
+            <a:ext cx="1328738" cy="471488"/>
+            <a:chOff x="1571624" y="4957763"/>
+            <a:chExt cx="1328738" cy="471488"/>
           </a:xfrm>
         </p:grpSpPr>
-        <p:grpSp>
-          <p:nvGrpSpPr>
-            <p:cNvPr id="35" name="Group 34">
+        <p:sp>
+          <p:nvSpPr>
+            <p:cNvPr id="36" name="Rounded Rectangle 35">
               <a:extLst>
                 <a:ext uri="{FF2B5EF4-FFF2-40B4-BE49-F238E27FC236}">
-                  <a16:creationId xmlns:a16="http://schemas.microsoft.com/office/drawing/2014/main" id="{26E4DC3A-58DD-1148-B271-9D7CE5720D83}"/>
+                  <a16:creationId xmlns:a16="http://schemas.microsoft.com/office/drawing/2014/main" id="{DD9D33E4-333D-4E4D-A235-A169F4CAD506}"/>
                 </a:ext>
               </a:extLst>
             </p:cNvPr>
-            <p:cNvGrpSpPr/>
+            <p:cNvSpPr/>
             <p:nvPr/>
-          </p:nvGrpSpPr>
-          <p:grpSpPr>
+          </p:nvSpPr>
+          <p:spPr bwMode="auto">
             <a:xfrm>
-              <a:off x="4067944" y="4700260"/>
+              <a:off x="1571624" y="4957763"/>
               <a:ext cx="1328738" cy="471488"/>
-              <a:chOff x="1571624" y="4957763"/>
-              <a:chExt cx="1328738" cy="471488"/>
             </a:xfrm>
-          </p:grpSpPr>
-          <p:sp>
-            <p:nvSpPr>
-              <p:cNvPr id="36" name="Rounded Rectangle 35">
-                <a:extLst>
-                  <a:ext uri="{FF2B5EF4-FFF2-40B4-BE49-F238E27FC236}">
-                    <a16:creationId xmlns:a16="http://schemas.microsoft.com/office/drawing/2014/main" id="{DD9D33E4-333D-4E4D-A235-A169F4CAD506}"/>
-                  </a:ext>
-                </a:extLst>
-              </p:cNvPr>
-              <p:cNvSpPr/>
-              <p:nvPr/>
-            </p:nvSpPr>
-            <p:spPr bwMode="auto">
-              <a:xfrm>
-                <a:off x="1571624" y="4957763"/>
-                <a:ext cx="1328738" cy="471488"/>
-              </a:xfrm>
-              <a:prstGeom prst="roundRect">
+            <a:prstGeom prst="roundRect">
+              <a:avLst/>
+            </a:prstGeom>
+            <a:noFill/>
+            <a:ln w="25400" cap="flat" cmpd="sng" algn="ctr">
+              <a:solidFill>
+                <a:schemeClr val="tx1">
+                  <a:alpha val="50000"/>
+                </a:schemeClr>
+              </a:solidFill>
+              <a:prstDash val="solid"/>
+              <a:round/>
+              <a:headEnd type="none" w="med" len="med"/>
+              <a:tailEnd type="none" w="med" len="med"/>
+            </a:ln>
+            <a:effectLst/>
+          </p:spPr>
+          <p:txBody>
+            <a:bodyPr vert="horz" wrap="none" lIns="90000" tIns="46800" rIns="90000" bIns="46800" numCol="1" rtlCol="0" anchor="ctr" anchorCtr="0" compatLnSpc="1">
+              <a:prstTxWarp prst="textNoShape">
                 <a:avLst/>
-              </a:prstGeom>
-              <a:noFill/>
-              <a:ln w="25400" cap="flat" cmpd="sng" algn="ctr">
+              </a:prstTxWarp>
+            </a:bodyPr>
+            <a:lstStyle/>
+            <a:p>
+              <a:pPr marL="0" marR="0" indent="0" algn="l" defTabSz="914400" rtl="0" eaLnBrk="0" fontAlgn="base" latinLnBrk="0" hangingPunct="0">
+                <a:lnSpc>
+                  <a:spcPct val="100000"/>
+                </a:lnSpc>
+                <a:spcBef>
+                  <a:spcPct val="0"/>
+                </a:spcBef>
+                <a:spcAft>
+                  <a:spcPct val="0"/>
+                </a:spcAft>
+                <a:buClrTx/>
+                <a:buSzTx/>
+                <a:buFontTx/>
+                <a:buNone/>
+                <a:tabLst/>
+              </a:pPr>
+              <a:endParaRPr kumimoji="0" lang="en-US" sz="1400" b="0" i="0" u="none" strike="noStrike" cap="none" normalizeH="0" baseline="0">
+                <a:ln>
+                  <a:noFill/>
+                </a:ln>
                 <a:solidFill>
-                  <a:schemeClr val="tx1">
-                    <a:alpha val="50000"/>
-                  </a:schemeClr>
+                  <a:schemeClr val="tx1"/>
                 </a:solidFill>
-                <a:prstDash val="solid"/>
-                <a:round/>
-                <a:headEnd type="none" w="med" len="med"/>
-                <a:tailEnd type="none" w="med" len="med"/>
-              </a:ln>
-              <a:effectLst/>
-            </p:spPr>
-            <p:txBody>
-              <a:bodyPr vert="horz" wrap="none" lIns="90000" tIns="46800" rIns="90000" bIns="46800" numCol="1" rtlCol="0" anchor="ctr" anchorCtr="0" compatLnSpc="1">
-                <a:prstTxWarp prst="textNoShape">
-                  <a:avLst/>
-                </a:prstTxWarp>
-              </a:bodyPr>
-              <a:lstStyle/>
-              <a:p>
-                <a:pPr marL="0" marR="0" indent="0" algn="l" defTabSz="914400" rtl="0" eaLnBrk="0" fontAlgn="base" latinLnBrk="0" hangingPunct="0">
-                  <a:lnSpc>
-                    <a:spcPct val="100000"/>
-                  </a:lnSpc>
-                  <a:spcBef>
-                    <a:spcPct val="0"/>
-                  </a:spcBef>
-                  <a:spcAft>
-                    <a:spcPct val="0"/>
-                  </a:spcAft>
-                  <a:buClrTx/>
-                  <a:buSzTx/>
-                  <a:buFontTx/>
-                  <a:buNone/>
-                  <a:tabLst/>
-                </a:pPr>
-                <a:endParaRPr kumimoji="0" lang="en-US" sz="1400" b="0" i="0" u="none" strike="noStrike" cap="none" normalizeH="0" baseline="0">
-                  <a:ln>
-                    <a:noFill/>
-                  </a:ln>
-                  <a:solidFill>
-                    <a:schemeClr val="tx1"/>
-                  </a:solidFill>
-                  <a:effectLst/>
-                  <a:latin typeface="Arial" charset="0"/>
-                  <a:ea typeface="HY울릉도M" pitchFamily="18" charset="-127"/>
-                </a:endParaRPr>
-              </a:p>
-            </p:txBody>
-          </p:sp>
-          <p:sp>
-            <p:nvSpPr>
-              <p:cNvPr id="37" name="TextBox 36">
-                <a:extLst>
-                  <a:ext uri="{FF2B5EF4-FFF2-40B4-BE49-F238E27FC236}">
-                    <a16:creationId xmlns:a16="http://schemas.microsoft.com/office/drawing/2014/main" id="{F9E2069B-D384-3945-B0C8-C06B9316166A}"/>
-                  </a:ext>
-                </a:extLst>
-              </p:cNvPr>
-              <p:cNvSpPr txBox="1"/>
-              <p:nvPr/>
-            </p:nvSpPr>
-            <p:spPr>
-              <a:xfrm>
-                <a:off x="1671638" y="5014912"/>
-                <a:ext cx="1156663" cy="338554"/>
-              </a:xfrm>
-              <a:prstGeom prst="rect">
-                <a:avLst/>
-              </a:prstGeom>
-              <a:noFill/>
-            </p:spPr>
-            <p:txBody>
-              <a:bodyPr wrap="none" rtlCol="0">
-                <a:spAutoFit/>
-              </a:bodyPr>
-              <a:lstStyle/>
-              <a:p>
-                <a:r>
-                  <a:rPr lang="en-US" sz="1600" b="1" dirty="0">
-                    <a:latin typeface="Malgun Gothic" panose="020B0503020000020004" pitchFamily="34" charset="-127"/>
-                    <a:ea typeface="Malgun Gothic" panose="020B0503020000020004" pitchFamily="34" charset="-127"/>
-                  </a:rPr>
-                  <a:t>Controller</a:t>
-                </a:r>
-              </a:p>
-            </p:txBody>
-          </p:sp>
-        </p:grpSp>
-        <p:grpSp>
-          <p:nvGrpSpPr>
-            <p:cNvPr id="41" name="Group 40">
+                <a:effectLst/>
+                <a:latin typeface="Arial" charset="0"/>
+                <a:ea typeface="HY울릉도M" pitchFamily="18" charset="-127"/>
+              </a:endParaRPr>
+            </a:p>
+          </p:txBody>
+        </p:sp>
+        <p:sp>
+          <p:nvSpPr>
+            <p:cNvPr id="37" name="TextBox 36">
               <a:extLst>
                 <a:ext uri="{FF2B5EF4-FFF2-40B4-BE49-F238E27FC236}">
-                  <a16:creationId xmlns:a16="http://schemas.microsoft.com/office/drawing/2014/main" id="{81B094D0-A4FD-A145-BF21-8716BF5AB077}"/>
+                  <a16:creationId xmlns:a16="http://schemas.microsoft.com/office/drawing/2014/main" id="{F9E2069B-D384-3945-B0C8-C06B9316166A}"/>
                 </a:ext>
               </a:extLst>
             </p:cNvPr>
-            <p:cNvGrpSpPr/>
+            <p:cNvSpPr txBox="1"/>
             <p:nvPr/>
-          </p:nvGrpSpPr>
-          <p:grpSpPr>
+          </p:nvSpPr>
+          <p:spPr>
             <a:xfrm>
-              <a:off x="4055244" y="5246464"/>
+              <a:off x="1671638" y="5014912"/>
+              <a:ext cx="1156663" cy="338554"/>
+            </a:xfrm>
+            <a:prstGeom prst="rect">
+              <a:avLst/>
+            </a:prstGeom>
+            <a:noFill/>
+          </p:spPr>
+          <p:txBody>
+            <a:bodyPr wrap="none" rtlCol="0">
+              <a:spAutoFit/>
+            </a:bodyPr>
+            <a:lstStyle/>
+            <a:p>
+              <a:r>
+                <a:rPr lang="en-US" sz="1600" b="1" dirty="0">
+                  <a:latin typeface="Malgun Gothic" panose="020B0503020000020004" pitchFamily="34" charset="-127"/>
+                  <a:ea typeface="Malgun Gothic" panose="020B0503020000020004" pitchFamily="34" charset="-127"/>
+                </a:rPr>
+                <a:t>Controller</a:t>
+              </a:r>
+            </a:p>
+          </p:txBody>
+        </p:sp>
+      </p:grpSp>
+      <p:grpSp>
+        <p:nvGrpSpPr>
+          <p:cNvPr id="41" name="Group 40">
+            <a:extLst>
+              <a:ext uri="{FF2B5EF4-FFF2-40B4-BE49-F238E27FC236}">
+                <a16:creationId xmlns:a16="http://schemas.microsoft.com/office/drawing/2014/main" id="{81B094D0-A4FD-A145-BF21-8716BF5AB077}"/>
+              </a:ext>
+            </a:extLst>
+          </p:cNvPr>
+          <p:cNvGrpSpPr/>
+          <p:nvPr/>
+        </p:nvGrpSpPr>
+        <p:grpSpPr>
+          <a:xfrm>
+            <a:off x="3758321" y="5291959"/>
+            <a:ext cx="1328738" cy="471488"/>
+            <a:chOff x="1571624" y="5524922"/>
+            <a:chExt cx="1328738" cy="471488"/>
+          </a:xfrm>
+        </p:grpSpPr>
+        <p:sp>
+          <p:nvSpPr>
+            <p:cNvPr id="42" name="Rounded Rectangle 41">
+              <a:extLst>
+                <a:ext uri="{FF2B5EF4-FFF2-40B4-BE49-F238E27FC236}">
+                  <a16:creationId xmlns:a16="http://schemas.microsoft.com/office/drawing/2014/main" id="{0865AC00-9C1E-D246-95A6-6B712357EDDF}"/>
+                </a:ext>
+              </a:extLst>
+            </p:cNvPr>
+            <p:cNvSpPr/>
+            <p:nvPr/>
+          </p:nvSpPr>
+          <p:spPr bwMode="auto">
+            <a:xfrm>
+              <a:off x="1571624" y="5524922"/>
               <a:ext cx="1328738" cy="471488"/>
-              <a:chOff x="1571624" y="4957763"/>
-              <a:chExt cx="1328738" cy="471488"/>
             </a:xfrm>
-          </p:grpSpPr>
-          <p:sp>
-            <p:nvSpPr>
-              <p:cNvPr id="42" name="Rounded Rectangle 41">
-                <a:extLst>
-                  <a:ext uri="{FF2B5EF4-FFF2-40B4-BE49-F238E27FC236}">
-                    <a16:creationId xmlns:a16="http://schemas.microsoft.com/office/drawing/2014/main" id="{0865AC00-9C1E-D246-95A6-6B712357EDDF}"/>
-                  </a:ext>
-                </a:extLst>
-              </p:cNvPr>
-              <p:cNvSpPr/>
-              <p:nvPr/>
-            </p:nvSpPr>
-            <p:spPr bwMode="auto">
-              <a:xfrm>
-                <a:off x="1571624" y="4957763"/>
-                <a:ext cx="1328738" cy="471488"/>
-              </a:xfrm>
-              <a:prstGeom prst="roundRect">
+            <a:prstGeom prst="roundRect">
+              <a:avLst/>
+            </a:prstGeom>
+            <a:noFill/>
+            <a:ln w="25400" cap="flat" cmpd="sng" algn="ctr">
+              <a:solidFill>
+                <a:schemeClr val="accent1"/>
+              </a:solidFill>
+              <a:prstDash val="dash"/>
+              <a:round/>
+              <a:headEnd type="none" w="med" len="med"/>
+              <a:tailEnd type="none" w="med" len="med"/>
+            </a:ln>
+            <a:effectLst/>
+          </p:spPr>
+          <p:txBody>
+            <a:bodyPr vert="horz" wrap="none" lIns="90000" tIns="46800" rIns="90000" bIns="46800" numCol="1" rtlCol="0" anchor="ctr" anchorCtr="0" compatLnSpc="1">
+              <a:prstTxWarp prst="textNoShape">
                 <a:avLst/>
-              </a:prstGeom>
-              <a:noFill/>
-              <a:ln w="25400" cap="flat" cmpd="sng" algn="ctr">
+              </a:prstTxWarp>
+            </a:bodyPr>
+            <a:lstStyle/>
+            <a:p>
+              <a:pPr marL="0" marR="0" indent="0" algn="l" defTabSz="914400" rtl="0" eaLnBrk="0" fontAlgn="base" latinLnBrk="0" hangingPunct="0">
+                <a:lnSpc>
+                  <a:spcPct val="100000"/>
+                </a:lnSpc>
+                <a:spcBef>
+                  <a:spcPct val="0"/>
+                </a:spcBef>
+                <a:spcAft>
+                  <a:spcPct val="0"/>
+                </a:spcAft>
+                <a:buClrTx/>
+                <a:buSzTx/>
+                <a:buFontTx/>
+                <a:buNone/>
+                <a:tabLst/>
+              </a:pPr>
+              <a:endParaRPr kumimoji="0" lang="en-US" sz="1400" b="0" i="0" u="none" strike="noStrike" cap="none" normalizeH="0" baseline="0">
+                <a:ln>
+                  <a:noFill/>
+                </a:ln>
                 <a:solidFill>
-                  <a:schemeClr val="accent1"/>
+                  <a:schemeClr val="tx1"/>
                 </a:solidFill>
-                <a:prstDash val="dash"/>
-                <a:round/>
-                <a:headEnd type="none" w="med" len="med"/>
-                <a:tailEnd type="none" w="med" len="med"/>
-              </a:ln>
-              <a:effectLst/>
-            </p:spPr>
-            <p:txBody>
-              <a:bodyPr vert="horz" wrap="none" lIns="90000" tIns="46800" rIns="90000" bIns="46800" numCol="1" rtlCol="0" anchor="ctr" anchorCtr="0" compatLnSpc="1">
-                <a:prstTxWarp prst="textNoShape">
-                  <a:avLst/>
-                </a:prstTxWarp>
-              </a:bodyPr>
-              <a:lstStyle/>
-              <a:p>
-                <a:pPr marL="0" marR="0" indent="0" algn="l" defTabSz="914400" rtl="0" eaLnBrk="0" fontAlgn="base" latinLnBrk="0" hangingPunct="0">
-                  <a:lnSpc>
-                    <a:spcPct val="100000"/>
-                  </a:lnSpc>
-                  <a:spcBef>
-                    <a:spcPct val="0"/>
-                  </a:spcBef>
-                  <a:spcAft>
-                    <a:spcPct val="0"/>
-                  </a:spcAft>
-                  <a:buClrTx/>
-                  <a:buSzTx/>
-                  <a:buFontTx/>
-                  <a:buNone/>
-                  <a:tabLst/>
-                </a:pPr>
-                <a:endParaRPr kumimoji="0" lang="en-US" sz="1400" b="0" i="0" u="none" strike="noStrike" cap="none" normalizeH="0" baseline="0">
-                  <a:ln>
-                    <a:noFill/>
-                  </a:ln>
-                  <a:solidFill>
-                    <a:schemeClr val="tx1"/>
-                  </a:solidFill>
-                  <a:effectLst/>
-                  <a:latin typeface="Arial" charset="0"/>
-                  <a:ea typeface="HY울릉도M" pitchFamily="18" charset="-127"/>
-                </a:endParaRPr>
-              </a:p>
-            </p:txBody>
-          </p:sp>
-          <p:sp>
-            <p:nvSpPr>
-              <p:cNvPr id="43" name="TextBox 42">
-                <a:extLst>
-                  <a:ext uri="{FF2B5EF4-FFF2-40B4-BE49-F238E27FC236}">
-                    <a16:creationId xmlns:a16="http://schemas.microsoft.com/office/drawing/2014/main" id="{21139C21-24A1-1E40-AAF0-16B0314FD010}"/>
-                  </a:ext>
-                </a:extLst>
-              </p:cNvPr>
-              <p:cNvSpPr txBox="1"/>
-              <p:nvPr/>
-            </p:nvSpPr>
-            <p:spPr>
-              <a:xfrm>
-                <a:off x="1916834" y="5014912"/>
-                <a:ext cx="666273" cy="338554"/>
-              </a:xfrm>
-              <a:prstGeom prst="rect">
-                <a:avLst/>
-              </a:prstGeom>
-              <a:noFill/>
-            </p:spPr>
-            <p:txBody>
-              <a:bodyPr wrap="none" rtlCol="0">
-                <a:spAutoFit/>
-              </a:bodyPr>
-              <a:lstStyle/>
-              <a:p>
-                <a:pPr algn="ctr"/>
-                <a:r>
-                  <a:rPr lang="en-US" sz="1600" b="1" dirty="0">
-                    <a:latin typeface="Malgun Gothic" panose="020B0503020000020004" pitchFamily="34" charset="-127"/>
-                    <a:ea typeface="Malgun Gothic" panose="020B0503020000020004" pitchFamily="34" charset="-127"/>
-                  </a:rPr>
-                  <a:t>Brick</a:t>
-                </a:r>
-              </a:p>
-            </p:txBody>
-          </p:sp>
-        </p:grpSp>
+                <a:effectLst/>
+                <a:latin typeface="Arial" charset="0"/>
+                <a:ea typeface="HY울릉도M" pitchFamily="18" charset="-127"/>
+              </a:endParaRPr>
+            </a:p>
+          </p:txBody>
+        </p:sp>
+        <p:sp>
+          <p:nvSpPr>
+            <p:cNvPr id="43" name="TextBox 42">
+              <a:extLst>
+                <a:ext uri="{FF2B5EF4-FFF2-40B4-BE49-F238E27FC236}">
+                  <a16:creationId xmlns:a16="http://schemas.microsoft.com/office/drawing/2014/main" id="{21139C21-24A1-1E40-AAF0-16B0314FD010}"/>
+                </a:ext>
+              </a:extLst>
+            </p:cNvPr>
+            <p:cNvSpPr txBox="1"/>
+            <p:nvPr/>
+          </p:nvSpPr>
+          <p:spPr>
+            <a:xfrm>
+              <a:off x="1995734" y="5582071"/>
+              <a:ext cx="508473" cy="338554"/>
+            </a:xfrm>
+            <a:prstGeom prst="rect">
+              <a:avLst/>
+            </a:prstGeom>
+            <a:noFill/>
+          </p:spPr>
+          <p:txBody>
+            <a:bodyPr wrap="none" rtlCol="0">
+              <a:spAutoFit/>
+            </a:bodyPr>
+            <a:lstStyle/>
+            <a:p>
+              <a:pPr algn="ctr"/>
+              <a:r>
+                <a:rPr lang="en-US" sz="1600" b="1" dirty="0">
+                  <a:latin typeface="Malgun Gothic" panose="020B0503020000020004" pitchFamily="34" charset="-127"/>
+                  <a:ea typeface="Malgun Gothic" panose="020B0503020000020004" pitchFamily="34" charset="-127"/>
+                </a:rPr>
+                <a:t>Bar</a:t>
+              </a:r>
+            </a:p>
+          </p:txBody>
+        </p:sp>
       </p:grpSp>
       <p:sp>
         <p:nvSpPr>
@@ -9092,7 +6991,7 @@
         </p:nvSpPr>
         <p:spPr bwMode="auto">
           <a:xfrm rot="5400000">
-            <a:off x="2870510" y="4839010"/>
+            <a:off x="2546419" y="4676966"/>
             <a:ext cx="748680" cy="419100"/>
           </a:xfrm>
           <a:prstGeom prst="triangle">
@@ -9179,7 +7078,7 @@
         </p:nvSpPr>
         <p:spPr bwMode="auto">
           <a:xfrm rot="5400000">
-            <a:off x="5343314" y="4839010"/>
+            <a:off x="5297015" y="4700114"/>
             <a:ext cx="748680" cy="419100"/>
           </a:xfrm>
           <a:prstGeom prst="triangle">
@@ -9252,6 +7151,266 @@
           </a:p>
         </p:txBody>
       </p:sp>
+      <p:grpSp>
+        <p:nvGrpSpPr>
+          <p:cNvPr id="54" name="Group 53">
+            <a:extLst>
+              <a:ext uri="{FF2B5EF4-FFF2-40B4-BE49-F238E27FC236}">
+                <a16:creationId xmlns:a16="http://schemas.microsoft.com/office/drawing/2014/main" id="{F91FA076-01D4-F448-95E7-B3D995DA2D14}"/>
+              </a:ext>
+            </a:extLst>
+          </p:cNvPr>
+          <p:cNvGrpSpPr/>
+          <p:nvPr/>
+        </p:nvGrpSpPr>
+        <p:grpSpPr>
+          <a:xfrm>
+            <a:off x="917512" y="4888415"/>
+            <a:ext cx="1328738" cy="471488"/>
+            <a:chOff x="1571624" y="4957763"/>
+            <a:chExt cx="1328738" cy="471488"/>
+          </a:xfrm>
+        </p:grpSpPr>
+        <p:sp>
+          <p:nvSpPr>
+            <p:cNvPr id="55" name="Rounded Rectangle 54">
+              <a:extLst>
+                <a:ext uri="{FF2B5EF4-FFF2-40B4-BE49-F238E27FC236}">
+                  <a16:creationId xmlns:a16="http://schemas.microsoft.com/office/drawing/2014/main" id="{F145835B-7B06-FF45-A3D7-29BAB36DD16B}"/>
+                </a:ext>
+              </a:extLst>
+            </p:cNvPr>
+            <p:cNvSpPr/>
+            <p:nvPr/>
+          </p:nvSpPr>
+          <p:spPr bwMode="auto">
+            <a:xfrm>
+              <a:off x="1571624" y="4957763"/>
+              <a:ext cx="1328738" cy="471488"/>
+            </a:xfrm>
+            <a:prstGeom prst="roundRect">
+              <a:avLst/>
+            </a:prstGeom>
+            <a:noFill/>
+            <a:ln w="25400" cap="flat" cmpd="sng" algn="ctr">
+              <a:solidFill>
+                <a:srgbClr val="BE5150"/>
+              </a:solidFill>
+              <a:prstDash val="dash"/>
+              <a:round/>
+              <a:headEnd type="none" w="med" len="med"/>
+              <a:tailEnd type="none" w="med" len="med"/>
+            </a:ln>
+            <a:effectLst/>
+          </p:spPr>
+          <p:txBody>
+            <a:bodyPr vert="horz" wrap="none" lIns="90000" tIns="46800" rIns="90000" bIns="46800" numCol="1" rtlCol="0" anchor="ctr" anchorCtr="0" compatLnSpc="1">
+              <a:prstTxWarp prst="textNoShape">
+                <a:avLst/>
+              </a:prstTxWarp>
+            </a:bodyPr>
+            <a:lstStyle/>
+            <a:p>
+              <a:pPr marL="0" marR="0" indent="0" algn="l" defTabSz="914400" rtl="0" eaLnBrk="0" fontAlgn="base" latinLnBrk="0" hangingPunct="0">
+                <a:lnSpc>
+                  <a:spcPct val="100000"/>
+                </a:lnSpc>
+                <a:spcBef>
+                  <a:spcPct val="0"/>
+                </a:spcBef>
+                <a:spcAft>
+                  <a:spcPct val="0"/>
+                </a:spcAft>
+                <a:buClrTx/>
+                <a:buSzTx/>
+                <a:buFontTx/>
+                <a:buNone/>
+                <a:tabLst/>
+              </a:pPr>
+              <a:endParaRPr kumimoji="0" lang="en-US" sz="1400" b="0" i="0" u="none" strike="noStrike" cap="none" normalizeH="0" baseline="0">
+                <a:ln>
+                  <a:noFill/>
+                </a:ln>
+                <a:solidFill>
+                  <a:schemeClr val="tx1"/>
+                </a:solidFill>
+                <a:effectLst/>
+                <a:latin typeface="Arial" charset="0"/>
+                <a:ea typeface="HY울릉도M" pitchFamily="18" charset="-127"/>
+              </a:endParaRPr>
+            </a:p>
+          </p:txBody>
+        </p:sp>
+        <p:sp>
+          <p:nvSpPr>
+            <p:cNvPr id="56" name="TextBox 55">
+              <a:extLst>
+                <a:ext uri="{FF2B5EF4-FFF2-40B4-BE49-F238E27FC236}">
+                  <a16:creationId xmlns:a16="http://schemas.microsoft.com/office/drawing/2014/main" id="{C8F353EB-AAE4-1B45-B3EF-F699004B1AED}"/>
+                </a:ext>
+              </a:extLst>
+            </p:cNvPr>
+            <p:cNvSpPr txBox="1"/>
+            <p:nvPr/>
+          </p:nvSpPr>
+          <p:spPr>
+            <a:xfrm>
+              <a:off x="1979703" y="5014912"/>
+              <a:ext cx="540533" cy="338554"/>
+            </a:xfrm>
+            <a:prstGeom prst="rect">
+              <a:avLst/>
+            </a:prstGeom>
+            <a:noFill/>
+          </p:spPr>
+          <p:txBody>
+            <a:bodyPr wrap="none" rtlCol="0">
+              <a:spAutoFit/>
+            </a:bodyPr>
+            <a:lstStyle/>
+            <a:p>
+              <a:pPr algn="ctr"/>
+              <a:r>
+                <a:rPr lang="en-US" sz="1600" b="1" dirty="0">
+                  <a:latin typeface="Malgun Gothic" panose="020B0503020000020004" pitchFamily="34" charset="-127"/>
+                  <a:ea typeface="Malgun Gothic" panose="020B0503020000020004" pitchFamily="34" charset="-127"/>
+                </a:rPr>
+                <a:t>Ball</a:t>
+              </a:r>
+            </a:p>
+          </p:txBody>
+        </p:sp>
+      </p:grpSp>
+      <p:grpSp>
+        <p:nvGrpSpPr>
+          <p:cNvPr id="57" name="Group 56">
+            <a:extLst>
+              <a:ext uri="{FF2B5EF4-FFF2-40B4-BE49-F238E27FC236}">
+                <a16:creationId xmlns:a16="http://schemas.microsoft.com/office/drawing/2014/main" id="{FF2F706A-0BD0-4F4D-A6D0-4BACEA66F926}"/>
+              </a:ext>
+            </a:extLst>
+          </p:cNvPr>
+          <p:cNvGrpSpPr/>
+          <p:nvPr/>
+        </p:nvGrpSpPr>
+        <p:grpSpPr>
+          <a:xfrm>
+            <a:off x="6291177" y="5689518"/>
+            <a:ext cx="1328738" cy="471488"/>
+            <a:chOff x="1571624" y="4957763"/>
+            <a:chExt cx="1328738" cy="471488"/>
+          </a:xfrm>
+        </p:grpSpPr>
+        <p:sp>
+          <p:nvSpPr>
+            <p:cNvPr id="58" name="Rounded Rectangle 57">
+              <a:extLst>
+                <a:ext uri="{FF2B5EF4-FFF2-40B4-BE49-F238E27FC236}">
+                  <a16:creationId xmlns:a16="http://schemas.microsoft.com/office/drawing/2014/main" id="{3B4C6BE3-7452-964C-8D82-865BCA44D7B9}"/>
+                </a:ext>
+              </a:extLst>
+            </p:cNvPr>
+            <p:cNvSpPr/>
+            <p:nvPr/>
+          </p:nvSpPr>
+          <p:spPr bwMode="auto">
+            <a:xfrm>
+              <a:off x="1571624" y="4957763"/>
+              <a:ext cx="1328738" cy="471488"/>
+            </a:xfrm>
+            <a:prstGeom prst="roundRect">
+              <a:avLst/>
+            </a:prstGeom>
+            <a:noFill/>
+            <a:ln w="25400" cap="flat" cmpd="sng" algn="ctr">
+              <a:solidFill>
+                <a:schemeClr val="accent6"/>
+              </a:solidFill>
+              <a:prstDash val="dash"/>
+              <a:round/>
+              <a:headEnd type="none" w="med" len="med"/>
+              <a:tailEnd type="none" w="med" len="med"/>
+            </a:ln>
+            <a:effectLst/>
+          </p:spPr>
+          <p:txBody>
+            <a:bodyPr vert="horz" wrap="none" lIns="90000" tIns="46800" rIns="90000" bIns="46800" numCol="1" rtlCol="0" anchor="ctr" anchorCtr="0" compatLnSpc="1">
+              <a:prstTxWarp prst="textNoShape">
+                <a:avLst/>
+              </a:prstTxWarp>
+            </a:bodyPr>
+            <a:lstStyle/>
+            <a:p>
+              <a:pPr marL="0" marR="0" indent="0" algn="l" defTabSz="914400" rtl="0" eaLnBrk="0" fontAlgn="base" latinLnBrk="0" hangingPunct="0">
+                <a:lnSpc>
+                  <a:spcPct val="100000"/>
+                </a:lnSpc>
+                <a:spcBef>
+                  <a:spcPct val="0"/>
+                </a:spcBef>
+                <a:spcAft>
+                  <a:spcPct val="0"/>
+                </a:spcAft>
+                <a:buClrTx/>
+                <a:buSzTx/>
+                <a:buFontTx/>
+                <a:buNone/>
+                <a:tabLst/>
+              </a:pPr>
+              <a:endParaRPr kumimoji="0" lang="en-US" sz="1400" b="0" i="0" u="none" strike="noStrike" cap="none" normalizeH="0" baseline="0">
+                <a:ln>
+                  <a:noFill/>
+                </a:ln>
+                <a:solidFill>
+                  <a:schemeClr val="tx1"/>
+                </a:solidFill>
+                <a:effectLst/>
+                <a:latin typeface="Arial" charset="0"/>
+                <a:ea typeface="HY울릉도M" pitchFamily="18" charset="-127"/>
+              </a:endParaRPr>
+            </a:p>
+          </p:txBody>
+        </p:sp>
+        <p:sp>
+          <p:nvSpPr>
+            <p:cNvPr id="59" name="TextBox 58">
+              <a:extLst>
+                <a:ext uri="{FF2B5EF4-FFF2-40B4-BE49-F238E27FC236}">
+                  <a16:creationId xmlns:a16="http://schemas.microsoft.com/office/drawing/2014/main" id="{4692EDEE-B6D4-AF42-89B1-B1DC5E89C146}"/>
+                </a:ext>
+              </a:extLst>
+            </p:cNvPr>
+            <p:cNvSpPr txBox="1"/>
+            <p:nvPr/>
+          </p:nvSpPr>
+          <p:spPr>
+            <a:xfrm>
+              <a:off x="1916834" y="5014912"/>
+              <a:ext cx="666273" cy="338554"/>
+            </a:xfrm>
+            <a:prstGeom prst="rect">
+              <a:avLst/>
+            </a:prstGeom>
+            <a:noFill/>
+          </p:spPr>
+          <p:txBody>
+            <a:bodyPr wrap="none" rtlCol="0">
+              <a:spAutoFit/>
+            </a:bodyPr>
+            <a:lstStyle/>
+            <a:p>
+              <a:pPr algn="ctr"/>
+              <a:r>
+                <a:rPr lang="en-US" sz="1600" b="1" dirty="0">
+                  <a:latin typeface="Malgun Gothic" panose="020B0503020000020004" pitchFamily="34" charset="-127"/>
+                  <a:ea typeface="Malgun Gothic" panose="020B0503020000020004" pitchFamily="34" charset="-127"/>
+                </a:rPr>
+                <a:t>Brick</a:t>
+              </a:r>
+            </a:p>
+          </p:txBody>
+        </p:sp>
+      </p:grpSp>
     </p:spTree>
     <p:extLst>
       <p:ext uri="{BB962C8B-B14F-4D97-AF65-F5344CB8AC3E}">
@@ -9265,7 +7424,146 @@
 </p:sld>
 </file>
 
-<file path=ppt/slides/slide18.xml><?xml version="1.0" encoding="utf-8"?>
+<file path=ppt/slides/slide2.xml><?xml version="1.0" encoding="utf-8"?>
+<p:sld xmlns:a="http://schemas.openxmlformats.org/drawingml/2006/main" xmlns:r="http://schemas.openxmlformats.org/officeDocument/2006/relationships" xmlns:p="http://schemas.openxmlformats.org/presentationml/2006/main">
+  <p:cSld>
+    <p:spTree>
+      <p:nvGrpSpPr>
+        <p:cNvPr id="1" name=""/>
+        <p:cNvGrpSpPr/>
+        <p:nvPr/>
+      </p:nvGrpSpPr>
+      <p:grpSpPr>
+        <a:xfrm>
+          <a:off x="0" y="0"/>
+          <a:ext cx="0" cy="0"/>
+          <a:chOff x="0" y="0"/>
+          <a:chExt cx="0" cy="0"/>
+        </a:xfrm>
+      </p:grpSpPr>
+      <p:sp>
+        <p:nvSpPr>
+          <p:cNvPr id="2" name="Title 1">
+            <a:extLst>
+              <a:ext uri="{FF2B5EF4-FFF2-40B4-BE49-F238E27FC236}">
+                <a16:creationId xmlns:a16="http://schemas.microsoft.com/office/drawing/2014/main" id="{BFA37ECD-F143-1841-8271-34FF7726A48A}"/>
+              </a:ext>
+            </a:extLst>
+          </p:cNvPr>
+          <p:cNvSpPr>
+            <a:spLocks noGrp="1"/>
+          </p:cNvSpPr>
+          <p:nvPr>
+            <p:ph type="title"/>
+          </p:nvPr>
+        </p:nvSpPr>
+        <p:spPr/>
+        <p:txBody>
+          <a:bodyPr/>
+          <a:lstStyle/>
+          <a:p>
+            <a:r>
+              <a:rPr lang="ko-KR" altLang="en-US" dirty="0"/>
+              <a:t>목차</a:t>
+            </a:r>
+            <a:endParaRPr lang="en-US" dirty="0"/>
+          </a:p>
+        </p:txBody>
+      </p:sp>
+      <p:sp>
+        <p:nvSpPr>
+          <p:cNvPr id="3" name="Content Placeholder 2">
+            <a:extLst>
+              <a:ext uri="{FF2B5EF4-FFF2-40B4-BE49-F238E27FC236}">
+                <a16:creationId xmlns:a16="http://schemas.microsoft.com/office/drawing/2014/main" id="{3632D965-DE0D-8D48-9BC7-2168016E6529}"/>
+              </a:ext>
+            </a:extLst>
+          </p:cNvPr>
+          <p:cNvSpPr>
+            <a:spLocks noGrp="1"/>
+          </p:cNvSpPr>
+          <p:nvPr>
+            <p:ph idx="1"/>
+          </p:nvPr>
+        </p:nvSpPr>
+        <p:spPr/>
+        <p:txBody>
+          <a:bodyPr/>
+          <a:lstStyle/>
+          <a:p>
+            <a:r>
+              <a:rPr lang="ko-KR" altLang="en-US" dirty="0"/>
+              <a:t>요구사항 분석</a:t>
+            </a:r>
+            <a:endParaRPr lang="en-US" altLang="ko-KR" dirty="0"/>
+          </a:p>
+          <a:p>
+            <a:r>
+              <a:rPr lang="ko-KR" altLang="en-US" dirty="0"/>
+              <a:t>설계</a:t>
+            </a:r>
+            <a:endParaRPr lang="en-US" altLang="ko-KR" dirty="0"/>
+          </a:p>
+          <a:p>
+            <a:r>
+              <a:rPr lang="ko-KR" altLang="en-US" dirty="0"/>
+              <a:t>구현</a:t>
+            </a:r>
+            <a:endParaRPr lang="en-US" altLang="ko-KR" dirty="0"/>
+          </a:p>
+          <a:p>
+            <a:r>
+              <a:rPr lang="ko-KR" altLang="en-US" dirty="0"/>
+              <a:t>테스트</a:t>
+            </a:r>
+            <a:endParaRPr lang="en-US" dirty="0"/>
+          </a:p>
+        </p:txBody>
+      </p:sp>
+      <p:sp>
+        <p:nvSpPr>
+          <p:cNvPr id="4" name="Footer Placeholder 3">
+            <a:extLst>
+              <a:ext uri="{FF2B5EF4-FFF2-40B4-BE49-F238E27FC236}">
+                <a16:creationId xmlns:a16="http://schemas.microsoft.com/office/drawing/2014/main" id="{93784C41-C3F4-5444-86A2-338BB44513B9}"/>
+              </a:ext>
+            </a:extLst>
+          </p:cNvPr>
+          <p:cNvSpPr>
+            <a:spLocks noGrp="1"/>
+          </p:cNvSpPr>
+          <p:nvPr>
+            <p:ph type="ftr" sz="quarter" idx="3"/>
+          </p:nvPr>
+        </p:nvSpPr>
+        <p:spPr/>
+        <p:txBody>
+          <a:bodyPr/>
+          <a:lstStyle/>
+          <a:p>
+            <a:pPr algn="r"/>
+            <a:r>
+              <a:rPr lang="en-US" altLang="ko-KR"/>
+              <a:t>Copyright 2018 SMU SELab., All rights reserved.</a:t>
+            </a:r>
+            <a:endParaRPr lang="en-US" altLang="ko-KR" dirty="0"/>
+          </a:p>
+        </p:txBody>
+      </p:sp>
+    </p:spTree>
+    <p:extLst>
+      <p:ext uri="{BB962C8B-B14F-4D97-AF65-F5344CB8AC3E}">
+        <p14:creationId xmlns:p14="http://schemas.microsoft.com/office/powerpoint/2010/main" val="2248809417"/>
+      </p:ext>
+    </p:extLst>
+  </p:cSld>
+  <p:clrMapOvr>
+    <a:masterClrMapping/>
+  </p:clrMapOvr>
+</p:sld>
+</file>
+
+<file path=ppt/slides/slide20.xml><?xml version="1.0" encoding="utf-8"?>
 <p:sld xmlns:a="http://schemas.openxmlformats.org/drawingml/2006/main" xmlns:r="http://schemas.openxmlformats.org/officeDocument/2006/relationships" xmlns:p="http://schemas.openxmlformats.org/presentationml/2006/main">
   <p:cSld>
     <p:spTree>
@@ -9500,7 +7798,7 @@
               <a:buNone/>
             </a:pPr>
             <a:r>
-              <a:rPr lang="en-US" altLang="ko-KR" kern="0" dirty="0"/>
+              <a:rPr lang="en-US" altLang="ko-KR" b="1" kern="0" dirty="0"/>
               <a:t>[ Controller + Ball ]</a:t>
             </a:r>
           </a:p>
@@ -9630,14 +7928,14 @@
           <p:nvPr>
             <p:extLst>
               <p:ext uri="{D42A27DB-BD31-4B8C-83A1-F6EECF244321}">
-                <p14:modId xmlns:p14="http://schemas.microsoft.com/office/powerpoint/2010/main" val="2499250572"/>
+                <p14:modId xmlns:p14="http://schemas.microsoft.com/office/powerpoint/2010/main" val="499607609"/>
               </p:ext>
             </p:extLst>
           </p:nvPr>
         </p:nvGraphicFramePr>
         <p:xfrm>
-          <a:off x="817944" y="2195653"/>
-          <a:ext cx="6096000" cy="1854200"/>
+          <a:off x="817942" y="2554468"/>
+          <a:ext cx="7573704" cy="1320800"/>
         </p:xfrm>
         <a:graphic>
           <a:graphicData uri="http://schemas.openxmlformats.org/drawingml/2006/table">
@@ -9646,21 +7944,21 @@
                 <a:tableStyleId>{FABFCF23-3B69-468F-B69F-88F6DE6A72F2}</a:tableStyleId>
               </a:tblPr>
               <a:tblGrid>
-                <a:gridCol w="767788">
+                <a:gridCol w="698342">
                   <a:extLst>
                     <a:ext uri="{9D8B030D-6E8A-4147-A177-3AD203B41FA5}">
                       <a16:colId xmlns:a16="http://schemas.microsoft.com/office/drawing/2014/main" val="2937625308"/>
                     </a:ext>
                   </a:extLst>
                 </a:gridCol>
-                <a:gridCol w="3296212">
+                <a:gridCol w="5347503">
                   <a:extLst>
                     <a:ext uri="{9D8B030D-6E8A-4147-A177-3AD203B41FA5}">
                       <a16:colId xmlns:a16="http://schemas.microsoft.com/office/drawing/2014/main" val="2449330475"/>
                     </a:ext>
                   </a:extLst>
                 </a:gridCol>
-                <a:gridCol w="2032000">
+                <a:gridCol w="1527859">
                   <a:extLst>
                     <a:ext uri="{9D8B030D-6E8A-4147-A177-3AD203B41FA5}">
                       <a16:colId xmlns:a16="http://schemas.microsoft.com/office/drawing/2014/main" val="601456306"/>
@@ -9741,11 +8039,12 @@
                     <a:bodyPr/>
                     <a:lstStyle/>
                     <a:p>
+                      <a:pPr algn="l"/>
                       <a:r>
-                        <a:rPr lang="en-US" altLang="ko-KR" dirty="0"/>
+                        <a:rPr lang="en-US" altLang="ko-KR" sz="1600" dirty="0"/>
                         <a:t>1</a:t>
                       </a:r>
-                      <a:endParaRPr lang="en-US" dirty="0"/>
+                      <a:endParaRPr lang="en-US" sz="1600" dirty="0"/>
                     </a:p>
                   </a:txBody>
                   <a:tcPr/>
@@ -9755,7 +8054,16 @@
                     <a:bodyPr/>
                     <a:lstStyle/>
                     <a:p>
-                      <a:endParaRPr lang="en-US" dirty="0"/>
+                      <a:pPr algn="l"/>
+                      <a:r>
+                        <a:rPr lang="ko-KR" altLang="en-US" sz="1600" dirty="0"/>
+                        <a:t>공이 벽 가장자리에 충돌했을 때 반대 방향으로 이동한다</a:t>
+                      </a:r>
+                      <a:r>
+                        <a:rPr lang="en-US" altLang="ko-KR" sz="1600" dirty="0"/>
+                        <a:t>.</a:t>
+                      </a:r>
+                      <a:endParaRPr lang="en-US" sz="1600" dirty="0"/>
                     </a:p>
                   </a:txBody>
                   <a:tcPr/>
@@ -9765,7 +8073,11 @@
                     <a:bodyPr/>
                     <a:lstStyle/>
                     <a:p>
-                      <a:endParaRPr lang="en-US" dirty="0"/>
+                      <a:pPr algn="l"/>
+                      <a:r>
+                        <a:rPr lang="en-US" sz="1600" dirty="0"/>
+                        <a:t>Pass</a:t>
+                      </a:r>
                     </a:p>
                   </a:txBody>
                   <a:tcPr/>
@@ -9782,11 +8094,12 @@
                     <a:bodyPr/>
                     <a:lstStyle/>
                     <a:p>
+                      <a:pPr algn="l"/>
                       <a:r>
-                        <a:rPr lang="en-US" altLang="ko-KR" dirty="0"/>
+                        <a:rPr lang="en-US" altLang="ko-KR" sz="1600" dirty="0"/>
                         <a:t>2</a:t>
                       </a:r>
-                      <a:endParaRPr lang="en-US" dirty="0"/>
+                      <a:endParaRPr lang="en-US" sz="1600" dirty="0"/>
                     </a:p>
                   </a:txBody>
                   <a:tcPr/>
@@ -9796,7 +8109,16 @@
                     <a:bodyPr/>
                     <a:lstStyle/>
                     <a:p>
-                      <a:endParaRPr lang="en-US"/>
+                      <a:pPr algn="l"/>
+                      <a:r>
+                        <a:rPr lang="ko-KR" altLang="en-US" sz="1600" dirty="0"/>
+                        <a:t>공이 벽 하단에 충돌했을 때 게임이 종료된다</a:t>
+                      </a:r>
+                      <a:r>
+                        <a:rPr lang="en-US" altLang="ko-KR" sz="1600" dirty="0"/>
+                        <a:t>.</a:t>
+                      </a:r>
+                      <a:endParaRPr lang="en-US" sz="1600" dirty="0"/>
                     </a:p>
                   </a:txBody>
                   <a:tcPr/>
@@ -9806,7 +8128,11 @@
                     <a:bodyPr/>
                     <a:lstStyle/>
                     <a:p>
-                      <a:endParaRPr lang="en-US"/>
+                      <a:pPr algn="l"/>
+                      <a:r>
+                        <a:rPr lang="en-US" sz="1600" dirty="0"/>
+                        <a:t>Pass</a:t>
+                      </a:r>
                     </a:p>
                   </a:txBody>
                   <a:tcPr/>
@@ -9814,88 +8140,6 @@
                 <a:extLst>
                   <a:ext uri="{0D108BD9-81ED-4DB2-BD59-A6C34878D82A}">
                     <a16:rowId xmlns:a16="http://schemas.microsoft.com/office/drawing/2014/main" val="294631222"/>
-                  </a:ext>
-                </a:extLst>
-              </a:tr>
-              <a:tr h="370840">
-                <a:tc>
-                  <a:txBody>
-                    <a:bodyPr/>
-                    <a:lstStyle/>
-                    <a:p>
-                      <a:r>
-                        <a:rPr lang="en-US" altLang="ko-KR" dirty="0"/>
-                        <a:t>3</a:t>
-                      </a:r>
-                      <a:endParaRPr lang="en-US" dirty="0"/>
-                    </a:p>
-                  </a:txBody>
-                  <a:tcPr/>
-                </a:tc>
-                <a:tc>
-                  <a:txBody>
-                    <a:bodyPr/>
-                    <a:lstStyle/>
-                    <a:p>
-                      <a:endParaRPr lang="en-US"/>
-                    </a:p>
-                  </a:txBody>
-                  <a:tcPr/>
-                </a:tc>
-                <a:tc>
-                  <a:txBody>
-                    <a:bodyPr/>
-                    <a:lstStyle/>
-                    <a:p>
-                      <a:endParaRPr lang="en-US"/>
-                    </a:p>
-                  </a:txBody>
-                  <a:tcPr/>
-                </a:tc>
-                <a:extLst>
-                  <a:ext uri="{0D108BD9-81ED-4DB2-BD59-A6C34878D82A}">
-                    <a16:rowId xmlns:a16="http://schemas.microsoft.com/office/drawing/2014/main" val="3401638799"/>
-                  </a:ext>
-                </a:extLst>
-              </a:tr>
-              <a:tr h="370840">
-                <a:tc>
-                  <a:txBody>
-                    <a:bodyPr/>
-                    <a:lstStyle/>
-                    <a:p>
-                      <a:r>
-                        <a:rPr lang="en-US" altLang="ko-KR" dirty="0"/>
-                        <a:t>4</a:t>
-                      </a:r>
-                      <a:endParaRPr lang="en-US" dirty="0"/>
-                    </a:p>
-                  </a:txBody>
-                  <a:tcPr/>
-                </a:tc>
-                <a:tc>
-                  <a:txBody>
-                    <a:bodyPr/>
-                    <a:lstStyle/>
-                    <a:p>
-                      <a:endParaRPr lang="en-US"/>
-                    </a:p>
-                  </a:txBody>
-                  <a:tcPr/>
-                </a:tc>
-                <a:tc>
-                  <a:txBody>
-                    <a:bodyPr/>
-                    <a:lstStyle/>
-                    <a:p>
-                      <a:endParaRPr lang="en-US" dirty="0"/>
-                    </a:p>
-                  </a:txBody>
-                  <a:tcPr/>
-                </a:tc>
-                <a:extLst>
-                  <a:ext uri="{0D108BD9-81ED-4DB2-BD59-A6C34878D82A}">
-                    <a16:rowId xmlns:a16="http://schemas.microsoft.com/office/drawing/2014/main" val="509668459"/>
                   </a:ext>
                 </a:extLst>
               </a:tr>
@@ -9916,7 +8160,1537 @@
 </p:sld>
 </file>
 
-<file path=ppt/slides/slide2.xml><?xml version="1.0" encoding="utf-8"?>
+<file path=ppt/slides/slide21.xml><?xml version="1.0" encoding="utf-8"?>
+<p:sld xmlns:a="http://schemas.openxmlformats.org/drawingml/2006/main" xmlns:r="http://schemas.openxmlformats.org/officeDocument/2006/relationships" xmlns:p="http://schemas.openxmlformats.org/presentationml/2006/main">
+  <p:cSld>
+    <p:spTree>
+      <p:nvGrpSpPr>
+        <p:cNvPr id="1" name=""/>
+        <p:cNvGrpSpPr/>
+        <p:nvPr/>
+      </p:nvGrpSpPr>
+      <p:grpSpPr>
+        <a:xfrm>
+          <a:off x="0" y="0"/>
+          <a:ext cx="0" cy="0"/>
+          <a:chOff x="0" y="0"/>
+          <a:chExt cx="0" cy="0"/>
+        </a:xfrm>
+      </p:grpSpPr>
+      <p:sp>
+        <p:nvSpPr>
+          <p:cNvPr id="10" name="Content Placeholder 2">
+            <a:extLst>
+              <a:ext uri="{FF2B5EF4-FFF2-40B4-BE49-F238E27FC236}">
+                <a16:creationId xmlns:a16="http://schemas.microsoft.com/office/drawing/2014/main" id="{9A2D59B6-93B8-CC40-ACB4-206D33042C3C}"/>
+              </a:ext>
+            </a:extLst>
+          </p:cNvPr>
+          <p:cNvSpPr txBox="1">
+            <a:spLocks/>
+          </p:cNvSpPr>
+          <p:nvPr/>
+        </p:nvSpPr>
+        <p:spPr>
+          <a:xfrm>
+            <a:off x="280988" y="1024768"/>
+            <a:ext cx="8582025" cy="3324225"/>
+          </a:xfrm>
+          <a:prstGeom prst="rect">
+            <a:avLst/>
+          </a:prstGeom>
+        </p:spPr>
+        <p:txBody>
+          <a:bodyPr/>
+          <a:lstStyle>
+            <a:lvl1pPr marL="292100" indent="-292100" algn="l" rtl="0" eaLnBrk="1" fontAlgn="base" latinLnBrk="0" hangingPunct="1">
+              <a:lnSpc>
+                <a:spcPct val="120000"/>
+              </a:lnSpc>
+              <a:spcBef>
+                <a:spcPct val="55000"/>
+              </a:spcBef>
+              <a:spcAft>
+                <a:spcPct val="0"/>
+              </a:spcAft>
+              <a:buFont typeface="Wingdings" pitchFamily="2" charset="2"/>
+              <a:buBlip>
+                <a:blip r:embed="rId2"/>
+              </a:buBlip>
+              <a:tabLst>
+                <a:tab pos="571500" algn="l"/>
+              </a:tabLst>
+              <a:defRPr lang="ko-KR" altLang="en-US" sz="2000" baseline="0" dirty="0" smtClean="0">
+                <a:solidFill>
+                  <a:schemeClr val="tx1"/>
+                </a:solidFill>
+                <a:latin typeface="맑은 고딕" panose="020B0503020000020004" pitchFamily="50" charset="-127"/>
+                <a:ea typeface="맑은 고딕" panose="020B0503020000020004" pitchFamily="50" charset="-127"/>
+                <a:cs typeface="+mn-cs"/>
+              </a:defRPr>
+            </a:lvl1pPr>
+            <a:lvl2pPr marL="673100" indent="-190500" algn="l" rtl="0" eaLnBrk="1" fontAlgn="base" latinLnBrk="0" hangingPunct="1">
+              <a:lnSpc>
+                <a:spcPct val="120000"/>
+              </a:lnSpc>
+              <a:spcBef>
+                <a:spcPct val="0"/>
+              </a:spcBef>
+              <a:spcAft>
+                <a:spcPct val="0"/>
+              </a:spcAft>
+              <a:buFont typeface="Wingdings" pitchFamily="2" charset="2"/>
+              <a:buChar char="q"/>
+              <a:tabLst>
+                <a:tab pos="571500" algn="l"/>
+              </a:tabLst>
+              <a:defRPr lang="ko-KR" altLang="en-US" sz="1800" baseline="0" dirty="0" smtClean="0">
+                <a:solidFill>
+                  <a:schemeClr val="tx1"/>
+                </a:solidFill>
+                <a:latin typeface="맑은 고딕" panose="020B0503020000020004" pitchFamily="50" charset="-127"/>
+                <a:ea typeface="맑은 고딕" panose="020B0503020000020004" pitchFamily="50" charset="-127"/>
+              </a:defRPr>
+            </a:lvl2pPr>
+            <a:lvl3pPr marL="1282700" indent="-330200" algn="l" rtl="0" eaLnBrk="1" fontAlgn="base" latinLnBrk="0" hangingPunct="1">
+              <a:lnSpc>
+                <a:spcPct val="150000"/>
+              </a:lnSpc>
+              <a:spcBef>
+                <a:spcPct val="0"/>
+              </a:spcBef>
+              <a:spcAft>
+                <a:spcPct val="0"/>
+              </a:spcAft>
+              <a:buFont typeface="Wingdings" pitchFamily="2" charset="2"/>
+              <a:buChar char="ü"/>
+              <a:tabLst>
+                <a:tab pos="571500" algn="l"/>
+              </a:tabLst>
+              <a:defRPr lang="ko-KR" altLang="en-US" sz="1600" baseline="0" dirty="0" smtClean="0">
+                <a:solidFill>
+                  <a:schemeClr val="tx1"/>
+                </a:solidFill>
+                <a:latin typeface="맑은 고딕" panose="020B0503020000020004" pitchFamily="50" charset="-127"/>
+                <a:ea typeface="맑은 고딕" panose="020B0503020000020004" pitchFamily="50" charset="-127"/>
+              </a:defRPr>
+            </a:lvl3pPr>
+            <a:lvl4pPr marL="1682750" indent="-209550" algn="l" rtl="0" eaLnBrk="1" fontAlgn="base" latinLnBrk="0" hangingPunct="1">
+              <a:spcBef>
+                <a:spcPct val="20000"/>
+              </a:spcBef>
+              <a:spcAft>
+                <a:spcPct val="0"/>
+              </a:spcAft>
+              <a:buChar char="•"/>
+              <a:tabLst>
+                <a:tab pos="571500" algn="l"/>
+              </a:tabLst>
+              <a:defRPr lang="ko-KR" altLang="en-US" sz="1400" baseline="0" dirty="0" smtClean="0">
+                <a:solidFill>
+                  <a:schemeClr val="tx1"/>
+                </a:solidFill>
+                <a:latin typeface="맑은 고딕" panose="020B0503020000020004" pitchFamily="50" charset="-127"/>
+                <a:ea typeface="맑은 고딕" panose="020B0503020000020004" pitchFamily="50" charset="-127"/>
+              </a:defRPr>
+            </a:lvl4pPr>
+            <a:lvl5pPr marL="2082800" indent="-209550" algn="l" rtl="0" eaLnBrk="1" fontAlgn="base" latinLnBrk="0" hangingPunct="1">
+              <a:spcBef>
+                <a:spcPct val="20000"/>
+              </a:spcBef>
+              <a:spcAft>
+                <a:spcPct val="0"/>
+              </a:spcAft>
+              <a:buChar char="•"/>
+              <a:tabLst>
+                <a:tab pos="571500" algn="l"/>
+              </a:tabLst>
+              <a:defRPr lang="ko-KR" altLang="en-US" sz="1400" baseline="0" dirty="0" smtClean="0">
+                <a:solidFill>
+                  <a:schemeClr val="tx1"/>
+                </a:solidFill>
+                <a:latin typeface="맑은 고딕" panose="020B0503020000020004" pitchFamily="50" charset="-127"/>
+                <a:ea typeface="맑은 고딕" panose="020B0503020000020004" pitchFamily="50" charset="-127"/>
+              </a:defRPr>
+            </a:lvl5pPr>
+            <a:lvl6pPr marL="2540000" indent="-209550" algn="l" rtl="0" eaLnBrk="1" fontAlgn="base" latinLnBrk="1" hangingPunct="1">
+              <a:spcBef>
+                <a:spcPct val="20000"/>
+              </a:spcBef>
+              <a:spcAft>
+                <a:spcPct val="0"/>
+              </a:spcAft>
+              <a:buChar char="•"/>
+              <a:tabLst>
+                <a:tab pos="571500" algn="l"/>
+              </a:tabLst>
+              <a:defRPr sz="1100">
+                <a:solidFill>
+                  <a:schemeClr val="tx1"/>
+                </a:solidFill>
+                <a:latin typeface="+mn-lt"/>
+                <a:ea typeface="+mn-ea"/>
+              </a:defRPr>
+            </a:lvl6pPr>
+            <a:lvl7pPr marL="2997200" indent="-209550" algn="l" rtl="0" eaLnBrk="1" fontAlgn="base" latinLnBrk="1" hangingPunct="1">
+              <a:spcBef>
+                <a:spcPct val="20000"/>
+              </a:spcBef>
+              <a:spcAft>
+                <a:spcPct val="0"/>
+              </a:spcAft>
+              <a:buChar char="•"/>
+              <a:tabLst>
+                <a:tab pos="571500" algn="l"/>
+              </a:tabLst>
+              <a:defRPr sz="1100">
+                <a:solidFill>
+                  <a:schemeClr val="tx1"/>
+                </a:solidFill>
+                <a:latin typeface="+mn-lt"/>
+                <a:ea typeface="+mn-ea"/>
+              </a:defRPr>
+            </a:lvl7pPr>
+            <a:lvl8pPr marL="3454400" indent="-209550" algn="l" rtl="0" eaLnBrk="1" fontAlgn="base" latinLnBrk="1" hangingPunct="1">
+              <a:spcBef>
+                <a:spcPct val="20000"/>
+              </a:spcBef>
+              <a:spcAft>
+                <a:spcPct val="0"/>
+              </a:spcAft>
+              <a:buChar char="•"/>
+              <a:tabLst>
+                <a:tab pos="571500" algn="l"/>
+              </a:tabLst>
+              <a:defRPr sz="1100">
+                <a:solidFill>
+                  <a:schemeClr val="tx1"/>
+                </a:solidFill>
+                <a:latin typeface="+mn-lt"/>
+                <a:ea typeface="+mn-ea"/>
+              </a:defRPr>
+            </a:lvl8pPr>
+            <a:lvl9pPr marL="3911600" indent="-209550" algn="l" rtl="0" eaLnBrk="1" fontAlgn="base" latinLnBrk="1" hangingPunct="1">
+              <a:spcBef>
+                <a:spcPct val="20000"/>
+              </a:spcBef>
+              <a:spcAft>
+                <a:spcPct val="0"/>
+              </a:spcAft>
+              <a:buChar char="•"/>
+              <a:tabLst>
+                <a:tab pos="571500" algn="l"/>
+              </a:tabLst>
+              <a:defRPr sz="1100">
+                <a:solidFill>
+                  <a:schemeClr val="tx1"/>
+                </a:solidFill>
+                <a:latin typeface="+mn-lt"/>
+                <a:ea typeface="+mn-ea"/>
+              </a:defRPr>
+            </a:lvl9pPr>
+          </a:lstStyle>
+          <a:p>
+            <a:pPr marL="0" indent="0">
+              <a:buNone/>
+            </a:pPr>
+            <a:r>
+              <a:rPr lang="en-US" altLang="ko-KR" b="1" kern="0" dirty="0"/>
+              <a:t>[ Controller + Ball + Bar ]</a:t>
+            </a:r>
+          </a:p>
+          <a:p>
+            <a:r>
+              <a:rPr lang="ko-KR" altLang="en-US" dirty="0"/>
+              <a:t>테스트 케이스 작성</a:t>
+            </a:r>
+            <a:endParaRPr lang="en-US" altLang="ko-KR" dirty="0"/>
+          </a:p>
+          <a:p>
+            <a:pPr marL="482600" lvl="1" indent="0">
+              <a:buNone/>
+            </a:pPr>
+            <a:endParaRPr lang="en-US" altLang="ko-KR" kern="0" dirty="0"/>
+          </a:p>
+          <a:p>
+            <a:endParaRPr lang="en-US" altLang="ko-KR" kern="0" dirty="0"/>
+          </a:p>
+          <a:p>
+            <a:pPr lvl="1"/>
+            <a:endParaRPr lang="en-US" altLang="ko-KR" kern="0" dirty="0"/>
+          </a:p>
+          <a:p>
+            <a:pPr lvl="1"/>
+            <a:endParaRPr lang="en-US" altLang="ko-KR" kern="0" dirty="0"/>
+          </a:p>
+          <a:p>
+            <a:endParaRPr lang="en-US" altLang="ko-KR" kern="0" dirty="0"/>
+          </a:p>
+          <a:p>
+            <a:endParaRPr lang="en-US" altLang="ko-KR" kern="0" dirty="0"/>
+          </a:p>
+          <a:p>
+            <a:endParaRPr lang="en-US" altLang="ko-KR" kern="0" dirty="0"/>
+          </a:p>
+          <a:p>
+            <a:endParaRPr lang="en-US" altLang="ko-KR" kern="0" dirty="0"/>
+          </a:p>
+          <a:p>
+            <a:endParaRPr lang="ko-KR" altLang="en-US" kern="0" dirty="0"/>
+          </a:p>
+          <a:p>
+            <a:pPr marL="482600" lvl="1" indent="0">
+              <a:buFont typeface="Wingdings" pitchFamily="2" charset="2"/>
+              <a:buNone/>
+            </a:pPr>
+            <a:endParaRPr lang="en-US" altLang="ko-KR" kern="0" dirty="0"/>
+          </a:p>
+          <a:p>
+            <a:pPr lvl="1"/>
+            <a:endParaRPr lang="ko-KR" altLang="en-US" kern="0" dirty="0"/>
+          </a:p>
+        </p:txBody>
+      </p:sp>
+      <p:sp>
+        <p:nvSpPr>
+          <p:cNvPr id="2" name="Title 1">
+            <a:extLst>
+              <a:ext uri="{FF2B5EF4-FFF2-40B4-BE49-F238E27FC236}">
+                <a16:creationId xmlns:a16="http://schemas.microsoft.com/office/drawing/2014/main" id="{2656D21B-3850-894B-B007-96FD06C9134D}"/>
+              </a:ext>
+            </a:extLst>
+          </p:cNvPr>
+          <p:cNvSpPr>
+            <a:spLocks noGrp="1"/>
+          </p:cNvSpPr>
+          <p:nvPr>
+            <p:ph type="title"/>
+          </p:nvPr>
+        </p:nvSpPr>
+        <p:spPr/>
+        <p:txBody>
+          <a:bodyPr/>
+          <a:lstStyle/>
+          <a:p>
+            <a:r>
+              <a:rPr lang="ko-KR" altLang="en-US" dirty="0"/>
+              <a:t>통합 테스트</a:t>
+            </a:r>
+            <a:endParaRPr lang="en-US" dirty="0"/>
+          </a:p>
+        </p:txBody>
+      </p:sp>
+      <p:sp>
+        <p:nvSpPr>
+          <p:cNvPr id="3" name="Footer Placeholder 2">
+            <a:extLst>
+              <a:ext uri="{FF2B5EF4-FFF2-40B4-BE49-F238E27FC236}">
+                <a16:creationId xmlns:a16="http://schemas.microsoft.com/office/drawing/2014/main" id="{66EC1A41-2526-2C4B-9172-3BE16DEC99DB}"/>
+              </a:ext>
+            </a:extLst>
+          </p:cNvPr>
+          <p:cNvSpPr>
+            <a:spLocks noGrp="1"/>
+          </p:cNvSpPr>
+          <p:nvPr>
+            <p:ph type="ftr" sz="quarter" idx="3"/>
+          </p:nvPr>
+        </p:nvSpPr>
+        <p:spPr/>
+        <p:txBody>
+          <a:bodyPr/>
+          <a:lstStyle/>
+          <a:p>
+            <a:pPr algn="r"/>
+            <a:r>
+              <a:rPr lang="en-US" altLang="ko-KR"/>
+              <a:t>Copyright 2018 SMU SELab., All rights reserved.</a:t>
+            </a:r>
+            <a:endParaRPr lang="en-US" altLang="ko-KR" dirty="0"/>
+          </a:p>
+        </p:txBody>
+      </p:sp>
+      <p:graphicFrame>
+        <p:nvGraphicFramePr>
+          <p:cNvPr id="4" name="Table 3">
+            <a:extLst>
+              <a:ext uri="{FF2B5EF4-FFF2-40B4-BE49-F238E27FC236}">
+                <a16:creationId xmlns:a16="http://schemas.microsoft.com/office/drawing/2014/main" id="{565B0D50-4AEA-3C4F-A6FA-8EE4A22832B0}"/>
+              </a:ext>
+            </a:extLst>
+          </p:cNvPr>
+          <p:cNvGraphicFramePr>
+            <a:graphicFrameLocks noGrp="1"/>
+          </p:cNvGraphicFramePr>
+          <p:nvPr>
+            <p:extLst>
+              <p:ext uri="{D42A27DB-BD31-4B8C-83A1-F6EECF244321}">
+                <p14:modId xmlns:p14="http://schemas.microsoft.com/office/powerpoint/2010/main" val="1617701082"/>
+              </p:ext>
+            </p:extLst>
+          </p:nvPr>
+        </p:nvGraphicFramePr>
+        <p:xfrm>
+          <a:off x="817942" y="2450296"/>
+          <a:ext cx="7573704" cy="1899920"/>
+        </p:xfrm>
+        <a:graphic>
+          <a:graphicData uri="http://schemas.openxmlformats.org/drawingml/2006/table">
+            <a:tbl>
+              <a:tblPr firstRow="1" bandRow="1">
+                <a:tableStyleId>{FABFCF23-3B69-468F-B69F-88F6DE6A72F2}</a:tableStyleId>
+              </a:tblPr>
+              <a:tblGrid>
+                <a:gridCol w="698342">
+                  <a:extLst>
+                    <a:ext uri="{9D8B030D-6E8A-4147-A177-3AD203B41FA5}">
+                      <a16:colId xmlns:a16="http://schemas.microsoft.com/office/drawing/2014/main" val="2937625308"/>
+                    </a:ext>
+                  </a:extLst>
+                </a:gridCol>
+                <a:gridCol w="5347503">
+                  <a:extLst>
+                    <a:ext uri="{9D8B030D-6E8A-4147-A177-3AD203B41FA5}">
+                      <a16:colId xmlns:a16="http://schemas.microsoft.com/office/drawing/2014/main" val="2449330475"/>
+                    </a:ext>
+                  </a:extLst>
+                </a:gridCol>
+                <a:gridCol w="1527859">
+                  <a:extLst>
+                    <a:ext uri="{9D8B030D-6E8A-4147-A177-3AD203B41FA5}">
+                      <a16:colId xmlns:a16="http://schemas.microsoft.com/office/drawing/2014/main" val="601456306"/>
+                    </a:ext>
+                  </a:extLst>
+                </a:gridCol>
+              </a:tblGrid>
+              <a:tr h="370840">
+                <a:tc>
+                  <a:txBody>
+                    <a:bodyPr/>
+                    <a:lstStyle/>
+                    <a:p>
+                      <a:r>
+                        <a:rPr lang="ko-KR" altLang="en-US" sz="1400" dirty="0">
+                          <a:latin typeface="Malgun Gothic" panose="020B0503020000020004" pitchFamily="34" charset="-127"/>
+                          <a:ea typeface="Malgun Gothic" panose="020B0503020000020004" pitchFamily="34" charset="-127"/>
+                        </a:rPr>
+                        <a:t>번호</a:t>
+                      </a:r>
+                      <a:endParaRPr lang="en-US" sz="1400" dirty="0">
+                        <a:latin typeface="Malgun Gothic" panose="020B0503020000020004" pitchFamily="34" charset="-127"/>
+                        <a:ea typeface="Malgun Gothic" panose="020B0503020000020004" pitchFamily="34" charset="-127"/>
+                      </a:endParaRPr>
+                    </a:p>
+                  </a:txBody>
+                  <a:tcPr/>
+                </a:tc>
+                <a:tc>
+                  <a:txBody>
+                    <a:bodyPr/>
+                    <a:lstStyle/>
+                    <a:p>
+                      <a:r>
+                        <a:rPr lang="ko-KR" altLang="en-US" sz="1400" dirty="0">
+                          <a:latin typeface="Malgun Gothic" panose="020B0503020000020004" pitchFamily="34" charset="-127"/>
+                          <a:ea typeface="Malgun Gothic" panose="020B0503020000020004" pitchFamily="34" charset="-127"/>
+                        </a:rPr>
+                        <a:t>테스트 내용</a:t>
+                      </a:r>
+                      <a:endParaRPr lang="en-US" sz="1400" dirty="0">
+                        <a:latin typeface="Malgun Gothic" panose="020B0503020000020004" pitchFamily="34" charset="-127"/>
+                        <a:ea typeface="Malgun Gothic" panose="020B0503020000020004" pitchFamily="34" charset="-127"/>
+                      </a:endParaRPr>
+                    </a:p>
+                  </a:txBody>
+                  <a:tcPr/>
+                </a:tc>
+                <a:tc>
+                  <a:txBody>
+                    <a:bodyPr/>
+                    <a:lstStyle/>
+                    <a:p>
+                      <a:r>
+                        <a:rPr lang="ko-KR" altLang="en-US" sz="1400" dirty="0">
+                          <a:latin typeface="Malgun Gothic" panose="020B0503020000020004" pitchFamily="34" charset="-127"/>
+                          <a:ea typeface="Malgun Gothic" panose="020B0503020000020004" pitchFamily="34" charset="-127"/>
+                        </a:rPr>
+                        <a:t>결과</a:t>
+                      </a:r>
+                      <a:endParaRPr lang="en-US" sz="1400" dirty="0">
+                        <a:latin typeface="Malgun Gothic" panose="020B0503020000020004" pitchFamily="34" charset="-127"/>
+                        <a:ea typeface="Malgun Gothic" panose="020B0503020000020004" pitchFamily="34" charset="-127"/>
+                      </a:endParaRPr>
+                    </a:p>
+                  </a:txBody>
+                  <a:tcPr/>
+                </a:tc>
+                <a:extLst>
+                  <a:ext uri="{0D108BD9-81ED-4DB2-BD59-A6C34878D82A}">
+                    <a16:rowId xmlns:a16="http://schemas.microsoft.com/office/drawing/2014/main" val="3693923203"/>
+                  </a:ext>
+                </a:extLst>
+              </a:tr>
+              <a:tr h="370840">
+                <a:tc>
+                  <a:txBody>
+                    <a:bodyPr/>
+                    <a:lstStyle/>
+                    <a:p>
+                      <a:pPr algn="l"/>
+                      <a:r>
+                        <a:rPr lang="en-US" altLang="ko-KR" sz="1600" dirty="0"/>
+                        <a:t>1</a:t>
+                      </a:r>
+                      <a:endParaRPr lang="en-US" sz="1600" dirty="0"/>
+                    </a:p>
+                  </a:txBody>
+                  <a:tcPr/>
+                </a:tc>
+                <a:tc>
+                  <a:txBody>
+                    <a:bodyPr/>
+                    <a:lstStyle/>
+                    <a:p>
+                      <a:pPr algn="l"/>
+                      <a:r>
+                        <a:rPr lang="ko-KR" altLang="en-US" sz="1600" dirty="0"/>
+                        <a:t>공이 막대와 충돌했을 때 반대 방향으로 이동한다</a:t>
+                      </a:r>
+                      <a:r>
+                        <a:rPr lang="en-US" altLang="ko-KR" sz="1600" dirty="0"/>
+                        <a:t>.</a:t>
+                      </a:r>
+                      <a:endParaRPr lang="en-US" sz="1600" dirty="0"/>
+                    </a:p>
+                  </a:txBody>
+                  <a:tcPr/>
+                </a:tc>
+                <a:tc>
+                  <a:txBody>
+                    <a:bodyPr/>
+                    <a:lstStyle/>
+                    <a:p>
+                      <a:pPr algn="l"/>
+                      <a:r>
+                        <a:rPr lang="en-US" sz="1600" dirty="0"/>
+                        <a:t>Pass</a:t>
+                      </a:r>
+                    </a:p>
+                  </a:txBody>
+                  <a:tcPr/>
+                </a:tc>
+                <a:extLst>
+                  <a:ext uri="{0D108BD9-81ED-4DB2-BD59-A6C34878D82A}">
+                    <a16:rowId xmlns:a16="http://schemas.microsoft.com/office/drawing/2014/main" val="906587010"/>
+                  </a:ext>
+                </a:extLst>
+              </a:tr>
+              <a:tr h="370840">
+                <a:tc>
+                  <a:txBody>
+                    <a:bodyPr/>
+                    <a:lstStyle/>
+                    <a:p>
+                      <a:pPr algn="l"/>
+                      <a:r>
+                        <a:rPr lang="en-US" altLang="ko-KR" sz="1600" dirty="0"/>
+                        <a:t>2</a:t>
+                      </a:r>
+                      <a:endParaRPr lang="en-US" sz="1600" dirty="0"/>
+                    </a:p>
+                  </a:txBody>
+                  <a:tcPr/>
+                </a:tc>
+                <a:tc>
+                  <a:txBody>
+                    <a:bodyPr/>
+                    <a:lstStyle/>
+                    <a:p>
+                      <a:pPr algn="l"/>
+                      <a:r>
+                        <a:rPr lang="ko-KR" altLang="en-US" sz="1600" dirty="0"/>
+                        <a:t>공이 막대와 충돌하지 않고 벽 하단에 충돌했을 때 게임이 종료된다</a:t>
+                      </a:r>
+                      <a:r>
+                        <a:rPr lang="en-US" altLang="ko-KR" sz="1600" dirty="0"/>
+                        <a:t>.</a:t>
+                      </a:r>
+                      <a:endParaRPr lang="en-US" sz="1600" dirty="0"/>
+                    </a:p>
+                  </a:txBody>
+                  <a:tcPr/>
+                </a:tc>
+                <a:tc>
+                  <a:txBody>
+                    <a:bodyPr/>
+                    <a:lstStyle/>
+                    <a:p>
+                      <a:pPr algn="l"/>
+                      <a:r>
+                        <a:rPr lang="en-US" sz="1600" dirty="0"/>
+                        <a:t>Pass</a:t>
+                      </a:r>
+                    </a:p>
+                  </a:txBody>
+                  <a:tcPr/>
+                </a:tc>
+                <a:extLst>
+                  <a:ext uri="{0D108BD9-81ED-4DB2-BD59-A6C34878D82A}">
+                    <a16:rowId xmlns:a16="http://schemas.microsoft.com/office/drawing/2014/main" val="294631222"/>
+                  </a:ext>
+                </a:extLst>
+              </a:tr>
+              <a:tr h="370840">
+                <a:tc>
+                  <a:txBody>
+                    <a:bodyPr/>
+                    <a:lstStyle/>
+                    <a:p>
+                      <a:pPr algn="l"/>
+                      <a:r>
+                        <a:rPr lang="en-US" altLang="ko-KR" sz="1600" dirty="0"/>
+                        <a:t>3</a:t>
+                      </a:r>
+                      <a:endParaRPr lang="en-US" sz="1600" dirty="0"/>
+                    </a:p>
+                  </a:txBody>
+                  <a:tcPr/>
+                </a:tc>
+                <a:tc>
+                  <a:txBody>
+                    <a:bodyPr/>
+                    <a:lstStyle/>
+                    <a:p>
+                      <a:pPr algn="l"/>
+                      <a:r>
+                        <a:rPr lang="ko-KR" altLang="en-US" sz="1600" dirty="0"/>
+                        <a:t>막대가 벽의 좌우 양 끝에 충돌했을 때 반대 방향으로 이동한다</a:t>
+                      </a:r>
+                      <a:r>
+                        <a:rPr lang="en-US" altLang="ko-KR" sz="1600" dirty="0"/>
+                        <a:t>.</a:t>
+                      </a:r>
+                      <a:endParaRPr lang="en-US" sz="1600" dirty="0"/>
+                    </a:p>
+                  </a:txBody>
+                  <a:tcPr/>
+                </a:tc>
+                <a:tc>
+                  <a:txBody>
+                    <a:bodyPr/>
+                    <a:lstStyle/>
+                    <a:p>
+                      <a:pPr algn="l"/>
+                      <a:r>
+                        <a:rPr lang="en-US" sz="1600" dirty="0"/>
+                        <a:t>Pass</a:t>
+                      </a:r>
+                    </a:p>
+                  </a:txBody>
+                  <a:tcPr/>
+                </a:tc>
+                <a:extLst>
+                  <a:ext uri="{0D108BD9-81ED-4DB2-BD59-A6C34878D82A}">
+                    <a16:rowId xmlns:a16="http://schemas.microsoft.com/office/drawing/2014/main" val="614184083"/>
+                  </a:ext>
+                </a:extLst>
+              </a:tr>
+            </a:tbl>
+          </a:graphicData>
+        </a:graphic>
+      </p:graphicFrame>
+    </p:spTree>
+    <p:extLst>
+      <p:ext uri="{BB962C8B-B14F-4D97-AF65-F5344CB8AC3E}">
+        <p14:creationId xmlns:p14="http://schemas.microsoft.com/office/powerpoint/2010/main" val="3083525967"/>
+      </p:ext>
+    </p:extLst>
+  </p:cSld>
+  <p:clrMapOvr>
+    <a:masterClrMapping/>
+  </p:clrMapOvr>
+</p:sld>
+</file>
+
+<file path=ppt/slides/slide22.xml><?xml version="1.0" encoding="utf-8"?>
+<p:sld xmlns:a="http://schemas.openxmlformats.org/drawingml/2006/main" xmlns:r="http://schemas.openxmlformats.org/officeDocument/2006/relationships" xmlns:p="http://schemas.openxmlformats.org/presentationml/2006/main">
+  <p:cSld>
+    <p:spTree>
+      <p:nvGrpSpPr>
+        <p:cNvPr id="1" name=""/>
+        <p:cNvGrpSpPr/>
+        <p:nvPr/>
+      </p:nvGrpSpPr>
+      <p:grpSpPr>
+        <a:xfrm>
+          <a:off x="0" y="0"/>
+          <a:ext cx="0" cy="0"/>
+          <a:chOff x="0" y="0"/>
+          <a:chExt cx="0" cy="0"/>
+        </a:xfrm>
+      </p:grpSpPr>
+      <p:sp>
+        <p:nvSpPr>
+          <p:cNvPr id="10" name="Content Placeholder 2">
+            <a:extLst>
+              <a:ext uri="{FF2B5EF4-FFF2-40B4-BE49-F238E27FC236}">
+                <a16:creationId xmlns:a16="http://schemas.microsoft.com/office/drawing/2014/main" id="{9A2D59B6-93B8-CC40-ACB4-206D33042C3C}"/>
+              </a:ext>
+            </a:extLst>
+          </p:cNvPr>
+          <p:cNvSpPr txBox="1">
+            <a:spLocks/>
+          </p:cNvSpPr>
+          <p:nvPr/>
+        </p:nvSpPr>
+        <p:spPr>
+          <a:xfrm>
+            <a:off x="280988" y="1024768"/>
+            <a:ext cx="8582025" cy="3324225"/>
+          </a:xfrm>
+          <a:prstGeom prst="rect">
+            <a:avLst/>
+          </a:prstGeom>
+        </p:spPr>
+        <p:txBody>
+          <a:bodyPr/>
+          <a:lstStyle>
+            <a:lvl1pPr marL="292100" indent="-292100" algn="l" rtl="0" eaLnBrk="1" fontAlgn="base" latinLnBrk="0" hangingPunct="1">
+              <a:lnSpc>
+                <a:spcPct val="120000"/>
+              </a:lnSpc>
+              <a:spcBef>
+                <a:spcPct val="55000"/>
+              </a:spcBef>
+              <a:spcAft>
+                <a:spcPct val="0"/>
+              </a:spcAft>
+              <a:buFont typeface="Wingdings" pitchFamily="2" charset="2"/>
+              <a:buBlip>
+                <a:blip r:embed="rId2"/>
+              </a:buBlip>
+              <a:tabLst>
+                <a:tab pos="571500" algn="l"/>
+              </a:tabLst>
+              <a:defRPr lang="ko-KR" altLang="en-US" sz="2000" baseline="0" dirty="0" smtClean="0">
+                <a:solidFill>
+                  <a:schemeClr val="tx1"/>
+                </a:solidFill>
+                <a:latin typeface="맑은 고딕" panose="020B0503020000020004" pitchFamily="50" charset="-127"/>
+                <a:ea typeface="맑은 고딕" panose="020B0503020000020004" pitchFamily="50" charset="-127"/>
+                <a:cs typeface="+mn-cs"/>
+              </a:defRPr>
+            </a:lvl1pPr>
+            <a:lvl2pPr marL="673100" indent="-190500" algn="l" rtl="0" eaLnBrk="1" fontAlgn="base" latinLnBrk="0" hangingPunct="1">
+              <a:lnSpc>
+                <a:spcPct val="120000"/>
+              </a:lnSpc>
+              <a:spcBef>
+                <a:spcPct val="0"/>
+              </a:spcBef>
+              <a:spcAft>
+                <a:spcPct val="0"/>
+              </a:spcAft>
+              <a:buFont typeface="Wingdings" pitchFamily="2" charset="2"/>
+              <a:buChar char="q"/>
+              <a:tabLst>
+                <a:tab pos="571500" algn="l"/>
+              </a:tabLst>
+              <a:defRPr lang="ko-KR" altLang="en-US" sz="1800" baseline="0" dirty="0" smtClean="0">
+                <a:solidFill>
+                  <a:schemeClr val="tx1"/>
+                </a:solidFill>
+                <a:latin typeface="맑은 고딕" panose="020B0503020000020004" pitchFamily="50" charset="-127"/>
+                <a:ea typeface="맑은 고딕" panose="020B0503020000020004" pitchFamily="50" charset="-127"/>
+              </a:defRPr>
+            </a:lvl2pPr>
+            <a:lvl3pPr marL="1282700" indent="-330200" algn="l" rtl="0" eaLnBrk="1" fontAlgn="base" latinLnBrk="0" hangingPunct="1">
+              <a:lnSpc>
+                <a:spcPct val="150000"/>
+              </a:lnSpc>
+              <a:spcBef>
+                <a:spcPct val="0"/>
+              </a:spcBef>
+              <a:spcAft>
+                <a:spcPct val="0"/>
+              </a:spcAft>
+              <a:buFont typeface="Wingdings" pitchFamily="2" charset="2"/>
+              <a:buChar char="ü"/>
+              <a:tabLst>
+                <a:tab pos="571500" algn="l"/>
+              </a:tabLst>
+              <a:defRPr lang="ko-KR" altLang="en-US" sz="1600" baseline="0" dirty="0" smtClean="0">
+                <a:solidFill>
+                  <a:schemeClr val="tx1"/>
+                </a:solidFill>
+                <a:latin typeface="맑은 고딕" panose="020B0503020000020004" pitchFamily="50" charset="-127"/>
+                <a:ea typeface="맑은 고딕" panose="020B0503020000020004" pitchFamily="50" charset="-127"/>
+              </a:defRPr>
+            </a:lvl3pPr>
+            <a:lvl4pPr marL="1682750" indent="-209550" algn="l" rtl="0" eaLnBrk="1" fontAlgn="base" latinLnBrk="0" hangingPunct="1">
+              <a:spcBef>
+                <a:spcPct val="20000"/>
+              </a:spcBef>
+              <a:spcAft>
+                <a:spcPct val="0"/>
+              </a:spcAft>
+              <a:buChar char="•"/>
+              <a:tabLst>
+                <a:tab pos="571500" algn="l"/>
+              </a:tabLst>
+              <a:defRPr lang="ko-KR" altLang="en-US" sz="1400" baseline="0" dirty="0" smtClean="0">
+                <a:solidFill>
+                  <a:schemeClr val="tx1"/>
+                </a:solidFill>
+                <a:latin typeface="맑은 고딕" panose="020B0503020000020004" pitchFamily="50" charset="-127"/>
+                <a:ea typeface="맑은 고딕" panose="020B0503020000020004" pitchFamily="50" charset="-127"/>
+              </a:defRPr>
+            </a:lvl4pPr>
+            <a:lvl5pPr marL="2082800" indent="-209550" algn="l" rtl="0" eaLnBrk="1" fontAlgn="base" latinLnBrk="0" hangingPunct="1">
+              <a:spcBef>
+                <a:spcPct val="20000"/>
+              </a:spcBef>
+              <a:spcAft>
+                <a:spcPct val="0"/>
+              </a:spcAft>
+              <a:buChar char="•"/>
+              <a:tabLst>
+                <a:tab pos="571500" algn="l"/>
+              </a:tabLst>
+              <a:defRPr lang="ko-KR" altLang="en-US" sz="1400" baseline="0" dirty="0" smtClean="0">
+                <a:solidFill>
+                  <a:schemeClr val="tx1"/>
+                </a:solidFill>
+                <a:latin typeface="맑은 고딕" panose="020B0503020000020004" pitchFamily="50" charset="-127"/>
+                <a:ea typeface="맑은 고딕" panose="020B0503020000020004" pitchFamily="50" charset="-127"/>
+              </a:defRPr>
+            </a:lvl5pPr>
+            <a:lvl6pPr marL="2540000" indent="-209550" algn="l" rtl="0" eaLnBrk="1" fontAlgn="base" latinLnBrk="1" hangingPunct="1">
+              <a:spcBef>
+                <a:spcPct val="20000"/>
+              </a:spcBef>
+              <a:spcAft>
+                <a:spcPct val="0"/>
+              </a:spcAft>
+              <a:buChar char="•"/>
+              <a:tabLst>
+                <a:tab pos="571500" algn="l"/>
+              </a:tabLst>
+              <a:defRPr sz="1100">
+                <a:solidFill>
+                  <a:schemeClr val="tx1"/>
+                </a:solidFill>
+                <a:latin typeface="+mn-lt"/>
+                <a:ea typeface="+mn-ea"/>
+              </a:defRPr>
+            </a:lvl6pPr>
+            <a:lvl7pPr marL="2997200" indent="-209550" algn="l" rtl="0" eaLnBrk="1" fontAlgn="base" latinLnBrk="1" hangingPunct="1">
+              <a:spcBef>
+                <a:spcPct val="20000"/>
+              </a:spcBef>
+              <a:spcAft>
+                <a:spcPct val="0"/>
+              </a:spcAft>
+              <a:buChar char="•"/>
+              <a:tabLst>
+                <a:tab pos="571500" algn="l"/>
+              </a:tabLst>
+              <a:defRPr sz="1100">
+                <a:solidFill>
+                  <a:schemeClr val="tx1"/>
+                </a:solidFill>
+                <a:latin typeface="+mn-lt"/>
+                <a:ea typeface="+mn-ea"/>
+              </a:defRPr>
+            </a:lvl7pPr>
+            <a:lvl8pPr marL="3454400" indent="-209550" algn="l" rtl="0" eaLnBrk="1" fontAlgn="base" latinLnBrk="1" hangingPunct="1">
+              <a:spcBef>
+                <a:spcPct val="20000"/>
+              </a:spcBef>
+              <a:spcAft>
+                <a:spcPct val="0"/>
+              </a:spcAft>
+              <a:buChar char="•"/>
+              <a:tabLst>
+                <a:tab pos="571500" algn="l"/>
+              </a:tabLst>
+              <a:defRPr sz="1100">
+                <a:solidFill>
+                  <a:schemeClr val="tx1"/>
+                </a:solidFill>
+                <a:latin typeface="+mn-lt"/>
+                <a:ea typeface="+mn-ea"/>
+              </a:defRPr>
+            </a:lvl8pPr>
+            <a:lvl9pPr marL="3911600" indent="-209550" algn="l" rtl="0" eaLnBrk="1" fontAlgn="base" latinLnBrk="1" hangingPunct="1">
+              <a:spcBef>
+                <a:spcPct val="20000"/>
+              </a:spcBef>
+              <a:spcAft>
+                <a:spcPct val="0"/>
+              </a:spcAft>
+              <a:buChar char="•"/>
+              <a:tabLst>
+                <a:tab pos="571500" algn="l"/>
+              </a:tabLst>
+              <a:defRPr sz="1100">
+                <a:solidFill>
+                  <a:schemeClr val="tx1"/>
+                </a:solidFill>
+                <a:latin typeface="+mn-lt"/>
+                <a:ea typeface="+mn-ea"/>
+              </a:defRPr>
+            </a:lvl9pPr>
+          </a:lstStyle>
+          <a:p>
+            <a:pPr marL="0" indent="0">
+              <a:buNone/>
+            </a:pPr>
+            <a:r>
+              <a:rPr lang="en-US" altLang="ko-KR" b="1" kern="0" dirty="0"/>
+              <a:t>[ Controller + Ball + Bar + Brick ]</a:t>
+            </a:r>
+          </a:p>
+          <a:p>
+            <a:r>
+              <a:rPr lang="ko-KR" altLang="en-US" dirty="0"/>
+              <a:t>테스트 케이스 작성</a:t>
+            </a:r>
+            <a:endParaRPr lang="en-US" altLang="ko-KR" dirty="0"/>
+          </a:p>
+          <a:p>
+            <a:pPr marL="482600" lvl="1" indent="0">
+              <a:buNone/>
+            </a:pPr>
+            <a:endParaRPr lang="en-US" altLang="ko-KR" kern="0" dirty="0"/>
+          </a:p>
+          <a:p>
+            <a:endParaRPr lang="en-US" altLang="ko-KR" kern="0" dirty="0"/>
+          </a:p>
+          <a:p>
+            <a:pPr lvl="1"/>
+            <a:endParaRPr lang="en-US" altLang="ko-KR" kern="0" dirty="0"/>
+          </a:p>
+          <a:p>
+            <a:pPr lvl="1"/>
+            <a:endParaRPr lang="en-US" altLang="ko-KR" kern="0" dirty="0"/>
+          </a:p>
+          <a:p>
+            <a:endParaRPr lang="en-US" altLang="ko-KR" kern="0" dirty="0"/>
+          </a:p>
+          <a:p>
+            <a:endParaRPr lang="en-US" altLang="ko-KR" kern="0" dirty="0"/>
+          </a:p>
+          <a:p>
+            <a:endParaRPr lang="en-US" altLang="ko-KR" kern="0" dirty="0"/>
+          </a:p>
+          <a:p>
+            <a:endParaRPr lang="en-US" altLang="ko-KR" kern="0" dirty="0"/>
+          </a:p>
+          <a:p>
+            <a:endParaRPr lang="ko-KR" altLang="en-US" kern="0" dirty="0"/>
+          </a:p>
+          <a:p>
+            <a:pPr marL="482600" lvl="1" indent="0">
+              <a:buFont typeface="Wingdings" pitchFamily="2" charset="2"/>
+              <a:buNone/>
+            </a:pPr>
+            <a:endParaRPr lang="en-US" altLang="ko-KR" kern="0" dirty="0"/>
+          </a:p>
+          <a:p>
+            <a:pPr lvl="1"/>
+            <a:endParaRPr lang="ko-KR" altLang="en-US" kern="0" dirty="0"/>
+          </a:p>
+        </p:txBody>
+      </p:sp>
+      <p:sp>
+        <p:nvSpPr>
+          <p:cNvPr id="2" name="Title 1">
+            <a:extLst>
+              <a:ext uri="{FF2B5EF4-FFF2-40B4-BE49-F238E27FC236}">
+                <a16:creationId xmlns:a16="http://schemas.microsoft.com/office/drawing/2014/main" id="{2656D21B-3850-894B-B007-96FD06C9134D}"/>
+              </a:ext>
+            </a:extLst>
+          </p:cNvPr>
+          <p:cNvSpPr>
+            <a:spLocks noGrp="1"/>
+          </p:cNvSpPr>
+          <p:nvPr>
+            <p:ph type="title"/>
+          </p:nvPr>
+        </p:nvSpPr>
+        <p:spPr/>
+        <p:txBody>
+          <a:bodyPr/>
+          <a:lstStyle/>
+          <a:p>
+            <a:r>
+              <a:rPr lang="ko-KR" altLang="en-US" dirty="0"/>
+              <a:t>통합 테스트</a:t>
+            </a:r>
+            <a:endParaRPr lang="en-US" dirty="0"/>
+          </a:p>
+        </p:txBody>
+      </p:sp>
+      <p:sp>
+        <p:nvSpPr>
+          <p:cNvPr id="3" name="Footer Placeholder 2">
+            <a:extLst>
+              <a:ext uri="{FF2B5EF4-FFF2-40B4-BE49-F238E27FC236}">
+                <a16:creationId xmlns:a16="http://schemas.microsoft.com/office/drawing/2014/main" id="{66EC1A41-2526-2C4B-9172-3BE16DEC99DB}"/>
+              </a:ext>
+            </a:extLst>
+          </p:cNvPr>
+          <p:cNvSpPr>
+            <a:spLocks noGrp="1"/>
+          </p:cNvSpPr>
+          <p:nvPr>
+            <p:ph type="ftr" sz="quarter" idx="3"/>
+          </p:nvPr>
+        </p:nvSpPr>
+        <p:spPr/>
+        <p:txBody>
+          <a:bodyPr/>
+          <a:lstStyle/>
+          <a:p>
+            <a:pPr algn="r"/>
+            <a:r>
+              <a:rPr lang="en-US" altLang="ko-KR"/>
+              <a:t>Copyright 2018 SMU SELab., All rights reserved.</a:t>
+            </a:r>
+            <a:endParaRPr lang="en-US" altLang="ko-KR" dirty="0"/>
+          </a:p>
+        </p:txBody>
+      </p:sp>
+      <p:graphicFrame>
+        <p:nvGraphicFramePr>
+          <p:cNvPr id="4" name="Table 3">
+            <a:extLst>
+              <a:ext uri="{FF2B5EF4-FFF2-40B4-BE49-F238E27FC236}">
+                <a16:creationId xmlns:a16="http://schemas.microsoft.com/office/drawing/2014/main" id="{565B0D50-4AEA-3C4F-A6FA-8EE4A22832B0}"/>
+              </a:ext>
+            </a:extLst>
+          </p:cNvPr>
+          <p:cNvGraphicFramePr>
+            <a:graphicFrameLocks noGrp="1"/>
+          </p:cNvGraphicFramePr>
+          <p:nvPr>
+            <p:extLst>
+              <p:ext uri="{D42A27DB-BD31-4B8C-83A1-F6EECF244321}">
+                <p14:modId xmlns:p14="http://schemas.microsoft.com/office/powerpoint/2010/main" val="507155955"/>
+              </p:ext>
+            </p:extLst>
+          </p:nvPr>
+        </p:nvGraphicFramePr>
+        <p:xfrm>
+          <a:off x="817942" y="2241952"/>
+          <a:ext cx="7573704" cy="3429000"/>
+        </p:xfrm>
+        <a:graphic>
+          <a:graphicData uri="http://schemas.openxmlformats.org/drawingml/2006/table">
+            <a:tbl>
+              <a:tblPr firstRow="1" bandRow="1">
+                <a:tableStyleId>{FABFCF23-3B69-468F-B69F-88F6DE6A72F2}</a:tableStyleId>
+              </a:tblPr>
+              <a:tblGrid>
+                <a:gridCol w="698342">
+                  <a:extLst>
+                    <a:ext uri="{9D8B030D-6E8A-4147-A177-3AD203B41FA5}">
+                      <a16:colId xmlns:a16="http://schemas.microsoft.com/office/drawing/2014/main" val="2937625308"/>
+                    </a:ext>
+                  </a:extLst>
+                </a:gridCol>
+                <a:gridCol w="5347503">
+                  <a:extLst>
+                    <a:ext uri="{9D8B030D-6E8A-4147-A177-3AD203B41FA5}">
+                      <a16:colId xmlns:a16="http://schemas.microsoft.com/office/drawing/2014/main" val="2449330475"/>
+                    </a:ext>
+                  </a:extLst>
+                </a:gridCol>
+                <a:gridCol w="1527859">
+                  <a:extLst>
+                    <a:ext uri="{9D8B030D-6E8A-4147-A177-3AD203B41FA5}">
+                      <a16:colId xmlns:a16="http://schemas.microsoft.com/office/drawing/2014/main" val="601456306"/>
+                    </a:ext>
+                  </a:extLst>
+                </a:gridCol>
+              </a:tblGrid>
+              <a:tr h="370840">
+                <a:tc>
+                  <a:txBody>
+                    <a:bodyPr/>
+                    <a:lstStyle/>
+                    <a:p>
+                      <a:r>
+                        <a:rPr lang="ko-KR" altLang="en-US" sz="1400" dirty="0">
+                          <a:latin typeface="Malgun Gothic" panose="020B0503020000020004" pitchFamily="34" charset="-127"/>
+                          <a:ea typeface="Malgun Gothic" panose="020B0503020000020004" pitchFamily="34" charset="-127"/>
+                        </a:rPr>
+                        <a:t>번호</a:t>
+                      </a:r>
+                      <a:endParaRPr lang="en-US" sz="1400" dirty="0">
+                        <a:latin typeface="Malgun Gothic" panose="020B0503020000020004" pitchFamily="34" charset="-127"/>
+                        <a:ea typeface="Malgun Gothic" panose="020B0503020000020004" pitchFamily="34" charset="-127"/>
+                      </a:endParaRPr>
+                    </a:p>
+                  </a:txBody>
+                  <a:tcPr/>
+                </a:tc>
+                <a:tc>
+                  <a:txBody>
+                    <a:bodyPr/>
+                    <a:lstStyle/>
+                    <a:p>
+                      <a:r>
+                        <a:rPr lang="ko-KR" altLang="en-US" sz="1400" dirty="0">
+                          <a:latin typeface="Malgun Gothic" panose="020B0503020000020004" pitchFamily="34" charset="-127"/>
+                          <a:ea typeface="Malgun Gothic" panose="020B0503020000020004" pitchFamily="34" charset="-127"/>
+                        </a:rPr>
+                        <a:t>테스트 내용</a:t>
+                      </a:r>
+                      <a:endParaRPr lang="en-US" sz="1400" dirty="0">
+                        <a:latin typeface="Malgun Gothic" panose="020B0503020000020004" pitchFamily="34" charset="-127"/>
+                        <a:ea typeface="Malgun Gothic" panose="020B0503020000020004" pitchFamily="34" charset="-127"/>
+                      </a:endParaRPr>
+                    </a:p>
+                  </a:txBody>
+                  <a:tcPr/>
+                </a:tc>
+                <a:tc>
+                  <a:txBody>
+                    <a:bodyPr/>
+                    <a:lstStyle/>
+                    <a:p>
+                      <a:r>
+                        <a:rPr lang="ko-KR" altLang="en-US" sz="1400" dirty="0">
+                          <a:latin typeface="Malgun Gothic" panose="020B0503020000020004" pitchFamily="34" charset="-127"/>
+                          <a:ea typeface="Malgun Gothic" panose="020B0503020000020004" pitchFamily="34" charset="-127"/>
+                        </a:rPr>
+                        <a:t>결과</a:t>
+                      </a:r>
+                      <a:endParaRPr lang="en-US" sz="1400" dirty="0">
+                        <a:latin typeface="Malgun Gothic" panose="020B0503020000020004" pitchFamily="34" charset="-127"/>
+                        <a:ea typeface="Malgun Gothic" panose="020B0503020000020004" pitchFamily="34" charset="-127"/>
+                      </a:endParaRPr>
+                    </a:p>
+                  </a:txBody>
+                  <a:tcPr/>
+                </a:tc>
+                <a:extLst>
+                  <a:ext uri="{0D108BD9-81ED-4DB2-BD59-A6C34878D82A}">
+                    <a16:rowId xmlns:a16="http://schemas.microsoft.com/office/drawing/2014/main" val="3693923203"/>
+                  </a:ext>
+                </a:extLst>
+              </a:tr>
+              <a:tr h="370840">
+                <a:tc>
+                  <a:txBody>
+                    <a:bodyPr/>
+                    <a:lstStyle/>
+                    <a:p>
+                      <a:pPr algn="l"/>
+                      <a:r>
+                        <a:rPr lang="en-US" altLang="ko-KR" sz="1600" dirty="0"/>
+                        <a:t>1</a:t>
+                      </a:r>
+                      <a:endParaRPr lang="en-US" sz="1600" dirty="0"/>
+                    </a:p>
+                  </a:txBody>
+                  <a:tcPr/>
+                </a:tc>
+                <a:tc>
+                  <a:txBody>
+                    <a:bodyPr/>
+                    <a:lstStyle/>
+                    <a:p>
+                      <a:pPr algn="l"/>
+                      <a:r>
+                        <a:rPr lang="ko-KR" altLang="en-US" sz="1600" dirty="0"/>
+                        <a:t>공이 벽돌의 밑변에 충돌했을 때 반대방향으로 공이 이동한다</a:t>
+                      </a:r>
+                      <a:r>
+                        <a:rPr lang="en-US" altLang="ko-KR" sz="1600" dirty="0"/>
+                        <a:t>.</a:t>
+                      </a:r>
+                      <a:endParaRPr lang="en-US" sz="1600" dirty="0"/>
+                    </a:p>
+                  </a:txBody>
+                  <a:tcPr/>
+                </a:tc>
+                <a:tc>
+                  <a:txBody>
+                    <a:bodyPr/>
+                    <a:lstStyle/>
+                    <a:p>
+                      <a:pPr algn="l"/>
+                      <a:r>
+                        <a:rPr lang="en-US" sz="1600" dirty="0"/>
+                        <a:t>Pass</a:t>
+                      </a:r>
+                    </a:p>
+                  </a:txBody>
+                  <a:tcPr/>
+                </a:tc>
+                <a:extLst>
+                  <a:ext uri="{0D108BD9-81ED-4DB2-BD59-A6C34878D82A}">
+                    <a16:rowId xmlns:a16="http://schemas.microsoft.com/office/drawing/2014/main" val="906587010"/>
+                  </a:ext>
+                </a:extLst>
+              </a:tr>
+              <a:tr h="370840">
+                <a:tc>
+                  <a:txBody>
+                    <a:bodyPr/>
+                    <a:lstStyle/>
+                    <a:p>
+                      <a:pPr algn="l"/>
+                      <a:r>
+                        <a:rPr lang="en-US" altLang="ko-KR" sz="1600" dirty="0"/>
+                        <a:t>2</a:t>
+                      </a:r>
+                      <a:endParaRPr lang="en-US" sz="1600" dirty="0"/>
+                    </a:p>
+                  </a:txBody>
+                  <a:tcPr/>
+                </a:tc>
+                <a:tc>
+                  <a:txBody>
+                    <a:bodyPr/>
+                    <a:lstStyle/>
+                    <a:p>
+                      <a:pPr marL="0" marR="0" lvl="0" indent="0" algn="l" defTabSz="914400" rtl="0" eaLnBrk="1" fontAlgn="auto" latinLnBrk="1" hangingPunct="1">
+                        <a:lnSpc>
+                          <a:spcPct val="100000"/>
+                        </a:lnSpc>
+                        <a:spcBef>
+                          <a:spcPts val="0"/>
+                        </a:spcBef>
+                        <a:spcAft>
+                          <a:spcPts val="0"/>
+                        </a:spcAft>
+                        <a:buClrTx/>
+                        <a:buSzTx/>
+                        <a:buFontTx/>
+                        <a:buNone/>
+                        <a:tabLst/>
+                        <a:defRPr/>
+                      </a:pPr>
+                      <a:r>
+                        <a:rPr lang="ko-KR" altLang="en-US" sz="1600" dirty="0"/>
+                        <a:t>공이 벽돌의 윗변에 충돌했을 때 반대방향으로 공이 이동한다</a:t>
+                      </a:r>
+                      <a:r>
+                        <a:rPr lang="en-US" altLang="ko-KR" sz="1600" dirty="0"/>
+                        <a:t>.</a:t>
+                      </a:r>
+                      <a:endParaRPr lang="en-US" sz="1600" dirty="0"/>
+                    </a:p>
+                  </a:txBody>
+                  <a:tcPr/>
+                </a:tc>
+                <a:tc>
+                  <a:txBody>
+                    <a:bodyPr/>
+                    <a:lstStyle/>
+                    <a:p>
+                      <a:pPr algn="l"/>
+                      <a:r>
+                        <a:rPr lang="en-US" sz="1600" dirty="0"/>
+                        <a:t>Pass</a:t>
+                      </a:r>
+                    </a:p>
+                  </a:txBody>
+                  <a:tcPr/>
+                </a:tc>
+                <a:extLst>
+                  <a:ext uri="{0D108BD9-81ED-4DB2-BD59-A6C34878D82A}">
+                    <a16:rowId xmlns:a16="http://schemas.microsoft.com/office/drawing/2014/main" val="1404678658"/>
+                  </a:ext>
+                </a:extLst>
+              </a:tr>
+              <a:tr h="370840">
+                <a:tc>
+                  <a:txBody>
+                    <a:bodyPr/>
+                    <a:lstStyle/>
+                    <a:p>
+                      <a:pPr algn="l"/>
+                      <a:r>
+                        <a:rPr lang="en-US" altLang="ko-KR" sz="1600" dirty="0"/>
+                        <a:t>3</a:t>
+                      </a:r>
+                      <a:endParaRPr lang="en-US" sz="1600" dirty="0"/>
+                    </a:p>
+                  </a:txBody>
+                  <a:tcPr/>
+                </a:tc>
+                <a:tc>
+                  <a:txBody>
+                    <a:bodyPr/>
+                    <a:lstStyle/>
+                    <a:p>
+                      <a:pPr marL="0" marR="0" lvl="0" indent="0" algn="l" defTabSz="914400" rtl="0" eaLnBrk="1" fontAlgn="auto" latinLnBrk="1" hangingPunct="1">
+                        <a:lnSpc>
+                          <a:spcPct val="100000"/>
+                        </a:lnSpc>
+                        <a:spcBef>
+                          <a:spcPts val="0"/>
+                        </a:spcBef>
+                        <a:spcAft>
+                          <a:spcPts val="0"/>
+                        </a:spcAft>
+                        <a:buClrTx/>
+                        <a:buSzTx/>
+                        <a:buFontTx/>
+                        <a:buNone/>
+                        <a:tabLst/>
+                        <a:defRPr/>
+                      </a:pPr>
+                      <a:r>
+                        <a:rPr lang="ko-KR" altLang="en-US" sz="1600" dirty="0"/>
+                        <a:t>공이 벽돌의 왼쪽에 충돌했을 때 반대방향으로 공이 이동한다</a:t>
+                      </a:r>
+                      <a:r>
+                        <a:rPr lang="en-US" altLang="ko-KR" sz="1600" dirty="0"/>
+                        <a:t>.</a:t>
+                      </a:r>
+                      <a:endParaRPr lang="en-US" sz="1600" dirty="0"/>
+                    </a:p>
+                  </a:txBody>
+                  <a:tcPr/>
+                </a:tc>
+                <a:tc>
+                  <a:txBody>
+                    <a:bodyPr/>
+                    <a:lstStyle/>
+                    <a:p>
+                      <a:pPr algn="l"/>
+                      <a:r>
+                        <a:rPr lang="en-US" sz="1600" dirty="0"/>
+                        <a:t>Pass</a:t>
+                      </a:r>
+                    </a:p>
+                  </a:txBody>
+                  <a:tcPr/>
+                </a:tc>
+                <a:extLst>
+                  <a:ext uri="{0D108BD9-81ED-4DB2-BD59-A6C34878D82A}">
+                    <a16:rowId xmlns:a16="http://schemas.microsoft.com/office/drawing/2014/main" val="3066736177"/>
+                  </a:ext>
+                </a:extLst>
+              </a:tr>
+              <a:tr h="370840">
+                <a:tc>
+                  <a:txBody>
+                    <a:bodyPr/>
+                    <a:lstStyle/>
+                    <a:p>
+                      <a:pPr algn="l"/>
+                      <a:r>
+                        <a:rPr lang="en-US" sz="1600" dirty="0"/>
+                        <a:t>4</a:t>
+                      </a:r>
+                    </a:p>
+                  </a:txBody>
+                  <a:tcPr/>
+                </a:tc>
+                <a:tc>
+                  <a:txBody>
+                    <a:bodyPr/>
+                    <a:lstStyle/>
+                    <a:p>
+                      <a:pPr marL="0" marR="0" lvl="0" indent="0" algn="l" defTabSz="914400" rtl="0" eaLnBrk="1" fontAlgn="auto" latinLnBrk="1" hangingPunct="1">
+                        <a:lnSpc>
+                          <a:spcPct val="100000"/>
+                        </a:lnSpc>
+                        <a:spcBef>
+                          <a:spcPts val="0"/>
+                        </a:spcBef>
+                        <a:spcAft>
+                          <a:spcPts val="0"/>
+                        </a:spcAft>
+                        <a:buClrTx/>
+                        <a:buSzTx/>
+                        <a:buFontTx/>
+                        <a:buNone/>
+                        <a:tabLst/>
+                        <a:defRPr/>
+                      </a:pPr>
+                      <a:r>
+                        <a:rPr lang="ko-KR" altLang="en-US" sz="1600" dirty="0"/>
+                        <a:t>공이 벽돌의 오른쪽에 충돌했을 때 반대방향으로 공이 이동한다</a:t>
+                      </a:r>
+                      <a:r>
+                        <a:rPr lang="en-US" altLang="ko-KR" sz="1600" dirty="0"/>
+                        <a:t>.</a:t>
+                      </a:r>
+                      <a:endParaRPr lang="en-US" sz="1600" dirty="0"/>
+                    </a:p>
+                  </a:txBody>
+                  <a:tcPr/>
+                </a:tc>
+                <a:tc>
+                  <a:txBody>
+                    <a:bodyPr/>
+                    <a:lstStyle/>
+                    <a:p>
+                      <a:pPr algn="l"/>
+                      <a:r>
+                        <a:rPr lang="en-US" sz="1600" dirty="0"/>
+                        <a:t>Pass</a:t>
+                      </a:r>
+                    </a:p>
+                  </a:txBody>
+                  <a:tcPr/>
+                </a:tc>
+                <a:extLst>
+                  <a:ext uri="{0D108BD9-81ED-4DB2-BD59-A6C34878D82A}">
+                    <a16:rowId xmlns:a16="http://schemas.microsoft.com/office/drawing/2014/main" val="780898801"/>
+                  </a:ext>
+                </a:extLst>
+              </a:tr>
+              <a:tr h="370840">
+                <a:tc>
+                  <a:txBody>
+                    <a:bodyPr/>
+                    <a:lstStyle/>
+                    <a:p>
+                      <a:pPr algn="l"/>
+                      <a:r>
+                        <a:rPr lang="en-US" sz="1600" dirty="0"/>
+                        <a:t>5</a:t>
+                      </a:r>
+                    </a:p>
+                  </a:txBody>
+                  <a:tcPr/>
+                </a:tc>
+                <a:tc>
+                  <a:txBody>
+                    <a:bodyPr/>
+                    <a:lstStyle/>
+                    <a:p>
+                      <a:pPr marL="0" marR="0" lvl="0" indent="0" algn="l" defTabSz="914400" rtl="0" eaLnBrk="1" fontAlgn="auto" latinLnBrk="1" hangingPunct="1">
+                        <a:lnSpc>
+                          <a:spcPct val="100000"/>
+                        </a:lnSpc>
+                        <a:spcBef>
+                          <a:spcPts val="0"/>
+                        </a:spcBef>
+                        <a:spcAft>
+                          <a:spcPts val="0"/>
+                        </a:spcAft>
+                        <a:buClrTx/>
+                        <a:buSzTx/>
+                        <a:buFontTx/>
+                        <a:buNone/>
+                        <a:tabLst/>
+                        <a:defRPr/>
+                      </a:pPr>
+                      <a:r>
+                        <a:rPr lang="ko-KR" altLang="en-US" sz="1600" dirty="0"/>
+                        <a:t>공이 벽돌과 충돌했을 때 벽돌이 부셔진다</a:t>
+                      </a:r>
+                      <a:r>
+                        <a:rPr lang="en-US" altLang="ko-KR" sz="1600" dirty="0"/>
+                        <a:t>.</a:t>
+                      </a:r>
+                      <a:endParaRPr lang="en-US" sz="1600" dirty="0"/>
+                    </a:p>
+                  </a:txBody>
+                  <a:tcPr/>
+                </a:tc>
+                <a:tc>
+                  <a:txBody>
+                    <a:bodyPr/>
+                    <a:lstStyle/>
+                    <a:p>
+                      <a:pPr algn="l"/>
+                      <a:r>
+                        <a:rPr lang="en-US" sz="1600" dirty="0"/>
+                        <a:t>Pass</a:t>
+                      </a:r>
+                    </a:p>
+                  </a:txBody>
+                  <a:tcPr/>
+                </a:tc>
+                <a:extLst>
+                  <a:ext uri="{0D108BD9-81ED-4DB2-BD59-A6C34878D82A}">
+                    <a16:rowId xmlns:a16="http://schemas.microsoft.com/office/drawing/2014/main" val="3556299745"/>
+                  </a:ext>
+                </a:extLst>
+              </a:tr>
+              <a:tr h="370840">
+                <a:tc>
+                  <a:txBody>
+                    <a:bodyPr/>
+                    <a:lstStyle/>
+                    <a:p>
+                      <a:pPr algn="l"/>
+                      <a:r>
+                        <a:rPr lang="en-US" sz="1600" dirty="0"/>
+                        <a:t>6</a:t>
+                      </a:r>
+                    </a:p>
+                  </a:txBody>
+                  <a:tcPr/>
+                </a:tc>
+                <a:tc>
+                  <a:txBody>
+                    <a:bodyPr/>
+                    <a:lstStyle/>
+                    <a:p>
+                      <a:pPr algn="l"/>
+                      <a:r>
+                        <a:rPr lang="ko-KR" altLang="en-US" sz="1600" dirty="0"/>
+                        <a:t>화면의 벽돌이 모두 부셔졌을 때 게임이 종료된다</a:t>
+                      </a:r>
+                      <a:r>
+                        <a:rPr lang="en-US" altLang="ko-KR" sz="1600" dirty="0"/>
+                        <a:t>.</a:t>
+                      </a:r>
+                      <a:endParaRPr lang="en-US" sz="1600" dirty="0"/>
+                    </a:p>
+                  </a:txBody>
+                  <a:tcPr/>
+                </a:tc>
+                <a:tc>
+                  <a:txBody>
+                    <a:bodyPr/>
+                    <a:lstStyle/>
+                    <a:p>
+                      <a:pPr algn="l"/>
+                      <a:r>
+                        <a:rPr lang="en-US" sz="1600" dirty="0"/>
+                        <a:t>Pass</a:t>
+                      </a:r>
+                    </a:p>
+                  </a:txBody>
+                  <a:tcPr/>
+                </a:tc>
+                <a:extLst>
+                  <a:ext uri="{0D108BD9-81ED-4DB2-BD59-A6C34878D82A}">
+                    <a16:rowId xmlns:a16="http://schemas.microsoft.com/office/drawing/2014/main" val="294631222"/>
+                  </a:ext>
+                </a:extLst>
+              </a:tr>
+            </a:tbl>
+          </a:graphicData>
+        </a:graphic>
+      </p:graphicFrame>
+    </p:spTree>
+    <p:extLst>
+      <p:ext uri="{BB962C8B-B14F-4D97-AF65-F5344CB8AC3E}">
+        <p14:creationId xmlns:p14="http://schemas.microsoft.com/office/powerpoint/2010/main" val="2551797034"/>
+      </p:ext>
+    </p:extLst>
+  </p:cSld>
+  <p:clrMapOvr>
+    <a:masterClrMapping/>
+  </p:clrMapOvr>
+</p:sld>
+</file>
+
+<file path=ppt/slides/slide3.xml><?xml version="1.0" encoding="utf-8"?>
 <p:sld xmlns:a="http://schemas.openxmlformats.org/drawingml/2006/main" xmlns:r="http://schemas.openxmlformats.org/officeDocument/2006/relationships" xmlns:p="http://schemas.openxmlformats.org/presentationml/2006/main">
   <p:cSld>
     <p:spTree>
@@ -11334,7 +11108,219 @@
 </p:sld>
 </file>
 
-<file path=ppt/slides/slide3.xml><?xml version="1.0" encoding="utf-8"?>
+<file path=ppt/slides/slide4.xml><?xml version="1.0" encoding="utf-8"?>
+<p:sld xmlns:a="http://schemas.openxmlformats.org/drawingml/2006/main" xmlns:r="http://schemas.openxmlformats.org/officeDocument/2006/relationships" xmlns:p="http://schemas.openxmlformats.org/presentationml/2006/main">
+  <p:cSld>
+    <p:spTree>
+      <p:nvGrpSpPr>
+        <p:cNvPr id="1" name=""/>
+        <p:cNvGrpSpPr/>
+        <p:nvPr/>
+      </p:nvGrpSpPr>
+      <p:grpSpPr>
+        <a:xfrm>
+          <a:off x="0" y="0"/>
+          <a:ext cx="0" cy="0"/>
+          <a:chOff x="0" y="0"/>
+          <a:chExt cx="0" cy="0"/>
+        </a:xfrm>
+      </p:grpSpPr>
+      <p:sp>
+        <p:nvSpPr>
+          <p:cNvPr id="2" name="Title 1">
+            <a:extLst>
+              <a:ext uri="{FF2B5EF4-FFF2-40B4-BE49-F238E27FC236}">
+                <a16:creationId xmlns:a16="http://schemas.microsoft.com/office/drawing/2014/main" id="{0E6BFB92-745C-D04C-B470-CC8609851FF3}"/>
+              </a:ext>
+            </a:extLst>
+          </p:cNvPr>
+          <p:cNvSpPr>
+            <a:spLocks noGrp="1"/>
+          </p:cNvSpPr>
+          <p:nvPr>
+            <p:ph type="title"/>
+          </p:nvPr>
+        </p:nvSpPr>
+        <p:spPr/>
+        <p:txBody>
+          <a:bodyPr/>
+          <a:lstStyle/>
+          <a:p>
+            <a:r>
+              <a:rPr lang="ko-KR" altLang="en-US" dirty="0"/>
+              <a:t>요구사항 분석</a:t>
+            </a:r>
+            <a:endParaRPr lang="en-US" dirty="0"/>
+          </a:p>
+        </p:txBody>
+      </p:sp>
+      <p:sp>
+        <p:nvSpPr>
+          <p:cNvPr id="3" name="Content Placeholder 2">
+            <a:extLst>
+              <a:ext uri="{FF2B5EF4-FFF2-40B4-BE49-F238E27FC236}">
+                <a16:creationId xmlns:a16="http://schemas.microsoft.com/office/drawing/2014/main" id="{00481634-501F-A644-B2C8-2749C0CE4980}"/>
+              </a:ext>
+            </a:extLst>
+          </p:cNvPr>
+          <p:cNvSpPr>
+            <a:spLocks noGrp="1"/>
+          </p:cNvSpPr>
+          <p:nvPr>
+            <p:ph idx="1"/>
+          </p:nvPr>
+        </p:nvSpPr>
+        <p:spPr/>
+        <p:txBody>
+          <a:bodyPr/>
+          <a:lstStyle/>
+          <a:p>
+            <a:r>
+              <a:rPr lang="ko-KR" altLang="en-US" dirty="0"/>
+              <a:t>프로그램 구성 요소</a:t>
+            </a:r>
+            <a:endParaRPr lang="en-US" altLang="ko-KR" dirty="0"/>
+          </a:p>
+          <a:p>
+            <a:pPr lvl="1"/>
+            <a:r>
+              <a:rPr lang="en-US" altLang="ko-KR" sz="1600" dirty="0"/>
+              <a:t>Brick</a:t>
+            </a:r>
+          </a:p>
+          <a:p>
+            <a:pPr lvl="2"/>
+            <a:r>
+              <a:rPr lang="ko-KR" altLang="en-US" sz="1400" dirty="0"/>
+              <a:t>공이 제거 해야 할 게임 장애물</a:t>
+            </a:r>
+            <a:endParaRPr lang="en-US" altLang="ko-KR" sz="1400" dirty="0"/>
+          </a:p>
+          <a:p>
+            <a:pPr lvl="1"/>
+            <a:r>
+              <a:rPr lang="en-US" altLang="ko-KR" sz="1600" dirty="0"/>
+              <a:t>Ball</a:t>
+            </a:r>
+          </a:p>
+          <a:p>
+            <a:pPr lvl="2"/>
+            <a:r>
+              <a:rPr lang="ko-KR" altLang="en-US" sz="1400" dirty="0"/>
+              <a:t>벽돌을 제거하기 위한 게임 요소</a:t>
+            </a:r>
+            <a:endParaRPr lang="en-US" altLang="ko-KR" sz="1400" dirty="0"/>
+          </a:p>
+          <a:p>
+            <a:pPr lvl="1"/>
+            <a:r>
+              <a:rPr lang="en-US" altLang="ko-KR" sz="1600" dirty="0"/>
+              <a:t>Bar</a:t>
+            </a:r>
+          </a:p>
+          <a:p>
+            <a:pPr lvl="2"/>
+            <a:r>
+              <a:rPr lang="ko-KR" altLang="en-US" sz="1400" dirty="0"/>
+              <a:t>공의 이동 방향에 변화를 주기 위한 막대</a:t>
+            </a:r>
+            <a:endParaRPr lang="en-US" altLang="ko-KR" sz="1400" dirty="0"/>
+          </a:p>
+          <a:p>
+            <a:pPr lvl="2"/>
+            <a:r>
+              <a:rPr lang="ko-KR" altLang="en-US" sz="1400" dirty="0"/>
+              <a:t>키보드 방향키 입력에 따라 좌우 이동</a:t>
+            </a:r>
+            <a:endParaRPr lang="en-US" altLang="ko-KR" sz="1400" dirty="0"/>
+          </a:p>
+          <a:p>
+            <a:pPr lvl="1"/>
+            <a:r>
+              <a:rPr lang="ko-KR" altLang="en-US" sz="1600" dirty="0"/>
+              <a:t> </a:t>
+            </a:r>
+            <a:r>
+              <a:rPr lang="en-US" altLang="ko-KR" sz="1600" dirty="0"/>
+              <a:t>Canvas</a:t>
+            </a:r>
+          </a:p>
+          <a:p>
+            <a:pPr lvl="2"/>
+            <a:r>
+              <a:rPr lang="ko-KR" altLang="en-US" sz="1400" dirty="0"/>
+              <a:t>공</a:t>
+            </a:r>
+            <a:r>
+              <a:rPr lang="en-US" altLang="ko-KR" sz="1400" dirty="0"/>
+              <a:t>,</a:t>
+            </a:r>
+            <a:r>
+              <a:rPr lang="ko-KR" altLang="en-US" sz="1400" dirty="0"/>
+              <a:t> 벽돌</a:t>
+            </a:r>
+            <a:r>
+              <a:rPr lang="en-US" altLang="ko-KR" sz="1400" dirty="0"/>
+              <a:t>,</a:t>
+            </a:r>
+            <a:r>
+              <a:rPr lang="ko-KR" altLang="en-US" sz="1400" dirty="0"/>
+              <a:t> 막대를 그릴 화면</a:t>
+            </a:r>
+            <a:endParaRPr lang="en-US" altLang="ko-KR" sz="1400" dirty="0"/>
+          </a:p>
+          <a:p>
+            <a:pPr marL="0" indent="0">
+              <a:buNone/>
+            </a:pPr>
+            <a:endParaRPr lang="en-US" dirty="0"/>
+          </a:p>
+        </p:txBody>
+      </p:sp>
+      <p:sp>
+        <p:nvSpPr>
+          <p:cNvPr id="4" name="Footer Placeholder 3">
+            <a:extLst>
+              <a:ext uri="{FF2B5EF4-FFF2-40B4-BE49-F238E27FC236}">
+                <a16:creationId xmlns:a16="http://schemas.microsoft.com/office/drawing/2014/main" id="{54CF1F07-D07E-B845-9190-6685E753F669}"/>
+              </a:ext>
+            </a:extLst>
+          </p:cNvPr>
+          <p:cNvSpPr>
+            <a:spLocks noGrp="1"/>
+          </p:cNvSpPr>
+          <p:nvPr>
+            <p:ph type="ftr" sz="quarter" idx="3"/>
+          </p:nvPr>
+        </p:nvSpPr>
+        <p:spPr/>
+        <p:txBody>
+          <a:bodyPr/>
+          <a:lstStyle/>
+          <a:p>
+            <a:pPr algn="r"/>
+            <a:r>
+              <a:rPr lang="en-US" altLang="ko-KR"/>
+              <a:t>Copyright 2018 SMU SELab., All rights reserved.</a:t>
+            </a:r>
+            <a:endParaRPr lang="en-US" altLang="ko-KR" dirty="0"/>
+          </a:p>
+        </p:txBody>
+      </p:sp>
+    </p:spTree>
+    <p:extLst>
+      <p:ext uri="{BB962C8B-B14F-4D97-AF65-F5344CB8AC3E}">
+        <p14:creationId xmlns:p14="http://schemas.microsoft.com/office/powerpoint/2010/main" val="2207914459"/>
+      </p:ext>
+    </p:extLst>
+  </p:cSld>
+  <p:clrMapOvr>
+    <a:masterClrMapping/>
+  </p:clrMapOvr>
+</p:sld>
+</file>
+
+<file path=ppt/slides/slide5.xml><?xml version="1.0" encoding="utf-8"?>
 <p:sld xmlns:a="http://schemas.openxmlformats.org/drawingml/2006/main" xmlns:r="http://schemas.openxmlformats.org/officeDocument/2006/relationships" xmlns:p="http://schemas.openxmlformats.org/presentationml/2006/main">
   <p:cSld>
     <p:spTree>
@@ -11885,7 +11871,7 @@
     </p:spTree>
     <p:extLst>
       <p:ext uri="{BB962C8B-B14F-4D97-AF65-F5344CB8AC3E}">
-        <p14:creationId xmlns:p14="http://schemas.microsoft.com/office/powerpoint/2010/main" val="1383272210"/>
+        <p14:creationId xmlns:p14="http://schemas.microsoft.com/office/powerpoint/2010/main" val="413665771"/>
       </p:ext>
     </p:extLst>
   </p:cSld>
@@ -11895,7 +11881,7 @@
 </p:sld>
 </file>
 
-<file path=ppt/slides/slide4.xml><?xml version="1.0" encoding="utf-8"?>
+<file path=ppt/slides/slide6.xml><?xml version="1.0" encoding="utf-8"?>
 <p:sld xmlns:a="http://schemas.openxmlformats.org/drawingml/2006/main" xmlns:r="http://schemas.openxmlformats.org/officeDocument/2006/relationships" xmlns:p="http://schemas.openxmlformats.org/presentationml/2006/main">
   <p:cSld>
     <p:spTree>
@@ -12103,373 +12089,7 @@
     </p:spTree>
     <p:extLst>
       <p:ext uri="{BB962C8B-B14F-4D97-AF65-F5344CB8AC3E}">
-        <p14:creationId xmlns:p14="http://schemas.microsoft.com/office/powerpoint/2010/main" val="1564383454"/>
-      </p:ext>
-    </p:extLst>
-  </p:cSld>
-  <p:clrMapOvr>
-    <a:masterClrMapping/>
-  </p:clrMapOvr>
-</p:sld>
-</file>
-
-<file path=ppt/slides/slide5.xml><?xml version="1.0" encoding="utf-8"?>
-<p:sld xmlns:a="http://schemas.openxmlformats.org/drawingml/2006/main" xmlns:r="http://schemas.openxmlformats.org/officeDocument/2006/relationships" xmlns:p="http://schemas.openxmlformats.org/presentationml/2006/main">
-  <p:cSld>
-    <p:spTree>
-      <p:nvGrpSpPr>
-        <p:cNvPr id="1" name=""/>
-        <p:cNvGrpSpPr/>
-        <p:nvPr/>
-      </p:nvGrpSpPr>
-      <p:grpSpPr>
-        <a:xfrm>
-          <a:off x="0" y="0"/>
-          <a:ext cx="0" cy="0"/>
-          <a:chOff x="0" y="0"/>
-          <a:chExt cx="0" cy="0"/>
-        </a:xfrm>
-      </p:grpSpPr>
-      <p:sp>
-        <p:nvSpPr>
-          <p:cNvPr id="2" name="제목 1"/>
-          <p:cNvSpPr>
-            <a:spLocks noGrp="1"/>
-          </p:cNvSpPr>
-          <p:nvPr>
-            <p:ph type="title"/>
-          </p:nvPr>
-        </p:nvSpPr>
-        <p:spPr/>
-        <p:txBody>
-          <a:bodyPr/>
-          <a:lstStyle/>
-          <a:p>
-            <a:r>
-              <a:rPr lang="en-US" altLang="ko-KR" dirty="0"/>
-              <a:t>Brick</a:t>
-            </a:r>
-            <a:endParaRPr lang="ko-KR" altLang="en-US" dirty="0"/>
-          </a:p>
-        </p:txBody>
-      </p:sp>
-      <p:sp>
-        <p:nvSpPr>
-          <p:cNvPr id="4" name="바닥글 개체 틀 3"/>
-          <p:cNvSpPr>
-            <a:spLocks noGrp="1"/>
-          </p:cNvSpPr>
-          <p:nvPr>
-            <p:ph type="ftr" sz="quarter" idx="3"/>
-          </p:nvPr>
-        </p:nvSpPr>
-        <p:spPr/>
-        <p:txBody>
-          <a:bodyPr/>
-          <a:lstStyle/>
-          <a:p>
-            <a:pPr algn="r"/>
-            <a:r>
-              <a:rPr lang="en-US" altLang="ko-KR" dirty="0"/>
-              <a:t>Copyright 2018 SMU </a:t>
-            </a:r>
-            <a:r>
-              <a:rPr lang="en-US" altLang="ko-KR" dirty="0" err="1"/>
-              <a:t>SELab</a:t>
-            </a:r>
-            <a:r>
-              <a:rPr lang="en-US" altLang="ko-KR" dirty="0"/>
-              <a:t>., All rights reserved.</a:t>
-            </a:r>
-          </a:p>
-        </p:txBody>
-      </p:sp>
-      <p:pic>
-        <p:nvPicPr>
-          <p:cNvPr id="3" name="그림 2">
-            <a:extLst>
-              <a:ext uri="{FF2B5EF4-FFF2-40B4-BE49-F238E27FC236}">
-                <a16:creationId xmlns:a16="http://schemas.microsoft.com/office/drawing/2014/main" id="{6F785CA2-B249-4DF3-8EB2-FC845B85A8BC}"/>
-              </a:ext>
-            </a:extLst>
-          </p:cNvPr>
-          <p:cNvPicPr>
-            <a:picLocks noChangeAspect="1"/>
-          </p:cNvPicPr>
-          <p:nvPr/>
-        </p:nvPicPr>
-        <p:blipFill>
-          <a:blip r:embed="rId2"/>
-          <a:stretch>
-            <a:fillRect/>
-          </a:stretch>
-        </p:blipFill>
-        <p:spPr>
-          <a:xfrm>
-            <a:off x="2005012" y="1443037"/>
-            <a:ext cx="5133975" cy="3971925"/>
-          </a:xfrm>
-          <a:prstGeom prst="rect">
-            <a:avLst/>
-          </a:prstGeom>
-        </p:spPr>
-      </p:pic>
-    </p:spTree>
-    <p:extLst>
-      <p:ext uri="{BB962C8B-B14F-4D97-AF65-F5344CB8AC3E}">
-        <p14:creationId xmlns:p14="http://schemas.microsoft.com/office/powerpoint/2010/main" val="2956937632"/>
-      </p:ext>
-    </p:extLst>
-  </p:cSld>
-  <p:clrMapOvr>
-    <a:masterClrMapping/>
-  </p:clrMapOvr>
-</p:sld>
-</file>
-
-<file path=ppt/slides/slide6.xml><?xml version="1.0" encoding="utf-8"?>
-<p:sld xmlns:a="http://schemas.openxmlformats.org/drawingml/2006/main" xmlns:r="http://schemas.openxmlformats.org/officeDocument/2006/relationships" xmlns:p="http://schemas.openxmlformats.org/presentationml/2006/main">
-  <p:cSld>
-    <p:spTree>
-      <p:nvGrpSpPr>
-        <p:cNvPr id="1" name=""/>
-        <p:cNvGrpSpPr/>
-        <p:nvPr/>
-      </p:nvGrpSpPr>
-      <p:grpSpPr>
-        <a:xfrm>
-          <a:off x="0" y="0"/>
-          <a:ext cx="0" cy="0"/>
-          <a:chOff x="0" y="0"/>
-          <a:chExt cx="0" cy="0"/>
-        </a:xfrm>
-      </p:grpSpPr>
-      <p:sp>
-        <p:nvSpPr>
-          <p:cNvPr id="2" name="제목 1">
-            <a:extLst>
-              <a:ext uri="{FF2B5EF4-FFF2-40B4-BE49-F238E27FC236}">
-                <a16:creationId xmlns:a16="http://schemas.microsoft.com/office/drawing/2014/main" id="{E4CA1FB6-A571-4C94-804F-1A5FE5B65A17}"/>
-              </a:ext>
-            </a:extLst>
-          </p:cNvPr>
-          <p:cNvSpPr>
-            <a:spLocks noGrp="1"/>
-          </p:cNvSpPr>
-          <p:nvPr>
-            <p:ph type="title"/>
-          </p:nvPr>
-        </p:nvSpPr>
-        <p:spPr/>
-        <p:txBody>
-          <a:bodyPr/>
-          <a:lstStyle/>
-          <a:p>
-            <a:r>
-              <a:rPr lang="en-US" altLang="ko-KR" dirty="0"/>
-              <a:t>Ball</a:t>
-            </a:r>
-            <a:endParaRPr lang="ko-KR" altLang="en-US" dirty="0"/>
-          </a:p>
-        </p:txBody>
-      </p:sp>
-      <p:sp>
-        <p:nvSpPr>
-          <p:cNvPr id="3" name="내용 개체 틀 2">
-            <a:extLst>
-              <a:ext uri="{FF2B5EF4-FFF2-40B4-BE49-F238E27FC236}">
-                <a16:creationId xmlns:a16="http://schemas.microsoft.com/office/drawing/2014/main" id="{3DD59151-9C66-4993-B3F1-9F3454E126F3}"/>
-              </a:ext>
-            </a:extLst>
-          </p:cNvPr>
-          <p:cNvSpPr>
-            <a:spLocks noGrp="1"/>
-          </p:cNvSpPr>
-          <p:nvPr>
-            <p:ph idx="1"/>
-          </p:nvPr>
-        </p:nvSpPr>
-        <p:spPr/>
-        <p:txBody>
-          <a:bodyPr/>
-          <a:lstStyle/>
-          <a:p>
-            <a:r>
-              <a:rPr lang="ko-KR" altLang="en-US" dirty="0"/>
-              <a:t>볼이 가지는 속성</a:t>
-            </a:r>
-            <a:endParaRPr lang="en-US" altLang="ko-KR" dirty="0"/>
-          </a:p>
-          <a:p>
-            <a:pPr lvl="1"/>
-            <a:r>
-              <a:rPr lang="ko-KR" altLang="en-US" dirty="0"/>
-              <a:t> 자신이 그려질 도화지 </a:t>
-            </a:r>
-            <a:r>
-              <a:rPr lang="en-US" altLang="ko-KR" dirty="0"/>
-              <a:t>: canvas</a:t>
-            </a:r>
-          </a:p>
-          <a:p>
-            <a:pPr lvl="1"/>
-            <a:r>
-              <a:rPr lang="ko-KR" altLang="en-US" dirty="0"/>
-              <a:t>도화지에서 자신의 시작 할 위치 </a:t>
-            </a:r>
-            <a:r>
-              <a:rPr lang="en-US" altLang="ko-KR" dirty="0"/>
-              <a:t>: </a:t>
-            </a:r>
-            <a:r>
-              <a:rPr lang="en-US" altLang="ko-KR" dirty="0" err="1"/>
-              <a:t>starting_posX</a:t>
-            </a:r>
-            <a:r>
-              <a:rPr lang="en-US" altLang="ko-KR" dirty="0"/>
-              <a:t>, </a:t>
-            </a:r>
-            <a:r>
-              <a:rPr lang="en-US" altLang="ko-KR" dirty="0" err="1"/>
-              <a:t>starting_posY</a:t>
-            </a:r>
-            <a:endParaRPr lang="en-US" altLang="ko-KR" dirty="0"/>
-          </a:p>
-          <a:p>
-            <a:pPr lvl="1"/>
-            <a:r>
-              <a:rPr lang="ko-KR" altLang="en-US" dirty="0"/>
-              <a:t>게임 시작 시 자신이 갈 수 있는 방향 </a:t>
-            </a:r>
-            <a:r>
-              <a:rPr lang="en-US" altLang="ko-KR" dirty="0"/>
-              <a:t>: </a:t>
-            </a:r>
-            <a:r>
-              <a:rPr lang="en-US" altLang="ko-KR" dirty="0" err="1"/>
-              <a:t>starting_direction</a:t>
-            </a:r>
-            <a:endParaRPr lang="en-US" altLang="ko-KR" dirty="0"/>
-          </a:p>
-          <a:p>
-            <a:pPr lvl="1"/>
-            <a:r>
-              <a:rPr lang="ko-KR" altLang="en-US" dirty="0"/>
-              <a:t>자신의 크기 </a:t>
-            </a:r>
-            <a:r>
-              <a:rPr lang="en-US" altLang="ko-KR" dirty="0"/>
-              <a:t>: sizeX1, sizeY1, sizeX2, sizeY2</a:t>
-            </a:r>
-          </a:p>
-          <a:p>
-            <a:pPr lvl="1"/>
-            <a:r>
-              <a:rPr lang="ko-KR" altLang="en-US" dirty="0"/>
-              <a:t>자신의 </a:t>
-            </a:r>
-            <a:r>
-              <a:rPr lang="en-US" altLang="ko-KR" dirty="0"/>
-              <a:t>ID : id</a:t>
-            </a:r>
-          </a:p>
-          <a:p>
-            <a:r>
-              <a:rPr lang="ko-KR" altLang="en-US" dirty="0"/>
-              <a:t>볼이</a:t>
-            </a:r>
-            <a:r>
-              <a:rPr lang="en-US" altLang="ko-KR" dirty="0"/>
-              <a:t> </a:t>
-            </a:r>
-            <a:r>
-              <a:rPr lang="ko-KR" altLang="en-US" dirty="0"/>
-              <a:t>가지는 메소드</a:t>
-            </a:r>
-            <a:endParaRPr lang="en-US" altLang="ko-KR" dirty="0"/>
-          </a:p>
-          <a:p>
-            <a:pPr lvl="1"/>
-            <a:r>
-              <a:rPr lang="ko-KR" altLang="en-US" dirty="0"/>
-              <a:t>도화지에서 볼을 다음 위치로 이동 </a:t>
-            </a:r>
-            <a:r>
-              <a:rPr lang="en-US" altLang="ko-KR" dirty="0"/>
-              <a:t>: draw()</a:t>
-            </a:r>
-          </a:p>
-          <a:p>
-            <a:pPr lvl="1"/>
-            <a:r>
-              <a:rPr lang="ko-KR" altLang="en-US" dirty="0"/>
-              <a:t>자신의 </a:t>
-            </a:r>
-            <a:r>
-              <a:rPr lang="en-US" altLang="ko-KR" dirty="0"/>
-              <a:t>ID</a:t>
-            </a:r>
-            <a:r>
-              <a:rPr lang="ko-KR" altLang="en-US" dirty="0"/>
-              <a:t>를 반환 </a:t>
-            </a:r>
-            <a:r>
-              <a:rPr lang="en-US" altLang="ko-KR" dirty="0"/>
-              <a:t>: </a:t>
-            </a:r>
-            <a:r>
-              <a:rPr lang="en-US" altLang="ko-KR" dirty="0" err="1"/>
-              <a:t>get_id</a:t>
-            </a:r>
-            <a:r>
-              <a:rPr lang="en-US" altLang="ko-KR" dirty="0"/>
-              <a:t>()</a:t>
-            </a:r>
-          </a:p>
-          <a:p>
-            <a:pPr lvl="1"/>
-            <a:endParaRPr lang="en-US" altLang="ko-KR" dirty="0"/>
-          </a:p>
-          <a:p>
-            <a:pPr lvl="1"/>
-            <a:endParaRPr lang="ko-KR" altLang="en-US" dirty="0"/>
-          </a:p>
-        </p:txBody>
-      </p:sp>
-      <p:sp>
-        <p:nvSpPr>
-          <p:cNvPr id="4" name="바닥글 개체 틀 3">
-            <a:extLst>
-              <a:ext uri="{FF2B5EF4-FFF2-40B4-BE49-F238E27FC236}">
-                <a16:creationId xmlns:a16="http://schemas.microsoft.com/office/drawing/2014/main" id="{7ACAEDCE-7262-44A6-84E7-D83A233CC20F}"/>
-              </a:ext>
-            </a:extLst>
-          </p:cNvPr>
-          <p:cNvSpPr>
-            <a:spLocks noGrp="1"/>
-          </p:cNvSpPr>
-          <p:nvPr>
-            <p:ph type="ftr" sz="quarter" idx="3"/>
-          </p:nvPr>
-        </p:nvSpPr>
-        <p:spPr/>
-        <p:txBody>
-          <a:bodyPr/>
-          <a:lstStyle/>
-          <a:p>
-            <a:pPr algn="r"/>
-            <a:r>
-              <a:rPr lang="en-US" altLang="ko-KR"/>
-              <a:t>Copyright 2018 SMU SELab., All rights reserved.</a:t>
-            </a:r>
-            <a:endParaRPr lang="en-US" altLang="ko-KR" dirty="0"/>
-          </a:p>
-        </p:txBody>
-      </p:sp>
-    </p:spTree>
-    <p:extLst>
-      <p:ext uri="{BB962C8B-B14F-4D97-AF65-F5344CB8AC3E}">
-        <p14:creationId xmlns:p14="http://schemas.microsoft.com/office/powerpoint/2010/main" val="3597980327"/>
+        <p14:creationId xmlns:p14="http://schemas.microsoft.com/office/powerpoint/2010/main" val="2015870393"/>
       </p:ext>
     </p:extLst>
   </p:cSld>
@@ -12513,7 +12133,7 @@
           <a:p>
             <a:r>
               <a:rPr lang="en-US" altLang="ko-KR" dirty="0"/>
-              <a:t>Ball</a:t>
+              <a:t>Brick</a:t>
             </a:r>
             <a:endParaRPr lang="ko-KR" altLang="en-US" dirty="0"/>
           </a:p>
@@ -12552,13 +12172,7 @@
       </p:sp>
       <p:pic>
         <p:nvPicPr>
-          <p:cNvPr id="3" name="그림 2">
-            <a:extLst>
-              <a:ext uri="{FF2B5EF4-FFF2-40B4-BE49-F238E27FC236}">
-                <a16:creationId xmlns:a16="http://schemas.microsoft.com/office/drawing/2014/main" id="{18038A23-C2CE-4172-A077-C17AE717CEFA}"/>
-              </a:ext>
-            </a:extLst>
-          </p:cNvPr>
+          <p:cNvPr id="5" name="그림 4"/>
           <p:cNvPicPr>
             <a:picLocks noChangeAspect="1"/>
           </p:cNvPicPr>
@@ -12572,8 +12186,8 @@
         </p:blipFill>
         <p:spPr>
           <a:xfrm>
-            <a:off x="2824162" y="1162050"/>
-            <a:ext cx="3495675" cy="4533900"/>
+            <a:off x="3707687" y="1879446"/>
+            <a:ext cx="1562579" cy="3377574"/>
           </a:xfrm>
           <a:prstGeom prst="rect">
             <a:avLst/>
@@ -12583,7 +12197,7 @@
     </p:spTree>
     <p:extLst>
       <p:ext uri="{BB962C8B-B14F-4D97-AF65-F5344CB8AC3E}">
-        <p14:creationId xmlns:p14="http://schemas.microsoft.com/office/powerpoint/2010/main" val="2894377575"/>
+        <p14:creationId xmlns:p14="http://schemas.microsoft.com/office/powerpoint/2010/main" val="4065012617"/>
       </p:ext>
     </p:extLst>
   </p:cSld>
@@ -12615,7 +12229,7 @@
           <p:cNvPr id="2" name="제목 1">
             <a:extLst>
               <a:ext uri="{FF2B5EF4-FFF2-40B4-BE49-F238E27FC236}">
-                <a16:creationId xmlns:a16="http://schemas.microsoft.com/office/drawing/2014/main" id="{A6207C56-2000-4FE6-9A91-73E1B6E52B3D}"/>
+                <a16:creationId xmlns:a16="http://schemas.microsoft.com/office/drawing/2014/main" id="{E4CA1FB6-A571-4C94-804F-1A5FE5B65A17}"/>
               </a:ext>
             </a:extLst>
           </p:cNvPr>
@@ -12633,7 +12247,7 @@
           <a:p>
             <a:r>
               <a:rPr lang="en-US" altLang="ko-KR" dirty="0"/>
-              <a:t>Bar</a:t>
+              <a:t>Ball</a:t>
             </a:r>
             <a:endParaRPr lang="ko-KR" altLang="en-US" dirty="0"/>
           </a:p>
@@ -12644,7 +12258,7 @@
           <p:cNvPr id="3" name="내용 개체 틀 2">
             <a:extLst>
               <a:ext uri="{FF2B5EF4-FFF2-40B4-BE49-F238E27FC236}">
-                <a16:creationId xmlns:a16="http://schemas.microsoft.com/office/drawing/2014/main" id="{E6AF9160-C2E7-41EA-A1EB-5B015F5D08B3}"/>
+                <a16:creationId xmlns:a16="http://schemas.microsoft.com/office/drawing/2014/main" id="{3DD59151-9C66-4993-B3F1-9F3454E126F3}"/>
               </a:ext>
             </a:extLst>
           </p:cNvPr>
@@ -12662,7 +12276,7 @@
           <a:p>
             <a:r>
               <a:rPr lang="ko-KR" altLang="en-US" dirty="0"/>
-              <a:t>막대가 가지는 속성</a:t>
+              <a:t>볼이 가지는 속성</a:t>
             </a:r>
             <a:endParaRPr lang="en-US" altLang="ko-KR" dirty="0"/>
           </a:p>
@@ -12705,19 +12319,27 @@
             <a:pPr lvl="1"/>
             <a:r>
               <a:rPr lang="ko-KR" altLang="en-US" dirty="0"/>
+              <a:t>게임 시작 시 자신이 갈 수 있는 방향 </a:t>
+            </a:r>
+            <a:r>
+              <a:rPr lang="en-US" altLang="ko-KR" dirty="0"/>
+              <a:t>: </a:t>
+            </a:r>
+            <a:r>
+              <a:rPr lang="en-US" altLang="ko-KR" dirty="0" err="1"/>
+              <a:t>starting_direction</a:t>
+            </a:r>
+            <a:endParaRPr lang="en-US" altLang="ko-KR" dirty="0"/>
+          </a:p>
+          <a:p>
+            <a:pPr lvl="1"/>
+            <a:r>
+              <a:rPr lang="ko-KR" altLang="en-US" dirty="0"/>
               <a:t>자신의 크기 </a:t>
             </a:r>
             <a:r>
               <a:rPr lang="en-US" altLang="ko-KR" dirty="0"/>
-              <a:t>:</a:t>
-            </a:r>
-            <a:r>
-              <a:rPr lang="ko-KR" altLang="en-US" dirty="0"/>
-              <a:t> </a:t>
-            </a:r>
-            <a:r>
-              <a:rPr lang="en-US" altLang="ko-KR" dirty="0"/>
-              <a:t>sizeX1, sizeY1, sizeX2, sizeY2</a:t>
+              <a:t>: sizeX1, sizeY1, sizeX2, sizeY2</a:t>
             </a:r>
           </a:p>
           <a:p>
@@ -12732,11 +12354,54 @@
             </a:r>
           </a:p>
           <a:p>
+            <a:pPr lvl="1"/>
             <a:r>
               <a:rPr lang="ko-KR" altLang="en-US" dirty="0"/>
-              <a:t>막대가 가지는 메소드</a:t>
+              <a:t>자신의 다음 위치 </a:t>
+            </a:r>
+            <a:r>
+              <a:rPr lang="en-US" altLang="ko-KR" dirty="0"/>
+              <a:t>: </a:t>
+            </a:r>
+            <a:r>
+              <a:rPr lang="en-US" altLang="ko-KR" dirty="0" err="1"/>
+              <a:t>posX</a:t>
+            </a:r>
+            <a:r>
+              <a:rPr lang="en-US" altLang="ko-KR" dirty="0"/>
+              <a:t>, </a:t>
+            </a:r>
+            <a:r>
+              <a:rPr lang="en-US" altLang="ko-KR" dirty="0" err="1"/>
+              <a:t>posY</a:t>
             </a:r>
             <a:endParaRPr lang="en-US" altLang="ko-KR" dirty="0"/>
+          </a:p>
+          <a:p>
+            <a:r>
+              <a:rPr lang="ko-KR" altLang="en-US" dirty="0"/>
+              <a:t>볼이</a:t>
+            </a:r>
+            <a:r>
+              <a:rPr lang="en-US" altLang="ko-KR" dirty="0"/>
+              <a:t> </a:t>
+            </a:r>
+            <a:r>
+              <a:rPr lang="ko-KR" altLang="en-US" dirty="0"/>
+              <a:t>가지는 메소드</a:t>
+            </a:r>
+            <a:endParaRPr lang="en-US" altLang="ko-KR" dirty="0"/>
+          </a:p>
+          <a:p>
+            <a:pPr lvl="1"/>
+            <a:r>
+              <a:rPr lang="ko-KR" altLang="en-US" dirty="0"/>
+              <a:t>도화지에서 볼을 다음 위치로 이동 </a:t>
+            </a:r>
+            <a:r>
+              <a:rPr lang="en-US" altLang="ko-KR" dirty="0"/>
+              <a:t>: draw()</a:t>
+            </a:r>
           </a:p>
           <a:p>
             <a:pPr lvl="1"/>
@@ -12764,10 +12429,41 @@
               <a:rPr lang="en-US" altLang="ko-KR" dirty="0"/>
               <a:t>()</a:t>
             </a:r>
-            <a:endParaRPr lang="ko-KR" altLang="en-US" dirty="0"/>
-          </a:p>
-          <a:p>
-            <a:endParaRPr lang="ko-KR" altLang="en-US" dirty="0"/>
+          </a:p>
+          <a:p>
+            <a:pPr lvl="1"/>
+            <a:r>
+              <a:rPr lang="ko-KR" altLang="en-US" dirty="0"/>
+              <a:t>다음</a:t>
+            </a:r>
+            <a:r>
+              <a:rPr lang="en-US" altLang="ko-KR" dirty="0"/>
+              <a:t> </a:t>
+            </a:r>
+            <a:r>
+              <a:rPr lang="ko-KR" altLang="en-US" dirty="0"/>
+              <a:t>위치를 지정 </a:t>
+            </a:r>
+            <a:r>
+              <a:rPr lang="en-US" altLang="ko-KR" dirty="0"/>
+              <a:t>: </a:t>
+            </a:r>
+            <a:r>
+              <a:rPr lang="en-US" altLang="ko-KR" dirty="0" err="1"/>
+              <a:t>set_posX</a:t>
+            </a:r>
+            <a:r>
+              <a:rPr lang="en-US" altLang="ko-KR" dirty="0"/>
+              <a:t>(), </a:t>
+            </a:r>
+            <a:r>
+              <a:rPr lang="en-US" altLang="ko-KR" dirty="0" err="1"/>
+              <a:t>set_posY</a:t>
+            </a:r>
+            <a:r>
+              <a:rPr lang="en-US" altLang="ko-KR" dirty="0"/>
+              <a:t>()</a:t>
+            </a:r>
           </a:p>
         </p:txBody>
       </p:sp>
@@ -12776,7 +12472,7 @@
           <p:cNvPr id="4" name="바닥글 개체 틀 3">
             <a:extLst>
               <a:ext uri="{FF2B5EF4-FFF2-40B4-BE49-F238E27FC236}">
-                <a16:creationId xmlns:a16="http://schemas.microsoft.com/office/drawing/2014/main" id="{CE126469-D734-4539-9CFD-5C573D8A0EA1}"/>
+                <a16:creationId xmlns:a16="http://schemas.microsoft.com/office/drawing/2014/main" id="{7ACAEDCE-7262-44A6-84E7-D83A233CC20F}"/>
               </a:ext>
             </a:extLst>
           </p:cNvPr>
@@ -12804,7 +12500,7 @@
     </p:spTree>
     <p:extLst>
       <p:ext uri="{BB962C8B-B14F-4D97-AF65-F5344CB8AC3E}">
-        <p14:creationId xmlns:p14="http://schemas.microsoft.com/office/powerpoint/2010/main" val="361787535"/>
+        <p14:creationId xmlns:p14="http://schemas.microsoft.com/office/powerpoint/2010/main" val="1704805597"/>
       </p:ext>
     </p:extLst>
   </p:cSld>
@@ -12848,7 +12544,7 @@
           <a:p>
             <a:r>
               <a:rPr lang="en-US" altLang="ko-KR" dirty="0"/>
-              <a:t>Bar</a:t>
+              <a:t>Ball</a:t>
             </a:r>
             <a:endParaRPr lang="ko-KR" altLang="en-US" dirty="0"/>
           </a:p>
@@ -12887,13 +12583,7 @@
       </p:sp>
       <p:pic>
         <p:nvPicPr>
-          <p:cNvPr id="3" name="그림 2">
-            <a:extLst>
-              <a:ext uri="{FF2B5EF4-FFF2-40B4-BE49-F238E27FC236}">
-                <a16:creationId xmlns:a16="http://schemas.microsoft.com/office/drawing/2014/main" id="{39030064-56BF-47AC-9137-95EB6D1D0CED}"/>
-              </a:ext>
-            </a:extLst>
-          </p:cNvPr>
+          <p:cNvPr id="5" name="그림 4"/>
           <p:cNvPicPr>
             <a:picLocks noChangeAspect="1"/>
           </p:cNvPicPr>
@@ -12907,8 +12597,8 @@
         </p:blipFill>
         <p:spPr>
           <a:xfrm>
-            <a:off x="2871787" y="1457325"/>
-            <a:ext cx="3400425" cy="3943350"/>
+            <a:off x="3571019" y="1830788"/>
+            <a:ext cx="1823339" cy="3392068"/>
           </a:xfrm>
           <a:prstGeom prst="rect">
             <a:avLst/>
@@ -12918,7 +12608,7 @@
     </p:spTree>
     <p:extLst>
       <p:ext uri="{BB962C8B-B14F-4D97-AF65-F5344CB8AC3E}">
-        <p14:creationId xmlns:p14="http://schemas.microsoft.com/office/powerpoint/2010/main" val="1814534545"/>
+        <p14:creationId xmlns:p14="http://schemas.microsoft.com/office/powerpoint/2010/main" val="1974567896"/>
       </p:ext>
     </p:extLst>
   </p:cSld>

--- a/Doc/[OOP] Brick Breaker_최종.pptx
+++ b/Doc/[OOP] Brick Breaker_최종.pptx
@@ -5,10 +5,10 @@
     <p:sldMasterId id="2147483655" r:id="rId1"/>
   </p:sldMasterIdLst>
   <p:notesMasterIdLst>
-    <p:notesMasterId r:id="rId24"/>
+    <p:notesMasterId r:id="rId25"/>
   </p:notesMasterIdLst>
   <p:handoutMasterIdLst>
-    <p:handoutMasterId r:id="rId25"/>
+    <p:handoutMasterId r:id="rId26"/>
   </p:handoutMasterIdLst>
   <p:sldIdLst>
     <p:sldId id="256" r:id="rId2"/>
@@ -28,11 +28,12 @@
     <p:sldId id="384" r:id="rId16"/>
     <p:sldId id="386" r:id="rId17"/>
     <p:sldId id="387" r:id="rId18"/>
-    <p:sldId id="394" r:id="rId19"/>
-    <p:sldId id="382" r:id="rId20"/>
-    <p:sldId id="383" r:id="rId21"/>
-    <p:sldId id="392" r:id="rId22"/>
-    <p:sldId id="393" r:id="rId23"/>
+    <p:sldId id="396" r:id="rId19"/>
+    <p:sldId id="394" r:id="rId20"/>
+    <p:sldId id="382" r:id="rId21"/>
+    <p:sldId id="383" r:id="rId22"/>
+    <p:sldId id="392" r:id="rId23"/>
+    <p:sldId id="393" r:id="rId24"/>
   </p:sldIdLst>
   <p:sldSz cx="9144000" cy="6858000" type="screen4x3"/>
   <p:notesSz cx="6780213" cy="9910763"/>
@@ -1129,7 +1130,7 @@
             <a:fld id="{379E618C-E705-4CD1-A19E-88052652622A}" type="slidenum">
               <a:rPr lang="en-US" smtClean="0"/>
               <a:pPr/>
-              <a:t>18</a:t>
+              <a:t>19</a:t>
             </a:fld>
             <a:endParaRPr lang="en-US"/>
           </a:p>
@@ -4389,12 +4390,91 @@
           </p:nvGrpSpPr>
           <p:grpSpPr>
             <a:xfrm>
-              <a:off x="5581793" y="4098973"/>
-              <a:ext cx="595691" cy="604588"/>
-              <a:chOff x="6429518" y="1822498"/>
-              <a:chExt cx="595691" cy="604588"/>
+              <a:off x="5589821" y="4114332"/>
+              <a:ext cx="572854" cy="572854"/>
+              <a:chOff x="6437546" y="1837857"/>
+              <a:chExt cx="572854" cy="572854"/>
             </a:xfrm>
           </p:grpSpPr>
+          <p:sp>
+            <p:nvSpPr>
+              <p:cNvPr id="16" name="Oval 15">
+                <a:extLst>
+                  <a:ext uri="{FF2B5EF4-FFF2-40B4-BE49-F238E27FC236}">
+                    <a16:creationId xmlns:a16="http://schemas.microsoft.com/office/drawing/2014/main" id="{F7850F29-C9F5-424C-8BEE-97694EE66418}"/>
+                  </a:ext>
+                </a:extLst>
+              </p:cNvPr>
+              <p:cNvSpPr/>
+              <p:nvPr/>
+            </p:nvSpPr>
+            <p:spPr bwMode="auto">
+              <a:xfrm>
+                <a:off x="6437546" y="1837857"/>
+                <a:ext cx="572854" cy="572854"/>
+              </a:xfrm>
+              <a:prstGeom prst="ellipse">
+                <a:avLst/>
+              </a:prstGeom>
+              <a:solidFill>
+                <a:schemeClr val="accent4">
+                  <a:lumMod val="50000"/>
+                  <a:lumOff val="50000"/>
+                </a:schemeClr>
+              </a:solidFill>
+              <a:ln w="15875" cap="flat" cmpd="sng" algn="ctr">
+                <a:solidFill>
+                  <a:schemeClr val="accent4">
+                    <a:lumMod val="50000"/>
+                    <a:lumOff val="50000"/>
+                    <a:alpha val="81000"/>
+                  </a:schemeClr>
+                </a:solidFill>
+                <a:prstDash val="solid"/>
+                <a:round/>
+                <a:headEnd type="none" w="med" len="med"/>
+                <a:tailEnd type="none" w="med" len="med"/>
+              </a:ln>
+              <a:effectLst/>
+            </p:spPr>
+            <p:txBody>
+              <a:bodyPr vert="horz" wrap="none" lIns="90000" tIns="46800" rIns="90000" bIns="46800" numCol="1" rtlCol="0" anchor="ctr" anchorCtr="0" compatLnSpc="1">
+                <a:prstTxWarp prst="textNoShape">
+                  <a:avLst/>
+                </a:prstTxWarp>
+              </a:bodyPr>
+              <a:lstStyle/>
+              <a:p>
+                <a:pPr marL="0" marR="0" indent="0" algn="l" defTabSz="914400" rtl="0" eaLnBrk="0" fontAlgn="base" latinLnBrk="0" hangingPunct="0">
+                  <a:lnSpc>
+                    <a:spcPct val="100000"/>
+                  </a:lnSpc>
+                  <a:spcBef>
+                    <a:spcPct val="0"/>
+                  </a:spcBef>
+                  <a:spcAft>
+                    <a:spcPct val="0"/>
+                  </a:spcAft>
+                  <a:buClrTx/>
+                  <a:buSzTx/>
+                  <a:buFontTx/>
+                  <a:buNone/>
+                  <a:tabLst/>
+                </a:pPr>
+                <a:endParaRPr kumimoji="0" lang="en-US" sz="1400" b="0" i="0" u="none" strike="noStrike" cap="none" normalizeH="0" baseline="0">
+                  <a:ln>
+                    <a:noFill/>
+                  </a:ln>
+                  <a:solidFill>
+                    <a:schemeClr val="tx1"/>
+                  </a:solidFill>
+                  <a:effectLst/>
+                  <a:latin typeface="Arial" charset="0"/>
+                  <a:ea typeface="HY울릉도M" pitchFamily="18" charset="-127"/>
+                </a:endParaRPr>
+              </a:p>
+            </p:txBody>
+          </p:sp>
           <p:sp>
             <p:nvSpPr>
               <p:cNvPr id="15" name="Rectangle 14">
@@ -4409,8 +4489,8 @@
             </p:nvSpPr>
             <p:spPr bwMode="auto">
               <a:xfrm>
-                <a:off x="6429518" y="1822498"/>
-                <a:ext cx="595691" cy="604588"/>
+                <a:off x="6543652" y="1930962"/>
+                <a:ext cx="360640" cy="387168"/>
               </a:xfrm>
               <a:prstGeom prst="rect">
                 <a:avLst/>
@@ -4474,85 +4554,6 @@
                     <a:schemeClr val="tx1">
                       <a:alpha val="33000"/>
                     </a:schemeClr>
-                  </a:solidFill>
-                  <a:effectLst/>
-                  <a:latin typeface="Arial" charset="0"/>
-                  <a:ea typeface="HY울릉도M" pitchFamily="18" charset="-127"/>
-                </a:endParaRPr>
-              </a:p>
-            </p:txBody>
-          </p:sp>
-          <p:sp>
-            <p:nvSpPr>
-              <p:cNvPr id="16" name="Oval 15">
-                <a:extLst>
-                  <a:ext uri="{FF2B5EF4-FFF2-40B4-BE49-F238E27FC236}">
-                    <a16:creationId xmlns:a16="http://schemas.microsoft.com/office/drawing/2014/main" id="{F7850F29-C9F5-424C-8BEE-97694EE66418}"/>
-                  </a:ext>
-                </a:extLst>
-              </p:cNvPr>
-              <p:cNvSpPr/>
-              <p:nvPr/>
-            </p:nvSpPr>
-            <p:spPr bwMode="auto">
-              <a:xfrm>
-                <a:off x="6437546" y="1837856"/>
-                <a:ext cx="572854" cy="572854"/>
-              </a:xfrm>
-              <a:prstGeom prst="ellipse">
-                <a:avLst/>
-              </a:prstGeom>
-              <a:solidFill>
-                <a:schemeClr val="accent4">
-                  <a:lumMod val="50000"/>
-                  <a:lumOff val="50000"/>
-                </a:schemeClr>
-              </a:solidFill>
-              <a:ln w="15875" cap="flat" cmpd="sng" algn="ctr">
-                <a:solidFill>
-                  <a:schemeClr val="accent4">
-                    <a:lumMod val="50000"/>
-                    <a:lumOff val="50000"/>
-                    <a:alpha val="81000"/>
-                  </a:schemeClr>
-                </a:solidFill>
-                <a:prstDash val="solid"/>
-                <a:round/>
-                <a:headEnd type="none" w="med" len="med"/>
-                <a:tailEnd type="none" w="med" len="med"/>
-              </a:ln>
-              <a:effectLst/>
-            </p:spPr>
-            <p:txBody>
-              <a:bodyPr vert="horz" wrap="none" lIns="90000" tIns="46800" rIns="90000" bIns="46800" numCol="1" rtlCol="0" anchor="ctr" anchorCtr="0" compatLnSpc="1">
-                <a:prstTxWarp prst="textNoShape">
-                  <a:avLst/>
-                </a:prstTxWarp>
-              </a:bodyPr>
-              <a:lstStyle/>
-              <a:p>
-                <a:pPr marL="0" marR="0" indent="0" algn="l" defTabSz="914400" rtl="0" eaLnBrk="0" fontAlgn="base" latinLnBrk="0" hangingPunct="0">
-                  <a:lnSpc>
-                    <a:spcPct val="100000"/>
-                  </a:lnSpc>
-                  <a:spcBef>
-                    <a:spcPct val="0"/>
-                  </a:spcBef>
-                  <a:spcAft>
-                    <a:spcPct val="0"/>
-                  </a:spcAft>
-                  <a:buClrTx/>
-                  <a:buSzTx/>
-                  <a:buFontTx/>
-                  <a:buNone/>
-                  <a:tabLst/>
-                </a:pPr>
-                <a:endParaRPr kumimoji="0" lang="en-US" sz="1400" b="0" i="0" u="none" strike="noStrike" cap="none" normalizeH="0" baseline="0">
-                  <a:ln>
-                    <a:noFill/>
-                  </a:ln>
-                  <a:solidFill>
-                    <a:schemeClr val="tx1"/>
                   </a:solidFill>
                   <a:effectLst/>
                   <a:latin typeface="Arial" charset="0"/>
@@ -4992,10 +4993,17 @@
           <a:p>
             <a:pPr algn="r"/>
             <a:r>
-              <a:rPr lang="en-US" altLang="ko-KR"/>
-              <a:t>Copyright 2018 SMU SELab., All rights reserved.</a:t>
-            </a:r>
-            <a:endParaRPr lang="en-US" altLang="ko-KR" dirty="0"/>
+              <a:rPr lang="en-US" altLang="ko-KR" dirty="0"/>
+              <a:t>Copyright 2018 SMU </a:t>
+            </a:r>
+            <a:r>
+              <a:rPr lang="en-US" altLang="ko-KR" dirty="0" err="1"/>
+              <a:t>SELab</a:t>
+            </a:r>
+            <a:r>
+              <a:rPr lang="en-US" altLang="ko-KR" dirty="0"/>
+              <a:t>., All rights reserved.</a:t>
+            </a:r>
           </a:p>
         </p:txBody>
       </p:sp>
@@ -5727,6 +5735,1936 @@
       </p:grpSpPr>
       <p:sp>
         <p:nvSpPr>
+          <p:cNvPr id="2" name="제목 1">
+            <a:extLst>
+              <a:ext uri="{FF2B5EF4-FFF2-40B4-BE49-F238E27FC236}">
+                <a16:creationId xmlns:a16="http://schemas.microsoft.com/office/drawing/2014/main" id="{8F8463FC-1125-425A-A349-3F7699CBE7CD}"/>
+              </a:ext>
+            </a:extLst>
+          </p:cNvPr>
+          <p:cNvSpPr>
+            <a:spLocks noGrp="1"/>
+          </p:cNvSpPr>
+          <p:nvPr>
+            <p:ph type="title"/>
+          </p:nvPr>
+        </p:nvSpPr>
+        <p:spPr/>
+        <p:txBody>
+          <a:bodyPr/>
+          <a:lstStyle/>
+          <a:p>
+            <a:r>
+              <a:rPr lang="ko-KR" altLang="en-US" dirty="0"/>
+              <a:t>충돌 감지 알고리즘</a:t>
+            </a:r>
+          </a:p>
+        </p:txBody>
+      </p:sp>
+      <p:sp>
+        <p:nvSpPr>
+          <p:cNvPr id="4" name="바닥글 개체 틀 3">
+            <a:extLst>
+              <a:ext uri="{FF2B5EF4-FFF2-40B4-BE49-F238E27FC236}">
+                <a16:creationId xmlns:a16="http://schemas.microsoft.com/office/drawing/2014/main" id="{B1848D42-B705-46E7-AC67-CFD62B6E9D84}"/>
+              </a:ext>
+            </a:extLst>
+          </p:cNvPr>
+          <p:cNvSpPr>
+            <a:spLocks noGrp="1"/>
+          </p:cNvSpPr>
+          <p:nvPr>
+            <p:ph type="ftr" sz="quarter" idx="3"/>
+          </p:nvPr>
+        </p:nvSpPr>
+        <p:spPr/>
+        <p:txBody>
+          <a:bodyPr/>
+          <a:lstStyle/>
+          <a:p>
+            <a:pPr algn="r"/>
+            <a:r>
+              <a:rPr lang="en-US" altLang="ko-KR"/>
+              <a:t>Copyright 2018 SMU SELab., All rights reserved.</a:t>
+            </a:r>
+            <a:endParaRPr lang="en-US" altLang="ko-KR" dirty="0"/>
+          </a:p>
+        </p:txBody>
+      </p:sp>
+      <p:grpSp>
+        <p:nvGrpSpPr>
+          <p:cNvPr id="33" name="그룹 32">
+            <a:extLst>
+              <a:ext uri="{FF2B5EF4-FFF2-40B4-BE49-F238E27FC236}">
+                <a16:creationId xmlns:a16="http://schemas.microsoft.com/office/drawing/2014/main" id="{80FF9F18-4F97-4897-AF09-B145FCA7BCB3}"/>
+              </a:ext>
+            </a:extLst>
+          </p:cNvPr>
+          <p:cNvGrpSpPr/>
+          <p:nvPr/>
+        </p:nvGrpSpPr>
+        <p:grpSpPr>
+          <a:xfrm>
+            <a:off x="1685859" y="1967945"/>
+            <a:ext cx="5507587" cy="3434421"/>
+            <a:chOff x="1141788" y="1452981"/>
+            <a:chExt cx="6260449" cy="4094326"/>
+          </a:xfrm>
+        </p:grpSpPr>
+        <p:sp>
+          <p:nvSpPr>
+            <p:cNvPr id="6" name="직사각형 5">
+              <a:extLst>
+                <a:ext uri="{FF2B5EF4-FFF2-40B4-BE49-F238E27FC236}">
+                  <a16:creationId xmlns:a16="http://schemas.microsoft.com/office/drawing/2014/main" id="{8D803803-CEEA-45D9-82D0-5B1271827265}"/>
+                </a:ext>
+              </a:extLst>
+            </p:cNvPr>
+            <p:cNvSpPr/>
+            <p:nvPr/>
+          </p:nvSpPr>
+          <p:spPr bwMode="auto">
+            <a:xfrm>
+              <a:off x="2166910" y="2506307"/>
+              <a:ext cx="4270391" cy="2070645"/>
+            </a:xfrm>
+            <a:prstGeom prst="rect">
+              <a:avLst/>
+            </a:prstGeom>
+            <a:solidFill>
+              <a:srgbClr val="0070C0"/>
+            </a:solidFill>
+            <a:ln w="12700" cap="flat" cmpd="sng" algn="ctr">
+              <a:solidFill>
+                <a:schemeClr val="tx1"/>
+              </a:solidFill>
+              <a:prstDash val="solid"/>
+              <a:round/>
+              <a:headEnd type="none" w="med" len="med"/>
+              <a:tailEnd type="none" w="med" len="med"/>
+            </a:ln>
+            <a:effectLst/>
+          </p:spPr>
+          <p:txBody>
+            <a:bodyPr vert="horz" wrap="none" lIns="90000" tIns="46800" rIns="90000" bIns="46800" numCol="1" rtlCol="0" anchor="ctr" anchorCtr="0" compatLnSpc="1">
+              <a:prstTxWarp prst="textNoShape">
+                <a:avLst/>
+              </a:prstTxWarp>
+            </a:bodyPr>
+            <a:lstStyle/>
+            <a:p>
+              <a:pPr marL="0" marR="0" indent="0" algn="l" defTabSz="914400" rtl="0" eaLnBrk="0" fontAlgn="base" latinLnBrk="0" hangingPunct="0">
+                <a:lnSpc>
+                  <a:spcPct val="100000"/>
+                </a:lnSpc>
+                <a:spcBef>
+                  <a:spcPct val="0"/>
+                </a:spcBef>
+                <a:spcAft>
+                  <a:spcPct val="0"/>
+                </a:spcAft>
+                <a:buClrTx/>
+                <a:buSzTx/>
+                <a:buFontTx/>
+                <a:buNone/>
+                <a:tabLst/>
+              </a:pPr>
+              <a:endParaRPr kumimoji="0" lang="ko-KR" altLang="en-US" sz="1400" b="0" i="0" u="none" strike="noStrike" cap="none" normalizeH="0" baseline="0">
+                <a:ln>
+                  <a:noFill/>
+                </a:ln>
+                <a:solidFill>
+                  <a:schemeClr val="tx1"/>
+                </a:solidFill>
+                <a:effectLst/>
+                <a:latin typeface="Arial" charset="0"/>
+                <a:ea typeface="HY울릉도M" pitchFamily="18" charset="-127"/>
+              </a:endParaRPr>
+            </a:p>
+          </p:txBody>
+        </p:sp>
+        <p:grpSp>
+          <p:nvGrpSpPr>
+            <p:cNvPr id="8" name="Group 20">
+              <a:extLst>
+                <a:ext uri="{FF2B5EF4-FFF2-40B4-BE49-F238E27FC236}">
+                  <a16:creationId xmlns:a16="http://schemas.microsoft.com/office/drawing/2014/main" id="{F8144305-A2ED-4AD9-AEBA-B309CDE1F3FF}"/>
+                </a:ext>
+              </a:extLst>
+            </p:cNvPr>
+            <p:cNvGrpSpPr/>
+            <p:nvPr/>
+          </p:nvGrpSpPr>
+          <p:grpSpPr>
+            <a:xfrm>
+              <a:off x="3835065" y="3895835"/>
+              <a:ext cx="2002368" cy="1651472"/>
+              <a:chOff x="5139951" y="3787303"/>
+              <a:chExt cx="1456569" cy="1201319"/>
+            </a:xfrm>
+          </p:grpSpPr>
+          <p:sp>
+            <p:nvSpPr>
+              <p:cNvPr id="9" name="TextBox 8">
+                <a:extLst>
+                  <a:ext uri="{FF2B5EF4-FFF2-40B4-BE49-F238E27FC236}">
+                    <a16:creationId xmlns:a16="http://schemas.microsoft.com/office/drawing/2014/main" id="{21A8AFC5-361B-44C9-844D-917419A66AD4}"/>
+                  </a:ext>
+                </a:extLst>
+              </p:cNvPr>
+              <p:cNvSpPr txBox="1"/>
+              <p:nvPr/>
+            </p:nvSpPr>
+            <p:spPr>
+              <a:xfrm>
+                <a:off x="5139951" y="3787303"/>
+                <a:ext cx="531957" cy="223884"/>
+              </a:xfrm>
+              <a:prstGeom prst="rect">
+                <a:avLst/>
+              </a:prstGeom>
+              <a:noFill/>
+            </p:spPr>
+            <p:txBody>
+              <a:bodyPr wrap="none" rtlCol="0">
+                <a:spAutoFit/>
+              </a:bodyPr>
+              <a:lstStyle/>
+              <a:p>
+                <a:r>
+                  <a:rPr lang="en-US" altLang="ko-KR" dirty="0">
+                    <a:solidFill>
+                      <a:schemeClr val="bg1"/>
+                    </a:solidFill>
+                  </a:rPr>
+                  <a:t>(x1,y1)</a:t>
+                </a:r>
+                <a:endParaRPr lang="en-US" dirty="0">
+                  <a:solidFill>
+                    <a:schemeClr val="bg1"/>
+                  </a:solidFill>
+                </a:endParaRPr>
+              </a:p>
+            </p:txBody>
+          </p:sp>
+          <p:grpSp>
+            <p:nvGrpSpPr>
+              <p:cNvPr id="10" name="Group 16">
+                <a:extLst>
+                  <a:ext uri="{FF2B5EF4-FFF2-40B4-BE49-F238E27FC236}">
+                    <a16:creationId xmlns:a16="http://schemas.microsoft.com/office/drawing/2014/main" id="{25A4CF4F-8335-45EB-914B-260F555C4D3B}"/>
+                  </a:ext>
+                </a:extLst>
+              </p:cNvPr>
+              <p:cNvGrpSpPr/>
+              <p:nvPr/>
+            </p:nvGrpSpPr>
+            <p:grpSpPr>
+              <a:xfrm>
+                <a:off x="5589821" y="4114332"/>
+                <a:ext cx="572854" cy="572854"/>
+                <a:chOff x="6437546" y="1837857"/>
+                <a:chExt cx="572854" cy="572854"/>
+              </a:xfrm>
+            </p:grpSpPr>
+            <p:sp>
+              <p:nvSpPr>
+                <p:cNvPr id="12" name="Oval 15">
+                  <a:extLst>
+                    <a:ext uri="{FF2B5EF4-FFF2-40B4-BE49-F238E27FC236}">
+                      <a16:creationId xmlns:a16="http://schemas.microsoft.com/office/drawing/2014/main" id="{DE738AB2-9DBF-43E6-8CAF-DDB975FB38B8}"/>
+                    </a:ext>
+                  </a:extLst>
+                </p:cNvPr>
+                <p:cNvSpPr/>
+                <p:nvPr/>
+              </p:nvSpPr>
+              <p:spPr bwMode="auto">
+                <a:xfrm>
+                  <a:off x="6437546" y="1837857"/>
+                  <a:ext cx="572854" cy="572854"/>
+                </a:xfrm>
+                <a:prstGeom prst="ellipse">
+                  <a:avLst/>
+                </a:prstGeom>
+                <a:solidFill>
+                  <a:schemeClr val="accent4">
+                    <a:lumMod val="50000"/>
+                    <a:lumOff val="50000"/>
+                  </a:schemeClr>
+                </a:solidFill>
+                <a:ln w="15875" cap="flat" cmpd="sng" algn="ctr">
+                  <a:solidFill>
+                    <a:schemeClr val="accent4">
+                      <a:lumMod val="50000"/>
+                      <a:lumOff val="50000"/>
+                      <a:alpha val="81000"/>
+                    </a:schemeClr>
+                  </a:solidFill>
+                  <a:prstDash val="solid"/>
+                  <a:round/>
+                  <a:headEnd type="none" w="med" len="med"/>
+                  <a:tailEnd type="none" w="med" len="med"/>
+                </a:ln>
+                <a:effectLst/>
+              </p:spPr>
+              <p:txBody>
+                <a:bodyPr vert="horz" wrap="none" lIns="90000" tIns="46800" rIns="90000" bIns="46800" numCol="1" rtlCol="0" anchor="ctr" anchorCtr="0" compatLnSpc="1">
+                  <a:prstTxWarp prst="textNoShape">
+                    <a:avLst/>
+                  </a:prstTxWarp>
+                </a:bodyPr>
+                <a:lstStyle/>
+                <a:p>
+                  <a:pPr marL="0" marR="0" indent="0" algn="l" defTabSz="914400" rtl="0" eaLnBrk="0" fontAlgn="base" latinLnBrk="0" hangingPunct="0">
+                    <a:lnSpc>
+                      <a:spcPct val="100000"/>
+                    </a:lnSpc>
+                    <a:spcBef>
+                      <a:spcPct val="0"/>
+                    </a:spcBef>
+                    <a:spcAft>
+                      <a:spcPct val="0"/>
+                    </a:spcAft>
+                    <a:buClrTx/>
+                    <a:buSzTx/>
+                    <a:buFontTx/>
+                    <a:buNone/>
+                    <a:tabLst/>
+                  </a:pPr>
+                  <a:endParaRPr kumimoji="0" lang="en-US" sz="1400" b="0" i="0" u="none" strike="noStrike" cap="none" normalizeH="0" baseline="0">
+                    <a:ln>
+                      <a:noFill/>
+                    </a:ln>
+                    <a:solidFill>
+                      <a:schemeClr val="tx1"/>
+                    </a:solidFill>
+                    <a:effectLst/>
+                    <a:latin typeface="Arial" charset="0"/>
+                    <a:ea typeface="HY울릉도M" pitchFamily="18" charset="-127"/>
+                  </a:endParaRPr>
+                </a:p>
+              </p:txBody>
+            </p:sp>
+            <p:sp>
+              <p:nvSpPr>
+                <p:cNvPr id="13" name="Rectangle 14">
+                  <a:extLst>
+                    <a:ext uri="{FF2B5EF4-FFF2-40B4-BE49-F238E27FC236}">
+                      <a16:creationId xmlns:a16="http://schemas.microsoft.com/office/drawing/2014/main" id="{6CDDA98F-EB04-4983-8F7A-F0C79C68C343}"/>
+                    </a:ext>
+                  </a:extLst>
+                </p:cNvPr>
+                <p:cNvSpPr/>
+                <p:nvPr/>
+              </p:nvSpPr>
+              <p:spPr bwMode="auto">
+                <a:xfrm>
+                  <a:off x="6543652" y="1930962"/>
+                  <a:ext cx="360640" cy="387168"/>
+                </a:xfrm>
+                <a:prstGeom prst="rect">
+                  <a:avLst/>
+                </a:prstGeom>
+                <a:noFill/>
+                <a:ln w="22225">
+                  <a:solidFill>
+                    <a:schemeClr val="bg1">
+                      <a:lumMod val="75000"/>
+                    </a:schemeClr>
+                  </a:solidFill>
+                  <a:headEnd type="none" w="med" len="med"/>
+                  <a:tailEnd type="none" w="med" len="med"/>
+                </a:ln>
+              </p:spPr>
+              <p:style>
+                <a:lnRef idx="2">
+                  <a:schemeClr val="accent1">
+                    <a:shade val="50000"/>
+                  </a:schemeClr>
+                </a:lnRef>
+                <a:fillRef idx="1">
+                  <a:schemeClr val="accent1"/>
+                </a:fillRef>
+                <a:effectRef idx="0">
+                  <a:schemeClr val="accent1"/>
+                </a:effectRef>
+                <a:fontRef idx="minor">
+                  <a:schemeClr val="lt1"/>
+                </a:fontRef>
+              </p:style>
+              <p:txBody>
+                <a:bodyPr vert="horz" wrap="none" lIns="90000" tIns="46800" rIns="90000" bIns="46800" numCol="1" rtlCol="0" anchor="ctr" anchorCtr="0" compatLnSpc="1">
+                  <a:prstTxWarp prst="textNoShape">
+                    <a:avLst/>
+                  </a:prstTxWarp>
+                </a:bodyPr>
+                <a:lstStyle/>
+                <a:p>
+                  <a:pPr marL="0" marR="0" indent="0" algn="l" defTabSz="914400" rtl="0" eaLnBrk="0" fontAlgn="base" latinLnBrk="0" hangingPunct="0">
+                    <a:lnSpc>
+                      <a:spcPct val="100000"/>
+                    </a:lnSpc>
+                    <a:spcBef>
+                      <a:spcPct val="0"/>
+                    </a:spcBef>
+                    <a:spcAft>
+                      <a:spcPct val="0"/>
+                    </a:spcAft>
+                    <a:buClrTx/>
+                    <a:buSzTx/>
+                    <a:buFontTx/>
+                    <a:buNone/>
+                    <a:tabLst/>
+                  </a:pPr>
+                  <a:endParaRPr kumimoji="0" lang="en-US" sz="1400" b="0" i="0" u="none" strike="noStrike" cap="none" normalizeH="0" baseline="0" dirty="0">
+                    <a:ln>
+                      <a:noFill/>
+                    </a:ln>
+                    <a:solidFill>
+                      <a:schemeClr val="tx1">
+                        <a:alpha val="33000"/>
+                      </a:schemeClr>
+                    </a:solidFill>
+                    <a:effectLst/>
+                    <a:latin typeface="Arial" charset="0"/>
+                    <a:ea typeface="HY울릉도M" pitchFamily="18" charset="-127"/>
+                  </a:endParaRPr>
+                </a:p>
+              </p:txBody>
+            </p:sp>
+          </p:grpSp>
+          <p:sp>
+            <p:nvSpPr>
+              <p:cNvPr id="11" name="TextBox 10">
+                <a:extLst>
+                  <a:ext uri="{FF2B5EF4-FFF2-40B4-BE49-F238E27FC236}">
+                    <a16:creationId xmlns:a16="http://schemas.microsoft.com/office/drawing/2014/main" id="{332438C6-9BD4-4443-BC5D-65920EABEC1E}"/>
+                  </a:ext>
+                </a:extLst>
+              </p:cNvPr>
+              <p:cNvSpPr txBox="1"/>
+              <p:nvPr/>
+            </p:nvSpPr>
+            <p:spPr>
+              <a:xfrm>
+                <a:off x="5865230" y="4680845"/>
+                <a:ext cx="731290" cy="307777"/>
+              </a:xfrm>
+              <a:prstGeom prst="rect">
+                <a:avLst/>
+              </a:prstGeom>
+              <a:noFill/>
+            </p:spPr>
+            <p:txBody>
+              <a:bodyPr wrap="none" rtlCol="0">
+                <a:spAutoFit/>
+              </a:bodyPr>
+              <a:lstStyle/>
+              <a:p>
+                <a:r>
+                  <a:rPr lang="en-US" altLang="ko-KR" dirty="0">
+                    <a:solidFill>
+                      <a:schemeClr val="accent3">
+                        <a:lumMod val="50000"/>
+                      </a:schemeClr>
+                    </a:solidFill>
+                  </a:rPr>
+                  <a:t>(x2,y2)</a:t>
+                </a:r>
+                <a:endParaRPr lang="en-US" dirty="0">
+                  <a:solidFill>
+                    <a:schemeClr val="accent3">
+                      <a:lumMod val="50000"/>
+                    </a:schemeClr>
+                  </a:solidFill>
+                </a:endParaRPr>
+              </a:p>
+            </p:txBody>
+          </p:sp>
+        </p:grpSp>
+        <p:grpSp>
+          <p:nvGrpSpPr>
+            <p:cNvPr id="14" name="Group 20">
+              <a:extLst>
+                <a:ext uri="{FF2B5EF4-FFF2-40B4-BE49-F238E27FC236}">
+                  <a16:creationId xmlns:a16="http://schemas.microsoft.com/office/drawing/2014/main" id="{0930AE84-9A87-46BD-848B-70C9C6D5AFCC}"/>
+                </a:ext>
+              </a:extLst>
+            </p:cNvPr>
+            <p:cNvGrpSpPr/>
+            <p:nvPr/>
+          </p:nvGrpSpPr>
+          <p:grpSpPr>
+            <a:xfrm>
+              <a:off x="1141788" y="2560578"/>
+              <a:ext cx="1728344" cy="1536143"/>
+              <a:chOff x="5139950" y="3787303"/>
+              <a:chExt cx="1257237" cy="1117426"/>
+            </a:xfrm>
+          </p:grpSpPr>
+          <p:sp>
+            <p:nvSpPr>
+              <p:cNvPr id="15" name="TextBox 14">
+                <a:extLst>
+                  <a:ext uri="{FF2B5EF4-FFF2-40B4-BE49-F238E27FC236}">
+                    <a16:creationId xmlns:a16="http://schemas.microsoft.com/office/drawing/2014/main" id="{29C52049-F80E-47F8-9352-1876B569B0ED}"/>
+                  </a:ext>
+                </a:extLst>
+              </p:cNvPr>
+              <p:cNvSpPr txBox="1"/>
+              <p:nvPr/>
+            </p:nvSpPr>
+            <p:spPr>
+              <a:xfrm>
+                <a:off x="5139950" y="3787303"/>
+                <a:ext cx="531957" cy="223884"/>
+              </a:xfrm>
+              <a:prstGeom prst="rect">
+                <a:avLst/>
+              </a:prstGeom>
+              <a:noFill/>
+            </p:spPr>
+            <p:txBody>
+              <a:bodyPr wrap="none" rtlCol="0">
+                <a:spAutoFit/>
+              </a:bodyPr>
+              <a:lstStyle/>
+              <a:p>
+                <a:r>
+                  <a:rPr lang="en-US" altLang="ko-KR" dirty="0">
+                    <a:solidFill>
+                      <a:srgbClr val="7F7F7F"/>
+                    </a:solidFill>
+                  </a:rPr>
+                  <a:t>(x1,y1)</a:t>
+                </a:r>
+                <a:endParaRPr lang="en-US" dirty="0">
+                  <a:solidFill>
+                    <a:srgbClr val="7F7F7F"/>
+                  </a:solidFill>
+                </a:endParaRPr>
+              </a:p>
+            </p:txBody>
+          </p:sp>
+          <p:grpSp>
+            <p:nvGrpSpPr>
+              <p:cNvPr id="16" name="Group 16">
+                <a:extLst>
+                  <a:ext uri="{FF2B5EF4-FFF2-40B4-BE49-F238E27FC236}">
+                    <a16:creationId xmlns:a16="http://schemas.microsoft.com/office/drawing/2014/main" id="{E5B00C9E-3F1C-42EA-B198-35481FCA243A}"/>
+                  </a:ext>
+                </a:extLst>
+              </p:cNvPr>
+              <p:cNvGrpSpPr/>
+              <p:nvPr/>
+            </p:nvGrpSpPr>
+            <p:grpSpPr>
+              <a:xfrm>
+                <a:off x="5589821" y="4114332"/>
+                <a:ext cx="572854" cy="572854"/>
+                <a:chOff x="6437546" y="1837857"/>
+                <a:chExt cx="572854" cy="572854"/>
+              </a:xfrm>
+            </p:grpSpPr>
+            <p:sp>
+              <p:nvSpPr>
+                <p:cNvPr id="18" name="Oval 15">
+                  <a:extLst>
+                    <a:ext uri="{FF2B5EF4-FFF2-40B4-BE49-F238E27FC236}">
+                      <a16:creationId xmlns:a16="http://schemas.microsoft.com/office/drawing/2014/main" id="{60941661-C370-4C97-9545-6DD3B47708E7}"/>
+                    </a:ext>
+                  </a:extLst>
+                </p:cNvPr>
+                <p:cNvSpPr/>
+                <p:nvPr/>
+              </p:nvSpPr>
+              <p:spPr bwMode="auto">
+                <a:xfrm>
+                  <a:off x="6437546" y="1837857"/>
+                  <a:ext cx="572854" cy="572854"/>
+                </a:xfrm>
+                <a:prstGeom prst="ellipse">
+                  <a:avLst/>
+                </a:prstGeom>
+                <a:solidFill>
+                  <a:schemeClr val="accent4">
+                    <a:lumMod val="50000"/>
+                    <a:lumOff val="50000"/>
+                  </a:schemeClr>
+                </a:solidFill>
+                <a:ln w="15875" cap="flat" cmpd="sng" algn="ctr">
+                  <a:solidFill>
+                    <a:schemeClr val="accent4">
+                      <a:lumMod val="50000"/>
+                      <a:lumOff val="50000"/>
+                      <a:alpha val="81000"/>
+                    </a:schemeClr>
+                  </a:solidFill>
+                  <a:prstDash val="solid"/>
+                  <a:round/>
+                  <a:headEnd type="none" w="med" len="med"/>
+                  <a:tailEnd type="none" w="med" len="med"/>
+                </a:ln>
+                <a:effectLst/>
+              </p:spPr>
+              <p:txBody>
+                <a:bodyPr vert="horz" wrap="none" lIns="90000" tIns="46800" rIns="90000" bIns="46800" numCol="1" rtlCol="0" anchor="ctr" anchorCtr="0" compatLnSpc="1">
+                  <a:prstTxWarp prst="textNoShape">
+                    <a:avLst/>
+                  </a:prstTxWarp>
+                </a:bodyPr>
+                <a:lstStyle/>
+                <a:p>
+                  <a:pPr marL="0" marR="0" indent="0" algn="l" defTabSz="914400" rtl="0" eaLnBrk="0" fontAlgn="base" latinLnBrk="0" hangingPunct="0">
+                    <a:lnSpc>
+                      <a:spcPct val="100000"/>
+                    </a:lnSpc>
+                    <a:spcBef>
+                      <a:spcPct val="0"/>
+                    </a:spcBef>
+                    <a:spcAft>
+                      <a:spcPct val="0"/>
+                    </a:spcAft>
+                    <a:buClrTx/>
+                    <a:buSzTx/>
+                    <a:buFontTx/>
+                    <a:buNone/>
+                    <a:tabLst/>
+                  </a:pPr>
+                  <a:endParaRPr kumimoji="0" lang="en-US" sz="1400" b="0" i="0" u="none" strike="noStrike" cap="none" normalizeH="0" baseline="0">
+                    <a:ln>
+                      <a:noFill/>
+                    </a:ln>
+                    <a:solidFill>
+                      <a:schemeClr val="tx1"/>
+                    </a:solidFill>
+                    <a:effectLst/>
+                    <a:latin typeface="Arial" charset="0"/>
+                    <a:ea typeface="HY울릉도M" pitchFamily="18" charset="-127"/>
+                  </a:endParaRPr>
+                </a:p>
+              </p:txBody>
+            </p:sp>
+            <p:sp>
+              <p:nvSpPr>
+                <p:cNvPr id="19" name="Rectangle 14">
+                  <a:extLst>
+                    <a:ext uri="{FF2B5EF4-FFF2-40B4-BE49-F238E27FC236}">
+                      <a16:creationId xmlns:a16="http://schemas.microsoft.com/office/drawing/2014/main" id="{B61072A7-8250-41F7-9C9C-4571BE69A61C}"/>
+                    </a:ext>
+                  </a:extLst>
+                </p:cNvPr>
+                <p:cNvSpPr/>
+                <p:nvPr/>
+              </p:nvSpPr>
+              <p:spPr bwMode="auto">
+                <a:xfrm>
+                  <a:off x="6543652" y="1930962"/>
+                  <a:ext cx="360640" cy="387168"/>
+                </a:xfrm>
+                <a:prstGeom prst="rect">
+                  <a:avLst/>
+                </a:prstGeom>
+                <a:noFill/>
+                <a:ln w="22225">
+                  <a:solidFill>
+                    <a:schemeClr val="bg1">
+                      <a:lumMod val="75000"/>
+                    </a:schemeClr>
+                  </a:solidFill>
+                  <a:headEnd type="none" w="med" len="med"/>
+                  <a:tailEnd type="none" w="med" len="med"/>
+                </a:ln>
+              </p:spPr>
+              <p:style>
+                <a:lnRef idx="2">
+                  <a:schemeClr val="accent1">
+                    <a:shade val="50000"/>
+                  </a:schemeClr>
+                </a:lnRef>
+                <a:fillRef idx="1">
+                  <a:schemeClr val="accent1"/>
+                </a:fillRef>
+                <a:effectRef idx="0">
+                  <a:schemeClr val="accent1"/>
+                </a:effectRef>
+                <a:fontRef idx="minor">
+                  <a:schemeClr val="lt1"/>
+                </a:fontRef>
+              </p:style>
+              <p:txBody>
+                <a:bodyPr vert="horz" wrap="none" lIns="90000" tIns="46800" rIns="90000" bIns="46800" numCol="1" rtlCol="0" anchor="ctr" anchorCtr="0" compatLnSpc="1">
+                  <a:prstTxWarp prst="textNoShape">
+                    <a:avLst/>
+                  </a:prstTxWarp>
+                </a:bodyPr>
+                <a:lstStyle/>
+                <a:p>
+                  <a:pPr marL="0" marR="0" indent="0" algn="l" defTabSz="914400" rtl="0" eaLnBrk="0" fontAlgn="base" latinLnBrk="0" hangingPunct="0">
+                    <a:lnSpc>
+                      <a:spcPct val="100000"/>
+                    </a:lnSpc>
+                    <a:spcBef>
+                      <a:spcPct val="0"/>
+                    </a:spcBef>
+                    <a:spcAft>
+                      <a:spcPct val="0"/>
+                    </a:spcAft>
+                    <a:buClrTx/>
+                    <a:buSzTx/>
+                    <a:buFontTx/>
+                    <a:buNone/>
+                    <a:tabLst/>
+                  </a:pPr>
+                  <a:endParaRPr kumimoji="0" lang="en-US" sz="1400" b="0" i="0" u="none" strike="noStrike" cap="none" normalizeH="0" baseline="0" dirty="0">
+                    <a:ln>
+                      <a:noFill/>
+                    </a:ln>
+                    <a:solidFill>
+                      <a:schemeClr val="tx1">
+                        <a:alpha val="33000"/>
+                      </a:schemeClr>
+                    </a:solidFill>
+                    <a:effectLst/>
+                    <a:latin typeface="Arial" charset="0"/>
+                    <a:ea typeface="HY울릉도M" pitchFamily="18" charset="-127"/>
+                  </a:endParaRPr>
+                </a:p>
+              </p:txBody>
+            </p:sp>
+          </p:grpSp>
+          <p:sp>
+            <p:nvSpPr>
+              <p:cNvPr id="17" name="TextBox 16">
+                <a:extLst>
+                  <a:ext uri="{FF2B5EF4-FFF2-40B4-BE49-F238E27FC236}">
+                    <a16:creationId xmlns:a16="http://schemas.microsoft.com/office/drawing/2014/main" id="{81EBA37C-EB6F-4F20-9681-F9F2486EEB61}"/>
+                  </a:ext>
+                </a:extLst>
+              </p:cNvPr>
+              <p:cNvSpPr txBox="1"/>
+              <p:nvPr/>
+            </p:nvSpPr>
+            <p:spPr>
+              <a:xfrm>
+                <a:off x="5865230" y="4680845"/>
+                <a:ext cx="531957" cy="223884"/>
+              </a:xfrm>
+              <a:prstGeom prst="rect">
+                <a:avLst/>
+              </a:prstGeom>
+              <a:noFill/>
+            </p:spPr>
+            <p:txBody>
+              <a:bodyPr wrap="none" rtlCol="0">
+                <a:spAutoFit/>
+              </a:bodyPr>
+              <a:lstStyle/>
+              <a:p>
+                <a:r>
+                  <a:rPr lang="en-US" altLang="ko-KR" dirty="0">
+                    <a:solidFill>
+                      <a:schemeClr val="bg1"/>
+                    </a:solidFill>
+                  </a:rPr>
+                  <a:t>(x2,y2)</a:t>
+                </a:r>
+                <a:endParaRPr lang="en-US" dirty="0">
+                  <a:solidFill>
+                    <a:schemeClr val="bg1"/>
+                  </a:solidFill>
+                </a:endParaRPr>
+              </a:p>
+            </p:txBody>
+          </p:sp>
+        </p:grpSp>
+        <p:grpSp>
+          <p:nvGrpSpPr>
+            <p:cNvPr id="20" name="Group 20">
+              <a:extLst>
+                <a:ext uri="{FF2B5EF4-FFF2-40B4-BE49-F238E27FC236}">
+                  <a16:creationId xmlns:a16="http://schemas.microsoft.com/office/drawing/2014/main" id="{731C049D-24B4-4D11-835B-3B49CD43BC47}"/>
+                </a:ext>
+              </a:extLst>
+            </p:cNvPr>
+            <p:cNvGrpSpPr/>
+            <p:nvPr/>
+          </p:nvGrpSpPr>
+          <p:grpSpPr>
+            <a:xfrm>
+              <a:off x="5399869" y="2714466"/>
+              <a:ext cx="2002368" cy="1651472"/>
+              <a:chOff x="5139951" y="3787303"/>
+              <a:chExt cx="1456569" cy="1201319"/>
+            </a:xfrm>
+          </p:grpSpPr>
+          <p:sp>
+            <p:nvSpPr>
+              <p:cNvPr id="21" name="TextBox 20">
+                <a:extLst>
+                  <a:ext uri="{FF2B5EF4-FFF2-40B4-BE49-F238E27FC236}">
+                    <a16:creationId xmlns:a16="http://schemas.microsoft.com/office/drawing/2014/main" id="{C811B8BA-3E70-46AE-A2E9-2EDE7B415E29}"/>
+                  </a:ext>
+                </a:extLst>
+              </p:cNvPr>
+              <p:cNvSpPr txBox="1"/>
+              <p:nvPr/>
+            </p:nvSpPr>
+            <p:spPr>
+              <a:xfrm>
+                <a:off x="5139951" y="3787303"/>
+                <a:ext cx="531957" cy="223884"/>
+              </a:xfrm>
+              <a:prstGeom prst="rect">
+                <a:avLst/>
+              </a:prstGeom>
+              <a:noFill/>
+            </p:spPr>
+            <p:txBody>
+              <a:bodyPr wrap="none" rtlCol="0">
+                <a:spAutoFit/>
+              </a:bodyPr>
+              <a:lstStyle/>
+              <a:p>
+                <a:r>
+                  <a:rPr lang="en-US" altLang="ko-KR" dirty="0">
+                    <a:solidFill>
+                      <a:schemeClr val="bg1"/>
+                    </a:solidFill>
+                  </a:rPr>
+                  <a:t>(x1,y1)</a:t>
+                </a:r>
+                <a:endParaRPr lang="en-US" dirty="0">
+                  <a:solidFill>
+                    <a:schemeClr val="bg1"/>
+                  </a:solidFill>
+                </a:endParaRPr>
+              </a:p>
+            </p:txBody>
+          </p:sp>
+          <p:grpSp>
+            <p:nvGrpSpPr>
+              <p:cNvPr id="22" name="Group 16">
+                <a:extLst>
+                  <a:ext uri="{FF2B5EF4-FFF2-40B4-BE49-F238E27FC236}">
+                    <a16:creationId xmlns:a16="http://schemas.microsoft.com/office/drawing/2014/main" id="{68E9DFD4-756C-4F1D-85C4-E7E10EA2974B}"/>
+                  </a:ext>
+                </a:extLst>
+              </p:cNvPr>
+              <p:cNvGrpSpPr/>
+              <p:nvPr/>
+            </p:nvGrpSpPr>
+            <p:grpSpPr>
+              <a:xfrm>
+                <a:off x="5589821" y="4114332"/>
+                <a:ext cx="572854" cy="572854"/>
+                <a:chOff x="6437546" y="1837857"/>
+                <a:chExt cx="572854" cy="572854"/>
+              </a:xfrm>
+            </p:grpSpPr>
+            <p:sp>
+              <p:nvSpPr>
+                <p:cNvPr id="24" name="Oval 15">
+                  <a:extLst>
+                    <a:ext uri="{FF2B5EF4-FFF2-40B4-BE49-F238E27FC236}">
+                      <a16:creationId xmlns:a16="http://schemas.microsoft.com/office/drawing/2014/main" id="{D4394E5C-09CE-48FA-B44E-53FC198D3F06}"/>
+                    </a:ext>
+                  </a:extLst>
+                </p:cNvPr>
+                <p:cNvSpPr/>
+                <p:nvPr/>
+              </p:nvSpPr>
+              <p:spPr bwMode="auto">
+                <a:xfrm>
+                  <a:off x="6437546" y="1837857"/>
+                  <a:ext cx="572854" cy="572854"/>
+                </a:xfrm>
+                <a:prstGeom prst="ellipse">
+                  <a:avLst/>
+                </a:prstGeom>
+                <a:solidFill>
+                  <a:schemeClr val="accent4">
+                    <a:lumMod val="50000"/>
+                    <a:lumOff val="50000"/>
+                  </a:schemeClr>
+                </a:solidFill>
+                <a:ln w="15875" cap="flat" cmpd="sng" algn="ctr">
+                  <a:solidFill>
+                    <a:schemeClr val="accent4">
+                      <a:lumMod val="50000"/>
+                      <a:lumOff val="50000"/>
+                      <a:alpha val="81000"/>
+                    </a:schemeClr>
+                  </a:solidFill>
+                  <a:prstDash val="solid"/>
+                  <a:round/>
+                  <a:headEnd type="none" w="med" len="med"/>
+                  <a:tailEnd type="none" w="med" len="med"/>
+                </a:ln>
+                <a:effectLst/>
+              </p:spPr>
+              <p:txBody>
+                <a:bodyPr vert="horz" wrap="none" lIns="90000" tIns="46800" rIns="90000" bIns="46800" numCol="1" rtlCol="0" anchor="ctr" anchorCtr="0" compatLnSpc="1">
+                  <a:prstTxWarp prst="textNoShape">
+                    <a:avLst/>
+                  </a:prstTxWarp>
+                </a:bodyPr>
+                <a:lstStyle/>
+                <a:p>
+                  <a:pPr marL="0" marR="0" indent="0" algn="l" defTabSz="914400" rtl="0" eaLnBrk="0" fontAlgn="base" latinLnBrk="0" hangingPunct="0">
+                    <a:lnSpc>
+                      <a:spcPct val="100000"/>
+                    </a:lnSpc>
+                    <a:spcBef>
+                      <a:spcPct val="0"/>
+                    </a:spcBef>
+                    <a:spcAft>
+                      <a:spcPct val="0"/>
+                    </a:spcAft>
+                    <a:buClrTx/>
+                    <a:buSzTx/>
+                    <a:buFontTx/>
+                    <a:buNone/>
+                    <a:tabLst/>
+                  </a:pPr>
+                  <a:endParaRPr kumimoji="0" lang="en-US" sz="1400" b="0" i="0" u="none" strike="noStrike" cap="none" normalizeH="0" baseline="0" dirty="0">
+                    <a:ln>
+                      <a:noFill/>
+                    </a:ln>
+                    <a:solidFill>
+                      <a:schemeClr val="tx1"/>
+                    </a:solidFill>
+                    <a:effectLst/>
+                    <a:latin typeface="Arial" charset="0"/>
+                    <a:ea typeface="HY울릉도M" pitchFamily="18" charset="-127"/>
+                  </a:endParaRPr>
+                </a:p>
+              </p:txBody>
+            </p:sp>
+            <p:sp>
+              <p:nvSpPr>
+                <p:cNvPr id="25" name="Rectangle 14">
+                  <a:extLst>
+                    <a:ext uri="{FF2B5EF4-FFF2-40B4-BE49-F238E27FC236}">
+                      <a16:creationId xmlns:a16="http://schemas.microsoft.com/office/drawing/2014/main" id="{A0DFEC5B-DA01-43F4-9724-2FC86C3BD284}"/>
+                    </a:ext>
+                  </a:extLst>
+                </p:cNvPr>
+                <p:cNvSpPr/>
+                <p:nvPr/>
+              </p:nvSpPr>
+              <p:spPr bwMode="auto">
+                <a:xfrm>
+                  <a:off x="6543652" y="1930962"/>
+                  <a:ext cx="360640" cy="387168"/>
+                </a:xfrm>
+                <a:prstGeom prst="rect">
+                  <a:avLst/>
+                </a:prstGeom>
+                <a:noFill/>
+                <a:ln w="22225">
+                  <a:solidFill>
+                    <a:schemeClr val="bg1">
+                      <a:lumMod val="75000"/>
+                    </a:schemeClr>
+                  </a:solidFill>
+                  <a:headEnd type="none" w="med" len="med"/>
+                  <a:tailEnd type="none" w="med" len="med"/>
+                </a:ln>
+              </p:spPr>
+              <p:style>
+                <a:lnRef idx="2">
+                  <a:schemeClr val="accent1">
+                    <a:shade val="50000"/>
+                  </a:schemeClr>
+                </a:lnRef>
+                <a:fillRef idx="1">
+                  <a:schemeClr val="accent1"/>
+                </a:fillRef>
+                <a:effectRef idx="0">
+                  <a:schemeClr val="accent1"/>
+                </a:effectRef>
+                <a:fontRef idx="minor">
+                  <a:schemeClr val="lt1"/>
+                </a:fontRef>
+              </p:style>
+              <p:txBody>
+                <a:bodyPr vert="horz" wrap="none" lIns="90000" tIns="46800" rIns="90000" bIns="46800" numCol="1" rtlCol="0" anchor="ctr" anchorCtr="0" compatLnSpc="1">
+                  <a:prstTxWarp prst="textNoShape">
+                    <a:avLst/>
+                  </a:prstTxWarp>
+                </a:bodyPr>
+                <a:lstStyle/>
+                <a:p>
+                  <a:pPr marL="0" marR="0" indent="0" algn="l" defTabSz="914400" rtl="0" eaLnBrk="0" fontAlgn="base" latinLnBrk="0" hangingPunct="0">
+                    <a:lnSpc>
+                      <a:spcPct val="100000"/>
+                    </a:lnSpc>
+                    <a:spcBef>
+                      <a:spcPct val="0"/>
+                    </a:spcBef>
+                    <a:spcAft>
+                      <a:spcPct val="0"/>
+                    </a:spcAft>
+                    <a:buClrTx/>
+                    <a:buSzTx/>
+                    <a:buFontTx/>
+                    <a:buNone/>
+                    <a:tabLst/>
+                  </a:pPr>
+                  <a:endParaRPr kumimoji="0" lang="en-US" sz="1400" b="0" i="0" u="none" strike="noStrike" cap="none" normalizeH="0" baseline="0" dirty="0">
+                    <a:ln>
+                      <a:noFill/>
+                    </a:ln>
+                    <a:solidFill>
+                      <a:schemeClr val="tx1">
+                        <a:alpha val="33000"/>
+                      </a:schemeClr>
+                    </a:solidFill>
+                    <a:effectLst/>
+                    <a:latin typeface="Arial" charset="0"/>
+                    <a:ea typeface="HY울릉도M" pitchFamily="18" charset="-127"/>
+                  </a:endParaRPr>
+                </a:p>
+              </p:txBody>
+            </p:sp>
+          </p:grpSp>
+          <p:sp>
+            <p:nvSpPr>
+              <p:cNvPr id="23" name="TextBox 22">
+                <a:extLst>
+                  <a:ext uri="{FF2B5EF4-FFF2-40B4-BE49-F238E27FC236}">
+                    <a16:creationId xmlns:a16="http://schemas.microsoft.com/office/drawing/2014/main" id="{C4B424A4-6DA3-4DF5-B55E-4806FC2229BA}"/>
+                  </a:ext>
+                </a:extLst>
+              </p:cNvPr>
+              <p:cNvSpPr txBox="1"/>
+              <p:nvPr/>
+            </p:nvSpPr>
+            <p:spPr>
+              <a:xfrm>
+                <a:off x="5865230" y="4680845"/>
+                <a:ext cx="731290" cy="307777"/>
+              </a:xfrm>
+              <a:prstGeom prst="rect">
+                <a:avLst/>
+              </a:prstGeom>
+              <a:noFill/>
+            </p:spPr>
+            <p:txBody>
+              <a:bodyPr wrap="none" rtlCol="0">
+                <a:spAutoFit/>
+              </a:bodyPr>
+              <a:lstStyle/>
+              <a:p>
+                <a:r>
+                  <a:rPr lang="en-US" altLang="ko-KR" dirty="0">
+                    <a:solidFill>
+                      <a:schemeClr val="accent3">
+                        <a:lumMod val="50000"/>
+                      </a:schemeClr>
+                    </a:solidFill>
+                  </a:rPr>
+                  <a:t>(x2,y2)</a:t>
+                </a:r>
+                <a:endParaRPr lang="en-US" dirty="0">
+                  <a:solidFill>
+                    <a:schemeClr val="accent3">
+                      <a:lumMod val="50000"/>
+                    </a:schemeClr>
+                  </a:solidFill>
+                </a:endParaRPr>
+              </a:p>
+            </p:txBody>
+          </p:sp>
+        </p:grpSp>
+        <p:grpSp>
+          <p:nvGrpSpPr>
+            <p:cNvPr id="26" name="Group 20">
+              <a:extLst>
+                <a:ext uri="{FF2B5EF4-FFF2-40B4-BE49-F238E27FC236}">
+                  <a16:creationId xmlns:a16="http://schemas.microsoft.com/office/drawing/2014/main" id="{2F559C9D-26FE-4230-B310-520173EFB737}"/>
+                </a:ext>
+              </a:extLst>
+            </p:cNvPr>
+            <p:cNvGrpSpPr/>
+            <p:nvPr/>
+          </p:nvGrpSpPr>
+          <p:grpSpPr>
+            <a:xfrm>
+              <a:off x="3051407" y="1452981"/>
+              <a:ext cx="1728342" cy="1536143"/>
+              <a:chOff x="5139951" y="3787303"/>
+              <a:chExt cx="1257236" cy="1117426"/>
+            </a:xfrm>
+          </p:grpSpPr>
+          <p:sp>
+            <p:nvSpPr>
+              <p:cNvPr id="27" name="TextBox 26">
+                <a:extLst>
+                  <a:ext uri="{FF2B5EF4-FFF2-40B4-BE49-F238E27FC236}">
+                    <a16:creationId xmlns:a16="http://schemas.microsoft.com/office/drawing/2014/main" id="{EE611A34-8F12-4DCA-A712-B97301FF89B5}"/>
+                  </a:ext>
+                </a:extLst>
+              </p:cNvPr>
+              <p:cNvSpPr txBox="1"/>
+              <p:nvPr/>
+            </p:nvSpPr>
+            <p:spPr>
+              <a:xfrm>
+                <a:off x="5139951" y="3787303"/>
+                <a:ext cx="531957" cy="223884"/>
+              </a:xfrm>
+              <a:prstGeom prst="rect">
+                <a:avLst/>
+              </a:prstGeom>
+              <a:noFill/>
+            </p:spPr>
+            <p:txBody>
+              <a:bodyPr wrap="none" rtlCol="0">
+                <a:spAutoFit/>
+              </a:bodyPr>
+              <a:lstStyle/>
+              <a:p>
+                <a:r>
+                  <a:rPr lang="en-US" altLang="ko-KR" dirty="0">
+                    <a:solidFill>
+                      <a:srgbClr val="7F7F7F"/>
+                    </a:solidFill>
+                  </a:rPr>
+                  <a:t>(x1,y1)</a:t>
+                </a:r>
+                <a:endParaRPr lang="en-US" dirty="0">
+                  <a:solidFill>
+                    <a:srgbClr val="7F7F7F"/>
+                  </a:solidFill>
+                </a:endParaRPr>
+              </a:p>
+            </p:txBody>
+          </p:sp>
+          <p:grpSp>
+            <p:nvGrpSpPr>
+              <p:cNvPr id="28" name="Group 16">
+                <a:extLst>
+                  <a:ext uri="{FF2B5EF4-FFF2-40B4-BE49-F238E27FC236}">
+                    <a16:creationId xmlns:a16="http://schemas.microsoft.com/office/drawing/2014/main" id="{F7849D76-954F-44BA-9897-56965BFB82E5}"/>
+                  </a:ext>
+                </a:extLst>
+              </p:cNvPr>
+              <p:cNvGrpSpPr/>
+              <p:nvPr/>
+            </p:nvGrpSpPr>
+            <p:grpSpPr>
+              <a:xfrm>
+                <a:off x="5589821" y="4114332"/>
+                <a:ext cx="572854" cy="572854"/>
+                <a:chOff x="6437546" y="1837857"/>
+                <a:chExt cx="572854" cy="572854"/>
+              </a:xfrm>
+            </p:grpSpPr>
+            <p:sp>
+              <p:nvSpPr>
+                <p:cNvPr id="30" name="Oval 15">
+                  <a:extLst>
+                    <a:ext uri="{FF2B5EF4-FFF2-40B4-BE49-F238E27FC236}">
+                      <a16:creationId xmlns:a16="http://schemas.microsoft.com/office/drawing/2014/main" id="{0275B9EE-45C3-4C20-9204-63076DA5DEDF}"/>
+                    </a:ext>
+                  </a:extLst>
+                </p:cNvPr>
+                <p:cNvSpPr/>
+                <p:nvPr/>
+              </p:nvSpPr>
+              <p:spPr bwMode="auto">
+                <a:xfrm>
+                  <a:off x="6437546" y="1837857"/>
+                  <a:ext cx="572854" cy="572854"/>
+                </a:xfrm>
+                <a:prstGeom prst="ellipse">
+                  <a:avLst/>
+                </a:prstGeom>
+                <a:solidFill>
+                  <a:schemeClr val="accent4">
+                    <a:lumMod val="50000"/>
+                    <a:lumOff val="50000"/>
+                  </a:schemeClr>
+                </a:solidFill>
+                <a:ln w="15875" cap="flat" cmpd="sng" algn="ctr">
+                  <a:solidFill>
+                    <a:schemeClr val="accent4">
+                      <a:lumMod val="50000"/>
+                      <a:lumOff val="50000"/>
+                      <a:alpha val="81000"/>
+                    </a:schemeClr>
+                  </a:solidFill>
+                  <a:prstDash val="solid"/>
+                  <a:round/>
+                  <a:headEnd type="none" w="med" len="med"/>
+                  <a:tailEnd type="none" w="med" len="med"/>
+                </a:ln>
+                <a:effectLst/>
+              </p:spPr>
+              <p:txBody>
+                <a:bodyPr vert="horz" wrap="none" lIns="90000" tIns="46800" rIns="90000" bIns="46800" numCol="1" rtlCol="0" anchor="ctr" anchorCtr="0" compatLnSpc="1">
+                  <a:prstTxWarp prst="textNoShape">
+                    <a:avLst/>
+                  </a:prstTxWarp>
+                </a:bodyPr>
+                <a:lstStyle/>
+                <a:p>
+                  <a:pPr marL="0" marR="0" indent="0" algn="l" defTabSz="914400" rtl="0" eaLnBrk="0" fontAlgn="base" latinLnBrk="0" hangingPunct="0">
+                    <a:lnSpc>
+                      <a:spcPct val="100000"/>
+                    </a:lnSpc>
+                    <a:spcBef>
+                      <a:spcPct val="0"/>
+                    </a:spcBef>
+                    <a:spcAft>
+                      <a:spcPct val="0"/>
+                    </a:spcAft>
+                    <a:buClrTx/>
+                    <a:buSzTx/>
+                    <a:buFontTx/>
+                    <a:buNone/>
+                    <a:tabLst/>
+                  </a:pPr>
+                  <a:endParaRPr kumimoji="0" lang="en-US" sz="1400" b="0" i="0" u="none" strike="noStrike" cap="none" normalizeH="0" baseline="0">
+                    <a:ln>
+                      <a:noFill/>
+                    </a:ln>
+                    <a:solidFill>
+                      <a:schemeClr val="tx1"/>
+                    </a:solidFill>
+                    <a:effectLst/>
+                    <a:latin typeface="Arial" charset="0"/>
+                    <a:ea typeface="HY울릉도M" pitchFamily="18" charset="-127"/>
+                  </a:endParaRPr>
+                </a:p>
+              </p:txBody>
+            </p:sp>
+            <p:sp>
+              <p:nvSpPr>
+                <p:cNvPr id="31" name="Rectangle 14">
+                  <a:extLst>
+                    <a:ext uri="{FF2B5EF4-FFF2-40B4-BE49-F238E27FC236}">
+                      <a16:creationId xmlns:a16="http://schemas.microsoft.com/office/drawing/2014/main" id="{0FFEFC64-E759-4647-8B34-5DBAF1283A4D}"/>
+                    </a:ext>
+                  </a:extLst>
+                </p:cNvPr>
+                <p:cNvSpPr/>
+                <p:nvPr/>
+              </p:nvSpPr>
+              <p:spPr bwMode="auto">
+                <a:xfrm>
+                  <a:off x="6543652" y="1930962"/>
+                  <a:ext cx="360640" cy="387168"/>
+                </a:xfrm>
+                <a:prstGeom prst="rect">
+                  <a:avLst/>
+                </a:prstGeom>
+                <a:noFill/>
+                <a:ln w="22225">
+                  <a:solidFill>
+                    <a:schemeClr val="bg1">
+                      <a:lumMod val="75000"/>
+                    </a:schemeClr>
+                  </a:solidFill>
+                  <a:headEnd type="none" w="med" len="med"/>
+                  <a:tailEnd type="none" w="med" len="med"/>
+                </a:ln>
+              </p:spPr>
+              <p:style>
+                <a:lnRef idx="2">
+                  <a:schemeClr val="accent1">
+                    <a:shade val="50000"/>
+                  </a:schemeClr>
+                </a:lnRef>
+                <a:fillRef idx="1">
+                  <a:schemeClr val="accent1"/>
+                </a:fillRef>
+                <a:effectRef idx="0">
+                  <a:schemeClr val="accent1"/>
+                </a:effectRef>
+                <a:fontRef idx="minor">
+                  <a:schemeClr val="lt1"/>
+                </a:fontRef>
+              </p:style>
+              <p:txBody>
+                <a:bodyPr vert="horz" wrap="none" lIns="90000" tIns="46800" rIns="90000" bIns="46800" numCol="1" rtlCol="0" anchor="ctr" anchorCtr="0" compatLnSpc="1">
+                  <a:prstTxWarp prst="textNoShape">
+                    <a:avLst/>
+                  </a:prstTxWarp>
+                </a:bodyPr>
+                <a:lstStyle/>
+                <a:p>
+                  <a:pPr marL="0" marR="0" indent="0" algn="l" defTabSz="914400" rtl="0" eaLnBrk="0" fontAlgn="base" latinLnBrk="0" hangingPunct="0">
+                    <a:lnSpc>
+                      <a:spcPct val="100000"/>
+                    </a:lnSpc>
+                    <a:spcBef>
+                      <a:spcPct val="0"/>
+                    </a:spcBef>
+                    <a:spcAft>
+                      <a:spcPct val="0"/>
+                    </a:spcAft>
+                    <a:buClrTx/>
+                    <a:buSzTx/>
+                    <a:buFontTx/>
+                    <a:buNone/>
+                    <a:tabLst/>
+                  </a:pPr>
+                  <a:endParaRPr kumimoji="0" lang="en-US" sz="1400" b="0" i="0" u="none" strike="noStrike" cap="none" normalizeH="0" baseline="0" dirty="0">
+                    <a:ln>
+                      <a:noFill/>
+                    </a:ln>
+                    <a:solidFill>
+                      <a:schemeClr val="tx1">
+                        <a:alpha val="33000"/>
+                      </a:schemeClr>
+                    </a:solidFill>
+                    <a:effectLst/>
+                    <a:latin typeface="Arial" charset="0"/>
+                    <a:ea typeface="HY울릉도M" pitchFamily="18" charset="-127"/>
+                  </a:endParaRPr>
+                </a:p>
+              </p:txBody>
+            </p:sp>
+          </p:grpSp>
+          <p:sp>
+            <p:nvSpPr>
+              <p:cNvPr id="29" name="TextBox 28">
+                <a:extLst>
+                  <a:ext uri="{FF2B5EF4-FFF2-40B4-BE49-F238E27FC236}">
+                    <a16:creationId xmlns:a16="http://schemas.microsoft.com/office/drawing/2014/main" id="{557C4689-2059-4870-AB35-A1E42092D1AD}"/>
+                  </a:ext>
+                </a:extLst>
+              </p:cNvPr>
+              <p:cNvSpPr txBox="1"/>
+              <p:nvPr/>
+            </p:nvSpPr>
+            <p:spPr>
+              <a:xfrm>
+                <a:off x="5865230" y="4680845"/>
+                <a:ext cx="531957" cy="223884"/>
+              </a:xfrm>
+              <a:prstGeom prst="rect">
+                <a:avLst/>
+              </a:prstGeom>
+              <a:noFill/>
+            </p:spPr>
+            <p:txBody>
+              <a:bodyPr wrap="none" rtlCol="0">
+                <a:spAutoFit/>
+              </a:bodyPr>
+              <a:lstStyle/>
+              <a:p>
+                <a:r>
+                  <a:rPr lang="en-US" altLang="ko-KR" dirty="0">
+                    <a:solidFill>
+                      <a:schemeClr val="bg1"/>
+                    </a:solidFill>
+                  </a:rPr>
+                  <a:t>(x2,y2)</a:t>
+                </a:r>
+                <a:endParaRPr lang="en-US" dirty="0">
+                  <a:solidFill>
+                    <a:schemeClr val="bg1"/>
+                  </a:solidFill>
+                </a:endParaRPr>
+              </a:p>
+            </p:txBody>
+          </p:sp>
+        </p:grpSp>
+      </p:grpSp>
+      <mc:AlternateContent xmlns:mc="http://schemas.openxmlformats.org/markup-compatibility/2006">
+        <mc:Choice xmlns:a14="http://schemas.microsoft.com/office/drawing/2010/main" Requires="a14">
+          <p:sp>
+            <p:nvSpPr>
+              <p:cNvPr id="35" name="TextBox 34">
+                <a:extLst>
+                  <a:ext uri="{FF2B5EF4-FFF2-40B4-BE49-F238E27FC236}">
+                    <a16:creationId xmlns:a16="http://schemas.microsoft.com/office/drawing/2014/main" id="{4268872B-2BF2-4DFA-A7D8-B65BE28BA783}"/>
+                  </a:ext>
+                </a:extLst>
+              </p:cNvPr>
+              <p:cNvSpPr txBox="1"/>
+              <p:nvPr/>
+            </p:nvSpPr>
+            <p:spPr>
+              <a:xfrm>
+                <a:off x="3944515" y="5299447"/>
+                <a:ext cx="1975772" cy="741998"/>
+              </a:xfrm>
+              <a:prstGeom prst="rect">
+                <a:avLst/>
+              </a:prstGeom>
+              <a:noFill/>
+            </p:spPr>
+            <p:txBody>
+              <a:bodyPr wrap="square" rtlCol="0">
+                <a:spAutoFit/>
+              </a:bodyPr>
+              <a:lstStyle/>
+              <a:p>
+                <a:r>
+                  <a:rPr lang="en-US" altLang="ko-KR" dirty="0"/>
+                  <a:t>y1 &lt;= b2 and y2 &gt;= b2</a:t>
+                </a:r>
+              </a:p>
+              <a:p>
+                <a:r>
+                  <a:rPr lang="en-US" altLang="ko-KR" dirty="0"/>
+                  <a:t>x1 &gt;= a1 and x2 &lt;= a2</a:t>
+                </a:r>
+              </a:p>
+              <a:p>
+                <a14:m>
+                  <m:oMath xmlns:m="http://schemas.openxmlformats.org/officeDocument/2006/math">
+                    <m:r>
+                      <a:rPr lang="ko-KR" altLang="en-US" dirty="0">
+                        <a:latin typeface="Cambria Math" panose="02040503050406030204" pitchFamily="18" charset="0"/>
+                      </a:rPr>
+                      <m:t>→</m:t>
+                    </m:r>
+                    <m:r>
+                      <a:rPr lang="en-US" altLang="ko-KR" i="1" dirty="0">
+                        <a:latin typeface="Cambria Math" panose="02040503050406030204" pitchFamily="18" charset="0"/>
+                      </a:rPr>
+                      <m:t>𝑏𝑎𝑙𝑙</m:t>
+                    </m:r>
+                    <m:r>
+                      <a:rPr lang="ko-KR" altLang="en-US" i="1" dirty="0">
+                        <a:latin typeface="Cambria Math" panose="02040503050406030204" pitchFamily="18" charset="0"/>
+                      </a:rPr>
+                      <m:t>을</m:t>
+                    </m:r>
+                  </m:oMath>
+                </a14:m>
+                <a:r>
+                  <a:rPr lang="ko-KR" altLang="en-US" dirty="0"/>
+                  <a:t> 아래로 이동</a:t>
+                </a:r>
+              </a:p>
+            </p:txBody>
+          </p:sp>
+        </mc:Choice>
+        <mc:Fallback>
+          <p:sp>
+            <p:nvSpPr>
+              <p:cNvPr id="35" name="TextBox 34">
+                <a:extLst>
+                  <a:ext uri="{FF2B5EF4-FFF2-40B4-BE49-F238E27FC236}">
+                    <a16:creationId xmlns:a16="http://schemas.microsoft.com/office/drawing/2014/main" id="{4268872B-2BF2-4DFA-A7D8-B65BE28BA783}"/>
+                  </a:ext>
+                </a:extLst>
+              </p:cNvPr>
+              <p:cNvSpPr txBox="1">
+                <a:spLocks noRot="1" noChangeAspect="1" noMove="1" noResize="1" noEditPoints="1" noAdjustHandles="1" noChangeArrowheads="1" noChangeShapeType="1" noTextEdit="1"/>
+              </p:cNvSpPr>
+              <p:nvPr/>
+            </p:nvSpPr>
+            <p:spPr>
+              <a:xfrm>
+                <a:off x="3944515" y="5299447"/>
+                <a:ext cx="1975772" cy="741998"/>
+              </a:xfrm>
+              <a:prstGeom prst="rect">
+                <a:avLst/>
+              </a:prstGeom>
+              <a:blipFill>
+                <a:blip r:embed="rId2"/>
+                <a:stretch>
+                  <a:fillRect l="-926" t="-820" b="-7377"/>
+                </a:stretch>
+              </a:blipFill>
+            </p:spPr>
+            <p:txBody>
+              <a:bodyPr/>
+              <a:lstStyle/>
+              <a:p>
+                <a:r>
+                  <a:rPr lang="ko-KR" altLang="en-US">
+                    <a:noFill/>
+                  </a:rPr>
+                  <a:t> </a:t>
+                </a:r>
+              </a:p>
+            </p:txBody>
+          </p:sp>
+        </mc:Fallback>
+      </mc:AlternateContent>
+      <p:sp>
+        <p:nvSpPr>
+          <p:cNvPr id="36" name="TextBox 35">
+            <a:extLst>
+              <a:ext uri="{FF2B5EF4-FFF2-40B4-BE49-F238E27FC236}">
+                <a16:creationId xmlns:a16="http://schemas.microsoft.com/office/drawing/2014/main" id="{72BEF265-1FB0-409B-A1AA-7A523B183C1D}"/>
+              </a:ext>
+            </a:extLst>
+          </p:cNvPr>
+          <p:cNvSpPr txBox="1"/>
+          <p:nvPr/>
+        </p:nvSpPr>
+        <p:spPr>
+          <a:xfrm>
+            <a:off x="6218754" y="4610318"/>
+            <a:ext cx="750526" cy="307777"/>
+          </a:xfrm>
+          <a:prstGeom prst="rect">
+            <a:avLst/>
+          </a:prstGeom>
+          <a:noFill/>
+        </p:spPr>
+        <p:txBody>
+          <a:bodyPr wrap="none" rtlCol="0">
+            <a:spAutoFit/>
+          </a:bodyPr>
+          <a:lstStyle/>
+          <a:p>
+            <a:r>
+              <a:rPr lang="en-US" altLang="ko-KR" dirty="0">
+                <a:solidFill>
+                  <a:srgbClr val="00B0F0"/>
+                </a:solidFill>
+              </a:rPr>
+              <a:t>(a2,b2)</a:t>
+            </a:r>
+            <a:endParaRPr lang="en-US" dirty="0">
+              <a:solidFill>
+                <a:srgbClr val="00B0F0"/>
+              </a:solidFill>
+            </a:endParaRPr>
+          </a:p>
+        </p:txBody>
+      </p:sp>
+      <p:sp>
+        <p:nvSpPr>
+          <p:cNvPr id="37" name="TextBox 36">
+            <a:extLst>
+              <a:ext uri="{FF2B5EF4-FFF2-40B4-BE49-F238E27FC236}">
+                <a16:creationId xmlns:a16="http://schemas.microsoft.com/office/drawing/2014/main" id="{F29DCFEB-48E7-4DA2-8D32-EC2876409E80}"/>
+              </a:ext>
+            </a:extLst>
+          </p:cNvPr>
+          <p:cNvSpPr txBox="1"/>
+          <p:nvPr/>
+        </p:nvSpPr>
+        <p:spPr>
+          <a:xfrm>
+            <a:off x="1908258" y="2486454"/>
+            <a:ext cx="750526" cy="307777"/>
+          </a:xfrm>
+          <a:prstGeom prst="rect">
+            <a:avLst/>
+          </a:prstGeom>
+          <a:noFill/>
+        </p:spPr>
+        <p:txBody>
+          <a:bodyPr wrap="none" rtlCol="0">
+            <a:spAutoFit/>
+          </a:bodyPr>
+          <a:lstStyle/>
+          <a:p>
+            <a:r>
+              <a:rPr lang="en-US" altLang="ko-KR" dirty="0">
+                <a:solidFill>
+                  <a:srgbClr val="00B0F0"/>
+                </a:solidFill>
+              </a:rPr>
+              <a:t>(a1,b1)</a:t>
+            </a:r>
+            <a:endParaRPr lang="en-US" dirty="0">
+              <a:solidFill>
+                <a:srgbClr val="00B0F0"/>
+              </a:solidFill>
+            </a:endParaRPr>
+          </a:p>
+        </p:txBody>
+      </p:sp>
+      <mc:AlternateContent xmlns:mc="http://schemas.openxmlformats.org/markup-compatibility/2006">
+        <mc:Choice xmlns:a14="http://schemas.microsoft.com/office/drawing/2010/main" Requires="a14">
+          <p:sp>
+            <p:nvSpPr>
+              <p:cNvPr id="38" name="TextBox 37">
+                <a:extLst>
+                  <a:ext uri="{FF2B5EF4-FFF2-40B4-BE49-F238E27FC236}">
+                    <a16:creationId xmlns:a16="http://schemas.microsoft.com/office/drawing/2014/main" id="{4C59F3CC-10EB-475A-9165-ED97ADE2E321}"/>
+                  </a:ext>
+                </a:extLst>
+              </p:cNvPr>
+              <p:cNvSpPr txBox="1"/>
+              <p:nvPr/>
+            </p:nvSpPr>
+            <p:spPr>
+              <a:xfrm>
+                <a:off x="137822" y="3342819"/>
+                <a:ext cx="2191384" cy="741998"/>
+              </a:xfrm>
+              <a:prstGeom prst="rect">
+                <a:avLst/>
+              </a:prstGeom>
+              <a:noFill/>
+            </p:spPr>
+            <p:txBody>
+              <a:bodyPr wrap="square" rtlCol="0">
+                <a:spAutoFit/>
+              </a:bodyPr>
+              <a:lstStyle/>
+              <a:p>
+                <a:r>
+                  <a:rPr lang="en-US" altLang="ko-KR" dirty="0"/>
+                  <a:t>y1 &gt;= b1 and y2 &lt;= b2</a:t>
+                </a:r>
+              </a:p>
+              <a:p>
+                <a:r>
+                  <a:rPr lang="en-US" altLang="ko-KR" dirty="0"/>
+                  <a:t>x1 &lt;= a1 and x2 &gt;= a1</a:t>
+                </a:r>
+              </a:p>
+              <a:p>
+                <a14:m>
+                  <m:oMath xmlns:m="http://schemas.openxmlformats.org/officeDocument/2006/math">
+                    <m:r>
+                      <a:rPr lang="ko-KR" altLang="en-US" dirty="0">
+                        <a:latin typeface="Cambria Math" panose="02040503050406030204" pitchFamily="18" charset="0"/>
+                      </a:rPr>
+                      <m:t>→</m:t>
+                    </m:r>
+                    <m:r>
+                      <a:rPr lang="en-US" altLang="ko-KR" i="1" dirty="0">
+                        <a:latin typeface="Cambria Math" panose="02040503050406030204" pitchFamily="18" charset="0"/>
+                      </a:rPr>
+                      <m:t>𝑏𝑎𝑙𝑙</m:t>
+                    </m:r>
+                    <m:r>
+                      <a:rPr lang="ko-KR" altLang="en-US" i="1" dirty="0">
+                        <a:latin typeface="Cambria Math" panose="02040503050406030204" pitchFamily="18" charset="0"/>
+                      </a:rPr>
+                      <m:t>을</m:t>
+                    </m:r>
+                  </m:oMath>
+                </a14:m>
+                <a:r>
+                  <a:rPr lang="ko-KR" altLang="en-US" dirty="0"/>
+                  <a:t> 왼쪽으로 이동</a:t>
+                </a:r>
+              </a:p>
+            </p:txBody>
+          </p:sp>
+        </mc:Choice>
+        <mc:Fallback>
+          <p:sp>
+            <p:nvSpPr>
+              <p:cNvPr id="38" name="TextBox 37">
+                <a:extLst>
+                  <a:ext uri="{FF2B5EF4-FFF2-40B4-BE49-F238E27FC236}">
+                    <a16:creationId xmlns:a16="http://schemas.microsoft.com/office/drawing/2014/main" id="{4C59F3CC-10EB-475A-9165-ED97ADE2E321}"/>
+                  </a:ext>
+                </a:extLst>
+              </p:cNvPr>
+              <p:cNvSpPr txBox="1">
+                <a:spLocks noRot="1" noChangeAspect="1" noMove="1" noResize="1" noEditPoints="1" noAdjustHandles="1" noChangeArrowheads="1" noChangeShapeType="1" noTextEdit="1"/>
+              </p:cNvSpPr>
+              <p:nvPr/>
+            </p:nvSpPr>
+            <p:spPr>
+              <a:xfrm>
+                <a:off x="137822" y="3342819"/>
+                <a:ext cx="2191384" cy="741998"/>
+              </a:xfrm>
+              <a:prstGeom prst="rect">
+                <a:avLst/>
+              </a:prstGeom>
+              <a:blipFill>
+                <a:blip r:embed="rId3"/>
+                <a:stretch>
+                  <a:fillRect l="-836" t="-820" b="-7377"/>
+                </a:stretch>
+              </a:blipFill>
+            </p:spPr>
+            <p:txBody>
+              <a:bodyPr/>
+              <a:lstStyle/>
+              <a:p>
+                <a:r>
+                  <a:rPr lang="ko-KR" altLang="en-US">
+                    <a:noFill/>
+                  </a:rPr>
+                  <a:t> </a:t>
+                </a:r>
+              </a:p>
+            </p:txBody>
+          </p:sp>
+        </mc:Fallback>
+      </mc:AlternateContent>
+      <mc:AlternateContent xmlns:mc="http://schemas.openxmlformats.org/markup-compatibility/2006">
+        <mc:Choice xmlns:a14="http://schemas.microsoft.com/office/drawing/2010/main" Requires="a14">
+          <p:sp>
+            <p:nvSpPr>
+              <p:cNvPr id="39" name="TextBox 38">
+                <a:extLst>
+                  <a:ext uri="{FF2B5EF4-FFF2-40B4-BE49-F238E27FC236}">
+                    <a16:creationId xmlns:a16="http://schemas.microsoft.com/office/drawing/2014/main" id="{57139A67-598E-436A-959C-10C952C5F95A}"/>
+                  </a:ext>
+                </a:extLst>
+              </p:cNvPr>
+              <p:cNvSpPr txBox="1"/>
+              <p:nvPr/>
+            </p:nvSpPr>
+            <p:spPr>
+              <a:xfrm>
+                <a:off x="6797078" y="3381501"/>
+                <a:ext cx="2346921" cy="741998"/>
+              </a:xfrm>
+              <a:prstGeom prst="rect">
+                <a:avLst/>
+              </a:prstGeom>
+              <a:noFill/>
+            </p:spPr>
+            <p:txBody>
+              <a:bodyPr wrap="square" rtlCol="0">
+                <a:spAutoFit/>
+              </a:bodyPr>
+              <a:lstStyle/>
+              <a:p>
+                <a:r>
+                  <a:rPr lang="en-US" altLang="ko-KR" dirty="0"/>
+                  <a:t>y1 &gt;= b1 and y2 &lt;= b2</a:t>
+                </a:r>
+              </a:p>
+              <a:p>
+                <a:r>
+                  <a:rPr lang="en-US" altLang="ko-KR" dirty="0"/>
+                  <a:t>x1 &lt;= a2 and x2 &gt;= a2</a:t>
+                </a:r>
+              </a:p>
+              <a:p>
+                <a14:m>
+                  <m:oMath xmlns:m="http://schemas.openxmlformats.org/officeDocument/2006/math">
+                    <m:r>
+                      <a:rPr lang="ko-KR" altLang="en-US" dirty="0">
+                        <a:latin typeface="Cambria Math" panose="02040503050406030204" pitchFamily="18" charset="0"/>
+                      </a:rPr>
+                      <m:t>→</m:t>
+                    </m:r>
+                    <m:r>
+                      <a:rPr lang="en-US" altLang="ko-KR" i="1" dirty="0">
+                        <a:latin typeface="Cambria Math" panose="02040503050406030204" pitchFamily="18" charset="0"/>
+                      </a:rPr>
+                      <m:t>𝑏𝑎𝑙𝑙</m:t>
+                    </m:r>
+                    <m:r>
+                      <a:rPr lang="ko-KR" altLang="en-US" i="1" dirty="0">
+                        <a:latin typeface="Cambria Math" panose="02040503050406030204" pitchFamily="18" charset="0"/>
+                      </a:rPr>
+                      <m:t>을</m:t>
+                    </m:r>
+                  </m:oMath>
+                </a14:m>
+                <a:r>
+                  <a:rPr lang="ko-KR" altLang="en-US" dirty="0"/>
+                  <a:t> 오른쪽으로 이동</a:t>
+                </a:r>
+              </a:p>
+            </p:txBody>
+          </p:sp>
+        </mc:Choice>
+        <mc:Fallback>
+          <p:sp>
+            <p:nvSpPr>
+              <p:cNvPr id="39" name="TextBox 38">
+                <a:extLst>
+                  <a:ext uri="{FF2B5EF4-FFF2-40B4-BE49-F238E27FC236}">
+                    <a16:creationId xmlns:a16="http://schemas.microsoft.com/office/drawing/2014/main" id="{57139A67-598E-436A-959C-10C952C5F95A}"/>
+                  </a:ext>
+                </a:extLst>
+              </p:cNvPr>
+              <p:cNvSpPr txBox="1">
+                <a:spLocks noRot="1" noChangeAspect="1" noMove="1" noResize="1" noEditPoints="1" noAdjustHandles="1" noChangeArrowheads="1" noChangeShapeType="1" noTextEdit="1"/>
+              </p:cNvSpPr>
+              <p:nvPr/>
+            </p:nvSpPr>
+            <p:spPr>
+              <a:xfrm>
+                <a:off x="6797078" y="3381501"/>
+                <a:ext cx="2346921" cy="741998"/>
+              </a:xfrm>
+              <a:prstGeom prst="rect">
+                <a:avLst/>
+              </a:prstGeom>
+              <a:blipFill>
+                <a:blip r:embed="rId4"/>
+                <a:stretch>
+                  <a:fillRect l="-779" t="-1653" b="-7438"/>
+                </a:stretch>
+              </a:blipFill>
+            </p:spPr>
+            <p:txBody>
+              <a:bodyPr/>
+              <a:lstStyle/>
+              <a:p>
+                <a:r>
+                  <a:rPr lang="ko-KR" altLang="en-US">
+                    <a:noFill/>
+                  </a:rPr>
+                  <a:t> </a:t>
+                </a:r>
+              </a:p>
+            </p:txBody>
+          </p:sp>
+        </mc:Fallback>
+      </mc:AlternateContent>
+      <mc:AlternateContent xmlns:mc="http://schemas.openxmlformats.org/markup-compatibility/2006">
+        <mc:Choice xmlns:a14="http://schemas.microsoft.com/office/drawing/2010/main" Requires="a14">
+          <p:sp>
+            <p:nvSpPr>
+              <p:cNvPr id="40" name="TextBox 39">
+                <a:extLst>
+                  <a:ext uri="{FF2B5EF4-FFF2-40B4-BE49-F238E27FC236}">
+                    <a16:creationId xmlns:a16="http://schemas.microsoft.com/office/drawing/2014/main" id="{9862FF50-6A89-4351-A2C1-BEF9104B1FFD}"/>
+                  </a:ext>
+                </a:extLst>
+              </p:cNvPr>
+              <p:cNvSpPr txBox="1"/>
+              <p:nvPr/>
+            </p:nvSpPr>
+            <p:spPr>
+              <a:xfrm>
+                <a:off x="3268420" y="1187112"/>
+                <a:ext cx="1975772" cy="738664"/>
+              </a:xfrm>
+              <a:prstGeom prst="rect">
+                <a:avLst/>
+              </a:prstGeom>
+              <a:noFill/>
+            </p:spPr>
+            <p:txBody>
+              <a:bodyPr wrap="square" rtlCol="0">
+                <a:spAutoFit/>
+              </a:bodyPr>
+              <a:lstStyle/>
+              <a:p>
+                <a:r>
+                  <a:rPr lang="en-US" altLang="ko-KR" dirty="0"/>
+                  <a:t>y1 &lt;= b1 and y2 &gt;= b1</a:t>
+                </a:r>
+              </a:p>
+              <a:p>
+                <a:r>
+                  <a:rPr lang="en-US" altLang="ko-KR" dirty="0"/>
+                  <a:t>x1 &gt;= a1 and x2 &lt;= a2</a:t>
+                </a:r>
+              </a:p>
+              <a:p>
+                <a:pPr/>
+                <a14:m>
+                  <m:oMath xmlns:m="http://schemas.openxmlformats.org/officeDocument/2006/math">
+                    <m:r>
+                      <a:rPr lang="ko-KR" altLang="en-US" dirty="0" smtClean="0">
+                        <a:latin typeface="Cambria Math" panose="02040503050406030204" pitchFamily="18" charset="0"/>
+                      </a:rPr>
+                      <m:t>→</m:t>
+                    </m:r>
+                    <m:r>
+                      <a:rPr lang="en-US" altLang="ko-KR" b="0" i="1" dirty="0" smtClean="0">
+                        <a:latin typeface="Cambria Math" panose="02040503050406030204" pitchFamily="18" charset="0"/>
+                      </a:rPr>
+                      <m:t>𝑏𝑎𝑙𝑙</m:t>
+                    </m:r>
+                    <m:r>
+                      <a:rPr lang="ko-KR" altLang="en-US" i="1" dirty="0">
+                        <a:latin typeface="Cambria Math" panose="02040503050406030204" pitchFamily="18" charset="0"/>
+                      </a:rPr>
+                      <m:t>을</m:t>
+                    </m:r>
+                  </m:oMath>
+                </a14:m>
+                <a:r>
+                  <a:rPr lang="ko-KR" altLang="en-US" dirty="0"/>
+                  <a:t> 위로 이동</a:t>
+                </a:r>
+              </a:p>
+            </p:txBody>
+          </p:sp>
+        </mc:Choice>
+        <mc:Fallback>
+          <p:sp>
+            <p:nvSpPr>
+              <p:cNvPr id="40" name="TextBox 39">
+                <a:extLst>
+                  <a:ext uri="{FF2B5EF4-FFF2-40B4-BE49-F238E27FC236}">
+                    <a16:creationId xmlns:a16="http://schemas.microsoft.com/office/drawing/2014/main" id="{9862FF50-6A89-4351-A2C1-BEF9104B1FFD}"/>
+                  </a:ext>
+                </a:extLst>
+              </p:cNvPr>
+              <p:cNvSpPr txBox="1">
+                <a:spLocks noRot="1" noChangeAspect="1" noMove="1" noResize="1" noEditPoints="1" noAdjustHandles="1" noChangeArrowheads="1" noChangeShapeType="1" noTextEdit="1"/>
+              </p:cNvSpPr>
+              <p:nvPr/>
+            </p:nvSpPr>
+            <p:spPr>
+              <a:xfrm>
+                <a:off x="3268420" y="1187112"/>
+                <a:ext cx="1975772" cy="738664"/>
+              </a:xfrm>
+              <a:prstGeom prst="rect">
+                <a:avLst/>
+              </a:prstGeom>
+              <a:blipFill>
+                <a:blip r:embed="rId5"/>
+                <a:stretch>
+                  <a:fillRect l="-926" t="-1653" b="-7438"/>
+                </a:stretch>
+              </a:blipFill>
+            </p:spPr>
+            <p:txBody>
+              <a:bodyPr/>
+              <a:lstStyle/>
+              <a:p>
+                <a:r>
+                  <a:rPr lang="ko-KR" altLang="en-US">
+                    <a:noFill/>
+                  </a:rPr>
+                  <a:t> </a:t>
+                </a:r>
+              </a:p>
+            </p:txBody>
+          </p:sp>
+        </mc:Fallback>
+      </mc:AlternateContent>
+    </p:spTree>
+    <p:extLst>
+      <p:ext uri="{BB962C8B-B14F-4D97-AF65-F5344CB8AC3E}">
+        <p14:creationId xmlns:p14="http://schemas.microsoft.com/office/powerpoint/2010/main" val="3507440663"/>
+      </p:ext>
+    </p:extLst>
+  </p:cSld>
+  <p:clrMapOvr>
+    <a:masterClrMapping/>
+  </p:clrMapOvr>
+</p:sld>
+</file>
+
+<file path=ppt/slides/slide19.xml><?xml version="1.0" encoding="utf-8"?>
+<p:sld xmlns:a="http://schemas.openxmlformats.org/drawingml/2006/main" xmlns:r="http://schemas.openxmlformats.org/officeDocument/2006/relationships" xmlns:p="http://schemas.openxmlformats.org/presentationml/2006/main">
+  <p:cSld>
+    <p:spTree>
+      <p:nvGrpSpPr>
+        <p:cNvPr id="1" name=""/>
+        <p:cNvGrpSpPr/>
+        <p:nvPr/>
+      </p:nvGrpSpPr>
+      <p:grpSpPr>
+        <a:xfrm>
+          <a:off x="0" y="0"/>
+          <a:ext cx="0" cy="0"/>
+          <a:chOff x="0" y="0"/>
+          <a:chExt cx="0" cy="0"/>
+        </a:xfrm>
+      </p:grpSpPr>
+      <p:sp>
+        <p:nvSpPr>
           <p:cNvPr id="2" name="제목 1"/>
           <p:cNvSpPr>
             <a:spLocks noGrp="1"/>
@@ -5764,7 +7702,146 @@
 </p:sld>
 </file>
 
-<file path=ppt/slides/slide19.xml><?xml version="1.0" encoding="utf-8"?>
+<file path=ppt/slides/slide2.xml><?xml version="1.0" encoding="utf-8"?>
+<p:sld xmlns:a="http://schemas.openxmlformats.org/drawingml/2006/main" xmlns:r="http://schemas.openxmlformats.org/officeDocument/2006/relationships" xmlns:p="http://schemas.openxmlformats.org/presentationml/2006/main">
+  <p:cSld>
+    <p:spTree>
+      <p:nvGrpSpPr>
+        <p:cNvPr id="1" name=""/>
+        <p:cNvGrpSpPr/>
+        <p:nvPr/>
+      </p:nvGrpSpPr>
+      <p:grpSpPr>
+        <a:xfrm>
+          <a:off x="0" y="0"/>
+          <a:ext cx="0" cy="0"/>
+          <a:chOff x="0" y="0"/>
+          <a:chExt cx="0" cy="0"/>
+        </a:xfrm>
+      </p:grpSpPr>
+      <p:sp>
+        <p:nvSpPr>
+          <p:cNvPr id="2" name="Title 1">
+            <a:extLst>
+              <a:ext uri="{FF2B5EF4-FFF2-40B4-BE49-F238E27FC236}">
+                <a16:creationId xmlns:a16="http://schemas.microsoft.com/office/drawing/2014/main" id="{BFA37ECD-F143-1841-8271-34FF7726A48A}"/>
+              </a:ext>
+            </a:extLst>
+          </p:cNvPr>
+          <p:cNvSpPr>
+            <a:spLocks noGrp="1"/>
+          </p:cNvSpPr>
+          <p:nvPr>
+            <p:ph type="title"/>
+          </p:nvPr>
+        </p:nvSpPr>
+        <p:spPr/>
+        <p:txBody>
+          <a:bodyPr/>
+          <a:lstStyle/>
+          <a:p>
+            <a:r>
+              <a:rPr lang="ko-KR" altLang="en-US" dirty="0"/>
+              <a:t>목차</a:t>
+            </a:r>
+            <a:endParaRPr lang="en-US" dirty="0"/>
+          </a:p>
+        </p:txBody>
+      </p:sp>
+      <p:sp>
+        <p:nvSpPr>
+          <p:cNvPr id="3" name="Content Placeholder 2">
+            <a:extLst>
+              <a:ext uri="{FF2B5EF4-FFF2-40B4-BE49-F238E27FC236}">
+                <a16:creationId xmlns:a16="http://schemas.microsoft.com/office/drawing/2014/main" id="{3632D965-DE0D-8D48-9BC7-2168016E6529}"/>
+              </a:ext>
+            </a:extLst>
+          </p:cNvPr>
+          <p:cNvSpPr>
+            <a:spLocks noGrp="1"/>
+          </p:cNvSpPr>
+          <p:nvPr>
+            <p:ph idx="1"/>
+          </p:nvPr>
+        </p:nvSpPr>
+        <p:spPr/>
+        <p:txBody>
+          <a:bodyPr/>
+          <a:lstStyle/>
+          <a:p>
+            <a:r>
+              <a:rPr lang="ko-KR" altLang="en-US" dirty="0"/>
+              <a:t>요구사항 분석</a:t>
+            </a:r>
+            <a:endParaRPr lang="en-US" altLang="ko-KR" dirty="0"/>
+          </a:p>
+          <a:p>
+            <a:r>
+              <a:rPr lang="ko-KR" altLang="en-US" dirty="0"/>
+              <a:t>설계</a:t>
+            </a:r>
+            <a:endParaRPr lang="en-US" altLang="ko-KR" dirty="0"/>
+          </a:p>
+          <a:p>
+            <a:r>
+              <a:rPr lang="ko-KR" altLang="en-US" dirty="0"/>
+              <a:t>구현</a:t>
+            </a:r>
+            <a:endParaRPr lang="en-US" altLang="ko-KR" dirty="0"/>
+          </a:p>
+          <a:p>
+            <a:r>
+              <a:rPr lang="ko-KR" altLang="en-US" dirty="0"/>
+              <a:t>테스트</a:t>
+            </a:r>
+            <a:endParaRPr lang="en-US" dirty="0"/>
+          </a:p>
+        </p:txBody>
+      </p:sp>
+      <p:sp>
+        <p:nvSpPr>
+          <p:cNvPr id="4" name="Footer Placeholder 3">
+            <a:extLst>
+              <a:ext uri="{FF2B5EF4-FFF2-40B4-BE49-F238E27FC236}">
+                <a16:creationId xmlns:a16="http://schemas.microsoft.com/office/drawing/2014/main" id="{93784C41-C3F4-5444-86A2-338BB44513B9}"/>
+              </a:ext>
+            </a:extLst>
+          </p:cNvPr>
+          <p:cNvSpPr>
+            <a:spLocks noGrp="1"/>
+          </p:cNvSpPr>
+          <p:nvPr>
+            <p:ph type="ftr" sz="quarter" idx="3"/>
+          </p:nvPr>
+        </p:nvSpPr>
+        <p:spPr/>
+        <p:txBody>
+          <a:bodyPr/>
+          <a:lstStyle/>
+          <a:p>
+            <a:pPr algn="r"/>
+            <a:r>
+              <a:rPr lang="en-US" altLang="ko-KR"/>
+              <a:t>Copyright 2018 SMU SELab., All rights reserved.</a:t>
+            </a:r>
+            <a:endParaRPr lang="en-US" altLang="ko-KR" dirty="0"/>
+          </a:p>
+        </p:txBody>
+      </p:sp>
+    </p:spTree>
+    <p:extLst>
+      <p:ext uri="{BB962C8B-B14F-4D97-AF65-F5344CB8AC3E}">
+        <p14:creationId xmlns:p14="http://schemas.microsoft.com/office/powerpoint/2010/main" val="2248809417"/>
+      </p:ext>
+    </p:extLst>
+  </p:cSld>
+  <p:clrMapOvr>
+    <a:masterClrMapping/>
+  </p:clrMapOvr>
+</p:sld>
+</file>
+
+<file path=ppt/slides/slide20.xml><?xml version="1.0" encoding="utf-8"?>
 <p:sld xmlns:a="http://schemas.openxmlformats.org/drawingml/2006/main" xmlns:r="http://schemas.openxmlformats.org/officeDocument/2006/relationships" xmlns:p="http://schemas.openxmlformats.org/presentationml/2006/main">
   <p:cSld>
     <p:spTree>
@@ -7424,146 +9501,7 @@
 </p:sld>
 </file>
 
-<file path=ppt/slides/slide2.xml><?xml version="1.0" encoding="utf-8"?>
-<p:sld xmlns:a="http://schemas.openxmlformats.org/drawingml/2006/main" xmlns:r="http://schemas.openxmlformats.org/officeDocument/2006/relationships" xmlns:p="http://schemas.openxmlformats.org/presentationml/2006/main">
-  <p:cSld>
-    <p:spTree>
-      <p:nvGrpSpPr>
-        <p:cNvPr id="1" name=""/>
-        <p:cNvGrpSpPr/>
-        <p:nvPr/>
-      </p:nvGrpSpPr>
-      <p:grpSpPr>
-        <a:xfrm>
-          <a:off x="0" y="0"/>
-          <a:ext cx="0" cy="0"/>
-          <a:chOff x="0" y="0"/>
-          <a:chExt cx="0" cy="0"/>
-        </a:xfrm>
-      </p:grpSpPr>
-      <p:sp>
-        <p:nvSpPr>
-          <p:cNvPr id="2" name="Title 1">
-            <a:extLst>
-              <a:ext uri="{FF2B5EF4-FFF2-40B4-BE49-F238E27FC236}">
-                <a16:creationId xmlns:a16="http://schemas.microsoft.com/office/drawing/2014/main" id="{BFA37ECD-F143-1841-8271-34FF7726A48A}"/>
-              </a:ext>
-            </a:extLst>
-          </p:cNvPr>
-          <p:cNvSpPr>
-            <a:spLocks noGrp="1"/>
-          </p:cNvSpPr>
-          <p:nvPr>
-            <p:ph type="title"/>
-          </p:nvPr>
-        </p:nvSpPr>
-        <p:spPr/>
-        <p:txBody>
-          <a:bodyPr/>
-          <a:lstStyle/>
-          <a:p>
-            <a:r>
-              <a:rPr lang="ko-KR" altLang="en-US" dirty="0"/>
-              <a:t>목차</a:t>
-            </a:r>
-            <a:endParaRPr lang="en-US" dirty="0"/>
-          </a:p>
-        </p:txBody>
-      </p:sp>
-      <p:sp>
-        <p:nvSpPr>
-          <p:cNvPr id="3" name="Content Placeholder 2">
-            <a:extLst>
-              <a:ext uri="{FF2B5EF4-FFF2-40B4-BE49-F238E27FC236}">
-                <a16:creationId xmlns:a16="http://schemas.microsoft.com/office/drawing/2014/main" id="{3632D965-DE0D-8D48-9BC7-2168016E6529}"/>
-              </a:ext>
-            </a:extLst>
-          </p:cNvPr>
-          <p:cNvSpPr>
-            <a:spLocks noGrp="1"/>
-          </p:cNvSpPr>
-          <p:nvPr>
-            <p:ph idx="1"/>
-          </p:nvPr>
-        </p:nvSpPr>
-        <p:spPr/>
-        <p:txBody>
-          <a:bodyPr/>
-          <a:lstStyle/>
-          <a:p>
-            <a:r>
-              <a:rPr lang="ko-KR" altLang="en-US" dirty="0"/>
-              <a:t>요구사항 분석</a:t>
-            </a:r>
-            <a:endParaRPr lang="en-US" altLang="ko-KR" dirty="0"/>
-          </a:p>
-          <a:p>
-            <a:r>
-              <a:rPr lang="ko-KR" altLang="en-US" dirty="0"/>
-              <a:t>설계</a:t>
-            </a:r>
-            <a:endParaRPr lang="en-US" altLang="ko-KR" dirty="0"/>
-          </a:p>
-          <a:p>
-            <a:r>
-              <a:rPr lang="ko-KR" altLang="en-US" dirty="0"/>
-              <a:t>구현</a:t>
-            </a:r>
-            <a:endParaRPr lang="en-US" altLang="ko-KR" dirty="0"/>
-          </a:p>
-          <a:p>
-            <a:r>
-              <a:rPr lang="ko-KR" altLang="en-US" dirty="0"/>
-              <a:t>테스트</a:t>
-            </a:r>
-            <a:endParaRPr lang="en-US" dirty="0"/>
-          </a:p>
-        </p:txBody>
-      </p:sp>
-      <p:sp>
-        <p:nvSpPr>
-          <p:cNvPr id="4" name="Footer Placeholder 3">
-            <a:extLst>
-              <a:ext uri="{FF2B5EF4-FFF2-40B4-BE49-F238E27FC236}">
-                <a16:creationId xmlns:a16="http://schemas.microsoft.com/office/drawing/2014/main" id="{93784C41-C3F4-5444-86A2-338BB44513B9}"/>
-              </a:ext>
-            </a:extLst>
-          </p:cNvPr>
-          <p:cNvSpPr>
-            <a:spLocks noGrp="1"/>
-          </p:cNvSpPr>
-          <p:nvPr>
-            <p:ph type="ftr" sz="quarter" idx="3"/>
-          </p:nvPr>
-        </p:nvSpPr>
-        <p:spPr/>
-        <p:txBody>
-          <a:bodyPr/>
-          <a:lstStyle/>
-          <a:p>
-            <a:pPr algn="r"/>
-            <a:r>
-              <a:rPr lang="en-US" altLang="ko-KR"/>
-              <a:t>Copyright 2018 SMU SELab., All rights reserved.</a:t>
-            </a:r>
-            <a:endParaRPr lang="en-US" altLang="ko-KR" dirty="0"/>
-          </a:p>
-        </p:txBody>
-      </p:sp>
-    </p:spTree>
-    <p:extLst>
-      <p:ext uri="{BB962C8B-B14F-4D97-AF65-F5344CB8AC3E}">
-        <p14:creationId xmlns:p14="http://schemas.microsoft.com/office/powerpoint/2010/main" val="2248809417"/>
-      </p:ext>
-    </p:extLst>
-  </p:cSld>
-  <p:clrMapOvr>
-    <a:masterClrMapping/>
-  </p:clrMapOvr>
-</p:sld>
-</file>
-
-<file path=ppt/slides/slide20.xml><?xml version="1.0" encoding="utf-8"?>
+<file path=ppt/slides/slide21.xml><?xml version="1.0" encoding="utf-8"?>
 <p:sld xmlns:a="http://schemas.openxmlformats.org/drawingml/2006/main" xmlns:r="http://schemas.openxmlformats.org/officeDocument/2006/relationships" xmlns:p="http://schemas.openxmlformats.org/presentationml/2006/main">
   <p:cSld>
     <p:spTree>
@@ -7935,7 +9873,7 @@
         </p:nvGraphicFramePr>
         <p:xfrm>
           <a:off x="817942" y="2554468"/>
-          <a:ext cx="7573704" cy="1320800"/>
+          <a:ext cx="7573704" cy="1112520"/>
         </p:xfrm>
         <a:graphic>
           <a:graphicData uri="http://schemas.openxmlformats.org/drawingml/2006/table">
@@ -8160,7 +10098,7 @@
 </p:sld>
 </file>
 
-<file path=ppt/slides/slide21.xml><?xml version="1.0" encoding="utf-8"?>
+<file path=ppt/slides/slide22.xml><?xml version="1.0" encoding="utf-8"?>
 <p:sld xmlns:a="http://schemas.openxmlformats.org/drawingml/2006/main" xmlns:r="http://schemas.openxmlformats.org/officeDocument/2006/relationships" xmlns:p="http://schemas.openxmlformats.org/presentationml/2006/main">
   <p:cSld>
     <p:spTree>
@@ -8812,7 +10750,7 @@
 </p:sld>
 </file>
 
-<file path=ppt/slides/slide22.xml><?xml version="1.0" encoding="utf-8"?>
+<file path=ppt/slides/slide23.xml><?xml version="1.0" encoding="utf-8"?>
 <p:sld xmlns:a="http://schemas.openxmlformats.org/drawingml/2006/main" xmlns:r="http://schemas.openxmlformats.org/officeDocument/2006/relationships" xmlns:p="http://schemas.openxmlformats.org/presentationml/2006/main">
   <p:cSld>
     <p:spTree>
